--- a/Retro Paradise 2.0.pptx
+++ b/Retro Paradise 2.0.pptx
@@ -12,6 +12,8 @@
     <p:sldId id="260" r:id="rId6"/>
     <p:sldId id="261" r:id="rId7"/>
     <p:sldId id="262" r:id="rId8"/>
+    <p:sldId id="263" r:id="rId9"/>
+    <p:sldId id="264" r:id="rId10"/>
   </p:sldIdLst>
   <p:sldSz cx="12192000" cy="6858000"/>
   <p:notesSz cx="6858000" cy="9144000"/>
@@ -110,6 +112,11 @@
       </a:defRPr>
     </a:lvl9pPr>
   </p:defaultTextStyle>
+  <p:extLst>
+    <p:ext uri="{EFAFB233-063F-42B5-8137-9DF3F51BA10A}">
+      <p15:sldGuideLst xmlns:p15="http://schemas.microsoft.com/office/powerpoint/2012/main"/>
+    </p:ext>
+  </p:extLst>
 </p:presentation>
 </file>
 
@@ -4295,7 +4302,7 @@
           </a:lstStyle>
           <a:p>
             <a:r>
-              <a:rPr lang="en-US" smtClean="0"/>
+              <a:rPr lang="en-US"/>
               <a:t>Click to edit Master title style</a:t>
             </a:r>
             <a:endParaRPr lang="en-US" dirty="0"/>
@@ -4366,7 +4373,7 @@
           </a:lstStyle>
           <a:p>
             <a:r>
-              <a:rPr lang="en-US" smtClean="0"/>
+              <a:rPr lang="en-US"/>
               <a:t>Click to edit Master subtitle style</a:t>
             </a:r>
             <a:endParaRPr lang="en-US" dirty="0"/>
@@ -4505,7 +4512,7 @@
           </a:lstStyle>
           <a:p>
             <a:r>
-              <a:rPr lang="en-US" smtClean="0"/>
+              <a:rPr lang="en-US"/>
               <a:t>Click to edit Master title style</a:t>
             </a:r>
             <a:endParaRPr lang="en-US" dirty="0"/>
@@ -4566,7 +4573,7 @@
               <a:buNone/>
             </a:pPr>
             <a:r>
-              <a:rPr lang="en-US" smtClean="0"/>
+              <a:rPr lang="en-US"/>
               <a:t>Click icon to add picture</a:t>
             </a:r>
             <a:endParaRPr lang="en-US" dirty="0"/>
@@ -4634,7 +4641,7 @@
           <a:p>
             <a:pPr lvl="0"/>
             <a:r>
-              <a:rPr lang="en-US" smtClean="0"/>
+              <a:rPr lang="en-US"/>
               <a:t>Click to edit Master text styles</a:t>
             </a:r>
           </a:p>
@@ -4757,7 +4764,7 @@
           </a:lstStyle>
           <a:p>
             <a:r>
-              <a:rPr lang="en-US" smtClean="0"/>
+              <a:rPr lang="en-US"/>
               <a:t>Click to edit Master title style</a:t>
             </a:r>
             <a:endParaRPr lang="en-US" dirty="0"/>
@@ -4825,7 +4832,7 @@
           <a:p>
             <a:pPr lvl="0"/>
             <a:r>
-              <a:rPr lang="en-US" smtClean="0"/>
+              <a:rPr lang="en-US"/>
               <a:t>Click to edit Master text styles</a:t>
             </a:r>
           </a:p>
@@ -4948,7 +4955,7 @@
           </a:lstStyle>
           <a:p>
             <a:r>
-              <a:rPr lang="en-US" smtClean="0"/>
+              <a:rPr lang="en-US"/>
               <a:t>Click to edit Master title style</a:t>
             </a:r>
             <a:endParaRPr lang="en-US" dirty="0"/>
@@ -5016,7 +5023,7 @@
           <a:p>
             <a:pPr lvl="0"/>
             <a:r>
-              <a:rPr lang="en-US" smtClean="0"/>
+              <a:rPr lang="en-US"/>
               <a:t>Click to edit Master text styles</a:t>
             </a:r>
           </a:p>
@@ -5083,7 +5090,7 @@
           <a:p>
             <a:pPr lvl="0"/>
             <a:r>
-              <a:rPr lang="en-US" smtClean="0"/>
+              <a:rPr lang="en-US"/>
               <a:t>Click to edit Master text styles</a:t>
             </a:r>
           </a:p>
@@ -5444,7 +5451,7 @@
           </a:lstStyle>
           <a:p>
             <a:r>
-              <a:rPr lang="en-US" smtClean="0"/>
+              <a:rPr lang="en-US"/>
               <a:t>Click to edit Master title style</a:t>
             </a:r>
             <a:endParaRPr lang="en-US" dirty="0"/>
@@ -5512,7 +5519,7 @@
           <a:p>
             <a:pPr lvl="0"/>
             <a:r>
-              <a:rPr lang="en-US" smtClean="0"/>
+              <a:rPr lang="en-US"/>
               <a:t>Click to edit Master text styles</a:t>
             </a:r>
           </a:p>
@@ -5629,7 +5636,7 @@
           <a:lstStyle/>
           <a:p>
             <a:r>
-              <a:rPr lang="en-US" smtClean="0"/>
+              <a:rPr lang="en-US"/>
               <a:t>Click to edit Master title style</a:t>
             </a:r>
             <a:endParaRPr lang="en-US" dirty="0"/>
@@ -5704,7 +5711,7 @@
           <a:p>
             <a:pPr lvl="0"/>
             <a:r>
-              <a:rPr lang="en-US" smtClean="0"/>
+              <a:rPr lang="en-US"/>
               <a:t>Click to edit Master text styles</a:t>
             </a:r>
           </a:p>
@@ -5771,7 +5778,7 @@
           <a:p>
             <a:pPr lvl="0"/>
             <a:r>
-              <a:rPr lang="en-US" smtClean="0"/>
+              <a:rPr lang="en-US"/>
               <a:t>Click to edit Master text styles</a:t>
             </a:r>
           </a:p>
@@ -5845,7 +5852,7 @@
           <a:p>
             <a:pPr lvl="0"/>
             <a:r>
-              <a:rPr lang="en-US" smtClean="0"/>
+              <a:rPr lang="en-US"/>
               <a:t>Click to edit Master text styles</a:t>
             </a:r>
           </a:p>
@@ -5912,7 +5919,7 @@
           <a:p>
             <a:pPr lvl="0"/>
             <a:r>
-              <a:rPr lang="en-US" smtClean="0"/>
+              <a:rPr lang="en-US"/>
               <a:t>Click to edit Master text styles</a:t>
             </a:r>
           </a:p>
@@ -5986,7 +5993,7 @@
           <a:p>
             <a:pPr lvl="0"/>
             <a:r>
-              <a:rPr lang="en-US" smtClean="0"/>
+              <a:rPr lang="en-US"/>
               <a:t>Click to edit Master text styles</a:t>
             </a:r>
           </a:p>
@@ -6053,7 +6060,7 @@
           <a:p>
             <a:pPr lvl="0"/>
             <a:r>
-              <a:rPr lang="en-US" smtClean="0"/>
+              <a:rPr lang="en-US"/>
               <a:t>Click to edit Master text styles</a:t>
             </a:r>
           </a:p>
@@ -6170,7 +6177,7 @@
           <a:lstStyle/>
           <a:p>
             <a:r>
-              <a:rPr lang="en-US" smtClean="0"/>
+              <a:rPr lang="en-US"/>
               <a:t>Click to edit Master title style</a:t>
             </a:r>
             <a:endParaRPr lang="en-US" dirty="0"/>
@@ -6245,7 +6252,7 @@
           <a:p>
             <a:pPr lvl="0"/>
             <a:r>
-              <a:rPr lang="en-US" smtClean="0"/>
+              <a:rPr lang="en-US"/>
               <a:t>Click to edit Master text styles</a:t>
             </a:r>
           </a:p>
@@ -6302,7 +6309,7 @@
               <a:buNone/>
             </a:pPr>
             <a:r>
-              <a:rPr lang="en-US" smtClean="0"/>
+              <a:rPr lang="en-US"/>
               <a:t>Click icon to add picture</a:t>
             </a:r>
             <a:endParaRPr lang="en-US" dirty="0"/>
@@ -6370,7 +6377,7 @@
           <a:p>
             <a:pPr lvl="0"/>
             <a:r>
-              <a:rPr lang="en-US" smtClean="0"/>
+              <a:rPr lang="en-US"/>
               <a:t>Click to edit Master text styles</a:t>
             </a:r>
           </a:p>
@@ -6444,7 +6451,7 @@
           <a:p>
             <a:pPr lvl="0"/>
             <a:r>
-              <a:rPr lang="en-US" smtClean="0"/>
+              <a:rPr lang="en-US"/>
               <a:t>Click to edit Master text styles</a:t>
             </a:r>
           </a:p>
@@ -6501,7 +6508,7 @@
               <a:buNone/>
             </a:pPr>
             <a:r>
-              <a:rPr lang="en-US" smtClean="0"/>
+              <a:rPr lang="en-US"/>
               <a:t>Click icon to add picture</a:t>
             </a:r>
             <a:endParaRPr lang="en-US" dirty="0"/>
@@ -6569,7 +6576,7 @@
           <a:p>
             <a:pPr lvl="0"/>
             <a:r>
-              <a:rPr lang="en-US" smtClean="0"/>
+              <a:rPr lang="en-US"/>
               <a:t>Click to edit Master text styles</a:t>
             </a:r>
           </a:p>
@@ -6643,7 +6650,7 @@
           <a:p>
             <a:pPr lvl="0"/>
             <a:r>
-              <a:rPr lang="en-US" smtClean="0"/>
+              <a:rPr lang="en-US"/>
               <a:t>Click to edit Master text styles</a:t>
             </a:r>
           </a:p>
@@ -6700,7 +6707,7 @@
               <a:buNone/>
             </a:pPr>
             <a:r>
-              <a:rPr lang="en-US" smtClean="0"/>
+              <a:rPr lang="en-US"/>
               <a:t>Click icon to add picture</a:t>
             </a:r>
             <a:endParaRPr lang="en-US" dirty="0"/>
@@ -6768,7 +6775,7 @@
           <a:p>
             <a:pPr lvl="0"/>
             <a:r>
-              <a:rPr lang="en-US" smtClean="0"/>
+              <a:rPr lang="en-US"/>
               <a:t>Click to edit Master text styles</a:t>
             </a:r>
           </a:p>
@@ -6880,7 +6887,7 @@
           <a:lstStyle/>
           <a:p>
             <a:r>
-              <a:rPr lang="en-US" smtClean="0"/>
+              <a:rPr lang="en-US"/>
               <a:t>Click to edit Master title style</a:t>
             </a:r>
             <a:endParaRPr lang="en-US" dirty="0"/>
@@ -6904,35 +6911,35 @@
           <a:p>
             <a:pPr lvl="0"/>
             <a:r>
-              <a:rPr lang="en-US" smtClean="0"/>
+              <a:rPr lang="en-US"/>
               <a:t>Click to edit Master text styles</a:t>
             </a:r>
           </a:p>
           <a:p>
             <a:pPr lvl="1"/>
             <a:r>
-              <a:rPr lang="en-US" smtClean="0"/>
+              <a:rPr lang="en-US"/>
               <a:t>Second level</a:t>
             </a:r>
           </a:p>
           <a:p>
             <a:pPr lvl="2"/>
             <a:r>
-              <a:rPr lang="en-US" smtClean="0"/>
+              <a:rPr lang="en-US"/>
               <a:t>Third level</a:t>
             </a:r>
           </a:p>
           <a:p>
             <a:pPr lvl="3"/>
             <a:r>
-              <a:rPr lang="en-US" smtClean="0"/>
+              <a:rPr lang="en-US"/>
               <a:t>Fourth level</a:t>
             </a:r>
           </a:p>
           <a:p>
             <a:pPr lvl="4"/>
             <a:r>
-              <a:rPr lang="en-US" smtClean="0"/>
+              <a:rPr lang="en-US"/>
               <a:t>Fifth level</a:t>
             </a:r>
             <a:endParaRPr lang="en-US" dirty="0"/>
@@ -7050,7 +7057,7 @@
           <a:lstStyle/>
           <a:p>
             <a:r>
-              <a:rPr lang="en-US" smtClean="0"/>
+              <a:rPr lang="en-US"/>
               <a:t>Click to edit Master title style</a:t>
             </a:r>
             <a:endParaRPr lang="en-US" dirty="0"/>
@@ -7079,35 +7086,35 @@
           <a:p>
             <a:pPr lvl="0"/>
             <a:r>
-              <a:rPr lang="en-US" smtClean="0"/>
+              <a:rPr lang="en-US"/>
               <a:t>Click to edit Master text styles</a:t>
             </a:r>
           </a:p>
           <a:p>
             <a:pPr lvl="1"/>
             <a:r>
-              <a:rPr lang="en-US" smtClean="0"/>
+              <a:rPr lang="en-US"/>
               <a:t>Second level</a:t>
             </a:r>
           </a:p>
           <a:p>
             <a:pPr lvl="2"/>
             <a:r>
-              <a:rPr lang="en-US" smtClean="0"/>
+              <a:rPr lang="en-US"/>
               <a:t>Third level</a:t>
             </a:r>
           </a:p>
           <a:p>
             <a:pPr lvl="3"/>
             <a:r>
-              <a:rPr lang="en-US" smtClean="0"/>
+              <a:rPr lang="en-US"/>
               <a:t>Fourth level</a:t>
             </a:r>
           </a:p>
           <a:p>
             <a:pPr lvl="4"/>
             <a:r>
-              <a:rPr lang="en-US" smtClean="0"/>
+              <a:rPr lang="en-US"/>
               <a:t>Fifth level</a:t>
             </a:r>
             <a:endParaRPr lang="en-US" dirty="0"/>
@@ -7220,7 +7227,7 @@
           <a:lstStyle/>
           <a:p>
             <a:r>
-              <a:rPr lang="en-US" smtClean="0"/>
+              <a:rPr lang="en-US"/>
               <a:t>Click to edit Master title style</a:t>
             </a:r>
             <a:endParaRPr lang="en-US" dirty="0"/>
@@ -7244,35 +7251,35 @@
           <a:p>
             <a:pPr lvl="0"/>
             <a:r>
-              <a:rPr lang="en-US" smtClean="0"/>
+              <a:rPr lang="en-US"/>
               <a:t>Click to edit Master text styles</a:t>
             </a:r>
           </a:p>
           <a:p>
             <a:pPr lvl="1"/>
             <a:r>
-              <a:rPr lang="en-US" smtClean="0"/>
+              <a:rPr lang="en-US"/>
               <a:t>Second level</a:t>
             </a:r>
           </a:p>
           <a:p>
             <a:pPr lvl="2"/>
             <a:r>
-              <a:rPr lang="en-US" smtClean="0"/>
+              <a:rPr lang="en-US"/>
               <a:t>Third level</a:t>
             </a:r>
           </a:p>
           <a:p>
             <a:pPr lvl="3"/>
             <a:r>
-              <a:rPr lang="en-US" smtClean="0"/>
+              <a:rPr lang="en-US"/>
               <a:t>Fourth level</a:t>
             </a:r>
           </a:p>
           <a:p>
             <a:pPr lvl="4"/>
             <a:r>
-              <a:rPr lang="en-US" smtClean="0"/>
+              <a:rPr lang="en-US"/>
               <a:t>Fifth level</a:t>
             </a:r>
             <a:endParaRPr lang="en-US" dirty="0"/>
@@ -7396,7 +7403,7 @@
           </a:lstStyle>
           <a:p>
             <a:r>
-              <a:rPr lang="en-US" smtClean="0"/>
+              <a:rPr lang="en-US"/>
               <a:t>Click to edit Master title style</a:t>
             </a:r>
             <a:endParaRPr lang="en-US" dirty="0"/>
@@ -7518,7 +7525,7 @@
           <a:p>
             <a:pPr lvl="0"/>
             <a:r>
-              <a:rPr lang="en-US" smtClean="0"/>
+              <a:rPr lang="en-US"/>
               <a:t>Click to edit Master text styles</a:t>
             </a:r>
           </a:p>
@@ -7630,7 +7637,7 @@
           <a:lstStyle/>
           <a:p>
             <a:r>
-              <a:rPr lang="en-US" smtClean="0"/>
+              <a:rPr lang="en-US"/>
               <a:t>Click to edit Master title style</a:t>
             </a:r>
             <a:endParaRPr lang="en-US" dirty="0"/>
@@ -7659,35 +7666,35 @@
           <a:p>
             <a:pPr lvl="0"/>
             <a:r>
-              <a:rPr lang="en-US" smtClean="0"/>
+              <a:rPr lang="en-US"/>
               <a:t>Click to edit Master text styles</a:t>
             </a:r>
           </a:p>
           <a:p>
             <a:pPr lvl="1"/>
             <a:r>
-              <a:rPr lang="en-US" smtClean="0"/>
+              <a:rPr lang="en-US"/>
               <a:t>Second level</a:t>
             </a:r>
           </a:p>
           <a:p>
             <a:pPr lvl="2"/>
             <a:r>
-              <a:rPr lang="en-US" smtClean="0"/>
+              <a:rPr lang="en-US"/>
               <a:t>Third level</a:t>
             </a:r>
           </a:p>
           <a:p>
             <a:pPr lvl="3"/>
             <a:r>
-              <a:rPr lang="en-US" smtClean="0"/>
+              <a:rPr lang="en-US"/>
               <a:t>Fourth level</a:t>
             </a:r>
           </a:p>
           <a:p>
             <a:pPr lvl="4"/>
             <a:r>
-              <a:rPr lang="en-US" smtClean="0"/>
+              <a:rPr lang="en-US"/>
               <a:t>Fifth level</a:t>
             </a:r>
             <a:endParaRPr lang="en-US" dirty="0"/>
@@ -7716,35 +7723,35 @@
           <a:p>
             <a:pPr lvl="0"/>
             <a:r>
-              <a:rPr lang="en-US" smtClean="0"/>
+              <a:rPr lang="en-US"/>
               <a:t>Click to edit Master text styles</a:t>
             </a:r>
           </a:p>
           <a:p>
             <a:pPr lvl="1"/>
             <a:r>
-              <a:rPr lang="en-US" smtClean="0"/>
+              <a:rPr lang="en-US"/>
               <a:t>Second level</a:t>
             </a:r>
           </a:p>
           <a:p>
             <a:pPr lvl="2"/>
             <a:r>
-              <a:rPr lang="en-US" smtClean="0"/>
+              <a:rPr lang="en-US"/>
               <a:t>Third level</a:t>
             </a:r>
           </a:p>
           <a:p>
             <a:pPr lvl="3"/>
             <a:r>
-              <a:rPr lang="en-US" smtClean="0"/>
+              <a:rPr lang="en-US"/>
               <a:t>Fourth level</a:t>
             </a:r>
           </a:p>
           <a:p>
             <a:pPr lvl="4"/>
             <a:r>
-              <a:rPr lang="en-US" smtClean="0"/>
+              <a:rPr lang="en-US"/>
               <a:t>Fifth level</a:t>
             </a:r>
             <a:endParaRPr lang="en-US" dirty="0"/>
@@ -7862,7 +7869,7 @@
           <a:lstStyle/>
           <a:p>
             <a:r>
-              <a:rPr lang="en-US" smtClean="0"/>
+              <a:rPr lang="en-US"/>
               <a:t>Click to edit Master title style</a:t>
             </a:r>
             <a:endParaRPr lang="en-US" dirty="0"/>
@@ -7935,7 +7942,7 @@
           <a:p>
             <a:pPr lvl="0"/>
             <a:r>
-              <a:rPr lang="en-US" smtClean="0"/>
+              <a:rPr lang="en-US"/>
               <a:t>Click to edit Master text styles</a:t>
             </a:r>
           </a:p>
@@ -7963,35 +7970,35 @@
           <a:p>
             <a:pPr lvl="0"/>
             <a:r>
-              <a:rPr lang="en-US" smtClean="0"/>
+              <a:rPr lang="en-US"/>
               <a:t>Click to edit Master text styles</a:t>
             </a:r>
           </a:p>
           <a:p>
             <a:pPr lvl="1"/>
             <a:r>
-              <a:rPr lang="en-US" smtClean="0"/>
+              <a:rPr lang="en-US"/>
               <a:t>Second level</a:t>
             </a:r>
           </a:p>
           <a:p>
             <a:pPr lvl="2"/>
             <a:r>
-              <a:rPr lang="en-US" smtClean="0"/>
+              <a:rPr lang="en-US"/>
               <a:t>Third level</a:t>
             </a:r>
           </a:p>
           <a:p>
             <a:pPr lvl="3"/>
             <a:r>
-              <a:rPr lang="en-US" smtClean="0"/>
+              <a:rPr lang="en-US"/>
               <a:t>Fourth level</a:t>
             </a:r>
           </a:p>
           <a:p>
             <a:pPr lvl="4"/>
             <a:r>
-              <a:rPr lang="en-US" smtClean="0"/>
+              <a:rPr lang="en-US"/>
               <a:t>Fifth level</a:t>
             </a:r>
             <a:endParaRPr lang="en-US" dirty="0"/>
@@ -8064,7 +8071,7 @@
           <a:p>
             <a:pPr lvl="0"/>
             <a:r>
-              <a:rPr lang="en-US" smtClean="0"/>
+              <a:rPr lang="en-US"/>
               <a:t>Click to edit Master text styles</a:t>
             </a:r>
           </a:p>
@@ -8092,35 +8099,35 @@
           <a:p>
             <a:pPr lvl="0"/>
             <a:r>
-              <a:rPr lang="en-US" smtClean="0"/>
+              <a:rPr lang="en-US"/>
               <a:t>Click to edit Master text styles</a:t>
             </a:r>
           </a:p>
           <a:p>
             <a:pPr lvl="1"/>
             <a:r>
-              <a:rPr lang="en-US" smtClean="0"/>
+              <a:rPr lang="en-US"/>
               <a:t>Second level</a:t>
             </a:r>
           </a:p>
           <a:p>
             <a:pPr lvl="2"/>
             <a:r>
-              <a:rPr lang="en-US" smtClean="0"/>
+              <a:rPr lang="en-US"/>
               <a:t>Third level</a:t>
             </a:r>
           </a:p>
           <a:p>
             <a:pPr lvl="3"/>
             <a:r>
-              <a:rPr lang="en-US" smtClean="0"/>
+              <a:rPr lang="en-US"/>
               <a:t>Fourth level</a:t>
             </a:r>
           </a:p>
           <a:p>
             <a:pPr lvl="4"/>
             <a:r>
-              <a:rPr lang="en-US" smtClean="0"/>
+              <a:rPr lang="en-US"/>
               <a:t>Fifth level</a:t>
             </a:r>
             <a:endParaRPr lang="en-US" dirty="0"/>
@@ -8233,7 +8240,7 @@
           <a:lstStyle/>
           <a:p>
             <a:r>
-              <a:rPr lang="en-US" smtClean="0"/>
+              <a:rPr lang="en-US"/>
               <a:t>Click to edit Master title style</a:t>
             </a:r>
             <a:endParaRPr lang="en-US" dirty="0"/>
@@ -8445,7 +8452,7 @@
           </a:lstStyle>
           <a:p>
             <a:r>
-              <a:rPr lang="en-US" smtClean="0"/>
+              <a:rPr lang="en-US"/>
               <a:t>Click to edit Master title style</a:t>
             </a:r>
             <a:endParaRPr lang="en-US" dirty="0"/>
@@ -8474,35 +8481,35 @@
           <a:p>
             <a:pPr lvl="0"/>
             <a:r>
-              <a:rPr lang="en-US" smtClean="0"/>
+              <a:rPr lang="en-US"/>
               <a:t>Click to edit Master text styles</a:t>
             </a:r>
           </a:p>
           <a:p>
             <a:pPr lvl="1"/>
             <a:r>
-              <a:rPr lang="en-US" smtClean="0"/>
+              <a:rPr lang="en-US"/>
               <a:t>Second level</a:t>
             </a:r>
           </a:p>
           <a:p>
             <a:pPr lvl="2"/>
             <a:r>
-              <a:rPr lang="en-US" smtClean="0"/>
+              <a:rPr lang="en-US"/>
               <a:t>Third level</a:t>
             </a:r>
           </a:p>
           <a:p>
             <a:pPr lvl="3"/>
             <a:r>
-              <a:rPr lang="en-US" smtClean="0"/>
+              <a:rPr lang="en-US"/>
               <a:t>Fourth level</a:t>
             </a:r>
           </a:p>
           <a:p>
             <a:pPr lvl="4"/>
             <a:r>
-              <a:rPr lang="en-US" smtClean="0"/>
+              <a:rPr lang="en-US"/>
               <a:t>Fifth level</a:t>
             </a:r>
             <a:endParaRPr lang="en-US" dirty="0"/>
@@ -8568,7 +8575,7 @@
           <a:p>
             <a:pPr lvl="0"/>
             <a:r>
-              <a:rPr lang="en-US" smtClean="0"/>
+              <a:rPr lang="en-US"/>
               <a:t>Click to edit Master text styles</a:t>
             </a:r>
           </a:p>
@@ -8689,7 +8696,7 @@
           </a:lstStyle>
           <a:p>
             <a:r>
-              <a:rPr lang="en-US" smtClean="0"/>
+              <a:rPr lang="en-US"/>
               <a:t>Click to edit Master title style</a:t>
             </a:r>
             <a:endParaRPr lang="en-US" dirty="0"/>
@@ -8777,7 +8784,7 @@
           </a:lstStyle>
           <a:p>
             <a:r>
-              <a:rPr lang="en-US" smtClean="0"/>
+              <a:rPr lang="en-US"/>
               <a:t>Click icon to add picture</a:t>
             </a:r>
             <a:endParaRPr lang="en-US" dirty="0"/>
@@ -8843,7 +8850,7 @@
           <a:p>
             <a:pPr lvl="0"/>
             <a:r>
-              <a:rPr lang="en-US" smtClean="0"/>
+              <a:rPr lang="en-US"/>
               <a:t>Click to edit Master text styles</a:t>
             </a:r>
           </a:p>
@@ -11858,35 +11865,35 @@
           <a:p>
             <a:pPr lvl="0"/>
             <a:r>
-              <a:rPr lang="en-US" smtClean="0"/>
+              <a:rPr lang="en-US"/>
               <a:t>Click to edit Master text styles</a:t>
             </a:r>
           </a:p>
           <a:p>
             <a:pPr lvl="1"/>
             <a:r>
-              <a:rPr lang="en-US" smtClean="0"/>
+              <a:rPr lang="en-US"/>
               <a:t>Second level</a:t>
             </a:r>
           </a:p>
           <a:p>
             <a:pPr lvl="2"/>
             <a:r>
-              <a:rPr lang="en-US" smtClean="0"/>
+              <a:rPr lang="en-US"/>
               <a:t>Third level</a:t>
             </a:r>
           </a:p>
           <a:p>
             <a:pPr lvl="3"/>
             <a:r>
-              <a:rPr lang="en-US" smtClean="0"/>
+              <a:rPr lang="en-US"/>
               <a:t>Fourth level</a:t>
             </a:r>
           </a:p>
           <a:p>
             <a:pPr lvl="4"/>
             <a:r>
-              <a:rPr lang="en-US" smtClean="0"/>
+              <a:rPr lang="en-US"/>
               <a:t>Fifth level</a:t>
             </a:r>
             <a:endParaRPr lang="en-US" dirty="0"/>
@@ -12361,10 +12368,9 @@
           <a:lstStyle/>
           <a:p>
             <a:r>
-              <a:rPr lang="en-US" dirty="0" smtClean="0"/>
+              <a:rPr lang="en-US" dirty="0"/>
               <a:t>Retro Paradise</a:t>
             </a:r>
-            <a:endParaRPr lang="en-US" dirty="0"/>
           </a:p>
         </p:txBody>
       </p:sp>
@@ -12384,10 +12390,9 @@
           <a:lstStyle/>
           <a:p>
             <a:r>
-              <a:rPr lang="en-US" dirty="0" smtClean="0"/>
+              <a:rPr lang="en-US" dirty="0"/>
               <a:t>an app for the games of the past</a:t>
             </a:r>
-            <a:endParaRPr lang="en-US" dirty="0"/>
           </a:p>
         </p:txBody>
       </p:sp>
@@ -12414,13 +12419,13 @@
           <a:lstStyle/>
           <a:p>
             <a:r>
-              <a:rPr lang="en-US" dirty="0" smtClean="0"/>
+              <a:rPr lang="en-US" dirty="0"/>
               <a:t>Darin McDonald</a:t>
             </a:r>
           </a:p>
           <a:p>
             <a:r>
-              <a:rPr lang="en-US" dirty="0" smtClean="0"/>
+              <a:rPr lang="en-US" dirty="0"/>
               <a:t>Jacob White</a:t>
             </a:r>
           </a:p>
@@ -12479,10 +12484,9 @@
           <a:lstStyle/>
           <a:p>
             <a:r>
-              <a:rPr lang="en-US" dirty="0" smtClean="0"/>
+              <a:rPr lang="en-US" dirty="0"/>
               <a:t>What is retro paradise?</a:t>
             </a:r>
-            <a:endParaRPr lang="en-US" dirty="0"/>
           </a:p>
         </p:txBody>
       </p:sp>
@@ -12502,19 +12506,19 @@
           <a:lstStyle/>
           <a:p>
             <a:r>
-              <a:rPr lang="en-US" dirty="0" smtClean="0"/>
+              <a:rPr lang="en-US" dirty="0"/>
               <a:t>Retro Paradise is store that buys and sells old video game consoles and games at a fair price all at the click of a button on your smartphone. </a:t>
             </a:r>
           </a:p>
           <a:p>
             <a:r>
-              <a:rPr lang="en-US" dirty="0" smtClean="0"/>
+              <a:rPr lang="en-US" dirty="0"/>
               <a:t>Have you ever thought “Wow, I would really like to get this game I played when I was younger?” well we got you covered.</a:t>
             </a:r>
           </a:p>
           <a:p>
             <a:r>
-              <a:rPr lang="en-US" dirty="0" smtClean="0"/>
+              <a:rPr lang="en-US" dirty="0"/>
               <a:t>This app is designed to cater towards retro game fans to help bring back rare/hard to find group of video games.</a:t>
             </a:r>
           </a:p>
@@ -12566,10 +12570,9 @@
           <a:lstStyle/>
           <a:p>
             <a:r>
-              <a:rPr lang="en-US" dirty="0" smtClean="0"/>
+              <a:rPr lang="en-US" dirty="0"/>
               <a:t>How do I use it?	</a:t>
             </a:r>
-            <a:endParaRPr lang="en-US" dirty="0"/>
           </a:p>
         </p:txBody>
       </p:sp>
@@ -12592,10 +12595,9 @@
               <a:buNone/>
             </a:pPr>
             <a:r>
-              <a:rPr lang="en-US" dirty="0" smtClean="0"/>
+              <a:rPr lang="en-US" dirty="0"/>
               <a:t>To use the app for our store you will have to register an account. It’s simple! After providing the information your account will be created and you can login and start shopping.</a:t>
             </a:r>
-            <a:endParaRPr lang="en-US" dirty="0"/>
           </a:p>
         </p:txBody>
       </p:sp>
@@ -12645,10 +12647,9 @@
           <a:lstStyle/>
           <a:p>
             <a:r>
-              <a:rPr lang="en-US" dirty="0" smtClean="0"/>
+              <a:rPr lang="en-US" dirty="0"/>
               <a:t>Okay I’m signed in… now what?</a:t>
             </a:r>
-            <a:endParaRPr lang="en-US" dirty="0"/>
           </a:p>
         </p:txBody>
       </p:sp>
@@ -12671,10 +12672,9 @@
               <a:buNone/>
             </a:pPr>
             <a:r>
-              <a:rPr lang="en-US" dirty="0" smtClean="0"/>
+              <a:rPr lang="en-US" dirty="0"/>
               <a:t>Now that you’ve signed in you can search for anything you want. You can check new additions to the store as well as what’s coming. </a:t>
             </a:r>
-            <a:endParaRPr lang="en-US" dirty="0"/>
           </a:p>
         </p:txBody>
       </p:sp>
@@ -12724,10 +12724,9 @@
           <a:lstStyle/>
           <a:p>
             <a:r>
-              <a:rPr lang="en-US" dirty="0" smtClean="0"/>
+              <a:rPr lang="en-US" dirty="0"/>
               <a:t>Still need help with the app?</a:t>
             </a:r>
-            <a:endParaRPr lang="en-US" dirty="0"/>
           </a:p>
         </p:txBody>
       </p:sp>
@@ -12750,10 +12749,9 @@
               <a:buNone/>
             </a:pPr>
             <a:r>
-              <a:rPr lang="en-US" dirty="0" smtClean="0"/>
+              <a:rPr lang="en-US" dirty="0"/>
               <a:t>There’s a user manual for anyone that needs further assistance with using and navigating our app!</a:t>
             </a:r>
-            <a:endParaRPr lang="en-US" dirty="0"/>
           </a:p>
         </p:txBody>
       </p:sp>
@@ -12803,10 +12801,9 @@
           <a:lstStyle/>
           <a:p>
             <a:r>
-              <a:rPr lang="en-US" dirty="0" smtClean="0"/>
+              <a:rPr lang="en-US" dirty="0"/>
               <a:t>So now what?</a:t>
             </a:r>
-            <a:endParaRPr lang="en-US" dirty="0"/>
           </a:p>
         </p:txBody>
       </p:sp>
@@ -12828,14 +12825,14 @@
             <a:pPr marL="0" indent="0">
               <a:buNone/>
             </a:pPr>
-            <a:endParaRPr lang="en-US" dirty="0" smtClean="0"/>
+            <a:endParaRPr lang="en-US" dirty="0"/>
           </a:p>
           <a:p>
             <a:pPr marL="0" indent="0">
               <a:buNone/>
             </a:pPr>
             <a:r>
-              <a:rPr lang="en-US" dirty="0" smtClean="0"/>
+              <a:rPr lang="en-US" dirty="0"/>
               <a:t>With additional time and effort we will grow this app from it is now to something much greater. Updates, more functionality, and of course anything else we can do to make sure this app grows to be a paradise for the games of old.</a:t>
             </a:r>
           </a:p>
@@ -12887,10 +12884,9 @@
           <a:lstStyle/>
           <a:p>
             <a:r>
-              <a:rPr lang="en-US" dirty="0" smtClean="0"/>
+              <a:rPr lang="en-US" dirty="0"/>
               <a:t>Thank you!</a:t>
             </a:r>
-            <a:endParaRPr lang="en-US" dirty="0"/>
           </a:p>
         </p:txBody>
       </p:sp>
@@ -12904,7 +12900,12 @@
             <p:ph idx="1"/>
           </p:nvPr>
         </p:nvSpPr>
-        <p:spPr/>
+        <p:spPr>
+          <a:xfrm>
+            <a:off x="1166579" y="2249487"/>
+            <a:ext cx="9905999" cy="3541714"/>
+          </a:xfrm>
+        </p:spPr>
         <p:txBody>
           <a:bodyPr/>
           <a:lstStyle/>
@@ -12917,6 +12918,5484 @@
     <p:extLst>
       <p:ext uri="{BB962C8B-B14F-4D97-AF65-F5344CB8AC3E}">
         <p14:creationId xmlns:p14="http://schemas.microsoft.com/office/powerpoint/2010/main" val="556177165"/>
+      </p:ext>
+    </p:extLst>
+  </p:cSld>
+  <p:clrMapOvr>
+    <a:masterClrMapping/>
+  </p:clrMapOvr>
+</p:sld>
+</file>
+
+<file path=ppt/slides/slide8.xml><?xml version="1.0" encoding="utf-8"?>
+<p:sld xmlns:a="http://schemas.openxmlformats.org/drawingml/2006/main" xmlns:r="http://schemas.openxmlformats.org/officeDocument/2006/relationships" xmlns:p="http://schemas.openxmlformats.org/presentationml/2006/main">
+  <p:cSld>
+    <p:bg>
+      <p:bgPr>
+        <a:blipFill>
+          <a:blip r:embed="rId2">
+            <a:duotone>
+              <a:schemeClr val="bg2">
+                <a:shade val="48000"/>
+                <a:hueMod val="106000"/>
+                <a:satMod val="140000"/>
+                <a:lumMod val="42000"/>
+              </a:schemeClr>
+              <a:schemeClr val="bg2">
+                <a:tint val="98000"/>
+                <a:hueMod val="92000"/>
+                <a:satMod val="220000"/>
+                <a:lumMod val="90000"/>
+              </a:schemeClr>
+            </a:duotone>
+          </a:blip>
+          <a:stretch/>
+        </a:blipFill>
+        <a:effectLst/>
+      </p:bgPr>
+    </p:bg>
+    <p:spTree>
+      <p:nvGrpSpPr>
+        <p:cNvPr id="1" name=""/>
+        <p:cNvGrpSpPr/>
+        <p:nvPr/>
+      </p:nvGrpSpPr>
+      <p:grpSpPr>
+        <a:xfrm>
+          <a:off x="0" y="0"/>
+          <a:ext cx="0" cy="0"/>
+          <a:chOff x="0" y="0"/>
+          <a:chExt cx="0" cy="0"/>
+        </a:xfrm>
+      </p:grpSpPr>
+      <p:pic>
+        <p:nvPicPr>
+          <p:cNvPr id="146" name="Picture 2">
+            <a:extLst>
+              <a:ext uri="{FF2B5EF4-FFF2-40B4-BE49-F238E27FC236}">
+                <a16:creationId xmlns:a16="http://schemas.microsoft.com/office/drawing/2014/main" id="{EDA90D89-770A-4C09-978C-9E38FE156492}"/>
+              </a:ext>
+              <a:ext uri="{C183D7F6-B498-43B3-948B-1728B52AA6E4}">
+                <adec:decorative xmlns:adec="http://schemas.microsoft.com/office/drawing/2017/decorative" val="1"/>
+              </a:ext>
+            </a:extLst>
+          </p:cNvPr>
+          <p:cNvPicPr>
+            <a:picLocks noGrp="1" noRot="1" noChangeAspect="1" noMove="1" noResize="1" noEditPoints="1" noAdjustHandles="1" noChangeArrowheads="1" noChangeShapeType="1" noCrop="1"/>
+          </p:cNvPicPr>
+          <p:nvPr>
+            <p:extLst>
+              <p:ext uri="{386F3935-93C4-4BCD-93E2-E3B085C9AB24}">
+                <p16:designElem xmlns:p16="http://schemas.microsoft.com/office/powerpoint/2015/main" val="1"/>
+              </p:ext>
+            </p:extLst>
+          </p:nvPr>
+        </p:nvPicPr>
+        <p:blipFill>
+          <a:blip r:embed="rId3">
+            <a:alphaModFix amt="30000"/>
+            <a:duotone>
+              <a:prstClr val="black"/>
+              <a:schemeClr val="tx2">
+                <a:tint val="45000"/>
+                <a:satMod val="400000"/>
+              </a:schemeClr>
+            </a:duotone>
+            <a:extLst>
+              <a:ext uri="{28A0092B-C50C-407E-A947-70E740481C1C}">
+                <a14:useLocalDpi xmlns:a14="http://schemas.microsoft.com/office/drawing/2010/main" val="0"/>
+              </a:ext>
+            </a:extLst>
+          </a:blip>
+          <a:srcRect/>
+          <a:stretch>
+            <a:fillRect/>
+          </a:stretch>
+        </p:blipFill>
+        <p:spPr bwMode="auto">
+          <a:xfrm>
+            <a:off x="0" y="-1"/>
+            <a:ext cx="12192003" cy="6858001"/>
+          </a:xfrm>
+          <a:prstGeom prst="rect">
+            <a:avLst/>
+          </a:prstGeom>
+          <a:noFill/>
+          <a:extLst>
+            <a:ext uri="{909E8E84-426E-40dd-AFC4-6F175D3DCCD1}">
+              <a14:hiddenFill xmlns:a14="http://schemas.microsoft.com/office/drawing/2010/main" xmlns:p14="http://schemas.microsoft.com/office/powerpoint/2010/main" xmlns:a16="http://schemas.microsoft.com/office/drawing/2014/main" xmlns="">
+                <a:solidFill>
+                  <a:srgbClr val="FFFFFF"/>
+                </a:solidFill>
+              </a14:hiddenFill>
+            </a:ext>
+          </a:extLst>
+        </p:spPr>
+      </p:pic>
+      <p:grpSp>
+        <p:nvGrpSpPr>
+          <p:cNvPr id="147" name="Group 10">
+            <a:extLst>
+              <a:ext uri="{FF2B5EF4-FFF2-40B4-BE49-F238E27FC236}">
+                <a16:creationId xmlns:a16="http://schemas.microsoft.com/office/drawing/2014/main" id="{A3B344D7-1AE2-4947-876E-2A526745006B}"/>
+              </a:ext>
+              <a:ext uri="{C183D7F6-B498-43B3-948B-1728B52AA6E4}">
+                <adec:decorative xmlns:adec="http://schemas.microsoft.com/office/drawing/2017/decorative" val="1"/>
+              </a:ext>
+            </a:extLst>
+          </p:cNvPr>
+          <p:cNvGrpSpPr>
+            <a:grpSpLocks noGrp="1" noUngrp="1" noRot="1" noChangeAspect="1" noMove="1" noResize="1"/>
+          </p:cNvGrpSpPr>
+          <p:nvPr>
+            <p:extLst>
+              <p:ext uri="{386F3935-93C4-4BCD-93E2-E3B085C9AB24}">
+                <p16:designElem xmlns:p16="http://schemas.microsoft.com/office/powerpoint/2015/main" val="1"/>
+              </p:ext>
+            </p:extLst>
+          </p:nvPr>
+        </p:nvGrpSpPr>
+        <p:grpSpPr>
+          <a:xfrm>
+            <a:off x="0" y="0"/>
+            <a:ext cx="2305051" cy="6858001"/>
+            <a:chOff x="0" y="0"/>
+            <a:chExt cx="2305051" cy="6858001"/>
+          </a:xfrm>
+          <a:gradFill flip="none" rotWithShape="1">
+            <a:gsLst>
+              <a:gs pos="0">
+                <a:schemeClr val="tx2"/>
+              </a:gs>
+              <a:gs pos="100000">
+                <a:schemeClr val="tx2">
+                  <a:lumMod val="50000"/>
+                </a:schemeClr>
+              </a:gs>
+            </a:gsLst>
+            <a:lin ang="5400000" scaled="0"/>
+            <a:tileRect/>
+          </a:gradFill>
+        </p:grpSpPr>
+        <p:sp>
+          <p:nvSpPr>
+            <p:cNvPr id="12" name="Rectangle 5">
+              <a:extLst>
+                <a:ext uri="{FF2B5EF4-FFF2-40B4-BE49-F238E27FC236}">
+                  <a16:creationId xmlns:a16="http://schemas.microsoft.com/office/drawing/2014/main" id="{D6633E5C-867B-4E17-9151-FF0FDB122BC6}"/>
+                </a:ext>
+                <a:ext uri="{C183D7F6-B498-43B3-948B-1728B52AA6E4}">
+                  <adec:decorative xmlns:adec="http://schemas.microsoft.com/office/drawing/2017/decorative" val="1"/>
+                </a:ext>
+              </a:extLst>
+            </p:cNvPr>
+            <p:cNvSpPr>
+              <a:spLocks noChangeArrowheads="1"/>
+            </p:cNvSpPr>
+            <p:nvPr>
+              <p:extLst>
+                <p:ext uri="{386F3935-93C4-4BCD-93E2-E3B085C9AB24}">
+                  <p16:designElem xmlns:p16="http://schemas.microsoft.com/office/powerpoint/2015/main" val="1"/>
+                </p:ext>
+              </p:extLst>
+            </p:nvPr>
+          </p:nvSpPr>
+          <p:spPr bwMode="auto">
+            <a:xfrm>
+              <a:off x="1209675" y="4763"/>
+              <a:ext cx="23813" cy="2181225"/>
+            </a:xfrm>
+            <a:prstGeom prst="rect">
+              <a:avLst/>
+            </a:prstGeom>
+            <a:grpFill/>
+            <a:ln>
+              <a:noFill/>
+            </a:ln>
+            <a:extLst>
+              <a:ext uri="{91240B29-F687-4f45-9708-019B960494DF}">
+                <a14:hiddenLine xmlns:a14="http://schemas.microsoft.com/office/drawing/2010/main" xmlns:p14="http://schemas.microsoft.com/office/powerpoint/2010/main" xmlns:a16="http://schemas.microsoft.com/office/drawing/2014/main" xmlns="" w="9525">
+                  <a:solidFill>
+                    <a:srgbClr val="000000"/>
+                  </a:solidFill>
+                  <a:miter lim="800000"/>
+                  <a:headEnd/>
+                  <a:tailEnd/>
+                </a14:hiddenLine>
+              </a:ext>
+            </a:extLst>
+          </p:spPr>
+        </p:sp>
+        <p:sp>
+          <p:nvSpPr>
+            <p:cNvPr id="13" name="Freeform 6">
+              <a:extLst>
+                <a:ext uri="{FF2B5EF4-FFF2-40B4-BE49-F238E27FC236}">
+                  <a16:creationId xmlns:a16="http://schemas.microsoft.com/office/drawing/2014/main" id="{2D5EDC2E-587B-4E85-8185-D99B438AB5FA}"/>
+                </a:ext>
+                <a:ext uri="{C183D7F6-B498-43B3-948B-1728B52AA6E4}">
+                  <adec:decorative xmlns:adec="http://schemas.microsoft.com/office/drawing/2017/decorative" val="1"/>
+                </a:ext>
+              </a:extLst>
+            </p:cNvPr>
+            <p:cNvSpPr>
+              <a:spLocks noEditPoints="1"/>
+            </p:cNvSpPr>
+            <p:nvPr>
+              <p:extLst>
+                <p:ext uri="{386F3935-93C4-4BCD-93E2-E3B085C9AB24}">
+                  <p16:designElem xmlns:p16="http://schemas.microsoft.com/office/powerpoint/2015/main" val="1"/>
+                </p:ext>
+              </p:extLst>
+            </p:nvPr>
+          </p:nvSpPr>
+          <p:spPr bwMode="auto">
+            <a:xfrm>
+              <a:off x="1128713" y="2176463"/>
+              <a:ext cx="190500" cy="190500"/>
+            </a:xfrm>
+            <a:custGeom>
+              <a:avLst/>
+              <a:gdLst/>
+              <a:ahLst/>
+              <a:cxnLst/>
+              <a:rect l="0" t="0" r="r" b="b"/>
+              <a:pathLst>
+                <a:path w="40" h="40">
+                  <a:moveTo>
+                    <a:pt x="20" y="40"/>
+                  </a:moveTo>
+                  <a:cubicBezTo>
+                    <a:pt x="9" y="40"/>
+                    <a:pt x="0" y="31"/>
+                    <a:pt x="0" y="20"/>
+                  </a:cubicBezTo>
+                  <a:cubicBezTo>
+                    <a:pt x="0" y="9"/>
+                    <a:pt x="9" y="0"/>
+                    <a:pt x="20" y="0"/>
+                  </a:cubicBezTo>
+                  <a:cubicBezTo>
+                    <a:pt x="31" y="0"/>
+                    <a:pt x="40" y="9"/>
+                    <a:pt x="40" y="20"/>
+                  </a:cubicBezTo>
+                  <a:cubicBezTo>
+                    <a:pt x="40" y="31"/>
+                    <a:pt x="31" y="40"/>
+                    <a:pt x="20" y="40"/>
+                  </a:cubicBezTo>
+                  <a:close/>
+                  <a:moveTo>
+                    <a:pt x="20" y="4"/>
+                  </a:moveTo>
+                  <a:cubicBezTo>
+                    <a:pt x="11" y="4"/>
+                    <a:pt x="4" y="11"/>
+                    <a:pt x="4" y="20"/>
+                  </a:cubicBezTo>
+                  <a:cubicBezTo>
+                    <a:pt x="4" y="29"/>
+                    <a:pt x="11" y="36"/>
+                    <a:pt x="20" y="36"/>
+                  </a:cubicBezTo>
+                  <a:cubicBezTo>
+                    <a:pt x="28" y="36"/>
+                    <a:pt x="36" y="29"/>
+                    <a:pt x="36" y="20"/>
+                  </a:cubicBezTo>
+                  <a:cubicBezTo>
+                    <a:pt x="36" y="11"/>
+                    <a:pt x="28" y="4"/>
+                    <a:pt x="20" y="4"/>
+                  </a:cubicBezTo>
+                  <a:close/>
+                </a:path>
+              </a:pathLst>
+            </a:custGeom>
+            <a:grpFill/>
+            <a:ln>
+              <a:noFill/>
+            </a:ln>
+            <a:extLst>
+              <a:ext uri="{91240B29-F687-4f45-9708-019B960494DF}">
+                <a14:hiddenLine xmlns:a14="http://schemas.microsoft.com/office/drawing/2010/main" xmlns:p14="http://schemas.microsoft.com/office/powerpoint/2010/main" xmlns:a16="http://schemas.microsoft.com/office/drawing/2014/main" xmlns="" w="9525">
+                  <a:solidFill>
+                    <a:srgbClr val="000000"/>
+                  </a:solidFill>
+                  <a:round/>
+                  <a:headEnd/>
+                  <a:tailEnd/>
+                </a14:hiddenLine>
+              </a:ext>
+            </a:extLst>
+          </p:spPr>
+        </p:sp>
+        <p:sp>
+          <p:nvSpPr>
+            <p:cNvPr id="14" name="Freeform 7">
+              <a:extLst>
+                <a:ext uri="{FF2B5EF4-FFF2-40B4-BE49-F238E27FC236}">
+                  <a16:creationId xmlns:a16="http://schemas.microsoft.com/office/drawing/2014/main" id="{996B1479-D8B0-4D98-B382-877F9A3AE6B4}"/>
+                </a:ext>
+                <a:ext uri="{C183D7F6-B498-43B3-948B-1728B52AA6E4}">
+                  <adec:decorative xmlns:adec="http://schemas.microsoft.com/office/drawing/2017/decorative" val="1"/>
+                </a:ext>
+              </a:extLst>
+            </p:cNvPr>
+            <p:cNvSpPr>
+              <a:spLocks noEditPoints="1"/>
+            </p:cNvSpPr>
+            <p:nvPr>
+              <p:extLst>
+                <p:ext uri="{386F3935-93C4-4BCD-93E2-E3B085C9AB24}">
+                  <p16:designElem xmlns:p16="http://schemas.microsoft.com/office/powerpoint/2015/main" val="1"/>
+                </p:ext>
+              </p:extLst>
+            </p:nvPr>
+          </p:nvSpPr>
+          <p:spPr bwMode="auto">
+            <a:xfrm>
+              <a:off x="1123950" y="4021138"/>
+              <a:ext cx="190500" cy="188913"/>
+            </a:xfrm>
+            <a:custGeom>
+              <a:avLst/>
+              <a:gdLst/>
+              <a:ahLst/>
+              <a:cxnLst/>
+              <a:rect l="0" t="0" r="r" b="b"/>
+              <a:pathLst>
+                <a:path w="40" h="40">
+                  <a:moveTo>
+                    <a:pt x="20" y="40"/>
+                  </a:moveTo>
+                  <a:cubicBezTo>
+                    <a:pt x="9" y="40"/>
+                    <a:pt x="0" y="31"/>
+                    <a:pt x="0" y="20"/>
+                  </a:cubicBezTo>
+                  <a:cubicBezTo>
+                    <a:pt x="0" y="9"/>
+                    <a:pt x="9" y="0"/>
+                    <a:pt x="20" y="0"/>
+                  </a:cubicBezTo>
+                  <a:cubicBezTo>
+                    <a:pt x="31" y="0"/>
+                    <a:pt x="40" y="9"/>
+                    <a:pt x="40" y="20"/>
+                  </a:cubicBezTo>
+                  <a:cubicBezTo>
+                    <a:pt x="40" y="31"/>
+                    <a:pt x="31" y="40"/>
+                    <a:pt x="20" y="40"/>
+                  </a:cubicBezTo>
+                  <a:close/>
+                  <a:moveTo>
+                    <a:pt x="20" y="4"/>
+                  </a:moveTo>
+                  <a:cubicBezTo>
+                    <a:pt x="11" y="4"/>
+                    <a:pt x="4" y="11"/>
+                    <a:pt x="4" y="20"/>
+                  </a:cubicBezTo>
+                  <a:cubicBezTo>
+                    <a:pt x="4" y="29"/>
+                    <a:pt x="11" y="36"/>
+                    <a:pt x="20" y="36"/>
+                  </a:cubicBezTo>
+                  <a:cubicBezTo>
+                    <a:pt x="29" y="36"/>
+                    <a:pt x="36" y="29"/>
+                    <a:pt x="36" y="20"/>
+                  </a:cubicBezTo>
+                  <a:cubicBezTo>
+                    <a:pt x="36" y="11"/>
+                    <a:pt x="29" y="4"/>
+                    <a:pt x="20" y="4"/>
+                  </a:cubicBezTo>
+                  <a:close/>
+                </a:path>
+              </a:pathLst>
+            </a:custGeom>
+            <a:grpFill/>
+            <a:ln>
+              <a:noFill/>
+            </a:ln>
+            <a:extLst>
+              <a:ext uri="{91240B29-F687-4f45-9708-019B960494DF}">
+                <a14:hiddenLine xmlns:a14="http://schemas.microsoft.com/office/drawing/2010/main" xmlns:p14="http://schemas.microsoft.com/office/powerpoint/2010/main" xmlns:a16="http://schemas.microsoft.com/office/drawing/2014/main" xmlns="" w="9525">
+                  <a:solidFill>
+                    <a:srgbClr val="000000"/>
+                  </a:solidFill>
+                  <a:round/>
+                  <a:headEnd/>
+                  <a:tailEnd/>
+                </a14:hiddenLine>
+              </a:ext>
+            </a:extLst>
+          </p:spPr>
+        </p:sp>
+        <p:sp>
+          <p:nvSpPr>
+            <p:cNvPr id="15" name="Rectangle 8">
+              <a:extLst>
+                <a:ext uri="{FF2B5EF4-FFF2-40B4-BE49-F238E27FC236}">
+                  <a16:creationId xmlns:a16="http://schemas.microsoft.com/office/drawing/2014/main" id="{3B7BA112-C364-4D4C-97F9-A1DC76F1E515}"/>
+                </a:ext>
+                <a:ext uri="{C183D7F6-B498-43B3-948B-1728B52AA6E4}">
+                  <adec:decorative xmlns:adec="http://schemas.microsoft.com/office/drawing/2017/decorative" val="1"/>
+                </a:ext>
+              </a:extLst>
+            </p:cNvPr>
+            <p:cNvSpPr>
+              <a:spLocks noChangeArrowheads="1"/>
+            </p:cNvSpPr>
+            <p:nvPr>
+              <p:extLst>
+                <p:ext uri="{386F3935-93C4-4BCD-93E2-E3B085C9AB24}">
+                  <p16:designElem xmlns:p16="http://schemas.microsoft.com/office/powerpoint/2015/main" val="1"/>
+                </p:ext>
+              </p:extLst>
+            </p:nvPr>
+          </p:nvSpPr>
+          <p:spPr bwMode="auto">
+            <a:xfrm>
+              <a:off x="414338" y="9525"/>
+              <a:ext cx="28575" cy="4481513"/>
+            </a:xfrm>
+            <a:prstGeom prst="rect">
+              <a:avLst/>
+            </a:prstGeom>
+            <a:grpFill/>
+            <a:ln>
+              <a:noFill/>
+            </a:ln>
+            <a:extLst>
+              <a:ext uri="{91240B29-F687-4f45-9708-019B960494DF}">
+                <a14:hiddenLine xmlns:a14="http://schemas.microsoft.com/office/drawing/2010/main" xmlns:p14="http://schemas.microsoft.com/office/powerpoint/2010/main" xmlns:a16="http://schemas.microsoft.com/office/drawing/2014/main" xmlns="" w="9525">
+                  <a:solidFill>
+                    <a:srgbClr val="000000"/>
+                  </a:solidFill>
+                  <a:miter lim="800000"/>
+                  <a:headEnd/>
+                  <a:tailEnd/>
+                </a14:hiddenLine>
+              </a:ext>
+            </a:extLst>
+          </p:spPr>
+        </p:sp>
+        <p:sp>
+          <p:nvSpPr>
+            <p:cNvPr id="16" name="Freeform 9">
+              <a:extLst>
+                <a:ext uri="{FF2B5EF4-FFF2-40B4-BE49-F238E27FC236}">
+                  <a16:creationId xmlns:a16="http://schemas.microsoft.com/office/drawing/2014/main" id="{8B9D9B13-8F5D-41E6-93D6-CDFEB34AB278}"/>
+                </a:ext>
+                <a:ext uri="{C183D7F6-B498-43B3-948B-1728B52AA6E4}">
+                  <adec:decorative xmlns:adec="http://schemas.microsoft.com/office/drawing/2017/decorative" val="1"/>
+                </a:ext>
+              </a:extLst>
+            </p:cNvPr>
+            <p:cNvSpPr>
+              <a:spLocks noEditPoints="1"/>
+            </p:cNvSpPr>
+            <p:nvPr>
+              <p:extLst>
+                <p:ext uri="{386F3935-93C4-4BCD-93E2-E3B085C9AB24}">
+                  <p16:designElem xmlns:p16="http://schemas.microsoft.com/office/powerpoint/2015/main" val="1"/>
+                </p:ext>
+              </p:extLst>
+            </p:nvPr>
+          </p:nvSpPr>
+          <p:spPr bwMode="auto">
+            <a:xfrm>
+              <a:off x="333375" y="4481513"/>
+              <a:ext cx="190500" cy="190500"/>
+            </a:xfrm>
+            <a:custGeom>
+              <a:avLst/>
+              <a:gdLst/>
+              <a:ahLst/>
+              <a:cxnLst/>
+              <a:rect l="0" t="0" r="r" b="b"/>
+              <a:pathLst>
+                <a:path w="40" h="40">
+                  <a:moveTo>
+                    <a:pt x="20" y="40"/>
+                  </a:moveTo>
+                  <a:cubicBezTo>
+                    <a:pt x="9" y="40"/>
+                    <a:pt x="0" y="31"/>
+                    <a:pt x="0" y="20"/>
+                  </a:cubicBezTo>
+                  <a:cubicBezTo>
+                    <a:pt x="0" y="9"/>
+                    <a:pt x="9" y="0"/>
+                    <a:pt x="20" y="0"/>
+                  </a:cubicBezTo>
+                  <a:cubicBezTo>
+                    <a:pt x="31" y="0"/>
+                    <a:pt x="40" y="9"/>
+                    <a:pt x="40" y="20"/>
+                  </a:cubicBezTo>
+                  <a:cubicBezTo>
+                    <a:pt x="40" y="31"/>
+                    <a:pt x="31" y="40"/>
+                    <a:pt x="20" y="40"/>
+                  </a:cubicBezTo>
+                  <a:close/>
+                  <a:moveTo>
+                    <a:pt x="20" y="4"/>
+                  </a:moveTo>
+                  <a:cubicBezTo>
+                    <a:pt x="11" y="4"/>
+                    <a:pt x="4" y="11"/>
+                    <a:pt x="4" y="20"/>
+                  </a:cubicBezTo>
+                  <a:cubicBezTo>
+                    <a:pt x="4" y="29"/>
+                    <a:pt x="11" y="36"/>
+                    <a:pt x="20" y="36"/>
+                  </a:cubicBezTo>
+                  <a:cubicBezTo>
+                    <a:pt x="29" y="36"/>
+                    <a:pt x="36" y="29"/>
+                    <a:pt x="36" y="20"/>
+                  </a:cubicBezTo>
+                  <a:cubicBezTo>
+                    <a:pt x="36" y="11"/>
+                    <a:pt x="29" y="4"/>
+                    <a:pt x="20" y="4"/>
+                  </a:cubicBezTo>
+                  <a:close/>
+                </a:path>
+              </a:pathLst>
+            </a:custGeom>
+            <a:grpFill/>
+            <a:ln>
+              <a:noFill/>
+            </a:ln>
+            <a:extLst>
+              <a:ext uri="{91240B29-F687-4f45-9708-019B960494DF}">
+                <a14:hiddenLine xmlns:a14="http://schemas.microsoft.com/office/drawing/2010/main" xmlns:p14="http://schemas.microsoft.com/office/powerpoint/2010/main" xmlns:a16="http://schemas.microsoft.com/office/drawing/2014/main" xmlns="" w="9525">
+                  <a:solidFill>
+                    <a:srgbClr val="000000"/>
+                  </a:solidFill>
+                  <a:round/>
+                  <a:headEnd/>
+                  <a:tailEnd/>
+                </a14:hiddenLine>
+              </a:ext>
+            </a:extLst>
+          </p:spPr>
+        </p:sp>
+        <p:sp>
+          <p:nvSpPr>
+            <p:cNvPr id="17" name="Freeform 10">
+              <a:extLst>
+                <a:ext uri="{FF2B5EF4-FFF2-40B4-BE49-F238E27FC236}">
+                  <a16:creationId xmlns:a16="http://schemas.microsoft.com/office/drawing/2014/main" id="{B5720BDB-EA73-4DE9-8A10-11DA3A1AC197}"/>
+                </a:ext>
+                <a:ext uri="{C183D7F6-B498-43B3-948B-1728B52AA6E4}">
+                  <adec:decorative xmlns:adec="http://schemas.microsoft.com/office/drawing/2017/decorative" val="1"/>
+                </a:ext>
+              </a:extLst>
+            </p:cNvPr>
+            <p:cNvSpPr/>
+            <p:nvPr>
+              <p:extLst>
+                <p:ext uri="{386F3935-93C4-4BCD-93E2-E3B085C9AB24}">
+                  <p16:designElem xmlns:p16="http://schemas.microsoft.com/office/powerpoint/2015/main" val="1"/>
+                </p:ext>
+              </p:extLst>
+            </p:nvPr>
+          </p:nvSpPr>
+          <p:spPr bwMode="auto">
+            <a:xfrm>
+              <a:off x="190500" y="9525"/>
+              <a:ext cx="152400" cy="908050"/>
+            </a:xfrm>
+            <a:custGeom>
+              <a:avLst/>
+              <a:gdLst/>
+              <a:ahLst/>
+              <a:cxnLst/>
+              <a:rect l="0" t="0" r="r" b="b"/>
+              <a:pathLst>
+                <a:path w="96" h="572">
+                  <a:moveTo>
+                    <a:pt x="15" y="572"/>
+                  </a:moveTo>
+                  <a:lnTo>
+                    <a:pt x="0" y="566"/>
+                  </a:lnTo>
+                  <a:lnTo>
+                    <a:pt x="81" y="380"/>
+                  </a:lnTo>
+                  <a:lnTo>
+                    <a:pt x="81" y="0"/>
+                  </a:lnTo>
+                  <a:lnTo>
+                    <a:pt x="96" y="0"/>
+                  </a:lnTo>
+                  <a:lnTo>
+                    <a:pt x="96" y="383"/>
+                  </a:lnTo>
+                  <a:lnTo>
+                    <a:pt x="15" y="572"/>
+                  </a:lnTo>
+                  <a:close/>
+                </a:path>
+              </a:pathLst>
+            </a:custGeom>
+            <a:grpFill/>
+            <a:ln>
+              <a:noFill/>
+            </a:ln>
+            <a:extLst>
+              <a:ext uri="{91240B29-F687-4f45-9708-019B960494DF}">
+                <a14:hiddenLine xmlns:a14="http://schemas.microsoft.com/office/drawing/2010/main" xmlns:p14="http://schemas.microsoft.com/office/powerpoint/2010/main" xmlns:a16="http://schemas.microsoft.com/office/drawing/2014/main" xmlns="" w="9525">
+                  <a:solidFill>
+                    <a:srgbClr val="000000"/>
+                  </a:solidFill>
+                  <a:round/>
+                  <a:headEnd/>
+                  <a:tailEnd/>
+                </a14:hiddenLine>
+              </a:ext>
+            </a:extLst>
+          </p:spPr>
+        </p:sp>
+        <p:sp>
+          <p:nvSpPr>
+            <p:cNvPr id="18" name="Freeform 11">
+              <a:extLst>
+                <a:ext uri="{FF2B5EF4-FFF2-40B4-BE49-F238E27FC236}">
+                  <a16:creationId xmlns:a16="http://schemas.microsoft.com/office/drawing/2014/main" id="{F1D2313E-4168-41D0-A5B5-2187D1B3339D}"/>
+                </a:ext>
+                <a:ext uri="{C183D7F6-B498-43B3-948B-1728B52AA6E4}">
+                  <adec:decorative xmlns:adec="http://schemas.microsoft.com/office/drawing/2017/decorative" val="1"/>
+                </a:ext>
+              </a:extLst>
+            </p:cNvPr>
+            <p:cNvSpPr/>
+            <p:nvPr>
+              <p:extLst>
+                <p:ext uri="{386F3935-93C4-4BCD-93E2-E3B085C9AB24}">
+                  <p16:designElem xmlns:p16="http://schemas.microsoft.com/office/powerpoint/2015/main" val="1"/>
+                </p:ext>
+              </p:extLst>
+            </p:nvPr>
+          </p:nvSpPr>
+          <p:spPr bwMode="auto">
+            <a:xfrm>
+              <a:off x="1290638" y="14288"/>
+              <a:ext cx="376238" cy="1801813"/>
+            </a:xfrm>
+            <a:custGeom>
+              <a:avLst/>
+              <a:gdLst/>
+              <a:ahLst/>
+              <a:cxnLst/>
+              <a:rect l="0" t="0" r="r" b="b"/>
+              <a:pathLst>
+                <a:path w="237" h="1135">
+                  <a:moveTo>
+                    <a:pt x="222" y="1135"/>
+                  </a:moveTo>
+                  <a:lnTo>
+                    <a:pt x="0" y="620"/>
+                  </a:lnTo>
+                  <a:lnTo>
+                    <a:pt x="0" y="0"/>
+                  </a:lnTo>
+                  <a:lnTo>
+                    <a:pt x="18" y="0"/>
+                  </a:lnTo>
+                  <a:lnTo>
+                    <a:pt x="18" y="617"/>
+                  </a:lnTo>
+                  <a:lnTo>
+                    <a:pt x="237" y="1129"/>
+                  </a:lnTo>
+                  <a:lnTo>
+                    <a:pt x="222" y="1135"/>
+                  </a:lnTo>
+                  <a:close/>
+                </a:path>
+              </a:pathLst>
+            </a:custGeom>
+            <a:grpFill/>
+            <a:ln>
+              <a:noFill/>
+            </a:ln>
+            <a:extLst>
+              <a:ext uri="{91240B29-F687-4f45-9708-019B960494DF}">
+                <a14:hiddenLine xmlns:a14="http://schemas.microsoft.com/office/drawing/2010/main" xmlns:p14="http://schemas.microsoft.com/office/powerpoint/2010/main" xmlns:a16="http://schemas.microsoft.com/office/drawing/2014/main" xmlns="" w="9525">
+                  <a:solidFill>
+                    <a:srgbClr val="000000"/>
+                  </a:solidFill>
+                  <a:round/>
+                  <a:headEnd/>
+                  <a:tailEnd/>
+                </a14:hiddenLine>
+              </a:ext>
+            </a:extLst>
+          </p:spPr>
+        </p:sp>
+        <p:sp>
+          <p:nvSpPr>
+            <p:cNvPr id="19" name="Freeform 12">
+              <a:extLst>
+                <a:ext uri="{FF2B5EF4-FFF2-40B4-BE49-F238E27FC236}">
+                  <a16:creationId xmlns:a16="http://schemas.microsoft.com/office/drawing/2014/main" id="{0F1B19F3-A09E-4891-8916-D5F8B0B2A176}"/>
+                </a:ext>
+                <a:ext uri="{C183D7F6-B498-43B3-948B-1728B52AA6E4}">
+                  <adec:decorative xmlns:adec="http://schemas.microsoft.com/office/drawing/2017/decorative" val="1"/>
+                </a:ext>
+              </a:extLst>
+            </p:cNvPr>
+            <p:cNvSpPr>
+              <a:spLocks noEditPoints="1"/>
+            </p:cNvSpPr>
+            <p:nvPr>
+              <p:extLst>
+                <p:ext uri="{386F3935-93C4-4BCD-93E2-E3B085C9AB24}">
+                  <p16:designElem xmlns:p16="http://schemas.microsoft.com/office/powerpoint/2015/main" val="1"/>
+                </p:ext>
+              </p:extLst>
+            </p:nvPr>
+          </p:nvSpPr>
+          <p:spPr bwMode="auto">
+            <a:xfrm>
+              <a:off x="1600200" y="1801813"/>
+              <a:ext cx="190500" cy="188913"/>
+            </a:xfrm>
+            <a:custGeom>
+              <a:avLst/>
+              <a:gdLst/>
+              <a:ahLst/>
+              <a:cxnLst/>
+              <a:rect l="0" t="0" r="r" b="b"/>
+              <a:pathLst>
+                <a:path w="40" h="40">
+                  <a:moveTo>
+                    <a:pt x="20" y="40"/>
+                  </a:moveTo>
+                  <a:cubicBezTo>
+                    <a:pt x="9" y="40"/>
+                    <a:pt x="0" y="31"/>
+                    <a:pt x="0" y="20"/>
+                  </a:cubicBezTo>
+                  <a:cubicBezTo>
+                    <a:pt x="0" y="9"/>
+                    <a:pt x="9" y="0"/>
+                    <a:pt x="20" y="0"/>
+                  </a:cubicBezTo>
+                  <a:cubicBezTo>
+                    <a:pt x="31" y="0"/>
+                    <a:pt x="40" y="9"/>
+                    <a:pt x="40" y="20"/>
+                  </a:cubicBezTo>
+                  <a:cubicBezTo>
+                    <a:pt x="40" y="31"/>
+                    <a:pt x="31" y="40"/>
+                    <a:pt x="20" y="40"/>
+                  </a:cubicBezTo>
+                  <a:close/>
+                  <a:moveTo>
+                    <a:pt x="20" y="4"/>
+                  </a:moveTo>
+                  <a:cubicBezTo>
+                    <a:pt x="11" y="4"/>
+                    <a:pt x="4" y="11"/>
+                    <a:pt x="4" y="20"/>
+                  </a:cubicBezTo>
+                  <a:cubicBezTo>
+                    <a:pt x="4" y="29"/>
+                    <a:pt x="11" y="36"/>
+                    <a:pt x="20" y="36"/>
+                  </a:cubicBezTo>
+                  <a:cubicBezTo>
+                    <a:pt x="28" y="36"/>
+                    <a:pt x="36" y="29"/>
+                    <a:pt x="36" y="20"/>
+                  </a:cubicBezTo>
+                  <a:cubicBezTo>
+                    <a:pt x="36" y="11"/>
+                    <a:pt x="28" y="4"/>
+                    <a:pt x="20" y="4"/>
+                  </a:cubicBezTo>
+                  <a:close/>
+                </a:path>
+              </a:pathLst>
+            </a:custGeom>
+            <a:grpFill/>
+            <a:ln>
+              <a:noFill/>
+            </a:ln>
+            <a:extLst>
+              <a:ext uri="{91240B29-F687-4f45-9708-019B960494DF}">
+                <a14:hiddenLine xmlns:a14="http://schemas.microsoft.com/office/drawing/2010/main" xmlns:p14="http://schemas.microsoft.com/office/powerpoint/2010/main" xmlns:a16="http://schemas.microsoft.com/office/drawing/2014/main" xmlns="" w="9525">
+                  <a:solidFill>
+                    <a:srgbClr val="000000"/>
+                  </a:solidFill>
+                  <a:round/>
+                  <a:headEnd/>
+                  <a:tailEnd/>
+                </a14:hiddenLine>
+              </a:ext>
+            </a:extLst>
+          </p:spPr>
+        </p:sp>
+        <p:sp>
+          <p:nvSpPr>
+            <p:cNvPr id="20" name="Freeform 13">
+              <a:extLst>
+                <a:ext uri="{FF2B5EF4-FFF2-40B4-BE49-F238E27FC236}">
+                  <a16:creationId xmlns:a16="http://schemas.microsoft.com/office/drawing/2014/main" id="{4D61F564-BB90-4A5C-829A-4F984FD6CD96}"/>
+                </a:ext>
+                <a:ext uri="{C183D7F6-B498-43B3-948B-1728B52AA6E4}">
+                  <adec:decorative xmlns:adec="http://schemas.microsoft.com/office/drawing/2017/decorative" val="1"/>
+                </a:ext>
+              </a:extLst>
+            </p:cNvPr>
+            <p:cNvSpPr/>
+            <p:nvPr>
+              <p:extLst>
+                <p:ext uri="{386F3935-93C4-4BCD-93E2-E3B085C9AB24}">
+                  <p16:designElem xmlns:p16="http://schemas.microsoft.com/office/powerpoint/2015/main" val="1"/>
+                </p:ext>
+              </p:extLst>
+            </p:nvPr>
+          </p:nvSpPr>
+          <p:spPr bwMode="auto">
+            <a:xfrm>
+              <a:off x="1381125" y="9525"/>
+              <a:ext cx="371475" cy="1425575"/>
+            </a:xfrm>
+            <a:custGeom>
+              <a:avLst/>
+              <a:gdLst/>
+              <a:ahLst/>
+              <a:cxnLst/>
+              <a:rect l="0" t="0" r="r" b="b"/>
+              <a:pathLst>
+                <a:path w="234" h="898">
+                  <a:moveTo>
+                    <a:pt x="219" y="898"/>
+                  </a:moveTo>
+                  <a:lnTo>
+                    <a:pt x="0" y="383"/>
+                  </a:lnTo>
+                  <a:lnTo>
+                    <a:pt x="0" y="0"/>
+                  </a:lnTo>
+                  <a:lnTo>
+                    <a:pt x="15" y="0"/>
+                  </a:lnTo>
+                  <a:lnTo>
+                    <a:pt x="15" y="380"/>
+                  </a:lnTo>
+                  <a:lnTo>
+                    <a:pt x="234" y="892"/>
+                  </a:lnTo>
+                  <a:lnTo>
+                    <a:pt x="219" y="898"/>
+                  </a:lnTo>
+                  <a:close/>
+                </a:path>
+              </a:pathLst>
+            </a:custGeom>
+            <a:grpFill/>
+            <a:ln>
+              <a:noFill/>
+            </a:ln>
+            <a:extLst>
+              <a:ext uri="{91240B29-F687-4f45-9708-019B960494DF}">
+                <a14:hiddenLine xmlns:a14="http://schemas.microsoft.com/office/drawing/2010/main" xmlns:p14="http://schemas.microsoft.com/office/powerpoint/2010/main" xmlns:a16="http://schemas.microsoft.com/office/drawing/2014/main" xmlns="" w="9525">
+                  <a:solidFill>
+                    <a:srgbClr val="000000"/>
+                  </a:solidFill>
+                  <a:round/>
+                  <a:headEnd/>
+                  <a:tailEnd/>
+                </a14:hiddenLine>
+              </a:ext>
+            </a:extLst>
+          </p:spPr>
+        </p:sp>
+        <p:sp>
+          <p:nvSpPr>
+            <p:cNvPr id="21" name="Freeform 14">
+              <a:extLst>
+                <a:ext uri="{FF2B5EF4-FFF2-40B4-BE49-F238E27FC236}">
+                  <a16:creationId xmlns:a16="http://schemas.microsoft.com/office/drawing/2014/main" id="{3803B77E-8C29-4857-B5C1-B89B01F46E08}"/>
+                </a:ext>
+                <a:ext uri="{C183D7F6-B498-43B3-948B-1728B52AA6E4}">
+                  <adec:decorative xmlns:adec="http://schemas.microsoft.com/office/drawing/2017/decorative" val="1"/>
+                </a:ext>
+              </a:extLst>
+            </p:cNvPr>
+            <p:cNvSpPr/>
+            <p:nvPr>
+              <p:extLst>
+                <p:ext uri="{386F3935-93C4-4BCD-93E2-E3B085C9AB24}">
+                  <p16:designElem xmlns:p16="http://schemas.microsoft.com/office/powerpoint/2015/main" val="1"/>
+                </p:ext>
+              </p:extLst>
+            </p:nvPr>
+          </p:nvSpPr>
+          <p:spPr bwMode="auto">
+            <a:xfrm>
+              <a:off x="1643063" y="0"/>
+              <a:ext cx="152400" cy="912813"/>
+            </a:xfrm>
+            <a:custGeom>
+              <a:avLst/>
+              <a:gdLst/>
+              <a:ahLst/>
+              <a:cxnLst/>
+              <a:rect l="0" t="0" r="r" b="b"/>
+              <a:pathLst>
+                <a:path w="96" h="575">
+                  <a:moveTo>
+                    <a:pt x="96" y="575"/>
+                  </a:moveTo>
+                  <a:lnTo>
+                    <a:pt x="78" y="575"/>
+                  </a:lnTo>
+                  <a:lnTo>
+                    <a:pt x="78" y="192"/>
+                  </a:lnTo>
+                  <a:lnTo>
+                    <a:pt x="0" y="6"/>
+                  </a:lnTo>
+                  <a:lnTo>
+                    <a:pt x="15" y="0"/>
+                  </a:lnTo>
+                  <a:lnTo>
+                    <a:pt x="96" y="189"/>
+                  </a:lnTo>
+                  <a:lnTo>
+                    <a:pt x="96" y="575"/>
+                  </a:lnTo>
+                  <a:close/>
+                </a:path>
+              </a:pathLst>
+            </a:custGeom>
+            <a:grpFill/>
+            <a:ln>
+              <a:noFill/>
+            </a:ln>
+            <a:extLst>
+              <a:ext uri="{91240B29-F687-4f45-9708-019B960494DF}">
+                <a14:hiddenLine xmlns:a14="http://schemas.microsoft.com/office/drawing/2010/main" xmlns:p14="http://schemas.microsoft.com/office/powerpoint/2010/main" xmlns:a16="http://schemas.microsoft.com/office/drawing/2014/main" xmlns="" w="9525">
+                  <a:solidFill>
+                    <a:srgbClr val="000000"/>
+                  </a:solidFill>
+                  <a:round/>
+                  <a:headEnd/>
+                  <a:tailEnd/>
+                </a14:hiddenLine>
+              </a:ext>
+            </a:extLst>
+          </p:spPr>
+        </p:sp>
+        <p:sp>
+          <p:nvSpPr>
+            <p:cNvPr id="22" name="Freeform 15">
+              <a:extLst>
+                <a:ext uri="{FF2B5EF4-FFF2-40B4-BE49-F238E27FC236}">
+                  <a16:creationId xmlns:a16="http://schemas.microsoft.com/office/drawing/2014/main" id="{B96F39B0-FB50-4957-8F85-2E2CCF6D7E89}"/>
+                </a:ext>
+                <a:ext uri="{C183D7F6-B498-43B3-948B-1728B52AA6E4}">
+                  <adec:decorative xmlns:adec="http://schemas.microsoft.com/office/drawing/2017/decorative" val="1"/>
+                </a:ext>
+              </a:extLst>
+            </p:cNvPr>
+            <p:cNvSpPr>
+              <a:spLocks noEditPoints="1"/>
+            </p:cNvSpPr>
+            <p:nvPr>
+              <p:extLst>
+                <p:ext uri="{386F3935-93C4-4BCD-93E2-E3B085C9AB24}">
+                  <p16:designElem xmlns:p16="http://schemas.microsoft.com/office/powerpoint/2015/main" val="1"/>
+                </p:ext>
+              </p:extLst>
+            </p:nvPr>
+          </p:nvSpPr>
+          <p:spPr bwMode="auto">
+            <a:xfrm>
+              <a:off x="1685925" y="1420813"/>
+              <a:ext cx="190500" cy="190500"/>
+            </a:xfrm>
+            <a:custGeom>
+              <a:avLst/>
+              <a:gdLst/>
+              <a:ahLst/>
+              <a:cxnLst/>
+              <a:rect l="0" t="0" r="r" b="b"/>
+              <a:pathLst>
+                <a:path w="40" h="40">
+                  <a:moveTo>
+                    <a:pt x="20" y="40"/>
+                  </a:moveTo>
+                  <a:cubicBezTo>
+                    <a:pt x="9" y="40"/>
+                    <a:pt x="0" y="31"/>
+                    <a:pt x="0" y="20"/>
+                  </a:cubicBezTo>
+                  <a:cubicBezTo>
+                    <a:pt x="0" y="9"/>
+                    <a:pt x="9" y="0"/>
+                    <a:pt x="20" y="0"/>
+                  </a:cubicBezTo>
+                  <a:cubicBezTo>
+                    <a:pt x="31" y="0"/>
+                    <a:pt x="40" y="9"/>
+                    <a:pt x="40" y="20"/>
+                  </a:cubicBezTo>
+                  <a:cubicBezTo>
+                    <a:pt x="40" y="31"/>
+                    <a:pt x="31" y="40"/>
+                    <a:pt x="20" y="40"/>
+                  </a:cubicBezTo>
+                  <a:close/>
+                  <a:moveTo>
+                    <a:pt x="20" y="4"/>
+                  </a:moveTo>
+                  <a:cubicBezTo>
+                    <a:pt x="11" y="4"/>
+                    <a:pt x="4" y="11"/>
+                    <a:pt x="4" y="20"/>
+                  </a:cubicBezTo>
+                  <a:cubicBezTo>
+                    <a:pt x="4" y="29"/>
+                    <a:pt x="11" y="36"/>
+                    <a:pt x="20" y="36"/>
+                  </a:cubicBezTo>
+                  <a:cubicBezTo>
+                    <a:pt x="29" y="36"/>
+                    <a:pt x="36" y="29"/>
+                    <a:pt x="36" y="20"/>
+                  </a:cubicBezTo>
+                  <a:cubicBezTo>
+                    <a:pt x="36" y="11"/>
+                    <a:pt x="29" y="4"/>
+                    <a:pt x="20" y="4"/>
+                  </a:cubicBezTo>
+                  <a:close/>
+                </a:path>
+              </a:pathLst>
+            </a:custGeom>
+            <a:grpFill/>
+            <a:ln>
+              <a:noFill/>
+            </a:ln>
+            <a:extLst>
+              <a:ext uri="{91240B29-F687-4f45-9708-019B960494DF}">
+                <a14:hiddenLine xmlns:a14="http://schemas.microsoft.com/office/drawing/2010/main" xmlns:p14="http://schemas.microsoft.com/office/powerpoint/2010/main" xmlns:a16="http://schemas.microsoft.com/office/drawing/2014/main" xmlns="" w="9525">
+                  <a:solidFill>
+                    <a:srgbClr val="000000"/>
+                  </a:solidFill>
+                  <a:round/>
+                  <a:headEnd/>
+                  <a:tailEnd/>
+                </a14:hiddenLine>
+              </a:ext>
+            </a:extLst>
+          </p:spPr>
+        </p:sp>
+        <p:sp>
+          <p:nvSpPr>
+            <p:cNvPr id="23" name="Freeform 16">
+              <a:extLst>
+                <a:ext uri="{FF2B5EF4-FFF2-40B4-BE49-F238E27FC236}">
+                  <a16:creationId xmlns:a16="http://schemas.microsoft.com/office/drawing/2014/main" id="{A54B5837-452A-4FC3-A8C8-E275AA92923D}"/>
+                </a:ext>
+                <a:ext uri="{C183D7F6-B498-43B3-948B-1728B52AA6E4}">
+                  <adec:decorative xmlns:adec="http://schemas.microsoft.com/office/drawing/2017/decorative" val="1"/>
+                </a:ext>
+              </a:extLst>
+            </p:cNvPr>
+            <p:cNvSpPr>
+              <a:spLocks noEditPoints="1"/>
+            </p:cNvSpPr>
+            <p:nvPr>
+              <p:extLst>
+                <p:ext uri="{386F3935-93C4-4BCD-93E2-E3B085C9AB24}">
+                  <p16:designElem xmlns:p16="http://schemas.microsoft.com/office/powerpoint/2015/main" val="1"/>
+                </p:ext>
+              </p:extLst>
+            </p:nvPr>
+          </p:nvSpPr>
+          <p:spPr bwMode="auto">
+            <a:xfrm>
+              <a:off x="1685925" y="903288"/>
+              <a:ext cx="190500" cy="190500"/>
+            </a:xfrm>
+            <a:custGeom>
+              <a:avLst/>
+              <a:gdLst/>
+              <a:ahLst/>
+              <a:cxnLst/>
+              <a:rect l="0" t="0" r="r" b="b"/>
+              <a:pathLst>
+                <a:path w="40" h="40">
+                  <a:moveTo>
+                    <a:pt x="20" y="40"/>
+                  </a:moveTo>
+                  <a:cubicBezTo>
+                    <a:pt x="9" y="40"/>
+                    <a:pt x="0" y="31"/>
+                    <a:pt x="0" y="20"/>
+                  </a:cubicBezTo>
+                  <a:cubicBezTo>
+                    <a:pt x="0" y="9"/>
+                    <a:pt x="9" y="0"/>
+                    <a:pt x="20" y="0"/>
+                  </a:cubicBezTo>
+                  <a:cubicBezTo>
+                    <a:pt x="31" y="0"/>
+                    <a:pt x="40" y="9"/>
+                    <a:pt x="40" y="20"/>
+                  </a:cubicBezTo>
+                  <a:cubicBezTo>
+                    <a:pt x="40" y="31"/>
+                    <a:pt x="31" y="40"/>
+                    <a:pt x="20" y="40"/>
+                  </a:cubicBezTo>
+                  <a:close/>
+                  <a:moveTo>
+                    <a:pt x="20" y="4"/>
+                  </a:moveTo>
+                  <a:cubicBezTo>
+                    <a:pt x="11" y="4"/>
+                    <a:pt x="4" y="11"/>
+                    <a:pt x="4" y="20"/>
+                  </a:cubicBezTo>
+                  <a:cubicBezTo>
+                    <a:pt x="4" y="29"/>
+                    <a:pt x="11" y="36"/>
+                    <a:pt x="20" y="36"/>
+                  </a:cubicBezTo>
+                  <a:cubicBezTo>
+                    <a:pt x="29" y="36"/>
+                    <a:pt x="36" y="29"/>
+                    <a:pt x="36" y="20"/>
+                  </a:cubicBezTo>
+                  <a:cubicBezTo>
+                    <a:pt x="36" y="11"/>
+                    <a:pt x="29" y="4"/>
+                    <a:pt x="20" y="4"/>
+                  </a:cubicBezTo>
+                  <a:close/>
+                </a:path>
+              </a:pathLst>
+            </a:custGeom>
+            <a:grpFill/>
+            <a:ln>
+              <a:noFill/>
+            </a:ln>
+            <a:extLst>
+              <a:ext uri="{91240B29-F687-4f45-9708-019B960494DF}">
+                <a14:hiddenLine xmlns:a14="http://schemas.microsoft.com/office/drawing/2010/main" xmlns:p14="http://schemas.microsoft.com/office/powerpoint/2010/main" xmlns:a16="http://schemas.microsoft.com/office/drawing/2014/main" xmlns="" w="9525">
+                  <a:solidFill>
+                    <a:srgbClr val="000000"/>
+                  </a:solidFill>
+                  <a:round/>
+                  <a:headEnd/>
+                  <a:tailEnd/>
+                </a14:hiddenLine>
+              </a:ext>
+            </a:extLst>
+          </p:spPr>
+        </p:sp>
+        <p:sp>
+          <p:nvSpPr>
+            <p:cNvPr id="24" name="Freeform 17">
+              <a:extLst>
+                <a:ext uri="{FF2B5EF4-FFF2-40B4-BE49-F238E27FC236}">
+                  <a16:creationId xmlns:a16="http://schemas.microsoft.com/office/drawing/2014/main" id="{FDE2A683-C13C-4A7F-935C-4C5279BF5039}"/>
+                </a:ext>
+                <a:ext uri="{C183D7F6-B498-43B3-948B-1728B52AA6E4}">
+                  <adec:decorative xmlns:adec="http://schemas.microsoft.com/office/drawing/2017/decorative" val="1"/>
+                </a:ext>
+              </a:extLst>
+            </p:cNvPr>
+            <p:cNvSpPr/>
+            <p:nvPr>
+              <p:extLst>
+                <p:ext uri="{386F3935-93C4-4BCD-93E2-E3B085C9AB24}">
+                  <p16:designElem xmlns:p16="http://schemas.microsoft.com/office/powerpoint/2015/main" val="1"/>
+                </p:ext>
+              </p:extLst>
+            </p:nvPr>
+          </p:nvSpPr>
+          <p:spPr bwMode="auto">
+            <a:xfrm>
+              <a:off x="1743075" y="4763"/>
+              <a:ext cx="419100" cy="522288"/>
+            </a:xfrm>
+            <a:custGeom>
+              <a:avLst/>
+              <a:gdLst/>
+              <a:ahLst/>
+              <a:cxnLst/>
+              <a:rect l="0" t="0" r="r" b="b"/>
+              <a:pathLst>
+                <a:path w="264" h="329">
+                  <a:moveTo>
+                    <a:pt x="252" y="329"/>
+                  </a:moveTo>
+                  <a:lnTo>
+                    <a:pt x="45" y="120"/>
+                  </a:lnTo>
+                  <a:lnTo>
+                    <a:pt x="0" y="6"/>
+                  </a:lnTo>
+                  <a:lnTo>
+                    <a:pt x="15" y="0"/>
+                  </a:lnTo>
+                  <a:lnTo>
+                    <a:pt x="60" y="111"/>
+                  </a:lnTo>
+                  <a:lnTo>
+                    <a:pt x="264" y="317"/>
+                  </a:lnTo>
+                  <a:lnTo>
+                    <a:pt x="252" y="329"/>
+                  </a:lnTo>
+                  <a:close/>
+                </a:path>
+              </a:pathLst>
+            </a:custGeom>
+            <a:grpFill/>
+            <a:ln>
+              <a:noFill/>
+            </a:ln>
+            <a:extLst>
+              <a:ext uri="{91240B29-F687-4f45-9708-019B960494DF}">
+                <a14:hiddenLine xmlns:a14="http://schemas.microsoft.com/office/drawing/2010/main" xmlns:p14="http://schemas.microsoft.com/office/powerpoint/2010/main" xmlns:a16="http://schemas.microsoft.com/office/drawing/2014/main" xmlns="" w="9525">
+                  <a:solidFill>
+                    <a:srgbClr val="000000"/>
+                  </a:solidFill>
+                  <a:round/>
+                  <a:headEnd/>
+                  <a:tailEnd/>
+                </a14:hiddenLine>
+              </a:ext>
+            </a:extLst>
+          </p:spPr>
+        </p:sp>
+        <p:sp>
+          <p:nvSpPr>
+            <p:cNvPr id="25" name="Freeform 18">
+              <a:extLst>
+                <a:ext uri="{FF2B5EF4-FFF2-40B4-BE49-F238E27FC236}">
+                  <a16:creationId xmlns:a16="http://schemas.microsoft.com/office/drawing/2014/main" id="{30C5773F-6573-4E1F-B3DC-BB2B01D88D6A}"/>
+                </a:ext>
+                <a:ext uri="{C183D7F6-B498-43B3-948B-1728B52AA6E4}">
+                  <adec:decorative xmlns:adec="http://schemas.microsoft.com/office/drawing/2017/decorative" val="1"/>
+                </a:ext>
+              </a:extLst>
+            </p:cNvPr>
+            <p:cNvSpPr>
+              <a:spLocks noEditPoints="1"/>
+            </p:cNvSpPr>
+            <p:nvPr>
+              <p:extLst>
+                <p:ext uri="{386F3935-93C4-4BCD-93E2-E3B085C9AB24}">
+                  <p16:designElem xmlns:p16="http://schemas.microsoft.com/office/powerpoint/2015/main" val="1"/>
+                </p:ext>
+              </p:extLst>
+            </p:nvPr>
+          </p:nvSpPr>
+          <p:spPr bwMode="auto">
+            <a:xfrm>
+              <a:off x="2119313" y="488950"/>
+              <a:ext cx="161925" cy="147638"/>
+            </a:xfrm>
+            <a:custGeom>
+              <a:avLst/>
+              <a:gdLst/>
+              <a:ahLst/>
+              <a:cxnLst/>
+              <a:rect l="0" t="0" r="r" b="b"/>
+              <a:pathLst>
+                <a:path w="34" h="31">
+                  <a:moveTo>
+                    <a:pt x="17" y="31"/>
+                  </a:moveTo>
+                  <a:cubicBezTo>
+                    <a:pt x="13" y="31"/>
+                    <a:pt x="9" y="30"/>
+                    <a:pt x="6" y="27"/>
+                  </a:cubicBezTo>
+                  <a:cubicBezTo>
+                    <a:pt x="0" y="20"/>
+                    <a:pt x="0" y="10"/>
+                    <a:pt x="6" y="4"/>
+                  </a:cubicBezTo>
+                  <a:cubicBezTo>
+                    <a:pt x="9" y="1"/>
+                    <a:pt x="13" y="0"/>
+                    <a:pt x="17" y="0"/>
+                  </a:cubicBezTo>
+                  <a:cubicBezTo>
+                    <a:pt x="21" y="0"/>
+                    <a:pt x="25" y="1"/>
+                    <a:pt x="28" y="4"/>
+                  </a:cubicBezTo>
+                  <a:cubicBezTo>
+                    <a:pt x="34" y="10"/>
+                    <a:pt x="34" y="20"/>
+                    <a:pt x="28" y="27"/>
+                  </a:cubicBezTo>
+                  <a:cubicBezTo>
+                    <a:pt x="25" y="30"/>
+                    <a:pt x="21" y="31"/>
+                    <a:pt x="17" y="31"/>
+                  </a:cubicBezTo>
+                  <a:close/>
+                  <a:moveTo>
+                    <a:pt x="17" y="4"/>
+                  </a:moveTo>
+                  <a:cubicBezTo>
+                    <a:pt x="14" y="4"/>
+                    <a:pt x="11" y="5"/>
+                    <a:pt x="9" y="7"/>
+                  </a:cubicBezTo>
+                  <a:cubicBezTo>
+                    <a:pt x="4" y="12"/>
+                    <a:pt x="4" y="19"/>
+                    <a:pt x="9" y="24"/>
+                  </a:cubicBezTo>
+                  <a:cubicBezTo>
+                    <a:pt x="11" y="26"/>
+                    <a:pt x="14" y="27"/>
+                    <a:pt x="17" y="27"/>
+                  </a:cubicBezTo>
+                  <a:cubicBezTo>
+                    <a:pt x="20" y="27"/>
+                    <a:pt x="23" y="26"/>
+                    <a:pt x="25" y="24"/>
+                  </a:cubicBezTo>
+                  <a:cubicBezTo>
+                    <a:pt x="30" y="19"/>
+                    <a:pt x="30" y="12"/>
+                    <a:pt x="25" y="7"/>
+                  </a:cubicBezTo>
+                  <a:cubicBezTo>
+                    <a:pt x="23" y="5"/>
+                    <a:pt x="20" y="4"/>
+                    <a:pt x="17" y="4"/>
+                  </a:cubicBezTo>
+                  <a:close/>
+                </a:path>
+              </a:pathLst>
+            </a:custGeom>
+            <a:grpFill/>
+            <a:ln>
+              <a:noFill/>
+            </a:ln>
+            <a:extLst>
+              <a:ext uri="{91240B29-F687-4f45-9708-019B960494DF}">
+                <a14:hiddenLine xmlns:a14="http://schemas.microsoft.com/office/drawing/2010/main" xmlns:p14="http://schemas.microsoft.com/office/powerpoint/2010/main" xmlns:a16="http://schemas.microsoft.com/office/drawing/2014/main" xmlns="" w="9525">
+                  <a:solidFill>
+                    <a:srgbClr val="000000"/>
+                  </a:solidFill>
+                  <a:round/>
+                  <a:headEnd/>
+                  <a:tailEnd/>
+                </a14:hiddenLine>
+              </a:ext>
+            </a:extLst>
+          </p:spPr>
+        </p:sp>
+        <p:sp>
+          <p:nvSpPr>
+            <p:cNvPr id="26" name="Freeform 19">
+              <a:extLst>
+                <a:ext uri="{FF2B5EF4-FFF2-40B4-BE49-F238E27FC236}">
+                  <a16:creationId xmlns:a16="http://schemas.microsoft.com/office/drawing/2014/main" id="{E280F9F5-EF46-41DF-B672-013B025B96B5}"/>
+                </a:ext>
+                <a:ext uri="{C183D7F6-B498-43B3-948B-1728B52AA6E4}">
+                  <adec:decorative xmlns:adec="http://schemas.microsoft.com/office/drawing/2017/decorative" val="1"/>
+                </a:ext>
+              </a:extLst>
+            </p:cNvPr>
+            <p:cNvSpPr/>
+            <p:nvPr>
+              <p:extLst>
+                <p:ext uri="{386F3935-93C4-4BCD-93E2-E3B085C9AB24}">
+                  <p16:designElem xmlns:p16="http://schemas.microsoft.com/office/powerpoint/2015/main" val="1"/>
+                </p:ext>
+              </p:extLst>
+            </p:nvPr>
+          </p:nvSpPr>
+          <p:spPr bwMode="auto">
+            <a:xfrm>
+              <a:off x="952500" y="4763"/>
+              <a:ext cx="152400" cy="908050"/>
+            </a:xfrm>
+            <a:custGeom>
+              <a:avLst/>
+              <a:gdLst/>
+              <a:ahLst/>
+              <a:cxnLst/>
+              <a:rect l="0" t="0" r="r" b="b"/>
+              <a:pathLst>
+                <a:path w="96" h="572">
+                  <a:moveTo>
+                    <a:pt x="15" y="572"/>
+                  </a:moveTo>
+                  <a:lnTo>
+                    <a:pt x="0" y="572"/>
+                  </a:lnTo>
+                  <a:lnTo>
+                    <a:pt x="0" y="189"/>
+                  </a:lnTo>
+                  <a:lnTo>
+                    <a:pt x="81" y="0"/>
+                  </a:lnTo>
+                  <a:lnTo>
+                    <a:pt x="96" y="6"/>
+                  </a:lnTo>
+                  <a:lnTo>
+                    <a:pt x="15" y="192"/>
+                  </a:lnTo>
+                  <a:lnTo>
+                    <a:pt x="15" y="572"/>
+                  </a:lnTo>
+                  <a:close/>
+                </a:path>
+              </a:pathLst>
+            </a:custGeom>
+            <a:grpFill/>
+            <a:ln>
+              <a:noFill/>
+            </a:ln>
+            <a:extLst>
+              <a:ext uri="{91240B29-F687-4f45-9708-019B960494DF}">
+                <a14:hiddenLine xmlns:a14="http://schemas.microsoft.com/office/drawing/2010/main" xmlns:p14="http://schemas.microsoft.com/office/powerpoint/2010/main" xmlns:a16="http://schemas.microsoft.com/office/drawing/2014/main" xmlns="" w="9525">
+                  <a:solidFill>
+                    <a:srgbClr val="000000"/>
+                  </a:solidFill>
+                  <a:round/>
+                  <a:headEnd/>
+                  <a:tailEnd/>
+                </a14:hiddenLine>
+              </a:ext>
+            </a:extLst>
+          </p:spPr>
+        </p:sp>
+        <p:sp>
+          <p:nvSpPr>
+            <p:cNvPr id="27" name="Freeform 20">
+              <a:extLst>
+                <a:ext uri="{FF2B5EF4-FFF2-40B4-BE49-F238E27FC236}">
+                  <a16:creationId xmlns:a16="http://schemas.microsoft.com/office/drawing/2014/main" id="{5876ADD8-345E-4A8D-81CB-0D5C3F76F8B9}"/>
+                </a:ext>
+                <a:ext uri="{C183D7F6-B498-43B3-948B-1728B52AA6E4}">
+                  <adec:decorative xmlns:adec="http://schemas.microsoft.com/office/drawing/2017/decorative" val="1"/>
+                </a:ext>
+              </a:extLst>
+            </p:cNvPr>
+            <p:cNvSpPr>
+              <a:spLocks noEditPoints="1"/>
+            </p:cNvSpPr>
+            <p:nvPr>
+              <p:extLst>
+                <p:ext uri="{386F3935-93C4-4BCD-93E2-E3B085C9AB24}">
+                  <p16:designElem xmlns:p16="http://schemas.microsoft.com/office/powerpoint/2015/main" val="1"/>
+                </p:ext>
+              </p:extLst>
+            </p:nvPr>
+          </p:nvSpPr>
+          <p:spPr bwMode="auto">
+            <a:xfrm>
+              <a:off x="866775" y="903288"/>
+              <a:ext cx="190500" cy="190500"/>
+            </a:xfrm>
+            <a:custGeom>
+              <a:avLst/>
+              <a:gdLst/>
+              <a:ahLst/>
+              <a:cxnLst/>
+              <a:rect l="0" t="0" r="r" b="b"/>
+              <a:pathLst>
+                <a:path w="40" h="40">
+                  <a:moveTo>
+                    <a:pt x="20" y="40"/>
+                  </a:moveTo>
+                  <a:cubicBezTo>
+                    <a:pt x="9" y="40"/>
+                    <a:pt x="0" y="31"/>
+                    <a:pt x="0" y="20"/>
+                  </a:cubicBezTo>
+                  <a:cubicBezTo>
+                    <a:pt x="0" y="9"/>
+                    <a:pt x="9" y="0"/>
+                    <a:pt x="20" y="0"/>
+                  </a:cubicBezTo>
+                  <a:cubicBezTo>
+                    <a:pt x="31" y="0"/>
+                    <a:pt x="40" y="9"/>
+                    <a:pt x="40" y="20"/>
+                  </a:cubicBezTo>
+                  <a:cubicBezTo>
+                    <a:pt x="40" y="31"/>
+                    <a:pt x="31" y="40"/>
+                    <a:pt x="20" y="40"/>
+                  </a:cubicBezTo>
+                  <a:close/>
+                  <a:moveTo>
+                    <a:pt x="20" y="4"/>
+                  </a:moveTo>
+                  <a:cubicBezTo>
+                    <a:pt x="11" y="4"/>
+                    <a:pt x="4" y="12"/>
+                    <a:pt x="4" y="20"/>
+                  </a:cubicBezTo>
+                  <a:cubicBezTo>
+                    <a:pt x="4" y="29"/>
+                    <a:pt x="11" y="36"/>
+                    <a:pt x="20" y="36"/>
+                  </a:cubicBezTo>
+                  <a:cubicBezTo>
+                    <a:pt x="29" y="36"/>
+                    <a:pt x="36" y="29"/>
+                    <a:pt x="36" y="20"/>
+                  </a:cubicBezTo>
+                  <a:cubicBezTo>
+                    <a:pt x="36" y="12"/>
+                    <a:pt x="29" y="4"/>
+                    <a:pt x="20" y="4"/>
+                  </a:cubicBezTo>
+                  <a:close/>
+                </a:path>
+              </a:pathLst>
+            </a:custGeom>
+            <a:grpFill/>
+            <a:ln>
+              <a:noFill/>
+            </a:ln>
+            <a:extLst>
+              <a:ext uri="{91240B29-F687-4f45-9708-019B960494DF}">
+                <a14:hiddenLine xmlns:a14="http://schemas.microsoft.com/office/drawing/2010/main" xmlns:p14="http://schemas.microsoft.com/office/powerpoint/2010/main" xmlns:a16="http://schemas.microsoft.com/office/drawing/2014/main" xmlns="" w="9525">
+                  <a:solidFill>
+                    <a:srgbClr val="000000"/>
+                  </a:solidFill>
+                  <a:round/>
+                  <a:headEnd/>
+                  <a:tailEnd/>
+                </a14:hiddenLine>
+              </a:ext>
+            </a:extLst>
+          </p:spPr>
+        </p:sp>
+        <p:sp>
+          <p:nvSpPr>
+            <p:cNvPr id="28" name="Freeform 21">
+              <a:extLst>
+                <a:ext uri="{FF2B5EF4-FFF2-40B4-BE49-F238E27FC236}">
+                  <a16:creationId xmlns:a16="http://schemas.microsoft.com/office/drawing/2014/main" id="{8D2F7216-B310-4AB4-9948-2CF747F77FF9}"/>
+                </a:ext>
+                <a:ext uri="{C183D7F6-B498-43B3-948B-1728B52AA6E4}">
+                  <adec:decorative xmlns:adec="http://schemas.microsoft.com/office/drawing/2017/decorative" val="1"/>
+                </a:ext>
+              </a:extLst>
+            </p:cNvPr>
+            <p:cNvSpPr>
+              <a:spLocks noEditPoints="1"/>
+            </p:cNvSpPr>
+            <p:nvPr>
+              <p:extLst>
+                <p:ext uri="{386F3935-93C4-4BCD-93E2-E3B085C9AB24}">
+                  <p16:designElem xmlns:p16="http://schemas.microsoft.com/office/powerpoint/2015/main" val="1"/>
+                </p:ext>
+              </p:extLst>
+            </p:nvPr>
+          </p:nvSpPr>
+          <p:spPr bwMode="auto">
+            <a:xfrm>
+              <a:off x="890588" y="1554163"/>
+              <a:ext cx="190500" cy="190500"/>
+            </a:xfrm>
+            <a:custGeom>
+              <a:avLst/>
+              <a:gdLst/>
+              <a:ahLst/>
+              <a:cxnLst/>
+              <a:rect l="0" t="0" r="r" b="b"/>
+              <a:pathLst>
+                <a:path w="40" h="40">
+                  <a:moveTo>
+                    <a:pt x="20" y="40"/>
+                  </a:moveTo>
+                  <a:cubicBezTo>
+                    <a:pt x="9" y="40"/>
+                    <a:pt x="0" y="31"/>
+                    <a:pt x="0" y="20"/>
+                  </a:cubicBezTo>
+                  <a:cubicBezTo>
+                    <a:pt x="0" y="9"/>
+                    <a:pt x="9" y="0"/>
+                    <a:pt x="20" y="0"/>
+                  </a:cubicBezTo>
+                  <a:cubicBezTo>
+                    <a:pt x="31" y="0"/>
+                    <a:pt x="40" y="9"/>
+                    <a:pt x="40" y="20"/>
+                  </a:cubicBezTo>
+                  <a:cubicBezTo>
+                    <a:pt x="40" y="31"/>
+                    <a:pt x="31" y="40"/>
+                    <a:pt x="20" y="40"/>
+                  </a:cubicBezTo>
+                  <a:close/>
+                  <a:moveTo>
+                    <a:pt x="20" y="4"/>
+                  </a:moveTo>
+                  <a:cubicBezTo>
+                    <a:pt x="11" y="4"/>
+                    <a:pt x="4" y="11"/>
+                    <a:pt x="4" y="20"/>
+                  </a:cubicBezTo>
+                  <a:cubicBezTo>
+                    <a:pt x="4" y="28"/>
+                    <a:pt x="11" y="36"/>
+                    <a:pt x="20" y="36"/>
+                  </a:cubicBezTo>
+                  <a:cubicBezTo>
+                    <a:pt x="29" y="36"/>
+                    <a:pt x="36" y="28"/>
+                    <a:pt x="36" y="20"/>
+                  </a:cubicBezTo>
+                  <a:cubicBezTo>
+                    <a:pt x="36" y="11"/>
+                    <a:pt x="29" y="4"/>
+                    <a:pt x="20" y="4"/>
+                  </a:cubicBezTo>
+                  <a:close/>
+                </a:path>
+              </a:pathLst>
+            </a:custGeom>
+            <a:grpFill/>
+            <a:ln>
+              <a:noFill/>
+            </a:ln>
+            <a:extLst>
+              <a:ext uri="{91240B29-F687-4f45-9708-019B960494DF}">
+                <a14:hiddenLine xmlns:a14="http://schemas.microsoft.com/office/drawing/2010/main" xmlns:p14="http://schemas.microsoft.com/office/powerpoint/2010/main" xmlns:a16="http://schemas.microsoft.com/office/drawing/2014/main" xmlns="" w="9525">
+                  <a:solidFill>
+                    <a:srgbClr val="000000"/>
+                  </a:solidFill>
+                  <a:round/>
+                  <a:headEnd/>
+                  <a:tailEnd/>
+                </a14:hiddenLine>
+              </a:ext>
+            </a:extLst>
+          </p:spPr>
+        </p:sp>
+        <p:sp>
+          <p:nvSpPr>
+            <p:cNvPr id="29" name="Freeform 22">
+              <a:extLst>
+                <a:ext uri="{FF2B5EF4-FFF2-40B4-BE49-F238E27FC236}">
+                  <a16:creationId xmlns:a16="http://schemas.microsoft.com/office/drawing/2014/main" id="{D113E940-FD31-4B25-B33F-5B213CC75889}"/>
+                </a:ext>
+                <a:ext uri="{C183D7F6-B498-43B3-948B-1728B52AA6E4}">
+                  <adec:decorative xmlns:adec="http://schemas.microsoft.com/office/drawing/2017/decorative" val="1"/>
+                </a:ext>
+              </a:extLst>
+            </p:cNvPr>
+            <p:cNvSpPr/>
+            <p:nvPr>
+              <p:extLst>
+                <p:ext uri="{386F3935-93C4-4BCD-93E2-E3B085C9AB24}">
+                  <p16:designElem xmlns:p16="http://schemas.microsoft.com/office/powerpoint/2015/main" val="1"/>
+                </p:ext>
+              </p:extLst>
+            </p:nvPr>
+          </p:nvSpPr>
+          <p:spPr bwMode="auto">
+            <a:xfrm>
+              <a:off x="738188" y="5622925"/>
+              <a:ext cx="338138" cy="1216025"/>
+            </a:xfrm>
+            <a:custGeom>
+              <a:avLst/>
+              <a:gdLst/>
+              <a:ahLst/>
+              <a:cxnLst/>
+              <a:rect l="0" t="0" r="r" b="b"/>
+              <a:pathLst>
+                <a:path w="213" h="766">
+                  <a:moveTo>
+                    <a:pt x="213" y="766"/>
+                  </a:moveTo>
+                  <a:lnTo>
+                    <a:pt x="195" y="766"/>
+                  </a:lnTo>
+                  <a:lnTo>
+                    <a:pt x="195" y="464"/>
+                  </a:lnTo>
+                  <a:lnTo>
+                    <a:pt x="0" y="6"/>
+                  </a:lnTo>
+                  <a:lnTo>
+                    <a:pt x="12" y="0"/>
+                  </a:lnTo>
+                  <a:lnTo>
+                    <a:pt x="213" y="461"/>
+                  </a:lnTo>
+                  <a:lnTo>
+                    <a:pt x="213" y="766"/>
+                  </a:lnTo>
+                  <a:close/>
+                </a:path>
+              </a:pathLst>
+            </a:custGeom>
+            <a:grpFill/>
+            <a:ln>
+              <a:noFill/>
+            </a:ln>
+            <a:extLst>
+              <a:ext uri="{91240B29-F687-4f45-9708-019B960494DF}">
+                <a14:hiddenLine xmlns:a14="http://schemas.microsoft.com/office/drawing/2010/main" xmlns:p14="http://schemas.microsoft.com/office/powerpoint/2010/main" xmlns:a16="http://schemas.microsoft.com/office/drawing/2014/main" xmlns="" w="9525">
+                  <a:solidFill>
+                    <a:srgbClr val="000000"/>
+                  </a:solidFill>
+                  <a:round/>
+                  <a:headEnd/>
+                  <a:tailEnd/>
+                </a14:hiddenLine>
+              </a:ext>
+            </a:extLst>
+          </p:spPr>
+        </p:sp>
+        <p:sp>
+          <p:nvSpPr>
+            <p:cNvPr id="30" name="Freeform 23">
+              <a:extLst>
+                <a:ext uri="{FF2B5EF4-FFF2-40B4-BE49-F238E27FC236}">
+                  <a16:creationId xmlns:a16="http://schemas.microsoft.com/office/drawing/2014/main" id="{D6211283-9342-40E7-88F7-14A9028450A7}"/>
+                </a:ext>
+                <a:ext uri="{C183D7F6-B498-43B3-948B-1728B52AA6E4}">
+                  <adec:decorative xmlns:adec="http://schemas.microsoft.com/office/drawing/2017/decorative" val="1"/>
+                </a:ext>
+              </a:extLst>
+            </p:cNvPr>
+            <p:cNvSpPr>
+              <a:spLocks noEditPoints="1"/>
+            </p:cNvSpPr>
+            <p:nvPr>
+              <p:extLst>
+                <p:ext uri="{386F3935-93C4-4BCD-93E2-E3B085C9AB24}">
+                  <p16:designElem xmlns:p16="http://schemas.microsoft.com/office/powerpoint/2015/main" val="1"/>
+                </p:ext>
+              </p:extLst>
+            </p:nvPr>
+          </p:nvSpPr>
+          <p:spPr bwMode="auto">
+            <a:xfrm>
+              <a:off x="647700" y="5480050"/>
+              <a:ext cx="157163" cy="157163"/>
+            </a:xfrm>
+            <a:custGeom>
+              <a:avLst/>
+              <a:gdLst/>
+              <a:ahLst/>
+              <a:cxnLst/>
+              <a:rect l="0" t="0" r="r" b="b"/>
+              <a:pathLst>
+                <a:path w="33" h="33">
+                  <a:moveTo>
+                    <a:pt x="17" y="33"/>
+                  </a:moveTo>
+                  <a:cubicBezTo>
+                    <a:pt x="8" y="33"/>
+                    <a:pt x="0" y="26"/>
+                    <a:pt x="0" y="17"/>
+                  </a:cubicBezTo>
+                  <a:cubicBezTo>
+                    <a:pt x="0" y="8"/>
+                    <a:pt x="8" y="0"/>
+                    <a:pt x="17" y="0"/>
+                  </a:cubicBezTo>
+                  <a:cubicBezTo>
+                    <a:pt x="26" y="0"/>
+                    <a:pt x="33" y="8"/>
+                    <a:pt x="33" y="17"/>
+                  </a:cubicBezTo>
+                  <a:cubicBezTo>
+                    <a:pt x="33" y="26"/>
+                    <a:pt x="26" y="33"/>
+                    <a:pt x="17" y="33"/>
+                  </a:cubicBezTo>
+                  <a:close/>
+                  <a:moveTo>
+                    <a:pt x="17" y="4"/>
+                  </a:moveTo>
+                  <a:cubicBezTo>
+                    <a:pt x="10" y="4"/>
+                    <a:pt x="4" y="10"/>
+                    <a:pt x="4" y="17"/>
+                  </a:cubicBezTo>
+                  <a:cubicBezTo>
+                    <a:pt x="4" y="24"/>
+                    <a:pt x="10" y="29"/>
+                    <a:pt x="17" y="29"/>
+                  </a:cubicBezTo>
+                  <a:cubicBezTo>
+                    <a:pt x="23" y="29"/>
+                    <a:pt x="29" y="24"/>
+                    <a:pt x="29" y="17"/>
+                  </a:cubicBezTo>
+                  <a:cubicBezTo>
+                    <a:pt x="29" y="10"/>
+                    <a:pt x="23" y="4"/>
+                    <a:pt x="17" y="4"/>
+                  </a:cubicBezTo>
+                  <a:close/>
+                </a:path>
+              </a:pathLst>
+            </a:custGeom>
+            <a:grpFill/>
+            <a:ln>
+              <a:noFill/>
+            </a:ln>
+            <a:extLst>
+              <a:ext uri="{91240B29-F687-4f45-9708-019B960494DF}">
+                <a14:hiddenLine xmlns:a14="http://schemas.microsoft.com/office/drawing/2010/main" xmlns:p14="http://schemas.microsoft.com/office/powerpoint/2010/main" xmlns:a16="http://schemas.microsoft.com/office/drawing/2014/main" xmlns="" w="9525">
+                  <a:solidFill>
+                    <a:srgbClr val="000000"/>
+                  </a:solidFill>
+                  <a:round/>
+                  <a:headEnd/>
+                  <a:tailEnd/>
+                </a14:hiddenLine>
+              </a:ext>
+            </a:extLst>
+          </p:spPr>
+        </p:sp>
+        <p:sp>
+          <p:nvSpPr>
+            <p:cNvPr id="31" name="Freeform 24">
+              <a:extLst>
+                <a:ext uri="{FF2B5EF4-FFF2-40B4-BE49-F238E27FC236}">
+                  <a16:creationId xmlns:a16="http://schemas.microsoft.com/office/drawing/2014/main" id="{B0118661-823B-4754-B0E3-52ACCB8DF846}"/>
+                </a:ext>
+                <a:ext uri="{C183D7F6-B498-43B3-948B-1728B52AA6E4}">
+                  <adec:decorative xmlns:adec="http://schemas.microsoft.com/office/drawing/2017/decorative" val="1"/>
+                </a:ext>
+              </a:extLst>
+            </p:cNvPr>
+            <p:cNvSpPr>
+              <a:spLocks noEditPoints="1"/>
+            </p:cNvSpPr>
+            <p:nvPr>
+              <p:extLst>
+                <p:ext uri="{386F3935-93C4-4BCD-93E2-E3B085C9AB24}">
+                  <p16:designElem xmlns:p16="http://schemas.microsoft.com/office/powerpoint/2015/main" val="1"/>
+                </p:ext>
+              </p:extLst>
+            </p:nvPr>
+          </p:nvSpPr>
+          <p:spPr bwMode="auto">
+            <a:xfrm>
+              <a:off x="66675" y="903288"/>
+              <a:ext cx="190500" cy="190500"/>
+            </a:xfrm>
+            <a:custGeom>
+              <a:avLst/>
+              <a:gdLst/>
+              <a:ahLst/>
+              <a:cxnLst/>
+              <a:rect l="0" t="0" r="r" b="b"/>
+              <a:pathLst>
+                <a:path w="40" h="40">
+                  <a:moveTo>
+                    <a:pt x="20" y="40"/>
+                  </a:moveTo>
+                  <a:cubicBezTo>
+                    <a:pt x="9" y="40"/>
+                    <a:pt x="0" y="31"/>
+                    <a:pt x="0" y="20"/>
+                  </a:cubicBezTo>
+                  <a:cubicBezTo>
+                    <a:pt x="0" y="9"/>
+                    <a:pt x="9" y="0"/>
+                    <a:pt x="20" y="0"/>
+                  </a:cubicBezTo>
+                  <a:cubicBezTo>
+                    <a:pt x="32" y="0"/>
+                    <a:pt x="40" y="9"/>
+                    <a:pt x="40" y="20"/>
+                  </a:cubicBezTo>
+                  <a:cubicBezTo>
+                    <a:pt x="40" y="31"/>
+                    <a:pt x="32" y="40"/>
+                    <a:pt x="20" y="40"/>
+                  </a:cubicBezTo>
+                  <a:close/>
+                  <a:moveTo>
+                    <a:pt x="20" y="4"/>
+                  </a:moveTo>
+                  <a:cubicBezTo>
+                    <a:pt x="12" y="4"/>
+                    <a:pt x="4" y="12"/>
+                    <a:pt x="4" y="20"/>
+                  </a:cubicBezTo>
+                  <a:cubicBezTo>
+                    <a:pt x="4" y="29"/>
+                    <a:pt x="12" y="36"/>
+                    <a:pt x="20" y="36"/>
+                  </a:cubicBezTo>
+                  <a:cubicBezTo>
+                    <a:pt x="29" y="36"/>
+                    <a:pt x="36" y="29"/>
+                    <a:pt x="36" y="20"/>
+                  </a:cubicBezTo>
+                  <a:cubicBezTo>
+                    <a:pt x="36" y="12"/>
+                    <a:pt x="29" y="4"/>
+                    <a:pt x="20" y="4"/>
+                  </a:cubicBezTo>
+                  <a:close/>
+                </a:path>
+              </a:pathLst>
+            </a:custGeom>
+            <a:grpFill/>
+            <a:ln>
+              <a:noFill/>
+            </a:ln>
+            <a:extLst>
+              <a:ext uri="{91240B29-F687-4f45-9708-019B960494DF}">
+                <a14:hiddenLine xmlns:a14="http://schemas.microsoft.com/office/drawing/2010/main" xmlns:p14="http://schemas.microsoft.com/office/powerpoint/2010/main" xmlns:a16="http://schemas.microsoft.com/office/drawing/2014/main" xmlns="" w="9525">
+                  <a:solidFill>
+                    <a:srgbClr val="000000"/>
+                  </a:solidFill>
+                  <a:round/>
+                  <a:headEnd/>
+                  <a:tailEnd/>
+                </a14:hiddenLine>
+              </a:ext>
+            </a:extLst>
+          </p:spPr>
+        </p:sp>
+        <p:sp>
+          <p:nvSpPr>
+            <p:cNvPr id="32" name="Freeform 25">
+              <a:extLst>
+                <a:ext uri="{FF2B5EF4-FFF2-40B4-BE49-F238E27FC236}">
+                  <a16:creationId xmlns:a16="http://schemas.microsoft.com/office/drawing/2014/main" id="{263B289D-A43D-47C8-AA8E-40C86C6084AF}"/>
+                </a:ext>
+                <a:ext uri="{C183D7F6-B498-43B3-948B-1728B52AA6E4}">
+                  <adec:decorative xmlns:adec="http://schemas.microsoft.com/office/drawing/2017/decorative" val="1"/>
+                </a:ext>
+              </a:extLst>
+            </p:cNvPr>
+            <p:cNvSpPr/>
+            <p:nvPr>
+              <p:extLst>
+                <p:ext uri="{386F3935-93C4-4BCD-93E2-E3B085C9AB24}">
+                  <p16:designElem xmlns:p16="http://schemas.microsoft.com/office/powerpoint/2015/main" val="1"/>
+                </p:ext>
+              </p:extLst>
+            </p:nvPr>
+          </p:nvSpPr>
+          <p:spPr bwMode="auto">
+            <a:xfrm>
+              <a:off x="0" y="3897313"/>
+              <a:ext cx="133350" cy="266700"/>
+            </a:xfrm>
+            <a:custGeom>
+              <a:avLst/>
+              <a:gdLst/>
+              <a:ahLst/>
+              <a:cxnLst/>
+              <a:rect l="0" t="0" r="r" b="b"/>
+              <a:pathLst>
+                <a:path w="84" h="168">
+                  <a:moveTo>
+                    <a:pt x="69" y="168"/>
+                  </a:moveTo>
+                  <a:lnTo>
+                    <a:pt x="0" y="6"/>
+                  </a:lnTo>
+                  <a:lnTo>
+                    <a:pt x="12" y="0"/>
+                  </a:lnTo>
+                  <a:lnTo>
+                    <a:pt x="84" y="162"/>
+                  </a:lnTo>
+                  <a:lnTo>
+                    <a:pt x="69" y="168"/>
+                  </a:lnTo>
+                  <a:close/>
+                </a:path>
+              </a:pathLst>
+            </a:custGeom>
+            <a:grpFill/>
+            <a:ln>
+              <a:noFill/>
+            </a:ln>
+            <a:extLst>
+              <a:ext uri="{91240B29-F687-4f45-9708-019B960494DF}">
+                <a14:hiddenLine xmlns:a14="http://schemas.microsoft.com/office/drawing/2010/main" xmlns:p14="http://schemas.microsoft.com/office/powerpoint/2010/main" xmlns:a16="http://schemas.microsoft.com/office/drawing/2014/main" xmlns="" w="9525">
+                  <a:solidFill>
+                    <a:srgbClr val="000000"/>
+                  </a:solidFill>
+                  <a:round/>
+                  <a:headEnd/>
+                  <a:tailEnd/>
+                </a14:hiddenLine>
+              </a:ext>
+            </a:extLst>
+          </p:spPr>
+        </p:sp>
+        <p:sp>
+          <p:nvSpPr>
+            <p:cNvPr id="33" name="Freeform 26">
+              <a:extLst>
+                <a:ext uri="{FF2B5EF4-FFF2-40B4-BE49-F238E27FC236}">
+                  <a16:creationId xmlns:a16="http://schemas.microsoft.com/office/drawing/2014/main" id="{D5A2D8F7-A5A4-4B2E-89AE-F99CC5B057A5}"/>
+                </a:ext>
+                <a:ext uri="{C183D7F6-B498-43B3-948B-1728B52AA6E4}">
+                  <adec:decorative xmlns:adec="http://schemas.microsoft.com/office/drawing/2017/decorative" val="1"/>
+                </a:ext>
+              </a:extLst>
+            </p:cNvPr>
+            <p:cNvSpPr>
+              <a:spLocks noEditPoints="1"/>
+            </p:cNvSpPr>
+            <p:nvPr>
+              <p:extLst>
+                <p:ext uri="{386F3935-93C4-4BCD-93E2-E3B085C9AB24}">
+                  <p16:designElem xmlns:p16="http://schemas.microsoft.com/office/powerpoint/2015/main" val="1"/>
+                </p:ext>
+              </p:extLst>
+            </p:nvPr>
+          </p:nvSpPr>
+          <p:spPr bwMode="auto">
+            <a:xfrm>
+              <a:off x="66675" y="4149725"/>
+              <a:ext cx="190500" cy="188913"/>
+            </a:xfrm>
+            <a:custGeom>
+              <a:avLst/>
+              <a:gdLst/>
+              <a:ahLst/>
+              <a:cxnLst/>
+              <a:rect l="0" t="0" r="r" b="b"/>
+              <a:pathLst>
+                <a:path w="40" h="40">
+                  <a:moveTo>
+                    <a:pt x="20" y="40"/>
+                  </a:moveTo>
+                  <a:cubicBezTo>
+                    <a:pt x="9" y="40"/>
+                    <a:pt x="0" y="31"/>
+                    <a:pt x="0" y="20"/>
+                  </a:cubicBezTo>
+                  <a:cubicBezTo>
+                    <a:pt x="0" y="9"/>
+                    <a:pt x="9" y="0"/>
+                    <a:pt x="20" y="0"/>
+                  </a:cubicBezTo>
+                  <a:cubicBezTo>
+                    <a:pt x="31" y="0"/>
+                    <a:pt x="40" y="9"/>
+                    <a:pt x="40" y="20"/>
+                  </a:cubicBezTo>
+                  <a:cubicBezTo>
+                    <a:pt x="40" y="31"/>
+                    <a:pt x="31" y="40"/>
+                    <a:pt x="20" y="40"/>
+                  </a:cubicBezTo>
+                  <a:close/>
+                  <a:moveTo>
+                    <a:pt x="20" y="4"/>
+                  </a:moveTo>
+                  <a:cubicBezTo>
+                    <a:pt x="11" y="4"/>
+                    <a:pt x="4" y="11"/>
+                    <a:pt x="4" y="20"/>
+                  </a:cubicBezTo>
+                  <a:cubicBezTo>
+                    <a:pt x="4" y="28"/>
+                    <a:pt x="11" y="36"/>
+                    <a:pt x="20" y="36"/>
+                  </a:cubicBezTo>
+                  <a:cubicBezTo>
+                    <a:pt x="29" y="36"/>
+                    <a:pt x="36" y="28"/>
+                    <a:pt x="36" y="20"/>
+                  </a:cubicBezTo>
+                  <a:cubicBezTo>
+                    <a:pt x="36" y="11"/>
+                    <a:pt x="29" y="4"/>
+                    <a:pt x="20" y="4"/>
+                  </a:cubicBezTo>
+                  <a:close/>
+                </a:path>
+              </a:pathLst>
+            </a:custGeom>
+            <a:grpFill/>
+            <a:ln>
+              <a:noFill/>
+            </a:ln>
+            <a:extLst>
+              <a:ext uri="{91240B29-F687-4f45-9708-019B960494DF}">
+                <a14:hiddenLine xmlns:a14="http://schemas.microsoft.com/office/drawing/2010/main" xmlns:p14="http://schemas.microsoft.com/office/powerpoint/2010/main" xmlns:a16="http://schemas.microsoft.com/office/drawing/2014/main" xmlns="" w="9525">
+                  <a:solidFill>
+                    <a:srgbClr val="000000"/>
+                  </a:solidFill>
+                  <a:round/>
+                  <a:headEnd/>
+                  <a:tailEnd/>
+                </a14:hiddenLine>
+              </a:ext>
+            </a:extLst>
+          </p:spPr>
+        </p:sp>
+        <p:sp>
+          <p:nvSpPr>
+            <p:cNvPr id="34" name="Freeform 27">
+              <a:extLst>
+                <a:ext uri="{FF2B5EF4-FFF2-40B4-BE49-F238E27FC236}">
+                  <a16:creationId xmlns:a16="http://schemas.microsoft.com/office/drawing/2014/main" id="{6847785C-2F02-4845-9257-9DE5E6EDA055}"/>
+                </a:ext>
+                <a:ext uri="{C183D7F6-B498-43B3-948B-1728B52AA6E4}">
+                  <adec:decorative xmlns:adec="http://schemas.microsoft.com/office/drawing/2017/decorative" val="1"/>
+                </a:ext>
+              </a:extLst>
+            </p:cNvPr>
+            <p:cNvSpPr/>
+            <p:nvPr>
+              <p:extLst>
+                <p:ext uri="{386F3935-93C4-4BCD-93E2-E3B085C9AB24}">
+                  <p16:designElem xmlns:p16="http://schemas.microsoft.com/office/powerpoint/2015/main" val="1"/>
+                </p:ext>
+              </p:extLst>
+            </p:nvPr>
+          </p:nvSpPr>
+          <p:spPr bwMode="auto">
+            <a:xfrm>
+              <a:off x="0" y="1644650"/>
+              <a:ext cx="133350" cy="269875"/>
+            </a:xfrm>
+            <a:custGeom>
+              <a:avLst/>
+              <a:gdLst/>
+              <a:ahLst/>
+              <a:cxnLst/>
+              <a:rect l="0" t="0" r="r" b="b"/>
+              <a:pathLst>
+                <a:path w="84" h="170">
+                  <a:moveTo>
+                    <a:pt x="12" y="170"/>
+                  </a:moveTo>
+                  <a:lnTo>
+                    <a:pt x="0" y="164"/>
+                  </a:lnTo>
+                  <a:lnTo>
+                    <a:pt x="69" y="0"/>
+                  </a:lnTo>
+                  <a:lnTo>
+                    <a:pt x="84" y="6"/>
+                  </a:lnTo>
+                  <a:lnTo>
+                    <a:pt x="12" y="170"/>
+                  </a:lnTo>
+                  <a:close/>
+                </a:path>
+              </a:pathLst>
+            </a:custGeom>
+            <a:grpFill/>
+            <a:ln>
+              <a:noFill/>
+            </a:ln>
+            <a:extLst>
+              <a:ext uri="{91240B29-F687-4f45-9708-019B960494DF}">
+                <a14:hiddenLine xmlns:a14="http://schemas.microsoft.com/office/drawing/2010/main" xmlns:p14="http://schemas.microsoft.com/office/powerpoint/2010/main" xmlns:a16="http://schemas.microsoft.com/office/drawing/2014/main" xmlns="" w="9525">
+                  <a:solidFill>
+                    <a:srgbClr val="000000"/>
+                  </a:solidFill>
+                  <a:round/>
+                  <a:headEnd/>
+                  <a:tailEnd/>
+                </a14:hiddenLine>
+              </a:ext>
+            </a:extLst>
+          </p:spPr>
+        </p:sp>
+        <p:sp>
+          <p:nvSpPr>
+            <p:cNvPr id="35" name="Freeform 28">
+              <a:extLst>
+                <a:ext uri="{FF2B5EF4-FFF2-40B4-BE49-F238E27FC236}">
+                  <a16:creationId xmlns:a16="http://schemas.microsoft.com/office/drawing/2014/main" id="{4B83A129-3D7E-44D8-8C6C-9DE73E129BB5}"/>
+                </a:ext>
+                <a:ext uri="{C183D7F6-B498-43B3-948B-1728B52AA6E4}">
+                  <adec:decorative xmlns:adec="http://schemas.microsoft.com/office/drawing/2017/decorative" val="1"/>
+                </a:ext>
+              </a:extLst>
+            </p:cNvPr>
+            <p:cNvSpPr>
+              <a:spLocks noEditPoints="1"/>
+            </p:cNvSpPr>
+            <p:nvPr>
+              <p:extLst>
+                <p:ext uri="{386F3935-93C4-4BCD-93E2-E3B085C9AB24}">
+                  <p16:designElem xmlns:p16="http://schemas.microsoft.com/office/powerpoint/2015/main" val="1"/>
+                </p:ext>
+              </p:extLst>
+            </p:nvPr>
+          </p:nvSpPr>
+          <p:spPr bwMode="auto">
+            <a:xfrm>
+              <a:off x="66675" y="1468438"/>
+              <a:ext cx="190500" cy="190500"/>
+            </a:xfrm>
+            <a:custGeom>
+              <a:avLst/>
+              <a:gdLst/>
+              <a:ahLst/>
+              <a:cxnLst/>
+              <a:rect l="0" t="0" r="r" b="b"/>
+              <a:pathLst>
+                <a:path w="40" h="40">
+                  <a:moveTo>
+                    <a:pt x="20" y="40"/>
+                  </a:moveTo>
+                  <a:cubicBezTo>
+                    <a:pt x="9" y="40"/>
+                    <a:pt x="0" y="31"/>
+                    <a:pt x="0" y="20"/>
+                  </a:cubicBezTo>
+                  <a:cubicBezTo>
+                    <a:pt x="0" y="9"/>
+                    <a:pt x="9" y="0"/>
+                    <a:pt x="20" y="0"/>
+                  </a:cubicBezTo>
+                  <a:cubicBezTo>
+                    <a:pt x="31" y="0"/>
+                    <a:pt x="40" y="9"/>
+                    <a:pt x="40" y="20"/>
+                  </a:cubicBezTo>
+                  <a:cubicBezTo>
+                    <a:pt x="40" y="31"/>
+                    <a:pt x="31" y="40"/>
+                    <a:pt x="20" y="40"/>
+                  </a:cubicBezTo>
+                  <a:close/>
+                  <a:moveTo>
+                    <a:pt x="20" y="4"/>
+                  </a:moveTo>
+                  <a:cubicBezTo>
+                    <a:pt x="11" y="4"/>
+                    <a:pt x="4" y="11"/>
+                    <a:pt x="4" y="20"/>
+                  </a:cubicBezTo>
+                  <a:cubicBezTo>
+                    <a:pt x="4" y="28"/>
+                    <a:pt x="11" y="36"/>
+                    <a:pt x="20" y="36"/>
+                  </a:cubicBezTo>
+                  <a:cubicBezTo>
+                    <a:pt x="29" y="36"/>
+                    <a:pt x="36" y="28"/>
+                    <a:pt x="36" y="20"/>
+                  </a:cubicBezTo>
+                  <a:cubicBezTo>
+                    <a:pt x="36" y="11"/>
+                    <a:pt x="29" y="4"/>
+                    <a:pt x="20" y="4"/>
+                  </a:cubicBezTo>
+                  <a:close/>
+                </a:path>
+              </a:pathLst>
+            </a:custGeom>
+            <a:grpFill/>
+            <a:ln>
+              <a:noFill/>
+            </a:ln>
+            <a:extLst>
+              <a:ext uri="{91240B29-F687-4f45-9708-019B960494DF}">
+                <a14:hiddenLine xmlns:a14="http://schemas.microsoft.com/office/drawing/2010/main" xmlns:p14="http://schemas.microsoft.com/office/powerpoint/2010/main" xmlns:a16="http://schemas.microsoft.com/office/drawing/2014/main" xmlns="" w="9525">
+                  <a:solidFill>
+                    <a:srgbClr val="000000"/>
+                  </a:solidFill>
+                  <a:round/>
+                  <a:headEnd/>
+                  <a:tailEnd/>
+                </a14:hiddenLine>
+              </a:ext>
+            </a:extLst>
+          </p:spPr>
+        </p:sp>
+        <p:sp>
+          <p:nvSpPr>
+            <p:cNvPr id="36" name="Freeform 29">
+              <a:extLst>
+                <a:ext uri="{FF2B5EF4-FFF2-40B4-BE49-F238E27FC236}">
+                  <a16:creationId xmlns:a16="http://schemas.microsoft.com/office/drawing/2014/main" id="{7E1A9847-AC3D-4B5D-A29A-A93B0C6ABA84}"/>
+                </a:ext>
+                <a:ext uri="{C183D7F6-B498-43B3-948B-1728B52AA6E4}">
+                  <adec:decorative xmlns:adec="http://schemas.microsoft.com/office/drawing/2017/decorative" val="1"/>
+                </a:ext>
+              </a:extLst>
+            </p:cNvPr>
+            <p:cNvSpPr/>
+            <p:nvPr>
+              <p:extLst>
+                <p:ext uri="{386F3935-93C4-4BCD-93E2-E3B085C9AB24}">
+                  <p16:designElem xmlns:p16="http://schemas.microsoft.com/office/powerpoint/2015/main" val="1"/>
+                </p:ext>
+              </p:extLst>
+            </p:nvPr>
+          </p:nvSpPr>
+          <p:spPr bwMode="auto">
+            <a:xfrm>
+              <a:off x="695325" y="4763"/>
+              <a:ext cx="309563" cy="1558925"/>
+            </a:xfrm>
+            <a:custGeom>
+              <a:avLst/>
+              <a:gdLst/>
+              <a:ahLst/>
+              <a:cxnLst/>
+              <a:rect l="0" t="0" r="r" b="b"/>
+              <a:pathLst>
+                <a:path w="195" h="982">
+                  <a:moveTo>
+                    <a:pt x="195" y="982"/>
+                  </a:moveTo>
+                  <a:lnTo>
+                    <a:pt x="177" y="982"/>
+                  </a:lnTo>
+                  <a:lnTo>
+                    <a:pt x="177" y="805"/>
+                  </a:lnTo>
+                  <a:lnTo>
+                    <a:pt x="0" y="629"/>
+                  </a:lnTo>
+                  <a:lnTo>
+                    <a:pt x="0" y="0"/>
+                  </a:lnTo>
+                  <a:lnTo>
+                    <a:pt x="18" y="0"/>
+                  </a:lnTo>
+                  <a:lnTo>
+                    <a:pt x="18" y="623"/>
+                  </a:lnTo>
+                  <a:lnTo>
+                    <a:pt x="195" y="796"/>
+                  </a:lnTo>
+                  <a:lnTo>
+                    <a:pt x="195" y="982"/>
+                  </a:lnTo>
+                  <a:close/>
+                </a:path>
+              </a:pathLst>
+            </a:custGeom>
+            <a:grpFill/>
+            <a:ln>
+              <a:noFill/>
+            </a:ln>
+            <a:extLst>
+              <a:ext uri="{91240B29-F687-4f45-9708-019B960494DF}">
+                <a14:hiddenLine xmlns:a14="http://schemas.microsoft.com/office/drawing/2010/main" xmlns:p14="http://schemas.microsoft.com/office/powerpoint/2010/main" xmlns:a16="http://schemas.microsoft.com/office/drawing/2014/main" xmlns="" w="9525">
+                  <a:solidFill>
+                    <a:srgbClr val="000000"/>
+                  </a:solidFill>
+                  <a:round/>
+                  <a:headEnd/>
+                  <a:tailEnd/>
+                </a14:hiddenLine>
+              </a:ext>
+            </a:extLst>
+          </p:spPr>
+        </p:sp>
+        <p:sp>
+          <p:nvSpPr>
+            <p:cNvPr id="37" name="Freeform 30">
+              <a:extLst>
+                <a:ext uri="{FF2B5EF4-FFF2-40B4-BE49-F238E27FC236}">
+                  <a16:creationId xmlns:a16="http://schemas.microsoft.com/office/drawing/2014/main" id="{2450F521-5F68-4148-9905-6232B08F89BB}"/>
+                </a:ext>
+                <a:ext uri="{C183D7F6-B498-43B3-948B-1728B52AA6E4}">
+                  <adec:decorative xmlns:adec="http://schemas.microsoft.com/office/drawing/2017/decorative" val="1"/>
+                </a:ext>
+              </a:extLst>
+            </p:cNvPr>
+            <p:cNvSpPr>
+              <a:spLocks noEditPoints="1"/>
+            </p:cNvSpPr>
+            <p:nvPr>
+              <p:extLst>
+                <p:ext uri="{386F3935-93C4-4BCD-93E2-E3B085C9AB24}">
+                  <p16:designElem xmlns:p16="http://schemas.microsoft.com/office/powerpoint/2015/main" val="1"/>
+                </p:ext>
+              </p:extLst>
+            </p:nvPr>
+          </p:nvSpPr>
+          <p:spPr bwMode="auto">
+            <a:xfrm>
+              <a:off x="57150" y="4881563"/>
+              <a:ext cx="190500" cy="188913"/>
+            </a:xfrm>
+            <a:custGeom>
+              <a:avLst/>
+              <a:gdLst/>
+              <a:ahLst/>
+              <a:cxnLst/>
+              <a:rect l="0" t="0" r="r" b="b"/>
+              <a:pathLst>
+                <a:path w="40" h="40">
+                  <a:moveTo>
+                    <a:pt x="20" y="40"/>
+                  </a:moveTo>
+                  <a:cubicBezTo>
+                    <a:pt x="9" y="40"/>
+                    <a:pt x="0" y="31"/>
+                    <a:pt x="0" y="20"/>
+                  </a:cubicBezTo>
+                  <a:cubicBezTo>
+                    <a:pt x="0" y="9"/>
+                    <a:pt x="9" y="0"/>
+                    <a:pt x="20" y="0"/>
+                  </a:cubicBezTo>
+                  <a:cubicBezTo>
+                    <a:pt x="31" y="0"/>
+                    <a:pt x="40" y="9"/>
+                    <a:pt x="40" y="20"/>
+                  </a:cubicBezTo>
+                  <a:cubicBezTo>
+                    <a:pt x="40" y="31"/>
+                    <a:pt x="31" y="40"/>
+                    <a:pt x="20" y="40"/>
+                  </a:cubicBezTo>
+                  <a:close/>
+                  <a:moveTo>
+                    <a:pt x="20" y="4"/>
+                  </a:moveTo>
+                  <a:cubicBezTo>
+                    <a:pt x="12" y="4"/>
+                    <a:pt x="4" y="11"/>
+                    <a:pt x="4" y="20"/>
+                  </a:cubicBezTo>
+                  <a:cubicBezTo>
+                    <a:pt x="4" y="29"/>
+                    <a:pt x="12" y="36"/>
+                    <a:pt x="20" y="36"/>
+                  </a:cubicBezTo>
+                  <a:cubicBezTo>
+                    <a:pt x="29" y="36"/>
+                    <a:pt x="36" y="29"/>
+                    <a:pt x="36" y="20"/>
+                  </a:cubicBezTo>
+                  <a:cubicBezTo>
+                    <a:pt x="36" y="11"/>
+                    <a:pt x="29" y="4"/>
+                    <a:pt x="20" y="4"/>
+                  </a:cubicBezTo>
+                  <a:close/>
+                </a:path>
+              </a:pathLst>
+            </a:custGeom>
+            <a:grpFill/>
+            <a:ln>
+              <a:noFill/>
+            </a:ln>
+            <a:extLst>
+              <a:ext uri="{91240B29-F687-4f45-9708-019B960494DF}">
+                <a14:hiddenLine xmlns:a14="http://schemas.microsoft.com/office/drawing/2010/main" xmlns:p14="http://schemas.microsoft.com/office/powerpoint/2010/main" xmlns:a16="http://schemas.microsoft.com/office/drawing/2014/main" xmlns="" w="9525">
+                  <a:solidFill>
+                    <a:srgbClr val="000000"/>
+                  </a:solidFill>
+                  <a:round/>
+                  <a:headEnd/>
+                  <a:tailEnd/>
+                </a14:hiddenLine>
+              </a:ext>
+            </a:extLst>
+          </p:spPr>
+        </p:sp>
+        <p:sp>
+          <p:nvSpPr>
+            <p:cNvPr id="38" name="Freeform 31">
+              <a:extLst>
+                <a:ext uri="{FF2B5EF4-FFF2-40B4-BE49-F238E27FC236}">
+                  <a16:creationId xmlns:a16="http://schemas.microsoft.com/office/drawing/2014/main" id="{8C6F916A-08CA-4F4C-BDBA-0F63A621FE68}"/>
+                </a:ext>
+                <a:ext uri="{C183D7F6-B498-43B3-948B-1728B52AA6E4}">
+                  <adec:decorative xmlns:adec="http://schemas.microsoft.com/office/drawing/2017/decorative" val="1"/>
+                </a:ext>
+              </a:extLst>
+            </p:cNvPr>
+            <p:cNvSpPr/>
+            <p:nvPr>
+              <p:extLst>
+                <p:ext uri="{386F3935-93C4-4BCD-93E2-E3B085C9AB24}">
+                  <p16:designElem xmlns:p16="http://schemas.microsoft.com/office/powerpoint/2015/main" val="1"/>
+                </p:ext>
+              </p:extLst>
+            </p:nvPr>
+          </p:nvSpPr>
+          <p:spPr bwMode="auto">
+            <a:xfrm>
+              <a:off x="138113" y="5060950"/>
+              <a:ext cx="304800" cy="1778000"/>
+            </a:xfrm>
+            <a:custGeom>
+              <a:avLst/>
+              <a:gdLst/>
+              <a:ahLst/>
+              <a:cxnLst/>
+              <a:rect l="0" t="0" r="r" b="b"/>
+              <a:pathLst>
+                <a:path w="192" h="1120">
+                  <a:moveTo>
+                    <a:pt x="192" y="1120"/>
+                  </a:moveTo>
+                  <a:lnTo>
+                    <a:pt x="177" y="1120"/>
+                  </a:lnTo>
+                  <a:lnTo>
+                    <a:pt x="177" y="360"/>
+                  </a:lnTo>
+                  <a:lnTo>
+                    <a:pt x="0" y="183"/>
+                  </a:lnTo>
+                  <a:lnTo>
+                    <a:pt x="0" y="0"/>
+                  </a:lnTo>
+                  <a:lnTo>
+                    <a:pt x="15" y="0"/>
+                  </a:lnTo>
+                  <a:lnTo>
+                    <a:pt x="15" y="177"/>
+                  </a:lnTo>
+                  <a:lnTo>
+                    <a:pt x="192" y="354"/>
+                  </a:lnTo>
+                  <a:lnTo>
+                    <a:pt x="192" y="1120"/>
+                  </a:lnTo>
+                  <a:close/>
+                </a:path>
+              </a:pathLst>
+            </a:custGeom>
+            <a:grpFill/>
+            <a:ln>
+              <a:noFill/>
+            </a:ln>
+            <a:extLst>
+              <a:ext uri="{91240B29-F687-4f45-9708-019B960494DF}">
+                <a14:hiddenLine xmlns:a14="http://schemas.microsoft.com/office/drawing/2010/main" xmlns:p14="http://schemas.microsoft.com/office/powerpoint/2010/main" xmlns:a16="http://schemas.microsoft.com/office/drawing/2014/main" xmlns="" w="9525">
+                  <a:solidFill>
+                    <a:srgbClr val="000000"/>
+                  </a:solidFill>
+                  <a:round/>
+                  <a:headEnd/>
+                  <a:tailEnd/>
+                </a14:hiddenLine>
+              </a:ext>
+            </a:extLst>
+          </p:spPr>
+        </p:sp>
+        <p:sp>
+          <p:nvSpPr>
+            <p:cNvPr id="39" name="Freeform 32">
+              <a:extLst>
+                <a:ext uri="{FF2B5EF4-FFF2-40B4-BE49-F238E27FC236}">
+                  <a16:creationId xmlns:a16="http://schemas.microsoft.com/office/drawing/2014/main" id="{D68FB199-D330-4EF4-94F5-1C07371E874F}"/>
+                </a:ext>
+                <a:ext uri="{C183D7F6-B498-43B3-948B-1728B52AA6E4}">
+                  <adec:decorative xmlns:adec="http://schemas.microsoft.com/office/drawing/2017/decorative" val="1"/>
+                </a:ext>
+              </a:extLst>
+            </p:cNvPr>
+            <p:cNvSpPr>
+              <a:spLocks noEditPoints="1"/>
+            </p:cNvSpPr>
+            <p:nvPr>
+              <p:extLst>
+                <p:ext uri="{386F3935-93C4-4BCD-93E2-E3B085C9AB24}">
+                  <p16:designElem xmlns:p16="http://schemas.microsoft.com/office/powerpoint/2015/main" val="1"/>
+                </p:ext>
+              </p:extLst>
+            </p:nvPr>
+          </p:nvSpPr>
+          <p:spPr bwMode="auto">
+            <a:xfrm>
+              <a:off x="561975" y="6430963"/>
+              <a:ext cx="190500" cy="188913"/>
+            </a:xfrm>
+            <a:custGeom>
+              <a:avLst/>
+              <a:gdLst/>
+              <a:ahLst/>
+              <a:cxnLst/>
+              <a:rect l="0" t="0" r="r" b="b"/>
+              <a:pathLst>
+                <a:path w="40" h="40">
+                  <a:moveTo>
+                    <a:pt x="20" y="40"/>
+                  </a:moveTo>
+                  <a:cubicBezTo>
+                    <a:pt x="9" y="40"/>
+                    <a:pt x="0" y="31"/>
+                    <a:pt x="0" y="20"/>
+                  </a:cubicBezTo>
+                  <a:cubicBezTo>
+                    <a:pt x="0" y="9"/>
+                    <a:pt x="9" y="0"/>
+                    <a:pt x="20" y="0"/>
+                  </a:cubicBezTo>
+                  <a:cubicBezTo>
+                    <a:pt x="31" y="0"/>
+                    <a:pt x="40" y="9"/>
+                    <a:pt x="40" y="20"/>
+                  </a:cubicBezTo>
+                  <a:cubicBezTo>
+                    <a:pt x="40" y="31"/>
+                    <a:pt x="31" y="40"/>
+                    <a:pt x="20" y="40"/>
+                  </a:cubicBezTo>
+                  <a:close/>
+                  <a:moveTo>
+                    <a:pt x="20" y="4"/>
+                  </a:moveTo>
+                  <a:cubicBezTo>
+                    <a:pt x="12" y="4"/>
+                    <a:pt x="4" y="11"/>
+                    <a:pt x="4" y="20"/>
+                  </a:cubicBezTo>
+                  <a:cubicBezTo>
+                    <a:pt x="4" y="29"/>
+                    <a:pt x="12" y="36"/>
+                    <a:pt x="20" y="36"/>
+                  </a:cubicBezTo>
+                  <a:cubicBezTo>
+                    <a:pt x="29" y="36"/>
+                    <a:pt x="36" y="29"/>
+                    <a:pt x="36" y="20"/>
+                  </a:cubicBezTo>
+                  <a:cubicBezTo>
+                    <a:pt x="36" y="11"/>
+                    <a:pt x="29" y="4"/>
+                    <a:pt x="20" y="4"/>
+                  </a:cubicBezTo>
+                  <a:close/>
+                </a:path>
+              </a:pathLst>
+            </a:custGeom>
+            <a:grpFill/>
+            <a:ln>
+              <a:noFill/>
+            </a:ln>
+            <a:extLst>
+              <a:ext uri="{91240B29-F687-4f45-9708-019B960494DF}">
+                <a14:hiddenLine xmlns:a14="http://schemas.microsoft.com/office/drawing/2010/main" xmlns:p14="http://schemas.microsoft.com/office/powerpoint/2010/main" xmlns:a16="http://schemas.microsoft.com/office/drawing/2014/main" xmlns="" w="9525">
+                  <a:solidFill>
+                    <a:srgbClr val="000000"/>
+                  </a:solidFill>
+                  <a:round/>
+                  <a:headEnd/>
+                  <a:tailEnd/>
+                </a14:hiddenLine>
+              </a:ext>
+            </a:extLst>
+          </p:spPr>
+        </p:sp>
+        <p:sp>
+          <p:nvSpPr>
+            <p:cNvPr id="40" name="Rectangle 33">
+              <a:extLst>
+                <a:ext uri="{FF2B5EF4-FFF2-40B4-BE49-F238E27FC236}">
+                  <a16:creationId xmlns:a16="http://schemas.microsoft.com/office/drawing/2014/main" id="{3B67568D-CC47-4BBA-A084-154AEAA82561}"/>
+                </a:ext>
+                <a:ext uri="{C183D7F6-B498-43B3-948B-1728B52AA6E4}">
+                  <adec:decorative xmlns:adec="http://schemas.microsoft.com/office/drawing/2017/decorative" val="1"/>
+                </a:ext>
+              </a:extLst>
+            </p:cNvPr>
+            <p:cNvSpPr>
+              <a:spLocks noChangeArrowheads="1"/>
+            </p:cNvSpPr>
+            <p:nvPr>
+              <p:extLst>
+                <p:ext uri="{386F3935-93C4-4BCD-93E2-E3B085C9AB24}">
+                  <p16:designElem xmlns:p16="http://schemas.microsoft.com/office/powerpoint/2015/main" val="1"/>
+                </p:ext>
+              </p:extLst>
+            </p:nvPr>
+          </p:nvSpPr>
+          <p:spPr bwMode="auto">
+            <a:xfrm>
+              <a:off x="642938" y="6610350"/>
+              <a:ext cx="23813" cy="242888"/>
+            </a:xfrm>
+            <a:prstGeom prst="rect">
+              <a:avLst/>
+            </a:prstGeom>
+            <a:grpFill/>
+            <a:ln>
+              <a:noFill/>
+            </a:ln>
+            <a:extLst>
+              <a:ext uri="{91240B29-F687-4f45-9708-019B960494DF}">
+                <a14:hiddenLine xmlns:a14="http://schemas.microsoft.com/office/drawing/2010/main" xmlns:p14="http://schemas.microsoft.com/office/powerpoint/2010/main" xmlns:a16="http://schemas.microsoft.com/office/drawing/2014/main" xmlns="" w="9525">
+                  <a:solidFill>
+                    <a:srgbClr val="000000"/>
+                  </a:solidFill>
+                  <a:miter lim="800000"/>
+                  <a:headEnd/>
+                  <a:tailEnd/>
+                </a14:hiddenLine>
+              </a:ext>
+            </a:extLst>
+          </p:spPr>
+        </p:sp>
+        <p:sp>
+          <p:nvSpPr>
+            <p:cNvPr id="41" name="Freeform 34">
+              <a:extLst>
+                <a:ext uri="{FF2B5EF4-FFF2-40B4-BE49-F238E27FC236}">
+                  <a16:creationId xmlns:a16="http://schemas.microsoft.com/office/drawing/2014/main" id="{C9C25D1A-5E1E-4B22-B8D3-B0F5263921F0}"/>
+                </a:ext>
+                <a:ext uri="{C183D7F6-B498-43B3-948B-1728B52AA6E4}">
+                  <adec:decorative xmlns:adec="http://schemas.microsoft.com/office/drawing/2017/decorative" val="1"/>
+                </a:ext>
+              </a:extLst>
+            </p:cNvPr>
+            <p:cNvSpPr>
+              <a:spLocks noEditPoints="1"/>
+            </p:cNvSpPr>
+            <p:nvPr>
+              <p:extLst>
+                <p:ext uri="{386F3935-93C4-4BCD-93E2-E3B085C9AB24}">
+                  <p16:designElem xmlns:p16="http://schemas.microsoft.com/office/powerpoint/2015/main" val="1"/>
+                </p:ext>
+              </p:extLst>
+            </p:nvPr>
+          </p:nvSpPr>
+          <p:spPr bwMode="auto">
+            <a:xfrm>
+              <a:off x="76200" y="6430963"/>
+              <a:ext cx="190500" cy="188913"/>
+            </a:xfrm>
+            <a:custGeom>
+              <a:avLst/>
+              <a:gdLst/>
+              <a:ahLst/>
+              <a:cxnLst/>
+              <a:rect l="0" t="0" r="r" b="b"/>
+              <a:pathLst>
+                <a:path w="40" h="40">
+                  <a:moveTo>
+                    <a:pt x="20" y="40"/>
+                  </a:moveTo>
+                  <a:cubicBezTo>
+                    <a:pt x="9" y="40"/>
+                    <a:pt x="0" y="31"/>
+                    <a:pt x="0" y="20"/>
+                  </a:cubicBezTo>
+                  <a:cubicBezTo>
+                    <a:pt x="0" y="9"/>
+                    <a:pt x="9" y="0"/>
+                    <a:pt x="20" y="0"/>
+                  </a:cubicBezTo>
+                  <a:cubicBezTo>
+                    <a:pt x="32" y="0"/>
+                    <a:pt x="40" y="9"/>
+                    <a:pt x="40" y="20"/>
+                  </a:cubicBezTo>
+                  <a:cubicBezTo>
+                    <a:pt x="40" y="31"/>
+                    <a:pt x="32" y="40"/>
+                    <a:pt x="20" y="40"/>
+                  </a:cubicBezTo>
+                  <a:close/>
+                  <a:moveTo>
+                    <a:pt x="20" y="4"/>
+                  </a:moveTo>
+                  <a:cubicBezTo>
+                    <a:pt x="12" y="4"/>
+                    <a:pt x="4" y="11"/>
+                    <a:pt x="4" y="20"/>
+                  </a:cubicBezTo>
+                  <a:cubicBezTo>
+                    <a:pt x="4" y="29"/>
+                    <a:pt x="12" y="36"/>
+                    <a:pt x="20" y="36"/>
+                  </a:cubicBezTo>
+                  <a:cubicBezTo>
+                    <a:pt x="29" y="36"/>
+                    <a:pt x="36" y="29"/>
+                    <a:pt x="36" y="20"/>
+                  </a:cubicBezTo>
+                  <a:cubicBezTo>
+                    <a:pt x="36" y="11"/>
+                    <a:pt x="29" y="4"/>
+                    <a:pt x="20" y="4"/>
+                  </a:cubicBezTo>
+                  <a:close/>
+                </a:path>
+              </a:pathLst>
+            </a:custGeom>
+            <a:grpFill/>
+            <a:ln>
+              <a:noFill/>
+            </a:ln>
+            <a:extLst>
+              <a:ext uri="{91240B29-F687-4f45-9708-019B960494DF}">
+                <a14:hiddenLine xmlns:a14="http://schemas.microsoft.com/office/drawing/2010/main" xmlns:p14="http://schemas.microsoft.com/office/powerpoint/2010/main" xmlns:a16="http://schemas.microsoft.com/office/drawing/2014/main" xmlns="" w="9525">
+                  <a:solidFill>
+                    <a:srgbClr val="000000"/>
+                  </a:solidFill>
+                  <a:round/>
+                  <a:headEnd/>
+                  <a:tailEnd/>
+                </a14:hiddenLine>
+              </a:ext>
+            </a:extLst>
+          </p:spPr>
+        </p:sp>
+        <p:sp>
+          <p:nvSpPr>
+            <p:cNvPr id="42" name="Freeform 35">
+              <a:extLst>
+                <a:ext uri="{FF2B5EF4-FFF2-40B4-BE49-F238E27FC236}">
+                  <a16:creationId xmlns:a16="http://schemas.microsoft.com/office/drawing/2014/main" id="{4D8DB054-D1D3-4C30-B62E-7F2C6A812531}"/>
+                </a:ext>
+                <a:ext uri="{C183D7F6-B498-43B3-948B-1728B52AA6E4}">
+                  <adec:decorative xmlns:adec="http://schemas.microsoft.com/office/drawing/2017/decorative" val="1"/>
+                </a:ext>
+              </a:extLst>
+            </p:cNvPr>
+            <p:cNvSpPr/>
+            <p:nvPr>
+              <p:extLst>
+                <p:ext uri="{386F3935-93C4-4BCD-93E2-E3B085C9AB24}">
+                  <p16:designElem xmlns:p16="http://schemas.microsoft.com/office/powerpoint/2015/main" val="1"/>
+                </p:ext>
+              </p:extLst>
+            </p:nvPr>
+          </p:nvSpPr>
+          <p:spPr bwMode="auto">
+            <a:xfrm>
+              <a:off x="0" y="5978525"/>
+              <a:ext cx="190500" cy="461963"/>
+            </a:xfrm>
+            <a:custGeom>
+              <a:avLst/>
+              <a:gdLst/>
+              <a:ahLst/>
+              <a:cxnLst/>
+              <a:rect l="0" t="0" r="r" b="b"/>
+              <a:pathLst>
+                <a:path w="120" h="291">
+                  <a:moveTo>
+                    <a:pt x="120" y="291"/>
+                  </a:moveTo>
+                  <a:lnTo>
+                    <a:pt x="105" y="291"/>
+                  </a:lnTo>
+                  <a:lnTo>
+                    <a:pt x="105" y="114"/>
+                  </a:lnTo>
+                  <a:lnTo>
+                    <a:pt x="0" y="9"/>
+                  </a:lnTo>
+                  <a:lnTo>
+                    <a:pt x="12" y="0"/>
+                  </a:lnTo>
+                  <a:lnTo>
+                    <a:pt x="120" y="108"/>
+                  </a:lnTo>
+                  <a:lnTo>
+                    <a:pt x="120" y="291"/>
+                  </a:lnTo>
+                  <a:close/>
+                </a:path>
+              </a:pathLst>
+            </a:custGeom>
+            <a:grpFill/>
+            <a:ln>
+              <a:noFill/>
+            </a:ln>
+            <a:extLst>
+              <a:ext uri="{91240B29-F687-4f45-9708-019B960494DF}">
+                <a14:hiddenLine xmlns:a14="http://schemas.microsoft.com/office/drawing/2010/main" xmlns:p14="http://schemas.microsoft.com/office/powerpoint/2010/main" xmlns:a16="http://schemas.microsoft.com/office/drawing/2014/main" xmlns="" w="9525">
+                  <a:solidFill>
+                    <a:srgbClr val="000000"/>
+                  </a:solidFill>
+                  <a:round/>
+                  <a:headEnd/>
+                  <a:tailEnd/>
+                </a14:hiddenLine>
+              </a:ext>
+            </a:extLst>
+          </p:spPr>
+        </p:sp>
+        <p:sp>
+          <p:nvSpPr>
+            <p:cNvPr id="43" name="Freeform 36">
+              <a:extLst>
+                <a:ext uri="{FF2B5EF4-FFF2-40B4-BE49-F238E27FC236}">
+                  <a16:creationId xmlns:a16="http://schemas.microsoft.com/office/drawing/2014/main" id="{9EB76371-2F16-4BA0-994C-2575FD9336B2}"/>
+                </a:ext>
+                <a:ext uri="{C183D7F6-B498-43B3-948B-1728B52AA6E4}">
+                  <adec:decorative xmlns:adec="http://schemas.microsoft.com/office/drawing/2017/decorative" val="1"/>
+                </a:ext>
+              </a:extLst>
+            </p:cNvPr>
+            <p:cNvSpPr/>
+            <p:nvPr>
+              <p:extLst>
+                <p:ext uri="{386F3935-93C4-4BCD-93E2-E3B085C9AB24}">
+                  <p16:designElem xmlns:p16="http://schemas.microsoft.com/office/powerpoint/2015/main" val="1"/>
+                </p:ext>
+              </p:extLst>
+            </p:nvPr>
+          </p:nvSpPr>
+          <p:spPr bwMode="auto">
+            <a:xfrm>
+              <a:off x="1014413" y="1801813"/>
+              <a:ext cx="214313" cy="755650"/>
+            </a:xfrm>
+            <a:custGeom>
+              <a:avLst/>
+              <a:gdLst/>
+              <a:ahLst/>
+              <a:cxnLst/>
+              <a:rect l="0" t="0" r="r" b="b"/>
+              <a:pathLst>
+                <a:path w="135" h="476">
+                  <a:moveTo>
+                    <a:pt x="12" y="476"/>
+                  </a:moveTo>
+                  <a:lnTo>
+                    <a:pt x="0" y="476"/>
+                  </a:lnTo>
+                  <a:lnTo>
+                    <a:pt x="0" y="128"/>
+                  </a:lnTo>
+                  <a:lnTo>
+                    <a:pt x="126" y="0"/>
+                  </a:lnTo>
+                  <a:lnTo>
+                    <a:pt x="135" y="9"/>
+                  </a:lnTo>
+                  <a:lnTo>
+                    <a:pt x="12" y="131"/>
+                  </a:lnTo>
+                  <a:lnTo>
+                    <a:pt x="12" y="476"/>
+                  </a:lnTo>
+                  <a:close/>
+                </a:path>
+              </a:pathLst>
+            </a:custGeom>
+            <a:grpFill/>
+            <a:ln>
+              <a:noFill/>
+            </a:ln>
+            <a:extLst>
+              <a:ext uri="{91240B29-F687-4f45-9708-019B960494DF}">
+                <a14:hiddenLine xmlns:a14="http://schemas.microsoft.com/office/drawing/2010/main" xmlns:p14="http://schemas.microsoft.com/office/powerpoint/2010/main" xmlns:a16="http://schemas.microsoft.com/office/drawing/2014/main" xmlns="" w="9525">
+                  <a:solidFill>
+                    <a:srgbClr val="000000"/>
+                  </a:solidFill>
+                  <a:round/>
+                  <a:headEnd/>
+                  <a:tailEnd/>
+                </a14:hiddenLine>
+              </a:ext>
+            </a:extLst>
+          </p:spPr>
+        </p:sp>
+        <p:sp>
+          <p:nvSpPr>
+            <p:cNvPr id="44" name="Freeform 37">
+              <a:extLst>
+                <a:ext uri="{FF2B5EF4-FFF2-40B4-BE49-F238E27FC236}">
+                  <a16:creationId xmlns:a16="http://schemas.microsoft.com/office/drawing/2014/main" id="{2B61AF6D-2A6D-4C90-BCCA-CD97F7246FD0}"/>
+                </a:ext>
+                <a:ext uri="{C183D7F6-B498-43B3-948B-1728B52AA6E4}">
+                  <adec:decorative xmlns:adec="http://schemas.microsoft.com/office/drawing/2017/decorative" val="1"/>
+                </a:ext>
+              </a:extLst>
+            </p:cNvPr>
+            <p:cNvSpPr>
+              <a:spLocks noEditPoints="1"/>
+            </p:cNvSpPr>
+            <p:nvPr>
+              <p:extLst>
+                <p:ext uri="{386F3935-93C4-4BCD-93E2-E3B085C9AB24}">
+                  <p16:designElem xmlns:p16="http://schemas.microsoft.com/office/powerpoint/2015/main" val="1"/>
+                </p:ext>
+              </p:extLst>
+            </p:nvPr>
+          </p:nvSpPr>
+          <p:spPr bwMode="auto">
+            <a:xfrm>
+              <a:off x="938213" y="2547938"/>
+              <a:ext cx="166688" cy="160338"/>
+            </a:xfrm>
+            <a:custGeom>
+              <a:avLst/>
+              <a:gdLst/>
+              <a:ahLst/>
+              <a:cxnLst/>
+              <a:rect l="0" t="0" r="r" b="b"/>
+              <a:pathLst>
+                <a:path w="35" h="34">
+                  <a:moveTo>
+                    <a:pt x="18" y="34"/>
+                  </a:moveTo>
+                  <a:cubicBezTo>
+                    <a:pt x="8" y="34"/>
+                    <a:pt x="0" y="26"/>
+                    <a:pt x="0" y="17"/>
+                  </a:cubicBezTo>
+                  <a:cubicBezTo>
+                    <a:pt x="0" y="7"/>
+                    <a:pt x="8" y="0"/>
+                    <a:pt x="18" y="0"/>
+                  </a:cubicBezTo>
+                  <a:cubicBezTo>
+                    <a:pt x="27" y="0"/>
+                    <a:pt x="35" y="7"/>
+                    <a:pt x="35" y="17"/>
+                  </a:cubicBezTo>
+                  <a:cubicBezTo>
+                    <a:pt x="35" y="26"/>
+                    <a:pt x="27" y="34"/>
+                    <a:pt x="18" y="34"/>
+                  </a:cubicBezTo>
+                  <a:close/>
+                  <a:moveTo>
+                    <a:pt x="18" y="4"/>
+                  </a:moveTo>
+                  <a:cubicBezTo>
+                    <a:pt x="10" y="4"/>
+                    <a:pt x="4" y="10"/>
+                    <a:pt x="4" y="17"/>
+                  </a:cubicBezTo>
+                  <a:cubicBezTo>
+                    <a:pt x="4" y="24"/>
+                    <a:pt x="10" y="30"/>
+                    <a:pt x="18" y="30"/>
+                  </a:cubicBezTo>
+                  <a:cubicBezTo>
+                    <a:pt x="25" y="30"/>
+                    <a:pt x="31" y="24"/>
+                    <a:pt x="31" y="17"/>
+                  </a:cubicBezTo>
+                  <a:cubicBezTo>
+                    <a:pt x="31" y="10"/>
+                    <a:pt x="25" y="4"/>
+                    <a:pt x="18" y="4"/>
+                  </a:cubicBezTo>
+                  <a:close/>
+                </a:path>
+              </a:pathLst>
+            </a:custGeom>
+            <a:grpFill/>
+            <a:ln>
+              <a:noFill/>
+            </a:ln>
+            <a:extLst>
+              <a:ext uri="{91240B29-F687-4f45-9708-019B960494DF}">
+                <a14:hiddenLine xmlns:a14="http://schemas.microsoft.com/office/drawing/2010/main" xmlns:p14="http://schemas.microsoft.com/office/powerpoint/2010/main" xmlns:a16="http://schemas.microsoft.com/office/drawing/2014/main" xmlns="" w="9525">
+                  <a:solidFill>
+                    <a:srgbClr val="000000"/>
+                  </a:solidFill>
+                  <a:round/>
+                  <a:headEnd/>
+                  <a:tailEnd/>
+                </a14:hiddenLine>
+              </a:ext>
+            </a:extLst>
+          </p:spPr>
+        </p:sp>
+        <p:sp>
+          <p:nvSpPr>
+            <p:cNvPr id="45" name="Freeform 38">
+              <a:extLst>
+                <a:ext uri="{FF2B5EF4-FFF2-40B4-BE49-F238E27FC236}">
+                  <a16:creationId xmlns:a16="http://schemas.microsoft.com/office/drawing/2014/main" id="{B35F6DFD-5D34-4BE6-8B2A-0D6CDCE28B9D}"/>
+                </a:ext>
+                <a:ext uri="{C183D7F6-B498-43B3-948B-1728B52AA6E4}">
+                  <adec:decorative xmlns:adec="http://schemas.microsoft.com/office/drawing/2017/decorative" val="1"/>
+                </a:ext>
+              </a:extLst>
+            </p:cNvPr>
+            <p:cNvSpPr/>
+            <p:nvPr>
+              <p:extLst>
+                <p:ext uri="{386F3935-93C4-4BCD-93E2-E3B085C9AB24}">
+                  <p16:designElem xmlns:p16="http://schemas.microsoft.com/office/powerpoint/2015/main" val="1"/>
+                </p:ext>
+              </p:extLst>
+            </p:nvPr>
+          </p:nvSpPr>
+          <p:spPr bwMode="auto">
+            <a:xfrm>
+              <a:off x="595313" y="4763"/>
+              <a:ext cx="638175" cy="4025900"/>
+            </a:xfrm>
+            <a:custGeom>
+              <a:avLst/>
+              <a:gdLst/>
+              <a:ahLst/>
+              <a:cxnLst/>
+              <a:rect l="0" t="0" r="r" b="b"/>
+              <a:pathLst>
+                <a:path w="402" h="2536">
+                  <a:moveTo>
+                    <a:pt x="402" y="2536"/>
+                  </a:moveTo>
+                  <a:lnTo>
+                    <a:pt x="387" y="2536"/>
+                  </a:lnTo>
+                  <a:lnTo>
+                    <a:pt x="387" y="2311"/>
+                  </a:lnTo>
+                  <a:lnTo>
+                    <a:pt x="0" y="1925"/>
+                  </a:lnTo>
+                  <a:lnTo>
+                    <a:pt x="0" y="0"/>
+                  </a:lnTo>
+                  <a:lnTo>
+                    <a:pt x="15" y="0"/>
+                  </a:lnTo>
+                  <a:lnTo>
+                    <a:pt x="15" y="1916"/>
+                  </a:lnTo>
+                  <a:lnTo>
+                    <a:pt x="402" y="2302"/>
+                  </a:lnTo>
+                  <a:lnTo>
+                    <a:pt x="402" y="2536"/>
+                  </a:lnTo>
+                  <a:close/>
+                </a:path>
+              </a:pathLst>
+            </a:custGeom>
+            <a:grpFill/>
+            <a:ln>
+              <a:noFill/>
+            </a:ln>
+            <a:extLst>
+              <a:ext uri="{91240B29-F687-4f45-9708-019B960494DF}">
+                <a14:hiddenLine xmlns:a14="http://schemas.microsoft.com/office/drawing/2010/main" xmlns:p14="http://schemas.microsoft.com/office/powerpoint/2010/main" xmlns:a16="http://schemas.microsoft.com/office/drawing/2014/main" xmlns="" w="9525">
+                  <a:solidFill>
+                    <a:srgbClr val="000000"/>
+                  </a:solidFill>
+                  <a:round/>
+                  <a:headEnd/>
+                  <a:tailEnd/>
+                </a14:hiddenLine>
+              </a:ext>
+            </a:extLst>
+          </p:spPr>
+        </p:sp>
+        <p:sp>
+          <p:nvSpPr>
+            <p:cNvPr id="46" name="Freeform 39">
+              <a:extLst>
+                <a:ext uri="{FF2B5EF4-FFF2-40B4-BE49-F238E27FC236}">
+                  <a16:creationId xmlns:a16="http://schemas.microsoft.com/office/drawing/2014/main" id="{BCB0EEDB-7826-499E-BB87-6D0DD545F0D8}"/>
+                </a:ext>
+                <a:ext uri="{C183D7F6-B498-43B3-948B-1728B52AA6E4}">
+                  <adec:decorative xmlns:adec="http://schemas.microsoft.com/office/drawing/2017/decorative" val="1"/>
+                </a:ext>
+              </a:extLst>
+            </p:cNvPr>
+            <p:cNvSpPr/>
+            <p:nvPr>
+              <p:extLst>
+                <p:ext uri="{386F3935-93C4-4BCD-93E2-E3B085C9AB24}">
+                  <p16:designElem xmlns:p16="http://schemas.microsoft.com/office/powerpoint/2015/main" val="1"/>
+                </p:ext>
+              </p:extLst>
+            </p:nvPr>
+          </p:nvSpPr>
+          <p:spPr bwMode="auto">
+            <a:xfrm>
+              <a:off x="1223963" y="1382713"/>
+              <a:ext cx="142875" cy="476250"/>
+            </a:xfrm>
+            <a:custGeom>
+              <a:avLst/>
+              <a:gdLst/>
+              <a:ahLst/>
+              <a:cxnLst/>
+              <a:rect l="0" t="0" r="r" b="b"/>
+              <a:pathLst>
+                <a:path w="90" h="300">
+                  <a:moveTo>
+                    <a:pt x="90" y="300"/>
+                  </a:moveTo>
+                  <a:lnTo>
+                    <a:pt x="78" y="300"/>
+                  </a:lnTo>
+                  <a:lnTo>
+                    <a:pt x="78" y="84"/>
+                  </a:lnTo>
+                  <a:lnTo>
+                    <a:pt x="0" y="9"/>
+                  </a:lnTo>
+                  <a:lnTo>
+                    <a:pt x="9" y="0"/>
+                  </a:lnTo>
+                  <a:lnTo>
+                    <a:pt x="90" y="81"/>
+                  </a:lnTo>
+                  <a:lnTo>
+                    <a:pt x="90" y="300"/>
+                  </a:lnTo>
+                  <a:close/>
+                </a:path>
+              </a:pathLst>
+            </a:custGeom>
+            <a:grpFill/>
+            <a:ln>
+              <a:noFill/>
+            </a:ln>
+            <a:extLst>
+              <a:ext uri="{91240B29-F687-4f45-9708-019B960494DF}">
+                <a14:hiddenLine xmlns:a14="http://schemas.microsoft.com/office/drawing/2010/main" xmlns:p14="http://schemas.microsoft.com/office/powerpoint/2010/main" xmlns:a16="http://schemas.microsoft.com/office/drawing/2014/main" xmlns="" w="9525">
+                  <a:solidFill>
+                    <a:srgbClr val="000000"/>
+                  </a:solidFill>
+                  <a:round/>
+                  <a:headEnd/>
+                  <a:tailEnd/>
+                </a14:hiddenLine>
+              </a:ext>
+            </a:extLst>
+          </p:spPr>
+        </p:sp>
+        <p:sp>
+          <p:nvSpPr>
+            <p:cNvPr id="47" name="Freeform 40">
+              <a:extLst>
+                <a:ext uri="{FF2B5EF4-FFF2-40B4-BE49-F238E27FC236}">
+                  <a16:creationId xmlns:a16="http://schemas.microsoft.com/office/drawing/2014/main" id="{F16B5CE0-3198-436D-888B-A01A98384453}"/>
+                </a:ext>
+                <a:ext uri="{C183D7F6-B498-43B3-948B-1728B52AA6E4}">
+                  <adec:decorative xmlns:adec="http://schemas.microsoft.com/office/drawing/2017/decorative" val="1"/>
+                </a:ext>
+              </a:extLst>
+            </p:cNvPr>
+            <p:cNvSpPr>
+              <a:spLocks noEditPoints="1"/>
+            </p:cNvSpPr>
+            <p:nvPr>
+              <p:extLst>
+                <p:ext uri="{386F3935-93C4-4BCD-93E2-E3B085C9AB24}">
+                  <p16:designElem xmlns:p16="http://schemas.microsoft.com/office/powerpoint/2015/main" val="1"/>
+                </p:ext>
+              </p:extLst>
+            </p:nvPr>
+          </p:nvSpPr>
+          <p:spPr bwMode="auto">
+            <a:xfrm>
+              <a:off x="1300163" y="1849438"/>
+              <a:ext cx="109538" cy="107950"/>
+            </a:xfrm>
+            <a:custGeom>
+              <a:avLst/>
+              <a:gdLst/>
+              <a:ahLst/>
+              <a:cxnLst/>
+              <a:rect l="0" t="0" r="r" b="b"/>
+              <a:pathLst>
+                <a:path w="23" h="23">
+                  <a:moveTo>
+                    <a:pt x="12" y="23"/>
+                  </a:moveTo>
+                  <a:cubicBezTo>
+                    <a:pt x="5" y="23"/>
+                    <a:pt x="0" y="18"/>
+                    <a:pt x="0" y="12"/>
+                  </a:cubicBezTo>
+                  <a:cubicBezTo>
+                    <a:pt x="0" y="5"/>
+                    <a:pt x="5" y="0"/>
+                    <a:pt x="12" y="0"/>
+                  </a:cubicBezTo>
+                  <a:cubicBezTo>
+                    <a:pt x="18" y="0"/>
+                    <a:pt x="23" y="5"/>
+                    <a:pt x="23" y="12"/>
+                  </a:cubicBezTo>
+                  <a:cubicBezTo>
+                    <a:pt x="23" y="18"/>
+                    <a:pt x="18" y="23"/>
+                    <a:pt x="12" y="23"/>
+                  </a:cubicBezTo>
+                  <a:close/>
+                  <a:moveTo>
+                    <a:pt x="12" y="4"/>
+                  </a:moveTo>
+                  <a:cubicBezTo>
+                    <a:pt x="8" y="4"/>
+                    <a:pt x="4" y="8"/>
+                    <a:pt x="4" y="12"/>
+                  </a:cubicBezTo>
+                  <a:cubicBezTo>
+                    <a:pt x="4" y="16"/>
+                    <a:pt x="8" y="19"/>
+                    <a:pt x="12" y="19"/>
+                  </a:cubicBezTo>
+                  <a:cubicBezTo>
+                    <a:pt x="16" y="19"/>
+                    <a:pt x="19" y="16"/>
+                    <a:pt x="19" y="12"/>
+                  </a:cubicBezTo>
+                  <a:cubicBezTo>
+                    <a:pt x="19" y="8"/>
+                    <a:pt x="16" y="4"/>
+                    <a:pt x="12" y="4"/>
+                  </a:cubicBezTo>
+                  <a:close/>
+                </a:path>
+              </a:pathLst>
+            </a:custGeom>
+            <a:grpFill/>
+            <a:ln>
+              <a:noFill/>
+            </a:ln>
+            <a:extLst>
+              <a:ext uri="{91240B29-F687-4f45-9708-019B960494DF}">
+                <a14:hiddenLine xmlns:a14="http://schemas.microsoft.com/office/drawing/2010/main" xmlns:p14="http://schemas.microsoft.com/office/powerpoint/2010/main" xmlns:a16="http://schemas.microsoft.com/office/drawing/2014/main" xmlns="" w="9525">
+                  <a:solidFill>
+                    <a:srgbClr val="000000"/>
+                  </a:solidFill>
+                  <a:round/>
+                  <a:headEnd/>
+                  <a:tailEnd/>
+                </a14:hiddenLine>
+              </a:ext>
+            </a:extLst>
+          </p:spPr>
+        </p:sp>
+        <p:sp>
+          <p:nvSpPr>
+            <p:cNvPr id="48" name="Freeform 41">
+              <a:extLst>
+                <a:ext uri="{FF2B5EF4-FFF2-40B4-BE49-F238E27FC236}">
+                  <a16:creationId xmlns:a16="http://schemas.microsoft.com/office/drawing/2014/main" id="{B550414A-8DF0-4572-A382-B88DBE0B45ED}"/>
+                </a:ext>
+                <a:ext uri="{C183D7F6-B498-43B3-948B-1728B52AA6E4}">
+                  <adec:decorative xmlns:adec="http://schemas.microsoft.com/office/drawing/2017/decorative" val="1"/>
+                </a:ext>
+              </a:extLst>
+            </p:cNvPr>
+            <p:cNvSpPr/>
+            <p:nvPr>
+              <p:extLst>
+                <p:ext uri="{386F3935-93C4-4BCD-93E2-E3B085C9AB24}">
+                  <p16:designElem xmlns:p16="http://schemas.microsoft.com/office/powerpoint/2015/main" val="1"/>
+                </p:ext>
+              </p:extLst>
+            </p:nvPr>
+          </p:nvSpPr>
+          <p:spPr bwMode="auto">
+            <a:xfrm>
+              <a:off x="280988" y="3417888"/>
+              <a:ext cx="142875" cy="474663"/>
+            </a:xfrm>
+            <a:custGeom>
+              <a:avLst/>
+              <a:gdLst/>
+              <a:ahLst/>
+              <a:cxnLst/>
+              <a:rect l="0" t="0" r="r" b="b"/>
+              <a:pathLst>
+                <a:path w="90" h="299">
+                  <a:moveTo>
+                    <a:pt x="12" y="299"/>
+                  </a:moveTo>
+                  <a:lnTo>
+                    <a:pt x="0" y="299"/>
+                  </a:lnTo>
+                  <a:lnTo>
+                    <a:pt x="0" y="80"/>
+                  </a:lnTo>
+                  <a:lnTo>
+                    <a:pt x="81" y="0"/>
+                  </a:lnTo>
+                  <a:lnTo>
+                    <a:pt x="90" y="8"/>
+                  </a:lnTo>
+                  <a:lnTo>
+                    <a:pt x="12" y="83"/>
+                  </a:lnTo>
+                  <a:lnTo>
+                    <a:pt x="12" y="299"/>
+                  </a:lnTo>
+                  <a:close/>
+                </a:path>
+              </a:pathLst>
+            </a:custGeom>
+            <a:grpFill/>
+            <a:ln>
+              <a:noFill/>
+            </a:ln>
+            <a:extLst>
+              <a:ext uri="{91240B29-F687-4f45-9708-019B960494DF}">
+                <a14:hiddenLine xmlns:a14="http://schemas.microsoft.com/office/drawing/2010/main" xmlns:p14="http://schemas.microsoft.com/office/powerpoint/2010/main" xmlns:a16="http://schemas.microsoft.com/office/drawing/2014/main" xmlns="" w="9525">
+                  <a:solidFill>
+                    <a:srgbClr val="000000"/>
+                  </a:solidFill>
+                  <a:round/>
+                  <a:headEnd/>
+                  <a:tailEnd/>
+                </a14:hiddenLine>
+              </a:ext>
+            </a:extLst>
+          </p:spPr>
+        </p:sp>
+        <p:sp>
+          <p:nvSpPr>
+            <p:cNvPr id="49" name="Freeform 42">
+              <a:extLst>
+                <a:ext uri="{FF2B5EF4-FFF2-40B4-BE49-F238E27FC236}">
+                  <a16:creationId xmlns:a16="http://schemas.microsoft.com/office/drawing/2014/main" id="{AFB98517-BD8F-45DD-A2BA-52FD61A48AF9}"/>
+                </a:ext>
+                <a:ext uri="{C183D7F6-B498-43B3-948B-1728B52AA6E4}">
+                  <adec:decorative xmlns:adec="http://schemas.microsoft.com/office/drawing/2017/decorative" val="1"/>
+                </a:ext>
+              </a:extLst>
+            </p:cNvPr>
+            <p:cNvSpPr>
+              <a:spLocks noEditPoints="1"/>
+            </p:cNvSpPr>
+            <p:nvPr>
+              <p:extLst>
+                <p:ext uri="{386F3935-93C4-4BCD-93E2-E3B085C9AB24}">
+                  <p16:designElem xmlns:p16="http://schemas.microsoft.com/office/powerpoint/2015/main" val="1"/>
+                </p:ext>
+              </p:extLst>
+            </p:nvPr>
+          </p:nvSpPr>
+          <p:spPr bwMode="auto">
+            <a:xfrm>
+              <a:off x="238125" y="3883025"/>
+              <a:ext cx="109538" cy="109538"/>
+            </a:xfrm>
+            <a:custGeom>
+              <a:avLst/>
+              <a:gdLst/>
+              <a:ahLst/>
+              <a:cxnLst/>
+              <a:rect l="0" t="0" r="r" b="b"/>
+              <a:pathLst>
+                <a:path w="23" h="23">
+                  <a:moveTo>
+                    <a:pt x="11" y="23"/>
+                  </a:moveTo>
+                  <a:cubicBezTo>
+                    <a:pt x="5" y="23"/>
+                    <a:pt x="0" y="18"/>
+                    <a:pt x="0" y="12"/>
+                  </a:cubicBezTo>
+                  <a:cubicBezTo>
+                    <a:pt x="0" y="5"/>
+                    <a:pt x="5" y="0"/>
+                    <a:pt x="11" y="0"/>
+                  </a:cubicBezTo>
+                  <a:cubicBezTo>
+                    <a:pt x="17" y="0"/>
+                    <a:pt x="23" y="5"/>
+                    <a:pt x="23" y="12"/>
+                  </a:cubicBezTo>
+                  <a:cubicBezTo>
+                    <a:pt x="23" y="18"/>
+                    <a:pt x="17" y="23"/>
+                    <a:pt x="11" y="23"/>
+                  </a:cubicBezTo>
+                  <a:close/>
+                  <a:moveTo>
+                    <a:pt x="11" y="4"/>
+                  </a:moveTo>
+                  <a:cubicBezTo>
+                    <a:pt x="7" y="4"/>
+                    <a:pt x="4" y="8"/>
+                    <a:pt x="4" y="12"/>
+                  </a:cubicBezTo>
+                  <a:cubicBezTo>
+                    <a:pt x="4" y="16"/>
+                    <a:pt x="7" y="19"/>
+                    <a:pt x="11" y="19"/>
+                  </a:cubicBezTo>
+                  <a:cubicBezTo>
+                    <a:pt x="15" y="19"/>
+                    <a:pt x="19" y="16"/>
+                    <a:pt x="19" y="12"/>
+                  </a:cubicBezTo>
+                  <a:cubicBezTo>
+                    <a:pt x="19" y="8"/>
+                    <a:pt x="15" y="4"/>
+                    <a:pt x="11" y="4"/>
+                  </a:cubicBezTo>
+                  <a:close/>
+                </a:path>
+              </a:pathLst>
+            </a:custGeom>
+            <a:grpFill/>
+            <a:ln>
+              <a:noFill/>
+            </a:ln>
+            <a:extLst>
+              <a:ext uri="{91240B29-F687-4f45-9708-019B960494DF}">
+                <a14:hiddenLine xmlns:a14="http://schemas.microsoft.com/office/drawing/2010/main" xmlns:p14="http://schemas.microsoft.com/office/powerpoint/2010/main" xmlns:a16="http://schemas.microsoft.com/office/drawing/2014/main" xmlns="" w="9525">
+                  <a:solidFill>
+                    <a:srgbClr val="000000"/>
+                  </a:solidFill>
+                  <a:round/>
+                  <a:headEnd/>
+                  <a:tailEnd/>
+                </a14:hiddenLine>
+              </a:ext>
+            </a:extLst>
+          </p:spPr>
+        </p:sp>
+        <p:sp>
+          <p:nvSpPr>
+            <p:cNvPr id="50" name="Freeform 43">
+              <a:extLst>
+                <a:ext uri="{FF2B5EF4-FFF2-40B4-BE49-F238E27FC236}">
+                  <a16:creationId xmlns:a16="http://schemas.microsoft.com/office/drawing/2014/main" id="{78C67202-AF18-4690-8000-4C12C4042C35}"/>
+                </a:ext>
+                <a:ext uri="{C183D7F6-B498-43B3-948B-1728B52AA6E4}">
+                  <adec:decorative xmlns:adec="http://schemas.microsoft.com/office/drawing/2017/decorative" val="1"/>
+                </a:ext>
+              </a:extLst>
+            </p:cNvPr>
+            <p:cNvSpPr/>
+            <p:nvPr>
+              <p:extLst>
+                <p:ext uri="{386F3935-93C4-4BCD-93E2-E3B085C9AB24}">
+                  <p16:designElem xmlns:p16="http://schemas.microsoft.com/office/powerpoint/2015/main" val="1"/>
+                </p:ext>
+              </p:extLst>
+            </p:nvPr>
+          </p:nvSpPr>
+          <p:spPr bwMode="auto">
+            <a:xfrm>
+              <a:off x="4763" y="2166938"/>
+              <a:ext cx="114300" cy="452438"/>
+            </a:xfrm>
+            <a:custGeom>
+              <a:avLst/>
+              <a:gdLst/>
+              <a:ahLst/>
+              <a:cxnLst/>
+              <a:rect l="0" t="0" r="r" b="b"/>
+              <a:pathLst>
+                <a:path w="72" h="285">
+                  <a:moveTo>
+                    <a:pt x="6" y="285"/>
+                  </a:moveTo>
+                  <a:lnTo>
+                    <a:pt x="0" y="276"/>
+                  </a:lnTo>
+                  <a:lnTo>
+                    <a:pt x="60" y="216"/>
+                  </a:lnTo>
+                  <a:lnTo>
+                    <a:pt x="60" y="0"/>
+                  </a:lnTo>
+                  <a:lnTo>
+                    <a:pt x="72" y="0"/>
+                  </a:lnTo>
+                  <a:lnTo>
+                    <a:pt x="72" y="222"/>
+                  </a:lnTo>
+                  <a:lnTo>
+                    <a:pt x="6" y="285"/>
+                  </a:lnTo>
+                  <a:close/>
+                </a:path>
+              </a:pathLst>
+            </a:custGeom>
+            <a:grpFill/>
+            <a:ln>
+              <a:noFill/>
+            </a:ln>
+            <a:extLst>
+              <a:ext uri="{91240B29-F687-4f45-9708-019B960494DF}">
+                <a14:hiddenLine xmlns:a14="http://schemas.microsoft.com/office/drawing/2010/main" xmlns:p14="http://schemas.microsoft.com/office/powerpoint/2010/main" xmlns:a16="http://schemas.microsoft.com/office/drawing/2014/main" xmlns="" w="9525">
+                  <a:solidFill>
+                    <a:srgbClr val="000000"/>
+                  </a:solidFill>
+                  <a:round/>
+                  <a:headEnd/>
+                  <a:tailEnd/>
+                </a14:hiddenLine>
+              </a:ext>
+            </a:extLst>
+          </p:spPr>
+        </p:sp>
+        <p:sp>
+          <p:nvSpPr>
+            <p:cNvPr id="51" name="Freeform 44">
+              <a:extLst>
+                <a:ext uri="{FF2B5EF4-FFF2-40B4-BE49-F238E27FC236}">
+                  <a16:creationId xmlns:a16="http://schemas.microsoft.com/office/drawing/2014/main" id="{AD51A156-6972-43DA-BF32-CA187641B3A2}"/>
+                </a:ext>
+                <a:ext uri="{C183D7F6-B498-43B3-948B-1728B52AA6E4}">
+                  <adec:decorative xmlns:adec="http://schemas.microsoft.com/office/drawing/2017/decorative" val="1"/>
+                </a:ext>
+              </a:extLst>
+            </p:cNvPr>
+            <p:cNvSpPr>
+              <a:spLocks noEditPoints="1"/>
+            </p:cNvSpPr>
+            <p:nvPr>
+              <p:extLst>
+                <p:ext uri="{386F3935-93C4-4BCD-93E2-E3B085C9AB24}">
+                  <p16:designElem xmlns:p16="http://schemas.microsoft.com/office/powerpoint/2015/main" val="1"/>
+                </p:ext>
+              </p:extLst>
+            </p:nvPr>
+          </p:nvSpPr>
+          <p:spPr bwMode="auto">
+            <a:xfrm>
+              <a:off x="52388" y="2066925"/>
+              <a:ext cx="109538" cy="109538"/>
+            </a:xfrm>
+            <a:custGeom>
+              <a:avLst/>
+              <a:gdLst/>
+              <a:ahLst/>
+              <a:cxnLst/>
+              <a:rect l="0" t="0" r="r" b="b"/>
+              <a:pathLst>
+                <a:path w="23" h="23">
+                  <a:moveTo>
+                    <a:pt x="12" y="23"/>
+                  </a:moveTo>
+                  <a:cubicBezTo>
+                    <a:pt x="5" y="23"/>
+                    <a:pt x="0" y="18"/>
+                    <a:pt x="0" y="12"/>
+                  </a:cubicBezTo>
+                  <a:cubicBezTo>
+                    <a:pt x="0" y="5"/>
+                    <a:pt x="5" y="0"/>
+                    <a:pt x="12" y="0"/>
+                  </a:cubicBezTo>
+                  <a:cubicBezTo>
+                    <a:pt x="18" y="0"/>
+                    <a:pt x="23" y="5"/>
+                    <a:pt x="23" y="12"/>
+                  </a:cubicBezTo>
+                  <a:cubicBezTo>
+                    <a:pt x="23" y="18"/>
+                    <a:pt x="18" y="23"/>
+                    <a:pt x="12" y="23"/>
+                  </a:cubicBezTo>
+                  <a:close/>
+                  <a:moveTo>
+                    <a:pt x="12" y="4"/>
+                  </a:moveTo>
+                  <a:cubicBezTo>
+                    <a:pt x="8" y="4"/>
+                    <a:pt x="4" y="8"/>
+                    <a:pt x="4" y="12"/>
+                  </a:cubicBezTo>
+                  <a:cubicBezTo>
+                    <a:pt x="4" y="16"/>
+                    <a:pt x="8" y="19"/>
+                    <a:pt x="12" y="19"/>
+                  </a:cubicBezTo>
+                  <a:cubicBezTo>
+                    <a:pt x="16" y="19"/>
+                    <a:pt x="19" y="16"/>
+                    <a:pt x="19" y="12"/>
+                  </a:cubicBezTo>
+                  <a:cubicBezTo>
+                    <a:pt x="19" y="8"/>
+                    <a:pt x="16" y="4"/>
+                    <a:pt x="12" y="4"/>
+                  </a:cubicBezTo>
+                  <a:close/>
+                </a:path>
+              </a:pathLst>
+            </a:custGeom>
+            <a:grpFill/>
+            <a:ln>
+              <a:noFill/>
+            </a:ln>
+            <a:extLst>
+              <a:ext uri="{91240B29-F687-4f45-9708-019B960494DF}">
+                <a14:hiddenLine xmlns:a14="http://schemas.microsoft.com/office/drawing/2010/main" xmlns:p14="http://schemas.microsoft.com/office/powerpoint/2010/main" xmlns:a16="http://schemas.microsoft.com/office/drawing/2014/main" xmlns="" w="9525">
+                  <a:solidFill>
+                    <a:srgbClr val="000000"/>
+                  </a:solidFill>
+                  <a:round/>
+                  <a:headEnd/>
+                  <a:tailEnd/>
+                </a14:hiddenLine>
+              </a:ext>
+            </a:extLst>
+          </p:spPr>
+        </p:sp>
+        <p:sp>
+          <p:nvSpPr>
+            <p:cNvPr id="52" name="Rectangle 45">
+              <a:extLst>
+                <a:ext uri="{FF2B5EF4-FFF2-40B4-BE49-F238E27FC236}">
+                  <a16:creationId xmlns:a16="http://schemas.microsoft.com/office/drawing/2014/main" id="{B5CE61CC-EBDF-4355-A6C3-D44E62D7849F}"/>
+                </a:ext>
+                <a:ext uri="{C183D7F6-B498-43B3-948B-1728B52AA6E4}">
+                  <adec:decorative xmlns:adec="http://schemas.microsoft.com/office/drawing/2017/decorative" val="1"/>
+                </a:ext>
+              </a:extLst>
+            </p:cNvPr>
+            <p:cNvSpPr>
+              <a:spLocks noChangeArrowheads="1"/>
+            </p:cNvSpPr>
+            <p:nvPr>
+              <p:extLst>
+                <p:ext uri="{386F3935-93C4-4BCD-93E2-E3B085C9AB24}">
+                  <p16:designElem xmlns:p16="http://schemas.microsoft.com/office/powerpoint/2015/main" val="1"/>
+                </p:ext>
+              </p:extLst>
+            </p:nvPr>
+          </p:nvSpPr>
+          <p:spPr bwMode="auto">
+            <a:xfrm>
+              <a:off x="1228725" y="4662488"/>
+              <a:ext cx="23813" cy="2181225"/>
+            </a:xfrm>
+            <a:prstGeom prst="rect">
+              <a:avLst/>
+            </a:prstGeom>
+            <a:grpFill/>
+            <a:ln>
+              <a:noFill/>
+            </a:ln>
+            <a:extLst>
+              <a:ext uri="{91240B29-F687-4f45-9708-019B960494DF}">
+                <a14:hiddenLine xmlns:a14="http://schemas.microsoft.com/office/drawing/2010/main" xmlns:p14="http://schemas.microsoft.com/office/powerpoint/2010/main" xmlns:a16="http://schemas.microsoft.com/office/drawing/2014/main" xmlns="" w="9525">
+                  <a:solidFill>
+                    <a:srgbClr val="000000"/>
+                  </a:solidFill>
+                  <a:miter lim="800000"/>
+                  <a:headEnd/>
+                  <a:tailEnd/>
+                </a14:hiddenLine>
+              </a:ext>
+            </a:extLst>
+          </p:spPr>
+        </p:sp>
+        <p:sp>
+          <p:nvSpPr>
+            <p:cNvPr id="53" name="Freeform 46">
+              <a:extLst>
+                <a:ext uri="{FF2B5EF4-FFF2-40B4-BE49-F238E27FC236}">
+                  <a16:creationId xmlns:a16="http://schemas.microsoft.com/office/drawing/2014/main" id="{ACB1B7F1-FBEF-48FA-97A7-9FAE7708E99A}"/>
+                </a:ext>
+                <a:ext uri="{C183D7F6-B498-43B3-948B-1728B52AA6E4}">
+                  <adec:decorative xmlns:adec="http://schemas.microsoft.com/office/drawing/2017/decorative" val="1"/>
+                </a:ext>
+              </a:extLst>
+            </p:cNvPr>
+            <p:cNvSpPr/>
+            <p:nvPr>
+              <p:extLst>
+                <p:ext uri="{386F3935-93C4-4BCD-93E2-E3B085C9AB24}">
+                  <p16:designElem xmlns:p16="http://schemas.microsoft.com/office/powerpoint/2015/main" val="1"/>
+                </p:ext>
+              </p:extLst>
+            </p:nvPr>
+          </p:nvSpPr>
+          <p:spPr bwMode="auto">
+            <a:xfrm>
+              <a:off x="1319213" y="5041900"/>
+              <a:ext cx="371475" cy="1801813"/>
+            </a:xfrm>
+            <a:custGeom>
+              <a:avLst/>
+              <a:gdLst/>
+              <a:ahLst/>
+              <a:cxnLst/>
+              <a:rect l="0" t="0" r="r" b="b"/>
+              <a:pathLst>
+                <a:path w="234" h="1135">
+                  <a:moveTo>
+                    <a:pt x="15" y="1135"/>
+                  </a:moveTo>
+                  <a:lnTo>
+                    <a:pt x="0" y="1135"/>
+                  </a:lnTo>
+                  <a:lnTo>
+                    <a:pt x="0" y="515"/>
+                  </a:lnTo>
+                  <a:lnTo>
+                    <a:pt x="0" y="512"/>
+                  </a:lnTo>
+                  <a:lnTo>
+                    <a:pt x="219" y="0"/>
+                  </a:lnTo>
+                  <a:lnTo>
+                    <a:pt x="234" y="6"/>
+                  </a:lnTo>
+                  <a:lnTo>
+                    <a:pt x="15" y="518"/>
+                  </a:lnTo>
+                  <a:lnTo>
+                    <a:pt x="15" y="1135"/>
+                  </a:lnTo>
+                  <a:close/>
+                </a:path>
+              </a:pathLst>
+            </a:custGeom>
+            <a:grpFill/>
+            <a:ln>
+              <a:noFill/>
+            </a:ln>
+            <a:extLst>
+              <a:ext uri="{91240B29-F687-4f45-9708-019B960494DF}">
+                <a14:hiddenLine xmlns:a14="http://schemas.microsoft.com/office/drawing/2010/main" xmlns:p14="http://schemas.microsoft.com/office/powerpoint/2010/main" xmlns:a16="http://schemas.microsoft.com/office/drawing/2014/main" xmlns="" w="9525">
+                  <a:solidFill>
+                    <a:srgbClr val="000000"/>
+                  </a:solidFill>
+                  <a:round/>
+                  <a:headEnd/>
+                  <a:tailEnd/>
+                </a14:hiddenLine>
+              </a:ext>
+            </a:extLst>
+          </p:spPr>
+        </p:sp>
+        <p:sp>
+          <p:nvSpPr>
+            <p:cNvPr id="54" name="Freeform 47">
+              <a:extLst>
+                <a:ext uri="{FF2B5EF4-FFF2-40B4-BE49-F238E27FC236}">
+                  <a16:creationId xmlns:a16="http://schemas.microsoft.com/office/drawing/2014/main" id="{4851370A-7D0E-4B9F-BA8B-B1966748FBBE}"/>
+                </a:ext>
+                <a:ext uri="{C183D7F6-B498-43B3-948B-1728B52AA6E4}">
+                  <adec:decorative xmlns:adec="http://schemas.microsoft.com/office/drawing/2017/decorative" val="1"/>
+                </a:ext>
+              </a:extLst>
+            </p:cNvPr>
+            <p:cNvSpPr>
+              <a:spLocks noEditPoints="1"/>
+            </p:cNvSpPr>
+            <p:nvPr>
+              <p:extLst>
+                <p:ext uri="{386F3935-93C4-4BCD-93E2-E3B085C9AB24}">
+                  <p16:designElem xmlns:p16="http://schemas.microsoft.com/office/powerpoint/2015/main" val="1"/>
+                </p:ext>
+              </p:extLst>
+            </p:nvPr>
+          </p:nvSpPr>
+          <p:spPr bwMode="auto">
+            <a:xfrm>
+              <a:off x="1147763" y="4481513"/>
+              <a:ext cx="190500" cy="190500"/>
+            </a:xfrm>
+            <a:custGeom>
+              <a:avLst/>
+              <a:gdLst/>
+              <a:ahLst/>
+              <a:cxnLst/>
+              <a:rect l="0" t="0" r="r" b="b"/>
+              <a:pathLst>
+                <a:path w="40" h="40">
+                  <a:moveTo>
+                    <a:pt x="20" y="40"/>
+                  </a:moveTo>
+                  <a:cubicBezTo>
+                    <a:pt x="9" y="40"/>
+                    <a:pt x="0" y="31"/>
+                    <a:pt x="0" y="20"/>
+                  </a:cubicBezTo>
+                  <a:cubicBezTo>
+                    <a:pt x="0" y="9"/>
+                    <a:pt x="9" y="0"/>
+                    <a:pt x="20" y="0"/>
+                  </a:cubicBezTo>
+                  <a:cubicBezTo>
+                    <a:pt x="31" y="0"/>
+                    <a:pt x="40" y="9"/>
+                    <a:pt x="40" y="20"/>
+                  </a:cubicBezTo>
+                  <a:cubicBezTo>
+                    <a:pt x="40" y="31"/>
+                    <a:pt x="31" y="40"/>
+                    <a:pt x="20" y="40"/>
+                  </a:cubicBezTo>
+                  <a:close/>
+                  <a:moveTo>
+                    <a:pt x="20" y="4"/>
+                  </a:moveTo>
+                  <a:cubicBezTo>
+                    <a:pt x="11" y="4"/>
+                    <a:pt x="4" y="11"/>
+                    <a:pt x="4" y="20"/>
+                  </a:cubicBezTo>
+                  <a:cubicBezTo>
+                    <a:pt x="4" y="29"/>
+                    <a:pt x="11" y="36"/>
+                    <a:pt x="20" y="36"/>
+                  </a:cubicBezTo>
+                  <a:cubicBezTo>
+                    <a:pt x="28" y="36"/>
+                    <a:pt x="36" y="29"/>
+                    <a:pt x="36" y="20"/>
+                  </a:cubicBezTo>
+                  <a:cubicBezTo>
+                    <a:pt x="36" y="11"/>
+                    <a:pt x="28" y="4"/>
+                    <a:pt x="20" y="4"/>
+                  </a:cubicBezTo>
+                  <a:close/>
+                </a:path>
+              </a:pathLst>
+            </a:custGeom>
+            <a:grpFill/>
+            <a:ln>
+              <a:noFill/>
+            </a:ln>
+            <a:extLst>
+              <a:ext uri="{91240B29-F687-4f45-9708-019B960494DF}">
+                <a14:hiddenLine xmlns:a14="http://schemas.microsoft.com/office/drawing/2010/main" xmlns:p14="http://schemas.microsoft.com/office/powerpoint/2010/main" xmlns:a16="http://schemas.microsoft.com/office/drawing/2014/main" xmlns="" w="9525">
+                  <a:solidFill>
+                    <a:srgbClr val="000000"/>
+                  </a:solidFill>
+                  <a:round/>
+                  <a:headEnd/>
+                  <a:tailEnd/>
+                </a14:hiddenLine>
+              </a:ext>
+            </a:extLst>
+          </p:spPr>
+        </p:sp>
+        <p:sp>
+          <p:nvSpPr>
+            <p:cNvPr id="55" name="Freeform 48">
+              <a:extLst>
+                <a:ext uri="{FF2B5EF4-FFF2-40B4-BE49-F238E27FC236}">
+                  <a16:creationId xmlns:a16="http://schemas.microsoft.com/office/drawing/2014/main" id="{B882F537-DDEB-49AE-BF36-6380A45F03E0}"/>
+                </a:ext>
+                <a:ext uri="{C183D7F6-B498-43B3-948B-1728B52AA6E4}">
+                  <adec:decorative xmlns:adec="http://schemas.microsoft.com/office/drawing/2017/decorative" val="1"/>
+                </a:ext>
+              </a:extLst>
+            </p:cNvPr>
+            <p:cNvSpPr/>
+            <p:nvPr>
+              <p:extLst>
+                <p:ext uri="{386F3935-93C4-4BCD-93E2-E3B085C9AB24}">
+                  <p16:designElem xmlns:p16="http://schemas.microsoft.com/office/powerpoint/2015/main" val="1"/>
+                </p:ext>
+              </p:extLst>
+            </p:nvPr>
+          </p:nvSpPr>
+          <p:spPr bwMode="auto">
+            <a:xfrm>
+              <a:off x="819150" y="3983038"/>
+              <a:ext cx="347663" cy="2860675"/>
+            </a:xfrm>
+            <a:custGeom>
+              <a:avLst/>
+              <a:gdLst/>
+              <a:ahLst/>
+              <a:cxnLst/>
+              <a:rect l="0" t="0" r="r" b="b"/>
+              <a:pathLst>
+                <a:path w="219" h="1802">
+                  <a:moveTo>
+                    <a:pt x="219" y="1802"/>
+                  </a:moveTo>
+                  <a:lnTo>
+                    <a:pt x="201" y="1802"/>
+                  </a:lnTo>
+                  <a:lnTo>
+                    <a:pt x="201" y="1185"/>
+                  </a:lnTo>
+                  <a:lnTo>
+                    <a:pt x="0" y="3"/>
+                  </a:lnTo>
+                  <a:lnTo>
+                    <a:pt x="15" y="0"/>
+                  </a:lnTo>
+                  <a:lnTo>
+                    <a:pt x="219" y="1185"/>
+                  </a:lnTo>
+                  <a:lnTo>
+                    <a:pt x="219" y="1802"/>
+                  </a:lnTo>
+                  <a:close/>
+                </a:path>
+              </a:pathLst>
+            </a:custGeom>
+            <a:grpFill/>
+            <a:ln>
+              <a:noFill/>
+            </a:ln>
+            <a:extLst>
+              <a:ext uri="{91240B29-F687-4f45-9708-019B960494DF}">
+                <a14:hiddenLine xmlns:a14="http://schemas.microsoft.com/office/drawing/2010/main" xmlns:p14="http://schemas.microsoft.com/office/powerpoint/2010/main" xmlns:a16="http://schemas.microsoft.com/office/drawing/2014/main" xmlns="" w="9525">
+                  <a:solidFill>
+                    <a:srgbClr val="000000"/>
+                  </a:solidFill>
+                  <a:round/>
+                  <a:headEnd/>
+                  <a:tailEnd/>
+                </a14:hiddenLine>
+              </a:ext>
+            </a:extLst>
+          </p:spPr>
+        </p:sp>
+        <p:sp>
+          <p:nvSpPr>
+            <p:cNvPr id="56" name="Freeform 49">
+              <a:extLst>
+                <a:ext uri="{FF2B5EF4-FFF2-40B4-BE49-F238E27FC236}">
+                  <a16:creationId xmlns:a16="http://schemas.microsoft.com/office/drawing/2014/main" id="{A53D3CF4-BFB0-4D0B-8471-26ACAFE0A5D8}"/>
+                </a:ext>
+                <a:ext uri="{C183D7F6-B498-43B3-948B-1728B52AA6E4}">
+                  <adec:decorative xmlns:adec="http://schemas.microsoft.com/office/drawing/2017/decorative" val="1"/>
+                </a:ext>
+              </a:extLst>
+            </p:cNvPr>
+            <p:cNvSpPr>
+              <a:spLocks noEditPoints="1"/>
+            </p:cNvSpPr>
+            <p:nvPr>
+              <p:extLst>
+                <p:ext uri="{386F3935-93C4-4BCD-93E2-E3B085C9AB24}">
+                  <p16:designElem xmlns:p16="http://schemas.microsoft.com/office/powerpoint/2015/main" val="1"/>
+                </p:ext>
+              </p:extLst>
+            </p:nvPr>
+          </p:nvSpPr>
+          <p:spPr bwMode="auto">
+            <a:xfrm>
+              <a:off x="728663" y="3806825"/>
+              <a:ext cx="190500" cy="190500"/>
+            </a:xfrm>
+            <a:custGeom>
+              <a:avLst/>
+              <a:gdLst/>
+              <a:ahLst/>
+              <a:cxnLst/>
+              <a:rect l="0" t="0" r="r" b="b"/>
+              <a:pathLst>
+                <a:path w="40" h="40">
+                  <a:moveTo>
+                    <a:pt x="20" y="40"/>
+                  </a:moveTo>
+                  <a:cubicBezTo>
+                    <a:pt x="9" y="40"/>
+                    <a:pt x="0" y="31"/>
+                    <a:pt x="0" y="20"/>
+                  </a:cubicBezTo>
+                  <a:cubicBezTo>
+                    <a:pt x="0" y="9"/>
+                    <a:pt x="9" y="0"/>
+                    <a:pt x="20" y="0"/>
+                  </a:cubicBezTo>
+                  <a:cubicBezTo>
+                    <a:pt x="31" y="0"/>
+                    <a:pt x="40" y="9"/>
+                    <a:pt x="40" y="20"/>
+                  </a:cubicBezTo>
+                  <a:cubicBezTo>
+                    <a:pt x="40" y="31"/>
+                    <a:pt x="31" y="40"/>
+                    <a:pt x="20" y="40"/>
+                  </a:cubicBezTo>
+                  <a:close/>
+                  <a:moveTo>
+                    <a:pt x="20" y="4"/>
+                  </a:moveTo>
+                  <a:cubicBezTo>
+                    <a:pt x="11" y="4"/>
+                    <a:pt x="4" y="11"/>
+                    <a:pt x="4" y="20"/>
+                  </a:cubicBezTo>
+                  <a:cubicBezTo>
+                    <a:pt x="4" y="28"/>
+                    <a:pt x="11" y="36"/>
+                    <a:pt x="20" y="36"/>
+                  </a:cubicBezTo>
+                  <a:cubicBezTo>
+                    <a:pt x="29" y="36"/>
+                    <a:pt x="36" y="28"/>
+                    <a:pt x="36" y="20"/>
+                  </a:cubicBezTo>
+                  <a:cubicBezTo>
+                    <a:pt x="36" y="11"/>
+                    <a:pt x="29" y="4"/>
+                    <a:pt x="20" y="4"/>
+                  </a:cubicBezTo>
+                  <a:close/>
+                </a:path>
+              </a:pathLst>
+            </a:custGeom>
+            <a:grpFill/>
+            <a:ln>
+              <a:noFill/>
+            </a:ln>
+            <a:extLst>
+              <a:ext uri="{91240B29-F687-4f45-9708-019B960494DF}">
+                <a14:hiddenLine xmlns:a14="http://schemas.microsoft.com/office/drawing/2010/main" xmlns:p14="http://schemas.microsoft.com/office/powerpoint/2010/main" xmlns:a16="http://schemas.microsoft.com/office/drawing/2014/main" xmlns="" w="9525">
+                  <a:solidFill>
+                    <a:srgbClr val="000000"/>
+                  </a:solidFill>
+                  <a:round/>
+                  <a:headEnd/>
+                  <a:tailEnd/>
+                </a14:hiddenLine>
+              </a:ext>
+            </a:extLst>
+          </p:spPr>
+        </p:sp>
+        <p:sp>
+          <p:nvSpPr>
+            <p:cNvPr id="57" name="Freeform 50">
+              <a:extLst>
+                <a:ext uri="{FF2B5EF4-FFF2-40B4-BE49-F238E27FC236}">
+                  <a16:creationId xmlns:a16="http://schemas.microsoft.com/office/drawing/2014/main" id="{13BC2FA8-8256-44BD-9A62-0EE83D6476CE}"/>
+                </a:ext>
+                <a:ext uri="{C183D7F6-B498-43B3-948B-1728B52AA6E4}">
+                  <adec:decorative xmlns:adec="http://schemas.microsoft.com/office/drawing/2017/decorative" val="1"/>
+                </a:ext>
+              </a:extLst>
+            </p:cNvPr>
+            <p:cNvSpPr>
+              <a:spLocks noEditPoints="1"/>
+            </p:cNvSpPr>
+            <p:nvPr>
+              <p:extLst>
+                <p:ext uri="{386F3935-93C4-4BCD-93E2-E3B085C9AB24}">
+                  <p16:designElem xmlns:p16="http://schemas.microsoft.com/office/powerpoint/2015/main" val="1"/>
+                </p:ext>
+              </p:extLst>
+            </p:nvPr>
+          </p:nvSpPr>
+          <p:spPr bwMode="auto">
+            <a:xfrm>
+              <a:off x="1624013" y="4867275"/>
+              <a:ext cx="190500" cy="188913"/>
+            </a:xfrm>
+            <a:custGeom>
+              <a:avLst/>
+              <a:gdLst/>
+              <a:ahLst/>
+              <a:cxnLst/>
+              <a:rect l="0" t="0" r="r" b="b"/>
+              <a:pathLst>
+                <a:path w="40" h="40">
+                  <a:moveTo>
+                    <a:pt x="20" y="40"/>
+                  </a:moveTo>
+                  <a:cubicBezTo>
+                    <a:pt x="9" y="40"/>
+                    <a:pt x="0" y="31"/>
+                    <a:pt x="0" y="20"/>
+                  </a:cubicBezTo>
+                  <a:cubicBezTo>
+                    <a:pt x="0" y="9"/>
+                    <a:pt x="9" y="0"/>
+                    <a:pt x="20" y="0"/>
+                  </a:cubicBezTo>
+                  <a:cubicBezTo>
+                    <a:pt x="31" y="0"/>
+                    <a:pt x="40" y="9"/>
+                    <a:pt x="40" y="20"/>
+                  </a:cubicBezTo>
+                  <a:cubicBezTo>
+                    <a:pt x="40" y="31"/>
+                    <a:pt x="31" y="40"/>
+                    <a:pt x="20" y="40"/>
+                  </a:cubicBezTo>
+                  <a:close/>
+                  <a:moveTo>
+                    <a:pt x="20" y="4"/>
+                  </a:moveTo>
+                  <a:cubicBezTo>
+                    <a:pt x="11" y="4"/>
+                    <a:pt x="4" y="11"/>
+                    <a:pt x="4" y="20"/>
+                  </a:cubicBezTo>
+                  <a:cubicBezTo>
+                    <a:pt x="4" y="29"/>
+                    <a:pt x="11" y="36"/>
+                    <a:pt x="20" y="36"/>
+                  </a:cubicBezTo>
+                  <a:cubicBezTo>
+                    <a:pt x="28" y="36"/>
+                    <a:pt x="36" y="29"/>
+                    <a:pt x="36" y="20"/>
+                  </a:cubicBezTo>
+                  <a:cubicBezTo>
+                    <a:pt x="36" y="11"/>
+                    <a:pt x="28" y="4"/>
+                    <a:pt x="20" y="4"/>
+                  </a:cubicBezTo>
+                  <a:close/>
+                </a:path>
+              </a:pathLst>
+            </a:custGeom>
+            <a:grpFill/>
+            <a:ln>
+              <a:noFill/>
+            </a:ln>
+            <a:extLst>
+              <a:ext uri="{91240B29-F687-4f45-9708-019B960494DF}">
+                <a14:hiddenLine xmlns:a14="http://schemas.microsoft.com/office/drawing/2010/main" xmlns:p14="http://schemas.microsoft.com/office/powerpoint/2010/main" xmlns:a16="http://schemas.microsoft.com/office/drawing/2014/main" xmlns="" w="9525">
+                  <a:solidFill>
+                    <a:srgbClr val="000000"/>
+                  </a:solidFill>
+                  <a:round/>
+                  <a:headEnd/>
+                  <a:tailEnd/>
+                </a14:hiddenLine>
+              </a:ext>
+            </a:extLst>
+          </p:spPr>
+        </p:sp>
+        <p:sp>
+          <p:nvSpPr>
+            <p:cNvPr id="58" name="Freeform 51">
+              <a:extLst>
+                <a:ext uri="{FF2B5EF4-FFF2-40B4-BE49-F238E27FC236}">
+                  <a16:creationId xmlns:a16="http://schemas.microsoft.com/office/drawing/2014/main" id="{90A9C5D2-72E3-4B31-A271-57A883ADC42A}"/>
+                </a:ext>
+                <a:ext uri="{C183D7F6-B498-43B3-948B-1728B52AA6E4}">
+                  <adec:decorative xmlns:adec="http://schemas.microsoft.com/office/drawing/2017/decorative" val="1"/>
+                </a:ext>
+              </a:extLst>
+            </p:cNvPr>
+            <p:cNvSpPr/>
+            <p:nvPr>
+              <p:extLst>
+                <p:ext uri="{386F3935-93C4-4BCD-93E2-E3B085C9AB24}">
+                  <p16:designElem xmlns:p16="http://schemas.microsoft.com/office/powerpoint/2015/main" val="1"/>
+                </p:ext>
+              </p:extLst>
+            </p:nvPr>
+          </p:nvSpPr>
+          <p:spPr bwMode="auto">
+            <a:xfrm>
+              <a:off x="1404938" y="5422900"/>
+              <a:ext cx="371475" cy="1425575"/>
+            </a:xfrm>
+            <a:custGeom>
+              <a:avLst/>
+              <a:gdLst/>
+              <a:ahLst/>
+              <a:cxnLst/>
+              <a:rect l="0" t="0" r="r" b="b"/>
+              <a:pathLst>
+                <a:path w="234" h="898">
+                  <a:moveTo>
+                    <a:pt x="18" y="898"/>
+                  </a:moveTo>
+                  <a:lnTo>
+                    <a:pt x="0" y="898"/>
+                  </a:lnTo>
+                  <a:lnTo>
+                    <a:pt x="0" y="515"/>
+                  </a:lnTo>
+                  <a:lnTo>
+                    <a:pt x="0" y="512"/>
+                  </a:lnTo>
+                  <a:lnTo>
+                    <a:pt x="222" y="0"/>
+                  </a:lnTo>
+                  <a:lnTo>
+                    <a:pt x="234" y="6"/>
+                  </a:lnTo>
+                  <a:lnTo>
+                    <a:pt x="18" y="518"/>
+                  </a:lnTo>
+                  <a:lnTo>
+                    <a:pt x="18" y="898"/>
+                  </a:lnTo>
+                  <a:close/>
+                </a:path>
+              </a:pathLst>
+            </a:custGeom>
+            <a:grpFill/>
+            <a:ln>
+              <a:noFill/>
+            </a:ln>
+            <a:extLst>
+              <a:ext uri="{91240B29-F687-4f45-9708-019B960494DF}">
+                <a14:hiddenLine xmlns:a14="http://schemas.microsoft.com/office/drawing/2010/main" xmlns:p14="http://schemas.microsoft.com/office/powerpoint/2010/main" xmlns:a16="http://schemas.microsoft.com/office/drawing/2014/main" xmlns="" w="9525">
+                  <a:solidFill>
+                    <a:srgbClr val="000000"/>
+                  </a:solidFill>
+                  <a:round/>
+                  <a:headEnd/>
+                  <a:tailEnd/>
+                </a14:hiddenLine>
+              </a:ext>
+            </a:extLst>
+          </p:spPr>
+        </p:sp>
+        <p:sp>
+          <p:nvSpPr>
+            <p:cNvPr id="59" name="Freeform 52">
+              <a:extLst>
+                <a:ext uri="{FF2B5EF4-FFF2-40B4-BE49-F238E27FC236}">
+                  <a16:creationId xmlns:a16="http://schemas.microsoft.com/office/drawing/2014/main" id="{2A5948D4-F239-4BEA-8E38-76F358E3EE79}"/>
+                </a:ext>
+                <a:ext uri="{C183D7F6-B498-43B3-948B-1728B52AA6E4}">
+                  <adec:decorative xmlns:adec="http://schemas.microsoft.com/office/drawing/2017/decorative" val="1"/>
+                </a:ext>
+              </a:extLst>
+            </p:cNvPr>
+            <p:cNvSpPr/>
+            <p:nvPr>
+              <p:extLst>
+                <p:ext uri="{386F3935-93C4-4BCD-93E2-E3B085C9AB24}">
+                  <p16:designElem xmlns:p16="http://schemas.microsoft.com/office/powerpoint/2015/main" val="1"/>
+                </p:ext>
+              </p:extLst>
+            </p:nvPr>
+          </p:nvSpPr>
+          <p:spPr bwMode="auto">
+            <a:xfrm>
+              <a:off x="1666875" y="5945188"/>
+              <a:ext cx="152400" cy="912813"/>
+            </a:xfrm>
+            <a:custGeom>
+              <a:avLst/>
+              <a:gdLst/>
+              <a:ahLst/>
+              <a:cxnLst/>
+              <a:rect l="0" t="0" r="r" b="b"/>
+              <a:pathLst>
+                <a:path w="96" h="575">
+                  <a:moveTo>
+                    <a:pt x="15" y="575"/>
+                  </a:moveTo>
+                  <a:lnTo>
+                    <a:pt x="0" y="569"/>
+                  </a:lnTo>
+                  <a:lnTo>
+                    <a:pt x="81" y="383"/>
+                  </a:lnTo>
+                  <a:lnTo>
+                    <a:pt x="81" y="0"/>
+                  </a:lnTo>
+                  <a:lnTo>
+                    <a:pt x="96" y="0"/>
+                  </a:lnTo>
+                  <a:lnTo>
+                    <a:pt x="96" y="386"/>
+                  </a:lnTo>
+                  <a:lnTo>
+                    <a:pt x="15" y="575"/>
+                  </a:lnTo>
+                  <a:close/>
+                </a:path>
+              </a:pathLst>
+            </a:custGeom>
+            <a:grpFill/>
+            <a:ln>
+              <a:noFill/>
+            </a:ln>
+            <a:extLst>
+              <a:ext uri="{91240B29-F687-4f45-9708-019B960494DF}">
+                <a14:hiddenLine xmlns:a14="http://schemas.microsoft.com/office/drawing/2010/main" xmlns:p14="http://schemas.microsoft.com/office/powerpoint/2010/main" xmlns:a16="http://schemas.microsoft.com/office/drawing/2014/main" xmlns="" w="9525">
+                  <a:solidFill>
+                    <a:srgbClr val="000000"/>
+                  </a:solidFill>
+                  <a:round/>
+                  <a:headEnd/>
+                  <a:tailEnd/>
+                </a14:hiddenLine>
+              </a:ext>
+            </a:extLst>
+          </p:spPr>
+        </p:sp>
+        <p:sp>
+          <p:nvSpPr>
+            <p:cNvPr id="60" name="Freeform 53">
+              <a:extLst>
+                <a:ext uri="{FF2B5EF4-FFF2-40B4-BE49-F238E27FC236}">
+                  <a16:creationId xmlns:a16="http://schemas.microsoft.com/office/drawing/2014/main" id="{7384B304-194D-400B-B568-5E6DEA885AD8}"/>
+                </a:ext>
+                <a:ext uri="{C183D7F6-B498-43B3-948B-1728B52AA6E4}">
+                  <adec:decorative xmlns:adec="http://schemas.microsoft.com/office/drawing/2017/decorative" val="1"/>
+                </a:ext>
+              </a:extLst>
+            </p:cNvPr>
+            <p:cNvSpPr>
+              <a:spLocks noEditPoints="1"/>
+            </p:cNvSpPr>
+            <p:nvPr>
+              <p:extLst>
+                <p:ext uri="{386F3935-93C4-4BCD-93E2-E3B085C9AB24}">
+                  <p16:designElem xmlns:p16="http://schemas.microsoft.com/office/powerpoint/2015/main" val="1"/>
+                </p:ext>
+              </p:extLst>
+            </p:nvPr>
+          </p:nvSpPr>
+          <p:spPr bwMode="auto">
+            <a:xfrm>
+              <a:off x="1709738" y="5246688"/>
+              <a:ext cx="190500" cy="190500"/>
+            </a:xfrm>
+            <a:custGeom>
+              <a:avLst/>
+              <a:gdLst/>
+              <a:ahLst/>
+              <a:cxnLst/>
+              <a:rect l="0" t="0" r="r" b="b"/>
+              <a:pathLst>
+                <a:path w="40" h="40">
+                  <a:moveTo>
+                    <a:pt x="20" y="40"/>
+                  </a:moveTo>
+                  <a:cubicBezTo>
+                    <a:pt x="9" y="40"/>
+                    <a:pt x="0" y="31"/>
+                    <a:pt x="0" y="20"/>
+                  </a:cubicBezTo>
+                  <a:cubicBezTo>
+                    <a:pt x="0" y="9"/>
+                    <a:pt x="9" y="0"/>
+                    <a:pt x="20" y="0"/>
+                  </a:cubicBezTo>
+                  <a:cubicBezTo>
+                    <a:pt x="31" y="0"/>
+                    <a:pt x="40" y="9"/>
+                    <a:pt x="40" y="20"/>
+                  </a:cubicBezTo>
+                  <a:cubicBezTo>
+                    <a:pt x="40" y="31"/>
+                    <a:pt x="31" y="40"/>
+                    <a:pt x="20" y="40"/>
+                  </a:cubicBezTo>
+                  <a:close/>
+                  <a:moveTo>
+                    <a:pt x="20" y="4"/>
+                  </a:moveTo>
+                  <a:cubicBezTo>
+                    <a:pt x="11" y="4"/>
+                    <a:pt x="4" y="11"/>
+                    <a:pt x="4" y="20"/>
+                  </a:cubicBezTo>
+                  <a:cubicBezTo>
+                    <a:pt x="4" y="29"/>
+                    <a:pt x="11" y="36"/>
+                    <a:pt x="20" y="36"/>
+                  </a:cubicBezTo>
+                  <a:cubicBezTo>
+                    <a:pt x="29" y="36"/>
+                    <a:pt x="36" y="29"/>
+                    <a:pt x="36" y="20"/>
+                  </a:cubicBezTo>
+                  <a:cubicBezTo>
+                    <a:pt x="36" y="11"/>
+                    <a:pt x="29" y="4"/>
+                    <a:pt x="20" y="4"/>
+                  </a:cubicBezTo>
+                  <a:close/>
+                </a:path>
+              </a:pathLst>
+            </a:custGeom>
+            <a:grpFill/>
+            <a:ln>
+              <a:noFill/>
+            </a:ln>
+            <a:extLst>
+              <a:ext uri="{91240B29-F687-4f45-9708-019B960494DF}">
+                <a14:hiddenLine xmlns:a14="http://schemas.microsoft.com/office/drawing/2010/main" xmlns:p14="http://schemas.microsoft.com/office/powerpoint/2010/main" xmlns:a16="http://schemas.microsoft.com/office/drawing/2014/main" xmlns="" w="9525">
+                  <a:solidFill>
+                    <a:srgbClr val="000000"/>
+                  </a:solidFill>
+                  <a:round/>
+                  <a:headEnd/>
+                  <a:tailEnd/>
+                </a14:hiddenLine>
+              </a:ext>
+            </a:extLst>
+          </p:spPr>
+        </p:sp>
+        <p:sp>
+          <p:nvSpPr>
+            <p:cNvPr id="61" name="Freeform 54">
+              <a:extLst>
+                <a:ext uri="{FF2B5EF4-FFF2-40B4-BE49-F238E27FC236}">
+                  <a16:creationId xmlns:a16="http://schemas.microsoft.com/office/drawing/2014/main" id="{B680594F-341A-4C19-BF7F-F6D76386A86E}"/>
+                </a:ext>
+                <a:ext uri="{C183D7F6-B498-43B3-948B-1728B52AA6E4}">
+                  <adec:decorative xmlns:adec="http://schemas.microsoft.com/office/drawing/2017/decorative" val="1"/>
+                </a:ext>
+              </a:extLst>
+            </p:cNvPr>
+            <p:cNvSpPr>
+              <a:spLocks noEditPoints="1"/>
+            </p:cNvSpPr>
+            <p:nvPr>
+              <p:extLst>
+                <p:ext uri="{386F3935-93C4-4BCD-93E2-E3B085C9AB24}">
+                  <p16:designElem xmlns:p16="http://schemas.microsoft.com/office/powerpoint/2015/main" val="1"/>
+                </p:ext>
+              </p:extLst>
+            </p:nvPr>
+          </p:nvSpPr>
+          <p:spPr bwMode="auto">
+            <a:xfrm>
+              <a:off x="1709738" y="5764213"/>
+              <a:ext cx="190500" cy="190500"/>
+            </a:xfrm>
+            <a:custGeom>
+              <a:avLst/>
+              <a:gdLst/>
+              <a:ahLst/>
+              <a:cxnLst/>
+              <a:rect l="0" t="0" r="r" b="b"/>
+              <a:pathLst>
+                <a:path w="40" h="40">
+                  <a:moveTo>
+                    <a:pt x="20" y="40"/>
+                  </a:moveTo>
+                  <a:cubicBezTo>
+                    <a:pt x="9" y="40"/>
+                    <a:pt x="0" y="31"/>
+                    <a:pt x="0" y="20"/>
+                  </a:cubicBezTo>
+                  <a:cubicBezTo>
+                    <a:pt x="0" y="9"/>
+                    <a:pt x="9" y="0"/>
+                    <a:pt x="20" y="0"/>
+                  </a:cubicBezTo>
+                  <a:cubicBezTo>
+                    <a:pt x="31" y="0"/>
+                    <a:pt x="40" y="9"/>
+                    <a:pt x="40" y="20"/>
+                  </a:cubicBezTo>
+                  <a:cubicBezTo>
+                    <a:pt x="40" y="31"/>
+                    <a:pt x="31" y="40"/>
+                    <a:pt x="20" y="40"/>
+                  </a:cubicBezTo>
+                  <a:close/>
+                  <a:moveTo>
+                    <a:pt x="20" y="4"/>
+                  </a:moveTo>
+                  <a:cubicBezTo>
+                    <a:pt x="11" y="4"/>
+                    <a:pt x="4" y="11"/>
+                    <a:pt x="4" y="20"/>
+                  </a:cubicBezTo>
+                  <a:cubicBezTo>
+                    <a:pt x="4" y="29"/>
+                    <a:pt x="11" y="36"/>
+                    <a:pt x="20" y="36"/>
+                  </a:cubicBezTo>
+                  <a:cubicBezTo>
+                    <a:pt x="29" y="36"/>
+                    <a:pt x="36" y="29"/>
+                    <a:pt x="36" y="20"/>
+                  </a:cubicBezTo>
+                  <a:cubicBezTo>
+                    <a:pt x="36" y="11"/>
+                    <a:pt x="29" y="4"/>
+                    <a:pt x="20" y="4"/>
+                  </a:cubicBezTo>
+                  <a:close/>
+                </a:path>
+              </a:pathLst>
+            </a:custGeom>
+            <a:grpFill/>
+            <a:ln>
+              <a:noFill/>
+            </a:ln>
+            <a:extLst>
+              <a:ext uri="{91240B29-F687-4f45-9708-019B960494DF}">
+                <a14:hiddenLine xmlns:a14="http://schemas.microsoft.com/office/drawing/2010/main" xmlns:p14="http://schemas.microsoft.com/office/powerpoint/2010/main" xmlns:a16="http://schemas.microsoft.com/office/drawing/2014/main" xmlns="" w="9525">
+                  <a:solidFill>
+                    <a:srgbClr val="000000"/>
+                  </a:solidFill>
+                  <a:round/>
+                  <a:headEnd/>
+                  <a:tailEnd/>
+                </a14:hiddenLine>
+              </a:ext>
+            </a:extLst>
+          </p:spPr>
+        </p:sp>
+        <p:sp>
+          <p:nvSpPr>
+            <p:cNvPr id="62" name="Freeform 55">
+              <a:extLst>
+                <a:ext uri="{FF2B5EF4-FFF2-40B4-BE49-F238E27FC236}">
+                  <a16:creationId xmlns:a16="http://schemas.microsoft.com/office/drawing/2014/main" id="{4EA6807C-3B8A-43FE-BA1B-8D6D3851FFF7}"/>
+                </a:ext>
+                <a:ext uri="{C183D7F6-B498-43B3-948B-1728B52AA6E4}">
+                  <adec:decorative xmlns:adec="http://schemas.microsoft.com/office/drawing/2017/decorative" val="1"/>
+                </a:ext>
+              </a:extLst>
+            </p:cNvPr>
+            <p:cNvSpPr/>
+            <p:nvPr>
+              <p:extLst>
+                <p:ext uri="{386F3935-93C4-4BCD-93E2-E3B085C9AB24}">
+                  <p16:designElem xmlns:p16="http://schemas.microsoft.com/office/powerpoint/2015/main" val="1"/>
+                </p:ext>
+              </p:extLst>
+            </p:nvPr>
+          </p:nvSpPr>
+          <p:spPr bwMode="auto">
+            <a:xfrm>
+              <a:off x="1766888" y="6330950"/>
+              <a:ext cx="419100" cy="527050"/>
+            </a:xfrm>
+            <a:custGeom>
+              <a:avLst/>
+              <a:gdLst/>
+              <a:ahLst/>
+              <a:cxnLst/>
+              <a:rect l="0" t="0" r="r" b="b"/>
+              <a:pathLst>
+                <a:path w="264" h="332">
+                  <a:moveTo>
+                    <a:pt x="12" y="332"/>
+                  </a:moveTo>
+                  <a:lnTo>
+                    <a:pt x="0" y="326"/>
+                  </a:lnTo>
+                  <a:lnTo>
+                    <a:pt x="45" y="206"/>
+                  </a:lnTo>
+                  <a:lnTo>
+                    <a:pt x="255" y="0"/>
+                  </a:lnTo>
+                  <a:lnTo>
+                    <a:pt x="264" y="12"/>
+                  </a:lnTo>
+                  <a:lnTo>
+                    <a:pt x="60" y="215"/>
+                  </a:lnTo>
+                  <a:lnTo>
+                    <a:pt x="12" y="332"/>
+                  </a:lnTo>
+                  <a:close/>
+                </a:path>
+              </a:pathLst>
+            </a:custGeom>
+            <a:grpFill/>
+            <a:ln>
+              <a:noFill/>
+            </a:ln>
+            <a:extLst>
+              <a:ext uri="{91240B29-F687-4f45-9708-019B960494DF}">
+                <a14:hiddenLine xmlns:a14="http://schemas.microsoft.com/office/drawing/2010/main" xmlns:p14="http://schemas.microsoft.com/office/powerpoint/2010/main" xmlns:a16="http://schemas.microsoft.com/office/drawing/2014/main" xmlns="" w="9525">
+                  <a:solidFill>
+                    <a:srgbClr val="000000"/>
+                  </a:solidFill>
+                  <a:round/>
+                  <a:headEnd/>
+                  <a:tailEnd/>
+                </a14:hiddenLine>
+              </a:ext>
+            </a:extLst>
+          </p:spPr>
+        </p:sp>
+        <p:sp>
+          <p:nvSpPr>
+            <p:cNvPr id="63" name="Freeform 56">
+              <a:extLst>
+                <a:ext uri="{FF2B5EF4-FFF2-40B4-BE49-F238E27FC236}">
+                  <a16:creationId xmlns:a16="http://schemas.microsoft.com/office/drawing/2014/main" id="{BA316439-CB72-49C9-BE80-934799D83898}"/>
+                </a:ext>
+                <a:ext uri="{C183D7F6-B498-43B3-948B-1728B52AA6E4}">
+                  <adec:decorative xmlns:adec="http://schemas.microsoft.com/office/drawing/2017/decorative" val="1"/>
+                </a:ext>
+              </a:extLst>
+            </p:cNvPr>
+            <p:cNvSpPr>
+              <a:spLocks noEditPoints="1"/>
+            </p:cNvSpPr>
+            <p:nvPr>
+              <p:extLst>
+                <p:ext uri="{386F3935-93C4-4BCD-93E2-E3B085C9AB24}">
+                  <p16:designElem xmlns:p16="http://schemas.microsoft.com/office/powerpoint/2015/main" val="1"/>
+                </p:ext>
+              </p:extLst>
+            </p:nvPr>
+          </p:nvSpPr>
+          <p:spPr bwMode="auto">
+            <a:xfrm>
+              <a:off x="2147888" y="6221413"/>
+              <a:ext cx="157163" cy="147638"/>
+            </a:xfrm>
+            <a:custGeom>
+              <a:avLst/>
+              <a:gdLst/>
+              <a:ahLst/>
+              <a:cxnLst/>
+              <a:rect l="0" t="0" r="r" b="b"/>
+              <a:pathLst>
+                <a:path w="33" h="31">
+                  <a:moveTo>
+                    <a:pt x="16" y="31"/>
+                  </a:moveTo>
+                  <a:cubicBezTo>
+                    <a:pt x="12" y="31"/>
+                    <a:pt x="8" y="29"/>
+                    <a:pt x="5" y="26"/>
+                  </a:cubicBezTo>
+                  <a:cubicBezTo>
+                    <a:pt x="2" y="24"/>
+                    <a:pt x="0" y="20"/>
+                    <a:pt x="0" y="15"/>
+                  </a:cubicBezTo>
+                  <a:cubicBezTo>
+                    <a:pt x="0" y="11"/>
+                    <a:pt x="2" y="7"/>
+                    <a:pt x="5" y="4"/>
+                  </a:cubicBezTo>
+                  <a:cubicBezTo>
+                    <a:pt x="8" y="1"/>
+                    <a:pt x="12" y="0"/>
+                    <a:pt x="16" y="0"/>
+                  </a:cubicBezTo>
+                  <a:cubicBezTo>
+                    <a:pt x="20" y="0"/>
+                    <a:pt x="24" y="1"/>
+                    <a:pt x="27" y="4"/>
+                  </a:cubicBezTo>
+                  <a:cubicBezTo>
+                    <a:pt x="33" y="10"/>
+                    <a:pt x="33" y="20"/>
+                    <a:pt x="27" y="26"/>
+                  </a:cubicBezTo>
+                  <a:cubicBezTo>
+                    <a:pt x="24" y="29"/>
+                    <a:pt x="20" y="31"/>
+                    <a:pt x="16" y="31"/>
+                  </a:cubicBezTo>
+                  <a:close/>
+                  <a:moveTo>
+                    <a:pt x="16" y="4"/>
+                  </a:moveTo>
+                  <a:cubicBezTo>
+                    <a:pt x="13" y="4"/>
+                    <a:pt x="10" y="5"/>
+                    <a:pt x="8" y="7"/>
+                  </a:cubicBezTo>
+                  <a:cubicBezTo>
+                    <a:pt x="6" y="9"/>
+                    <a:pt x="4" y="12"/>
+                    <a:pt x="4" y="15"/>
+                  </a:cubicBezTo>
+                  <a:cubicBezTo>
+                    <a:pt x="4" y="19"/>
+                    <a:pt x="6" y="21"/>
+                    <a:pt x="8" y="24"/>
+                  </a:cubicBezTo>
+                  <a:cubicBezTo>
+                    <a:pt x="10" y="26"/>
+                    <a:pt x="13" y="27"/>
+                    <a:pt x="16" y="27"/>
+                  </a:cubicBezTo>
+                  <a:cubicBezTo>
+                    <a:pt x="19" y="27"/>
+                    <a:pt x="22" y="26"/>
+                    <a:pt x="24" y="24"/>
+                  </a:cubicBezTo>
+                  <a:cubicBezTo>
+                    <a:pt x="29" y="19"/>
+                    <a:pt x="29" y="12"/>
+                    <a:pt x="24" y="7"/>
+                  </a:cubicBezTo>
+                  <a:cubicBezTo>
+                    <a:pt x="22" y="5"/>
+                    <a:pt x="19" y="4"/>
+                    <a:pt x="16" y="4"/>
+                  </a:cubicBezTo>
+                  <a:close/>
+                </a:path>
+              </a:pathLst>
+            </a:custGeom>
+            <a:grpFill/>
+            <a:ln>
+              <a:noFill/>
+            </a:ln>
+            <a:extLst>
+              <a:ext uri="{91240B29-F687-4f45-9708-019B960494DF}">
+                <a14:hiddenLine xmlns:a14="http://schemas.microsoft.com/office/drawing/2010/main" xmlns:p14="http://schemas.microsoft.com/office/powerpoint/2010/main" xmlns:a16="http://schemas.microsoft.com/office/drawing/2014/main" xmlns="" w="9525">
+                  <a:solidFill>
+                    <a:srgbClr val="000000"/>
+                  </a:solidFill>
+                  <a:round/>
+                  <a:headEnd/>
+                  <a:tailEnd/>
+                </a14:hiddenLine>
+              </a:ext>
+            </a:extLst>
+          </p:spPr>
+        </p:sp>
+        <p:sp>
+          <p:nvSpPr>
+            <p:cNvPr id="64" name="Freeform 57">
+              <a:extLst>
+                <a:ext uri="{FF2B5EF4-FFF2-40B4-BE49-F238E27FC236}">
+                  <a16:creationId xmlns:a16="http://schemas.microsoft.com/office/drawing/2014/main" id="{6BC7FE05-950C-4A73-B6A9-282B142C799A}"/>
+                </a:ext>
+                <a:ext uri="{C183D7F6-B498-43B3-948B-1728B52AA6E4}">
+                  <adec:decorative xmlns:adec="http://schemas.microsoft.com/office/drawing/2017/decorative" val="1"/>
+                </a:ext>
+              </a:extLst>
+            </p:cNvPr>
+            <p:cNvSpPr/>
+            <p:nvPr>
+              <p:extLst>
+                <p:ext uri="{386F3935-93C4-4BCD-93E2-E3B085C9AB24}">
+                  <p16:designElem xmlns:p16="http://schemas.microsoft.com/office/powerpoint/2015/main" val="1"/>
+                </p:ext>
+              </p:extLst>
+            </p:nvPr>
+          </p:nvSpPr>
+          <p:spPr bwMode="auto">
+            <a:xfrm>
+              <a:off x="504825" y="9525"/>
+              <a:ext cx="233363" cy="5103813"/>
+            </a:xfrm>
+            <a:custGeom>
+              <a:avLst/>
+              <a:gdLst/>
+              <a:ahLst/>
+              <a:cxnLst/>
+              <a:rect l="0" t="0" r="r" b="b"/>
+              <a:pathLst>
+                <a:path w="147" h="3215">
+                  <a:moveTo>
+                    <a:pt x="132" y="3215"/>
+                  </a:moveTo>
+                  <a:lnTo>
+                    <a:pt x="129" y="2754"/>
+                  </a:lnTo>
+                  <a:lnTo>
+                    <a:pt x="0" y="1901"/>
+                  </a:lnTo>
+                  <a:lnTo>
+                    <a:pt x="0" y="0"/>
+                  </a:lnTo>
+                  <a:lnTo>
+                    <a:pt x="15" y="0"/>
+                  </a:lnTo>
+                  <a:lnTo>
+                    <a:pt x="15" y="1898"/>
+                  </a:lnTo>
+                  <a:lnTo>
+                    <a:pt x="144" y="2754"/>
+                  </a:lnTo>
+                  <a:lnTo>
+                    <a:pt x="147" y="3215"/>
+                  </a:lnTo>
+                  <a:lnTo>
+                    <a:pt x="132" y="3215"/>
+                  </a:lnTo>
+                  <a:close/>
+                </a:path>
+              </a:pathLst>
+            </a:custGeom>
+            <a:grpFill/>
+            <a:ln>
+              <a:noFill/>
+            </a:ln>
+            <a:extLst>
+              <a:ext uri="{91240B29-F687-4f45-9708-019B960494DF}">
+                <a14:hiddenLine xmlns:a14="http://schemas.microsoft.com/office/drawing/2010/main" xmlns:p14="http://schemas.microsoft.com/office/powerpoint/2010/main" xmlns:a16="http://schemas.microsoft.com/office/drawing/2014/main" xmlns="" w="9525">
+                  <a:solidFill>
+                    <a:srgbClr val="000000"/>
+                  </a:solidFill>
+                  <a:round/>
+                  <a:headEnd/>
+                  <a:tailEnd/>
+                </a14:hiddenLine>
+              </a:ext>
+            </a:extLst>
+          </p:spPr>
+        </p:sp>
+        <p:sp>
+          <p:nvSpPr>
+            <p:cNvPr id="65" name="Freeform 58">
+              <a:extLst>
+                <a:ext uri="{FF2B5EF4-FFF2-40B4-BE49-F238E27FC236}">
+                  <a16:creationId xmlns:a16="http://schemas.microsoft.com/office/drawing/2014/main" id="{81C014C7-E085-4923-B533-732801FC24AF}"/>
+                </a:ext>
+                <a:ext uri="{C183D7F6-B498-43B3-948B-1728B52AA6E4}">
+                  <adec:decorative xmlns:adec="http://schemas.microsoft.com/office/drawing/2017/decorative" val="1"/>
+                </a:ext>
+              </a:extLst>
+            </p:cNvPr>
+            <p:cNvSpPr>
+              <a:spLocks noEditPoints="1"/>
+            </p:cNvSpPr>
+            <p:nvPr>
+              <p:extLst>
+                <p:ext uri="{386F3935-93C4-4BCD-93E2-E3B085C9AB24}">
+                  <p16:designElem xmlns:p16="http://schemas.microsoft.com/office/powerpoint/2015/main" val="1"/>
+                </p:ext>
+              </p:extLst>
+            </p:nvPr>
+          </p:nvSpPr>
+          <p:spPr bwMode="auto">
+            <a:xfrm>
+              <a:off x="633413" y="5103813"/>
+              <a:ext cx="185738" cy="185738"/>
+            </a:xfrm>
+            <a:custGeom>
+              <a:avLst/>
+              <a:gdLst/>
+              <a:ahLst/>
+              <a:cxnLst/>
+              <a:rect l="0" t="0" r="r" b="b"/>
+              <a:pathLst>
+                <a:path w="39" h="39">
+                  <a:moveTo>
+                    <a:pt x="20" y="39"/>
+                  </a:moveTo>
+                  <a:cubicBezTo>
+                    <a:pt x="9" y="39"/>
+                    <a:pt x="0" y="30"/>
+                    <a:pt x="0" y="19"/>
+                  </a:cubicBezTo>
+                  <a:cubicBezTo>
+                    <a:pt x="0" y="9"/>
+                    <a:pt x="9" y="0"/>
+                    <a:pt x="20" y="0"/>
+                  </a:cubicBezTo>
+                  <a:cubicBezTo>
+                    <a:pt x="30" y="0"/>
+                    <a:pt x="39" y="9"/>
+                    <a:pt x="39" y="19"/>
+                  </a:cubicBezTo>
+                  <a:cubicBezTo>
+                    <a:pt x="39" y="30"/>
+                    <a:pt x="30" y="39"/>
+                    <a:pt x="20" y="39"/>
+                  </a:cubicBezTo>
+                  <a:close/>
+                  <a:moveTo>
+                    <a:pt x="20" y="4"/>
+                  </a:moveTo>
+                  <a:cubicBezTo>
+                    <a:pt x="11" y="4"/>
+                    <a:pt x="4" y="11"/>
+                    <a:pt x="4" y="19"/>
+                  </a:cubicBezTo>
+                  <a:cubicBezTo>
+                    <a:pt x="4" y="28"/>
+                    <a:pt x="11" y="35"/>
+                    <a:pt x="20" y="35"/>
+                  </a:cubicBezTo>
+                  <a:cubicBezTo>
+                    <a:pt x="28" y="35"/>
+                    <a:pt x="35" y="28"/>
+                    <a:pt x="35" y="19"/>
+                  </a:cubicBezTo>
+                  <a:cubicBezTo>
+                    <a:pt x="35" y="11"/>
+                    <a:pt x="28" y="4"/>
+                    <a:pt x="20" y="4"/>
+                  </a:cubicBezTo>
+                  <a:close/>
+                </a:path>
+              </a:pathLst>
+            </a:custGeom>
+            <a:grpFill/>
+            <a:ln>
+              <a:noFill/>
+            </a:ln>
+            <a:extLst>
+              <a:ext uri="{91240B29-F687-4f45-9708-019B960494DF}">
+                <a14:hiddenLine xmlns:a14="http://schemas.microsoft.com/office/drawing/2010/main" xmlns:p14="http://schemas.microsoft.com/office/powerpoint/2010/main" xmlns:a16="http://schemas.microsoft.com/office/drawing/2014/main" xmlns="" w="9525">
+                  <a:solidFill>
+                    <a:srgbClr val="000000"/>
+                  </a:solidFill>
+                  <a:round/>
+                  <a:headEnd/>
+                  <a:tailEnd/>
+                </a14:hiddenLine>
+              </a:ext>
+            </a:extLst>
+          </p:spPr>
+        </p:sp>
+      </p:grpSp>
+      <p:sp>
+        <p:nvSpPr>
+          <p:cNvPr id="2" name="Title 1">
+            <a:extLst>
+              <a:ext uri="{FF2B5EF4-FFF2-40B4-BE49-F238E27FC236}">
+                <a16:creationId xmlns:a16="http://schemas.microsoft.com/office/drawing/2014/main" id="{D7A8E7E0-0218-4626-A64F-A110CAB1A978}"/>
+              </a:ext>
+            </a:extLst>
+          </p:cNvPr>
+          <p:cNvSpPr>
+            <a:spLocks noGrp="1"/>
+          </p:cNvSpPr>
+          <p:nvPr>
+            <p:ph type="title"/>
+          </p:nvPr>
+        </p:nvSpPr>
+        <p:spPr>
+          <a:xfrm>
+            <a:off x="1876424" y="4141693"/>
+            <a:ext cx="8791575" cy="1301673"/>
+          </a:xfrm>
+        </p:spPr>
+        <p:txBody>
+          <a:bodyPr vert="horz" lIns="91440" tIns="45720" rIns="91440" bIns="45720" rtlCol="0" anchor="b">
+            <a:normAutofit/>
+          </a:bodyPr>
+          <a:lstStyle/>
+          <a:p>
+            <a:r>
+              <a:rPr lang="en-US" sz="4800"/>
+              <a:t>Context diagram</a:t>
+            </a:r>
+          </a:p>
+        </p:txBody>
+      </p:sp>
+      <p:pic>
+        <p:nvPicPr>
+          <p:cNvPr id="4" name="Picture 3" descr="A screenshot of a social media post&#10;&#10;Description automatically generated">
+            <a:extLst>
+              <a:ext uri="{FF2B5EF4-FFF2-40B4-BE49-F238E27FC236}">
+                <a16:creationId xmlns:a16="http://schemas.microsoft.com/office/drawing/2014/main" id="{A264D730-551D-4829-9CDE-4142F8812970}"/>
+              </a:ext>
+            </a:extLst>
+          </p:cNvPr>
+          <p:cNvPicPr>
+            <a:picLocks noChangeAspect="1"/>
+          </p:cNvPicPr>
+          <p:nvPr/>
+        </p:nvPicPr>
+        <p:blipFill>
+          <a:blip r:embed="rId4"/>
+          <a:stretch>
+            <a:fillRect/>
+          </a:stretch>
+        </p:blipFill>
+        <p:spPr>
+          <a:xfrm>
+            <a:off x="3676867" y="1108038"/>
+            <a:ext cx="5190688" cy="2893808"/>
+          </a:xfrm>
+          <a:prstGeom prst="round2DiagRect">
+            <a:avLst>
+              <a:gd name="adj1" fmla="val 5608"/>
+              <a:gd name="adj2" fmla="val 0"/>
+            </a:avLst>
+          </a:prstGeom>
+          <a:ln w="19050" cap="sq">
+            <a:solidFill>
+              <a:schemeClr val="tx2">
+                <a:lumMod val="60000"/>
+                <a:lumOff val="40000"/>
+                <a:alpha val="60000"/>
+              </a:schemeClr>
+            </a:solidFill>
+            <a:miter lim="800000"/>
+          </a:ln>
+          <a:effectLst>
+            <a:outerShdw blurRad="88900" dist="38100" dir="5400000" algn="t" rotWithShape="0">
+              <a:prstClr val="black">
+                <a:alpha val="40000"/>
+              </a:prstClr>
+            </a:outerShdw>
+          </a:effectLst>
+        </p:spPr>
+      </p:pic>
+    </p:spTree>
+    <p:extLst>
+      <p:ext uri="{BB962C8B-B14F-4D97-AF65-F5344CB8AC3E}">
+        <p14:creationId xmlns:p14="http://schemas.microsoft.com/office/powerpoint/2010/main" val="2920355202"/>
+      </p:ext>
+    </p:extLst>
+  </p:cSld>
+  <p:clrMapOvr>
+    <a:masterClrMapping/>
+  </p:clrMapOvr>
+</p:sld>
+</file>
+
+<file path=ppt/slides/slide9.xml><?xml version="1.0" encoding="utf-8"?>
+<p:sld xmlns:a="http://schemas.openxmlformats.org/drawingml/2006/main" xmlns:r="http://schemas.openxmlformats.org/officeDocument/2006/relationships" xmlns:p="http://schemas.openxmlformats.org/presentationml/2006/main">
+  <p:cSld>
+    <p:spTree>
+      <p:nvGrpSpPr>
+        <p:cNvPr id="1" name=""/>
+        <p:cNvGrpSpPr/>
+        <p:nvPr/>
+      </p:nvGrpSpPr>
+      <p:grpSpPr>
+        <a:xfrm>
+          <a:off x="0" y="0"/>
+          <a:ext cx="0" cy="0"/>
+          <a:chOff x="0" y="0"/>
+          <a:chExt cx="0" cy="0"/>
+        </a:xfrm>
+      </p:grpSpPr>
+      <p:sp>
+        <p:nvSpPr>
+          <p:cNvPr id="2" name="Title 1">
+            <a:extLst>
+              <a:ext uri="{FF2B5EF4-FFF2-40B4-BE49-F238E27FC236}">
+                <a16:creationId xmlns:a16="http://schemas.microsoft.com/office/drawing/2014/main" id="{40E036FA-A227-4FB5-84B7-010455956C5E}"/>
+              </a:ext>
+            </a:extLst>
+          </p:cNvPr>
+          <p:cNvSpPr>
+            <a:spLocks noGrp="1"/>
+          </p:cNvSpPr>
+          <p:nvPr>
+            <p:ph type="title"/>
+          </p:nvPr>
+        </p:nvSpPr>
+        <p:spPr/>
+        <p:txBody>
+          <a:bodyPr/>
+          <a:lstStyle/>
+          <a:p>
+            <a:r>
+              <a:rPr lang="en-US" dirty="0"/>
+              <a:t>User manual</a:t>
+            </a:r>
+          </a:p>
+        </p:txBody>
+      </p:sp>
+      <p:sp>
+        <p:nvSpPr>
+          <p:cNvPr id="3" name="Text Placeholder 2">
+            <a:extLst>
+              <a:ext uri="{FF2B5EF4-FFF2-40B4-BE49-F238E27FC236}">
+                <a16:creationId xmlns:a16="http://schemas.microsoft.com/office/drawing/2014/main" id="{5CDC82A1-BE67-478B-B499-D9AADCEAB346}"/>
+              </a:ext>
+            </a:extLst>
+          </p:cNvPr>
+          <p:cNvSpPr>
+            <a:spLocks noGrp="1"/>
+          </p:cNvSpPr>
+          <p:nvPr>
+            <p:ph type="body" idx="1"/>
+          </p:nvPr>
+        </p:nvSpPr>
+        <p:spPr/>
+        <p:txBody>
+          <a:bodyPr/>
+          <a:lstStyle/>
+          <a:p>
+            <a:endParaRPr lang="en-US"/>
+          </a:p>
+        </p:txBody>
+      </p:sp>
+      <p:sp>
+        <p:nvSpPr>
+          <p:cNvPr id="4" name="Text Placeholder 3">
+            <a:extLst>
+              <a:ext uri="{FF2B5EF4-FFF2-40B4-BE49-F238E27FC236}">
+                <a16:creationId xmlns:a16="http://schemas.microsoft.com/office/drawing/2014/main" id="{29619333-BE13-406E-8903-0F8BEBA4350B}"/>
+              </a:ext>
+            </a:extLst>
+          </p:cNvPr>
+          <p:cNvSpPr>
+            <a:spLocks noGrp="1"/>
+          </p:cNvSpPr>
+          <p:nvPr>
+            <p:ph type="body" sz="half" idx="15"/>
+          </p:nvPr>
+        </p:nvSpPr>
+        <p:spPr/>
+        <p:txBody>
+          <a:bodyPr>
+            <a:normAutofit fontScale="70000" lnSpcReduction="20000"/>
+          </a:bodyPr>
+          <a:lstStyle/>
+          <a:p>
+            <a:r>
+              <a:rPr lang="en-US" dirty="0"/>
+              <a:t>How to use:</a:t>
+            </a:r>
+          </a:p>
+          <a:p>
+            <a:r>
+              <a:rPr lang="en-US" dirty="0"/>
+              <a:t>To use the Retro Paradise Store Application you must login in by providing your User Name and Password at the login in screen.</a:t>
+            </a:r>
+          </a:p>
+          <a:p>
+            <a:r>
+              <a:rPr lang="en-US" dirty="0"/>
+              <a:t>If you are a new user, however, you will need to register by choosing “Register Account” instead of choosing to login.</a:t>
+            </a:r>
+          </a:p>
+          <a:p>
+            <a:r>
+              <a:rPr lang="en-US" dirty="0"/>
+              <a:t> </a:t>
+            </a:r>
+          </a:p>
+          <a:p>
+            <a:r>
+              <a:rPr lang="en-US" dirty="0"/>
+              <a:t>(Alternatively you can choose to skip sign in if you would like to browse without using an account and sign in later)</a:t>
+            </a:r>
+          </a:p>
+          <a:p>
+            <a:endParaRPr lang="en-US" dirty="0"/>
+          </a:p>
+        </p:txBody>
+      </p:sp>
+      <p:sp>
+        <p:nvSpPr>
+          <p:cNvPr id="5" name="Text Placeholder 4">
+            <a:extLst>
+              <a:ext uri="{FF2B5EF4-FFF2-40B4-BE49-F238E27FC236}">
+                <a16:creationId xmlns:a16="http://schemas.microsoft.com/office/drawing/2014/main" id="{A1A7BB32-9B24-4DA7-8A76-852526DD12FB}"/>
+              </a:ext>
+            </a:extLst>
+          </p:cNvPr>
+          <p:cNvSpPr>
+            <a:spLocks noGrp="1"/>
+          </p:cNvSpPr>
+          <p:nvPr>
+            <p:ph type="body" sz="quarter" idx="3"/>
+          </p:nvPr>
+        </p:nvSpPr>
+        <p:spPr/>
+        <p:txBody>
+          <a:bodyPr/>
+          <a:lstStyle/>
+          <a:p>
+            <a:endParaRPr lang="en-US"/>
+          </a:p>
+        </p:txBody>
+      </p:sp>
+      <p:sp>
+        <p:nvSpPr>
+          <p:cNvPr id="6" name="Text Placeholder 5">
+            <a:extLst>
+              <a:ext uri="{FF2B5EF4-FFF2-40B4-BE49-F238E27FC236}">
+                <a16:creationId xmlns:a16="http://schemas.microsoft.com/office/drawing/2014/main" id="{4F9EE0B1-DB65-4390-B464-DF13C6E906DC}"/>
+              </a:ext>
+            </a:extLst>
+          </p:cNvPr>
+          <p:cNvSpPr>
+            <a:spLocks noGrp="1"/>
+          </p:cNvSpPr>
+          <p:nvPr>
+            <p:ph type="body" sz="half" idx="16"/>
+          </p:nvPr>
+        </p:nvSpPr>
+        <p:spPr/>
+        <p:txBody>
+          <a:bodyPr>
+            <a:normAutofit fontScale="47500" lnSpcReduction="20000"/>
+          </a:bodyPr>
+          <a:lstStyle/>
+          <a:p>
+            <a:r>
+              <a:rPr lang="en-US" dirty="0"/>
+              <a:t>After successfully signing in to the app you can choose from the many different options below</a:t>
+            </a:r>
+          </a:p>
+          <a:p>
+            <a:r>
+              <a:rPr lang="en-US" dirty="0"/>
+              <a:t> </a:t>
+            </a:r>
+          </a:p>
+          <a:p>
+            <a:pPr lvl="0"/>
+            <a:r>
+              <a:rPr lang="en-US" dirty="0"/>
+              <a:t>1. Browse</a:t>
+            </a:r>
+          </a:p>
+          <a:p>
+            <a:pPr lvl="0"/>
+            <a:r>
+              <a:rPr lang="en-US" dirty="0"/>
+              <a:t>2. Your Orders</a:t>
+            </a:r>
+          </a:p>
+          <a:p>
+            <a:pPr lvl="0"/>
+            <a:r>
+              <a:rPr lang="en-US" dirty="0"/>
+              <a:t>3. Recommendations/Favorites</a:t>
+            </a:r>
+          </a:p>
+          <a:p>
+            <a:pPr lvl="0"/>
+            <a:r>
+              <a:rPr lang="en-US" dirty="0"/>
+              <a:t>4. Cart</a:t>
+            </a:r>
+          </a:p>
+          <a:p>
+            <a:pPr lvl="0"/>
+            <a:r>
+              <a:rPr lang="en-US" dirty="0"/>
+              <a:t>5. Settings</a:t>
+            </a:r>
+          </a:p>
+          <a:p>
+            <a:pPr lvl="0"/>
+            <a:r>
+              <a:rPr lang="en-US" dirty="0"/>
+              <a:t>6. Customer Service</a:t>
+            </a:r>
+          </a:p>
+          <a:p>
+            <a:pPr lvl="0"/>
+            <a:r>
+              <a:rPr lang="en-US" dirty="0"/>
+              <a:t>7. Account Access</a:t>
+            </a:r>
+          </a:p>
+          <a:p>
+            <a:r>
+              <a:rPr lang="en-US" dirty="0"/>
+              <a:t> </a:t>
+            </a:r>
+          </a:p>
+          <a:p>
+            <a:endParaRPr lang="en-US" dirty="0"/>
+          </a:p>
+        </p:txBody>
+      </p:sp>
+      <p:sp>
+        <p:nvSpPr>
+          <p:cNvPr id="7" name="Text Placeholder 6">
+            <a:extLst>
+              <a:ext uri="{FF2B5EF4-FFF2-40B4-BE49-F238E27FC236}">
+                <a16:creationId xmlns:a16="http://schemas.microsoft.com/office/drawing/2014/main" id="{50FB18C1-7B04-442F-8A48-A43148719582}"/>
+              </a:ext>
+            </a:extLst>
+          </p:cNvPr>
+          <p:cNvSpPr>
+            <a:spLocks noGrp="1"/>
+          </p:cNvSpPr>
+          <p:nvPr>
+            <p:ph type="body" sz="quarter" idx="13"/>
+          </p:nvPr>
+        </p:nvSpPr>
+        <p:spPr/>
+        <p:txBody>
+          <a:bodyPr/>
+          <a:lstStyle/>
+          <a:p>
+            <a:endParaRPr lang="en-US"/>
+          </a:p>
+        </p:txBody>
+      </p:sp>
+      <p:sp>
+        <p:nvSpPr>
+          <p:cNvPr id="8" name="Text Placeholder 7">
+            <a:extLst>
+              <a:ext uri="{FF2B5EF4-FFF2-40B4-BE49-F238E27FC236}">
+                <a16:creationId xmlns:a16="http://schemas.microsoft.com/office/drawing/2014/main" id="{BA43AAB8-0372-406D-AFDC-A60BBD07A93D}"/>
+              </a:ext>
+            </a:extLst>
+          </p:cNvPr>
+          <p:cNvSpPr>
+            <a:spLocks noGrp="1"/>
+          </p:cNvSpPr>
+          <p:nvPr>
+            <p:ph type="body" sz="half" idx="17"/>
+          </p:nvPr>
+        </p:nvSpPr>
+        <p:spPr/>
+        <p:txBody>
+          <a:bodyPr>
+            <a:normAutofit fontScale="47500" lnSpcReduction="20000"/>
+          </a:bodyPr>
+          <a:lstStyle/>
+          <a:p>
+            <a:r>
+              <a:rPr lang="en-US" dirty="0"/>
+              <a:t>Please refer to each section for further information.</a:t>
+            </a:r>
+          </a:p>
+          <a:p>
+            <a:r>
+              <a:rPr lang="en-US" dirty="0"/>
+              <a:t>Browsing consist of knowing what platform you are looking for, after that knowing what kind of accessory you need for that platform.</a:t>
+            </a:r>
+          </a:p>
+          <a:p>
+            <a:r>
+              <a:rPr lang="en-US" dirty="0"/>
+              <a:t>Once you have decided what you want, you can place your order, which will appear in the cart and then we will require your name, address, credit card information.</a:t>
+            </a:r>
+          </a:p>
+          <a:p>
+            <a:r>
+              <a:rPr lang="en-US" dirty="0"/>
+              <a:t>If need to change anything pertaining to the app, i.e. what kind of games are suggested to you while you browse, you can go to the settings portion of the app.</a:t>
+            </a:r>
+          </a:p>
+          <a:p>
+            <a:r>
+              <a:rPr lang="en-US" dirty="0"/>
+              <a:t>We also have customer service so If there is something you don’t understand or need help with, we are here to help you.</a:t>
+            </a:r>
+          </a:p>
+          <a:p>
+            <a:r>
+              <a:rPr lang="en-US" dirty="0"/>
+              <a:t>You can also access your account through the app, just incase you need to change or update something.</a:t>
+            </a:r>
+          </a:p>
+          <a:p>
+            <a:r>
+              <a:rPr lang="en-US" dirty="0"/>
+              <a:t> </a:t>
+            </a:r>
+          </a:p>
+          <a:p>
+            <a:r>
+              <a:rPr lang="en-US" dirty="0"/>
+              <a:t> </a:t>
+            </a:r>
+          </a:p>
+          <a:p>
+            <a:endParaRPr lang="en-US" dirty="0"/>
+          </a:p>
+        </p:txBody>
+      </p:sp>
+    </p:spTree>
+    <p:extLst>
+      <p:ext uri="{BB962C8B-B14F-4D97-AF65-F5344CB8AC3E}">
+        <p14:creationId xmlns:p14="http://schemas.microsoft.com/office/powerpoint/2010/main" val="2403433657"/>
       </p:ext>
     </p:extLst>
   </p:cSld>

--- a/Retro Paradise 2.0.pptx
+++ b/Retro Paradise 2.0.pptx
@@ -6,14 +6,13 @@
   </p:sldMasterIdLst>
   <p:sldIdLst>
     <p:sldId id="256" r:id="rId2"/>
-    <p:sldId id="257" r:id="rId3"/>
-    <p:sldId id="258" r:id="rId4"/>
-    <p:sldId id="259" r:id="rId5"/>
-    <p:sldId id="260" r:id="rId6"/>
-    <p:sldId id="261" r:id="rId7"/>
-    <p:sldId id="262" r:id="rId8"/>
-    <p:sldId id="263" r:id="rId9"/>
-    <p:sldId id="264" r:id="rId10"/>
+    <p:sldId id="263" r:id="rId3"/>
+    <p:sldId id="257" r:id="rId4"/>
+    <p:sldId id="258" r:id="rId5"/>
+    <p:sldId id="259" r:id="rId6"/>
+    <p:sldId id="260" r:id="rId7"/>
+    <p:sldId id="261" r:id="rId8"/>
+    <p:sldId id="262" r:id="rId9"/>
   </p:sldIdLst>
   <p:sldSz cx="12192000" cy="6858000"/>
   <p:notesSz cx="6858000" cy="9144000"/>
@@ -177,7 +176,7 @@
           <a:noFill/>
           <a:extLst>
             <a:ext uri="{909E8E84-426E-40dd-AFC4-6F175D3DCCD1}">
-              <a14:hiddenFill xmlns:a14="http://schemas.microsoft.com/office/drawing/2010/main" xmlns="">
+              <a14:hiddenFill xmlns="" xmlns:a14="http://schemas.microsoft.com/office/drawing/2010/main">
                 <a:solidFill>
                   <a:srgbClr val="FFFFFF"/>
                 </a:solidFill>
@@ -236,7 +235,7 @@
             </a:ln>
             <a:extLst>
               <a:ext uri="{91240B29-F687-4f45-9708-019B960494DF}">
-                <a14:hiddenLine xmlns:a14="http://schemas.microsoft.com/office/drawing/2010/main" xmlns="" w="9525">
+                <a14:hiddenLine xmlns="" xmlns:a14="http://schemas.microsoft.com/office/drawing/2010/main" w="9525">
                   <a:solidFill>
                     <a:srgbClr val="000000"/>
                   </a:solidFill>
@@ -326,7 +325,7 @@
             </a:ln>
             <a:extLst>
               <a:ext uri="{91240B29-F687-4f45-9708-019B960494DF}">
-                <a14:hiddenLine xmlns:a14="http://schemas.microsoft.com/office/drawing/2010/main" xmlns="" w="9525">
+                <a14:hiddenLine xmlns="" xmlns:a14="http://schemas.microsoft.com/office/drawing/2010/main" w="9525">
                   <a:solidFill>
                     <a:srgbClr val="000000"/>
                   </a:solidFill>
@@ -416,7 +415,7 @@
             </a:ln>
             <a:extLst>
               <a:ext uri="{91240B29-F687-4f45-9708-019B960494DF}">
-                <a14:hiddenLine xmlns:a14="http://schemas.microsoft.com/office/drawing/2010/main" xmlns="" w="9525">
+                <a14:hiddenLine xmlns="" xmlns:a14="http://schemas.microsoft.com/office/drawing/2010/main" w="9525">
                   <a:solidFill>
                     <a:srgbClr val="000000"/>
                   </a:solidFill>
@@ -450,7 +449,7 @@
             </a:ln>
             <a:extLst>
               <a:ext uri="{91240B29-F687-4f45-9708-019B960494DF}">
-                <a14:hiddenLine xmlns:a14="http://schemas.microsoft.com/office/drawing/2010/main" xmlns="" w="9525">
+                <a14:hiddenLine xmlns="" xmlns:a14="http://schemas.microsoft.com/office/drawing/2010/main" w="9525">
                   <a:solidFill>
                     <a:srgbClr val="000000"/>
                   </a:solidFill>
@@ -540,7 +539,7 @@
             </a:ln>
             <a:extLst>
               <a:ext uri="{91240B29-F687-4f45-9708-019B960494DF}">
-                <a14:hiddenLine xmlns:a14="http://schemas.microsoft.com/office/drawing/2010/main" xmlns="" w="9525">
+                <a14:hiddenLine xmlns="" xmlns:a14="http://schemas.microsoft.com/office/drawing/2010/main" w="9525">
                   <a:solidFill>
                     <a:srgbClr val="000000"/>
                   </a:solidFill>
@@ -602,7 +601,7 @@
             </a:ln>
             <a:extLst>
               <a:ext uri="{91240B29-F687-4f45-9708-019B960494DF}">
-                <a14:hiddenLine xmlns:a14="http://schemas.microsoft.com/office/drawing/2010/main" xmlns="" w="9525">
+                <a14:hiddenLine xmlns="" xmlns:a14="http://schemas.microsoft.com/office/drawing/2010/main" w="9525">
                   <a:solidFill>
                     <a:srgbClr val="000000"/>
                   </a:solidFill>
@@ -664,7 +663,7 @@
             </a:ln>
             <a:extLst>
               <a:ext uri="{91240B29-F687-4f45-9708-019B960494DF}">
-                <a14:hiddenLine xmlns:a14="http://schemas.microsoft.com/office/drawing/2010/main" xmlns="" w="9525">
+                <a14:hiddenLine xmlns="" xmlns:a14="http://schemas.microsoft.com/office/drawing/2010/main" w="9525">
                   <a:solidFill>
                     <a:srgbClr val="000000"/>
                   </a:solidFill>
@@ -754,7 +753,7 @@
             </a:ln>
             <a:extLst>
               <a:ext uri="{91240B29-F687-4f45-9708-019B960494DF}">
-                <a14:hiddenLine xmlns:a14="http://schemas.microsoft.com/office/drawing/2010/main" xmlns="" w="9525">
+                <a14:hiddenLine xmlns="" xmlns:a14="http://schemas.microsoft.com/office/drawing/2010/main" w="9525">
                   <a:solidFill>
                     <a:srgbClr val="000000"/>
                   </a:solidFill>
@@ -816,7 +815,7 @@
             </a:ln>
             <a:extLst>
               <a:ext uri="{91240B29-F687-4f45-9708-019B960494DF}">
-                <a14:hiddenLine xmlns:a14="http://schemas.microsoft.com/office/drawing/2010/main" xmlns="" w="9525">
+                <a14:hiddenLine xmlns="" xmlns:a14="http://schemas.microsoft.com/office/drawing/2010/main" w="9525">
                   <a:solidFill>
                     <a:srgbClr val="000000"/>
                   </a:solidFill>
@@ -878,7 +877,7 @@
             </a:ln>
             <a:extLst>
               <a:ext uri="{91240B29-F687-4f45-9708-019B960494DF}">
-                <a14:hiddenLine xmlns:a14="http://schemas.microsoft.com/office/drawing/2010/main" xmlns="" w="9525">
+                <a14:hiddenLine xmlns="" xmlns:a14="http://schemas.microsoft.com/office/drawing/2010/main" w="9525">
                   <a:solidFill>
                     <a:srgbClr val="000000"/>
                   </a:solidFill>
@@ -968,7 +967,7 @@
             </a:ln>
             <a:extLst>
               <a:ext uri="{91240B29-F687-4f45-9708-019B960494DF}">
-                <a14:hiddenLine xmlns:a14="http://schemas.microsoft.com/office/drawing/2010/main" xmlns="" w="9525">
+                <a14:hiddenLine xmlns="" xmlns:a14="http://schemas.microsoft.com/office/drawing/2010/main" w="9525">
                   <a:solidFill>
                     <a:srgbClr val="000000"/>
                   </a:solidFill>
@@ -1058,7 +1057,7 @@
             </a:ln>
             <a:extLst>
               <a:ext uri="{91240B29-F687-4f45-9708-019B960494DF}">
-                <a14:hiddenLine xmlns:a14="http://schemas.microsoft.com/office/drawing/2010/main" xmlns="" w="9525">
+                <a14:hiddenLine xmlns="" xmlns:a14="http://schemas.microsoft.com/office/drawing/2010/main" w="9525">
                   <a:solidFill>
                     <a:srgbClr val="000000"/>
                   </a:solidFill>
@@ -1120,7 +1119,7 @@
             </a:ln>
             <a:extLst>
               <a:ext uri="{91240B29-F687-4f45-9708-019B960494DF}">
-                <a14:hiddenLine xmlns:a14="http://schemas.microsoft.com/office/drawing/2010/main" xmlns="" w="9525">
+                <a14:hiddenLine xmlns="" xmlns:a14="http://schemas.microsoft.com/office/drawing/2010/main" w="9525">
                   <a:solidFill>
                     <a:srgbClr val="000000"/>
                   </a:solidFill>
@@ -1230,7 +1229,7 @@
             </a:ln>
             <a:extLst>
               <a:ext uri="{91240B29-F687-4f45-9708-019B960494DF}">
-                <a14:hiddenLine xmlns:a14="http://schemas.microsoft.com/office/drawing/2010/main" xmlns="" w="9525">
+                <a14:hiddenLine xmlns="" xmlns:a14="http://schemas.microsoft.com/office/drawing/2010/main" w="9525">
                   <a:solidFill>
                     <a:srgbClr val="000000"/>
                   </a:solidFill>
@@ -1292,7 +1291,7 @@
             </a:ln>
             <a:extLst>
               <a:ext uri="{91240B29-F687-4f45-9708-019B960494DF}">
-                <a14:hiddenLine xmlns:a14="http://schemas.microsoft.com/office/drawing/2010/main" xmlns="" w="9525">
+                <a14:hiddenLine xmlns="" xmlns:a14="http://schemas.microsoft.com/office/drawing/2010/main" w="9525">
                   <a:solidFill>
                     <a:srgbClr val="000000"/>
                   </a:solidFill>
@@ -1382,7 +1381,7 @@
             </a:ln>
             <a:extLst>
               <a:ext uri="{91240B29-F687-4f45-9708-019B960494DF}">
-                <a14:hiddenLine xmlns:a14="http://schemas.microsoft.com/office/drawing/2010/main" xmlns="" w="9525">
+                <a14:hiddenLine xmlns="" xmlns:a14="http://schemas.microsoft.com/office/drawing/2010/main" w="9525">
                   <a:solidFill>
                     <a:srgbClr val="000000"/>
                   </a:solidFill>
@@ -1472,7 +1471,7 @@
             </a:ln>
             <a:extLst>
               <a:ext uri="{91240B29-F687-4f45-9708-019B960494DF}">
-                <a14:hiddenLine xmlns:a14="http://schemas.microsoft.com/office/drawing/2010/main" xmlns="" w="9525">
+                <a14:hiddenLine xmlns="" xmlns:a14="http://schemas.microsoft.com/office/drawing/2010/main" w="9525">
                   <a:solidFill>
                     <a:srgbClr val="000000"/>
                   </a:solidFill>
@@ -1534,7 +1533,7 @@
             </a:ln>
             <a:extLst>
               <a:ext uri="{91240B29-F687-4f45-9708-019B960494DF}">
-                <a14:hiddenLine xmlns:a14="http://schemas.microsoft.com/office/drawing/2010/main" xmlns="" w="9525">
+                <a14:hiddenLine xmlns="" xmlns:a14="http://schemas.microsoft.com/office/drawing/2010/main" w="9525">
                   <a:solidFill>
                     <a:srgbClr val="000000"/>
                   </a:solidFill>
@@ -1624,7 +1623,7 @@
             </a:ln>
             <a:extLst>
               <a:ext uri="{91240B29-F687-4f45-9708-019B960494DF}">
-                <a14:hiddenLine xmlns:a14="http://schemas.microsoft.com/office/drawing/2010/main" xmlns="" w="9525">
+                <a14:hiddenLine xmlns="" xmlns:a14="http://schemas.microsoft.com/office/drawing/2010/main" w="9525">
                   <a:solidFill>
                     <a:srgbClr val="000000"/>
                   </a:solidFill>
@@ -1714,7 +1713,7 @@
             </a:ln>
             <a:extLst>
               <a:ext uri="{91240B29-F687-4f45-9708-019B960494DF}">
-                <a14:hiddenLine xmlns:a14="http://schemas.microsoft.com/office/drawing/2010/main" xmlns="" w="9525">
+                <a14:hiddenLine xmlns="" xmlns:a14="http://schemas.microsoft.com/office/drawing/2010/main" w="9525">
                   <a:solidFill>
                     <a:srgbClr val="000000"/>
                   </a:solidFill>
@@ -1770,7 +1769,7 @@
             </a:ln>
             <a:extLst>
               <a:ext uri="{91240B29-F687-4f45-9708-019B960494DF}">
-                <a14:hiddenLine xmlns:a14="http://schemas.microsoft.com/office/drawing/2010/main" xmlns="" w="9525">
+                <a14:hiddenLine xmlns="" xmlns:a14="http://schemas.microsoft.com/office/drawing/2010/main" w="9525">
                   <a:solidFill>
                     <a:srgbClr val="000000"/>
                   </a:solidFill>
@@ -1860,7 +1859,7 @@
             </a:ln>
             <a:extLst>
               <a:ext uri="{91240B29-F687-4f45-9708-019B960494DF}">
-                <a14:hiddenLine xmlns:a14="http://schemas.microsoft.com/office/drawing/2010/main" xmlns="" w="9525">
+                <a14:hiddenLine xmlns="" xmlns:a14="http://schemas.microsoft.com/office/drawing/2010/main" w="9525">
                   <a:solidFill>
                     <a:srgbClr val="000000"/>
                   </a:solidFill>
@@ -1916,7 +1915,7 @@
             </a:ln>
             <a:extLst>
               <a:ext uri="{91240B29-F687-4f45-9708-019B960494DF}">
-                <a14:hiddenLine xmlns:a14="http://schemas.microsoft.com/office/drawing/2010/main" xmlns="" w="9525">
+                <a14:hiddenLine xmlns="" xmlns:a14="http://schemas.microsoft.com/office/drawing/2010/main" w="9525">
                   <a:solidFill>
                     <a:srgbClr val="000000"/>
                   </a:solidFill>
@@ -2006,7 +2005,7 @@
             </a:ln>
             <a:extLst>
               <a:ext uri="{91240B29-F687-4f45-9708-019B960494DF}">
-                <a14:hiddenLine xmlns:a14="http://schemas.microsoft.com/office/drawing/2010/main" xmlns="" w="9525">
+                <a14:hiddenLine xmlns="" xmlns:a14="http://schemas.microsoft.com/office/drawing/2010/main" w="9525">
                   <a:solidFill>
                     <a:srgbClr val="000000"/>
                   </a:solidFill>
@@ -2074,7 +2073,7 @@
             </a:ln>
             <a:extLst>
               <a:ext uri="{91240B29-F687-4f45-9708-019B960494DF}">
-                <a14:hiddenLine xmlns:a14="http://schemas.microsoft.com/office/drawing/2010/main" xmlns="" w="9525">
+                <a14:hiddenLine xmlns="" xmlns:a14="http://schemas.microsoft.com/office/drawing/2010/main" w="9525">
                   <a:solidFill>
                     <a:srgbClr val="000000"/>
                   </a:solidFill>
@@ -2164,7 +2163,7 @@
             </a:ln>
             <a:extLst>
               <a:ext uri="{91240B29-F687-4f45-9708-019B960494DF}">
-                <a14:hiddenLine xmlns:a14="http://schemas.microsoft.com/office/drawing/2010/main" xmlns="" w="9525">
+                <a14:hiddenLine xmlns="" xmlns:a14="http://schemas.microsoft.com/office/drawing/2010/main" w="9525">
                   <a:solidFill>
                     <a:srgbClr val="000000"/>
                   </a:solidFill>
@@ -2232,7 +2231,7 @@
             </a:ln>
             <a:extLst>
               <a:ext uri="{91240B29-F687-4f45-9708-019B960494DF}">
-                <a14:hiddenLine xmlns:a14="http://schemas.microsoft.com/office/drawing/2010/main" xmlns="" w="9525">
+                <a14:hiddenLine xmlns="" xmlns:a14="http://schemas.microsoft.com/office/drawing/2010/main" w="9525">
                   <a:solidFill>
                     <a:srgbClr val="000000"/>
                   </a:solidFill>
@@ -2322,7 +2321,7 @@
             </a:ln>
             <a:extLst>
               <a:ext uri="{91240B29-F687-4f45-9708-019B960494DF}">
-                <a14:hiddenLine xmlns:a14="http://schemas.microsoft.com/office/drawing/2010/main" xmlns="" w="9525">
+                <a14:hiddenLine xmlns="" xmlns:a14="http://schemas.microsoft.com/office/drawing/2010/main" w="9525">
                   <a:solidFill>
                     <a:srgbClr val="000000"/>
                   </a:solidFill>
@@ -2356,7 +2355,7 @@
             </a:ln>
             <a:extLst>
               <a:ext uri="{91240B29-F687-4f45-9708-019B960494DF}">
-                <a14:hiddenLine xmlns:a14="http://schemas.microsoft.com/office/drawing/2010/main" xmlns="" w="9525">
+                <a14:hiddenLine xmlns="" xmlns:a14="http://schemas.microsoft.com/office/drawing/2010/main" w="9525">
                   <a:solidFill>
                     <a:srgbClr val="000000"/>
                   </a:solidFill>
@@ -2446,7 +2445,7 @@
             </a:ln>
             <a:extLst>
               <a:ext uri="{91240B29-F687-4f45-9708-019B960494DF}">
-                <a14:hiddenLine xmlns:a14="http://schemas.microsoft.com/office/drawing/2010/main" xmlns="" w="9525">
+                <a14:hiddenLine xmlns="" xmlns:a14="http://schemas.microsoft.com/office/drawing/2010/main" w="9525">
                   <a:solidFill>
                     <a:srgbClr val="000000"/>
                   </a:solidFill>
@@ -2508,7 +2507,7 @@
             </a:ln>
             <a:extLst>
               <a:ext uri="{91240B29-F687-4f45-9708-019B960494DF}">
-                <a14:hiddenLine xmlns:a14="http://schemas.microsoft.com/office/drawing/2010/main" xmlns="" w="9525">
+                <a14:hiddenLine xmlns="" xmlns:a14="http://schemas.microsoft.com/office/drawing/2010/main" w="9525">
                   <a:solidFill>
                     <a:srgbClr val="000000"/>
                   </a:solidFill>
@@ -2570,7 +2569,7 @@
             </a:ln>
             <a:extLst>
               <a:ext uri="{91240B29-F687-4f45-9708-019B960494DF}">
-                <a14:hiddenLine xmlns:a14="http://schemas.microsoft.com/office/drawing/2010/main" xmlns="" w="9525">
+                <a14:hiddenLine xmlns="" xmlns:a14="http://schemas.microsoft.com/office/drawing/2010/main" w="9525">
                   <a:solidFill>
                     <a:srgbClr val="000000"/>
                   </a:solidFill>
@@ -2660,7 +2659,7 @@
             </a:ln>
             <a:extLst>
               <a:ext uri="{91240B29-F687-4f45-9708-019B960494DF}">
-                <a14:hiddenLine xmlns:a14="http://schemas.microsoft.com/office/drawing/2010/main" xmlns="" w="9525">
+                <a14:hiddenLine xmlns="" xmlns:a14="http://schemas.microsoft.com/office/drawing/2010/main" w="9525">
                   <a:solidFill>
                     <a:srgbClr val="000000"/>
                   </a:solidFill>
@@ -2728,7 +2727,7 @@
             </a:ln>
             <a:extLst>
               <a:ext uri="{91240B29-F687-4f45-9708-019B960494DF}">
-                <a14:hiddenLine xmlns:a14="http://schemas.microsoft.com/office/drawing/2010/main" xmlns="" w="9525">
+                <a14:hiddenLine xmlns="" xmlns:a14="http://schemas.microsoft.com/office/drawing/2010/main" w="9525">
                   <a:solidFill>
                     <a:srgbClr val="000000"/>
                   </a:solidFill>
@@ -2790,7 +2789,7 @@
             </a:ln>
             <a:extLst>
               <a:ext uri="{91240B29-F687-4f45-9708-019B960494DF}">
-                <a14:hiddenLine xmlns:a14="http://schemas.microsoft.com/office/drawing/2010/main" xmlns="" w="9525">
+                <a14:hiddenLine xmlns="" xmlns:a14="http://schemas.microsoft.com/office/drawing/2010/main" w="9525">
                   <a:solidFill>
                     <a:srgbClr val="000000"/>
                   </a:solidFill>
@@ -2880,7 +2879,7 @@
             </a:ln>
             <a:extLst>
               <a:ext uri="{91240B29-F687-4f45-9708-019B960494DF}">
-                <a14:hiddenLine xmlns:a14="http://schemas.microsoft.com/office/drawing/2010/main" xmlns="" w="9525">
+                <a14:hiddenLine xmlns="" xmlns:a14="http://schemas.microsoft.com/office/drawing/2010/main" w="9525">
                   <a:solidFill>
                     <a:srgbClr val="000000"/>
                   </a:solidFill>
@@ -2942,7 +2941,7 @@
             </a:ln>
             <a:extLst>
               <a:ext uri="{91240B29-F687-4f45-9708-019B960494DF}">
-                <a14:hiddenLine xmlns:a14="http://schemas.microsoft.com/office/drawing/2010/main" xmlns="" w="9525">
+                <a14:hiddenLine xmlns="" xmlns:a14="http://schemas.microsoft.com/office/drawing/2010/main" w="9525">
                   <a:solidFill>
                     <a:srgbClr val="000000"/>
                   </a:solidFill>
@@ -3032,7 +3031,7 @@
             </a:ln>
             <a:extLst>
               <a:ext uri="{91240B29-F687-4f45-9708-019B960494DF}">
-                <a14:hiddenLine xmlns:a14="http://schemas.microsoft.com/office/drawing/2010/main" xmlns="" w="9525">
+                <a14:hiddenLine xmlns="" xmlns:a14="http://schemas.microsoft.com/office/drawing/2010/main" w="9525">
                   <a:solidFill>
                     <a:srgbClr val="000000"/>
                   </a:solidFill>
@@ -3094,7 +3093,7 @@
             </a:ln>
             <a:extLst>
               <a:ext uri="{91240B29-F687-4f45-9708-019B960494DF}">
-                <a14:hiddenLine xmlns:a14="http://schemas.microsoft.com/office/drawing/2010/main" xmlns="" w="9525">
+                <a14:hiddenLine xmlns="" xmlns:a14="http://schemas.microsoft.com/office/drawing/2010/main" w="9525">
                   <a:solidFill>
                     <a:srgbClr val="000000"/>
                   </a:solidFill>
@@ -3184,7 +3183,7 @@
             </a:ln>
             <a:extLst>
               <a:ext uri="{91240B29-F687-4f45-9708-019B960494DF}">
-                <a14:hiddenLine xmlns:a14="http://schemas.microsoft.com/office/drawing/2010/main" xmlns="" w="9525">
+                <a14:hiddenLine xmlns="" xmlns:a14="http://schemas.microsoft.com/office/drawing/2010/main" w="9525">
                   <a:solidFill>
                     <a:srgbClr val="000000"/>
                   </a:solidFill>
@@ -3218,7 +3217,7 @@
             </a:ln>
             <a:extLst>
               <a:ext uri="{91240B29-F687-4f45-9708-019B960494DF}">
-                <a14:hiddenLine xmlns:a14="http://schemas.microsoft.com/office/drawing/2010/main" xmlns="" w="9525">
+                <a14:hiddenLine xmlns="" xmlns:a14="http://schemas.microsoft.com/office/drawing/2010/main" w="9525">
                   <a:solidFill>
                     <a:srgbClr val="000000"/>
                   </a:solidFill>
@@ -3283,7 +3282,7 @@
             </a:ln>
             <a:extLst>
               <a:ext uri="{91240B29-F687-4f45-9708-019B960494DF}">
-                <a14:hiddenLine xmlns:a14="http://schemas.microsoft.com/office/drawing/2010/main" xmlns="" w="9525">
+                <a14:hiddenLine xmlns="" xmlns:a14="http://schemas.microsoft.com/office/drawing/2010/main" w="9525">
                   <a:solidFill>
                     <a:srgbClr val="000000"/>
                   </a:solidFill>
@@ -3373,7 +3372,7 @@
             </a:ln>
             <a:extLst>
               <a:ext uri="{91240B29-F687-4f45-9708-019B960494DF}">
-                <a14:hiddenLine xmlns:a14="http://schemas.microsoft.com/office/drawing/2010/main" xmlns="" w="9525">
+                <a14:hiddenLine xmlns="" xmlns:a14="http://schemas.microsoft.com/office/drawing/2010/main" w="9525">
                   <a:solidFill>
                     <a:srgbClr val="000000"/>
                   </a:solidFill>
@@ -3435,7 +3434,7 @@
             </a:ln>
             <a:extLst>
               <a:ext uri="{91240B29-F687-4f45-9708-019B960494DF}">
-                <a14:hiddenLine xmlns:a14="http://schemas.microsoft.com/office/drawing/2010/main" xmlns="" w="9525">
+                <a14:hiddenLine xmlns="" xmlns:a14="http://schemas.microsoft.com/office/drawing/2010/main" w="9525">
                   <a:solidFill>
                     <a:srgbClr val="000000"/>
                   </a:solidFill>
@@ -3525,7 +3524,7 @@
             </a:ln>
             <a:extLst>
               <a:ext uri="{91240B29-F687-4f45-9708-019B960494DF}">
-                <a14:hiddenLine xmlns:a14="http://schemas.microsoft.com/office/drawing/2010/main" xmlns="" w="9525">
+                <a14:hiddenLine xmlns="" xmlns:a14="http://schemas.microsoft.com/office/drawing/2010/main" w="9525">
                   <a:solidFill>
                     <a:srgbClr val="000000"/>
                   </a:solidFill>
@@ -3615,7 +3614,7 @@
             </a:ln>
             <a:extLst>
               <a:ext uri="{91240B29-F687-4f45-9708-019B960494DF}">
-                <a14:hiddenLine xmlns:a14="http://schemas.microsoft.com/office/drawing/2010/main" xmlns="" w="9525">
+                <a14:hiddenLine xmlns="" xmlns:a14="http://schemas.microsoft.com/office/drawing/2010/main" w="9525">
                   <a:solidFill>
                     <a:srgbClr val="000000"/>
                   </a:solidFill>
@@ -3680,7 +3679,7 @@
             </a:ln>
             <a:extLst>
               <a:ext uri="{91240B29-F687-4f45-9708-019B960494DF}">
-                <a14:hiddenLine xmlns:a14="http://schemas.microsoft.com/office/drawing/2010/main" xmlns="" w="9525">
+                <a14:hiddenLine xmlns="" xmlns:a14="http://schemas.microsoft.com/office/drawing/2010/main" w="9525">
                   <a:solidFill>
                     <a:srgbClr val="000000"/>
                   </a:solidFill>
@@ -3742,7 +3741,7 @@
             </a:ln>
             <a:extLst>
               <a:ext uri="{91240B29-F687-4f45-9708-019B960494DF}">
-                <a14:hiddenLine xmlns:a14="http://schemas.microsoft.com/office/drawing/2010/main" xmlns="" w="9525">
+                <a14:hiddenLine xmlns="" xmlns:a14="http://schemas.microsoft.com/office/drawing/2010/main" w="9525">
                   <a:solidFill>
                     <a:srgbClr val="000000"/>
                   </a:solidFill>
@@ -3832,7 +3831,7 @@
             </a:ln>
             <a:extLst>
               <a:ext uri="{91240B29-F687-4f45-9708-019B960494DF}">
-                <a14:hiddenLine xmlns:a14="http://schemas.microsoft.com/office/drawing/2010/main" xmlns="" w="9525">
+                <a14:hiddenLine xmlns="" xmlns:a14="http://schemas.microsoft.com/office/drawing/2010/main" w="9525">
                   <a:solidFill>
                     <a:srgbClr val="000000"/>
                   </a:solidFill>
@@ -3922,7 +3921,7 @@
             </a:ln>
             <a:extLst>
               <a:ext uri="{91240B29-F687-4f45-9708-019B960494DF}">
-                <a14:hiddenLine xmlns:a14="http://schemas.microsoft.com/office/drawing/2010/main" xmlns="" w="9525">
+                <a14:hiddenLine xmlns="" xmlns:a14="http://schemas.microsoft.com/office/drawing/2010/main" w="9525">
                   <a:solidFill>
                     <a:srgbClr val="000000"/>
                   </a:solidFill>
@@ -3984,7 +3983,7 @@
             </a:ln>
             <a:extLst>
               <a:ext uri="{91240B29-F687-4f45-9708-019B960494DF}">
-                <a14:hiddenLine xmlns:a14="http://schemas.microsoft.com/office/drawing/2010/main" xmlns="" w="9525">
+                <a14:hiddenLine xmlns="" xmlns:a14="http://schemas.microsoft.com/office/drawing/2010/main" w="9525">
                   <a:solidFill>
                     <a:srgbClr val="000000"/>
                   </a:solidFill>
@@ -4104,7 +4103,7 @@
             </a:ln>
             <a:extLst>
               <a:ext uri="{91240B29-F687-4f45-9708-019B960494DF}">
-                <a14:hiddenLine xmlns:a14="http://schemas.microsoft.com/office/drawing/2010/main" xmlns="" w="9525">
+                <a14:hiddenLine xmlns="" xmlns:a14="http://schemas.microsoft.com/office/drawing/2010/main" w="9525">
                   <a:solidFill>
                     <a:srgbClr val="000000"/>
                   </a:solidFill>
@@ -4172,7 +4171,7 @@
             </a:ln>
             <a:extLst>
               <a:ext uri="{91240B29-F687-4f45-9708-019B960494DF}">
-                <a14:hiddenLine xmlns:a14="http://schemas.microsoft.com/office/drawing/2010/main" xmlns="" w="9525">
+                <a14:hiddenLine xmlns="" xmlns:a14="http://schemas.microsoft.com/office/drawing/2010/main" w="9525">
                   <a:solidFill>
                     <a:srgbClr val="000000"/>
                   </a:solidFill>
@@ -4262,7 +4261,7 @@
             </a:ln>
             <a:extLst>
               <a:ext uri="{91240B29-F687-4f45-9708-019B960494DF}">
-                <a14:hiddenLine xmlns:a14="http://schemas.microsoft.com/office/drawing/2010/main" xmlns="" w="9525">
+                <a14:hiddenLine xmlns="" xmlns:a14="http://schemas.microsoft.com/office/drawing/2010/main" w="9525">
                   <a:solidFill>
                     <a:srgbClr val="000000"/>
                   </a:solidFill>
@@ -8991,7 +8990,7 @@
           <a:noFill/>
           <a:extLst>
             <a:ext uri="{909E8E84-426E-40dd-AFC4-6F175D3DCCD1}">
-              <a14:hiddenFill xmlns:a14="http://schemas.microsoft.com/office/drawing/2010/main" xmlns="">
+              <a14:hiddenFill xmlns="" xmlns:a14="http://schemas.microsoft.com/office/drawing/2010/main">
                 <a:solidFill>
                   <a:srgbClr val="FFFFFF"/>
                 </a:solidFill>
@@ -9065,7 +9064,7 @@
               </a:ln>
               <a:extLst>
                 <a:ext uri="{91240B29-F687-4f45-9708-019B960494DF}">
-                  <a14:hiddenLine xmlns:a14="http://schemas.microsoft.com/office/drawing/2010/main" xmlns="" w="9525">
+                  <a14:hiddenLine xmlns="" xmlns:a14="http://schemas.microsoft.com/office/drawing/2010/main" w="9525">
                     <a:solidFill>
                       <a:srgbClr val="000000"/>
                     </a:solidFill>
@@ -9155,7 +9154,7 @@
               </a:ln>
               <a:extLst>
                 <a:ext uri="{91240B29-F687-4f45-9708-019B960494DF}">
-                  <a14:hiddenLine xmlns:a14="http://schemas.microsoft.com/office/drawing/2010/main" xmlns="" w="9525">
+                  <a14:hiddenLine xmlns="" xmlns:a14="http://schemas.microsoft.com/office/drawing/2010/main" w="9525">
                     <a:solidFill>
                       <a:srgbClr val="000000"/>
                     </a:solidFill>
@@ -9245,7 +9244,7 @@
               </a:ln>
               <a:extLst>
                 <a:ext uri="{91240B29-F687-4f45-9708-019B960494DF}">
-                  <a14:hiddenLine xmlns:a14="http://schemas.microsoft.com/office/drawing/2010/main" xmlns="" w="9525">
+                  <a14:hiddenLine xmlns="" xmlns:a14="http://schemas.microsoft.com/office/drawing/2010/main" w="9525">
                     <a:solidFill>
                       <a:srgbClr val="000000"/>
                     </a:solidFill>
@@ -9307,7 +9306,7 @@
               </a:ln>
               <a:extLst>
                 <a:ext uri="{91240B29-F687-4f45-9708-019B960494DF}">
-                  <a14:hiddenLine xmlns:a14="http://schemas.microsoft.com/office/drawing/2010/main" xmlns="" w="9525">
+                  <a14:hiddenLine xmlns="" xmlns:a14="http://schemas.microsoft.com/office/drawing/2010/main" w="9525">
                     <a:solidFill>
                       <a:srgbClr val="000000"/>
                     </a:solidFill>
@@ -9397,7 +9396,7 @@
               </a:ln>
               <a:extLst>
                 <a:ext uri="{91240B29-F687-4f45-9708-019B960494DF}">
-                  <a14:hiddenLine xmlns:a14="http://schemas.microsoft.com/office/drawing/2010/main" xmlns="" w="9525">
+                  <a14:hiddenLine xmlns="" xmlns:a14="http://schemas.microsoft.com/office/drawing/2010/main" w="9525">
                     <a:solidFill>
                       <a:srgbClr val="000000"/>
                     </a:solidFill>
@@ -9459,7 +9458,7 @@
               </a:ln>
               <a:extLst>
                 <a:ext uri="{91240B29-F687-4f45-9708-019B960494DF}">
-                  <a14:hiddenLine xmlns:a14="http://schemas.microsoft.com/office/drawing/2010/main" xmlns="" w="9525">
+                  <a14:hiddenLine xmlns="" xmlns:a14="http://schemas.microsoft.com/office/drawing/2010/main" w="9525">
                     <a:solidFill>
                       <a:srgbClr val="000000"/>
                     </a:solidFill>
@@ -9521,7 +9520,7 @@
               </a:ln>
               <a:extLst>
                 <a:ext uri="{91240B29-F687-4f45-9708-019B960494DF}">
-                  <a14:hiddenLine xmlns:a14="http://schemas.microsoft.com/office/drawing/2010/main" xmlns="" w="9525">
+                  <a14:hiddenLine xmlns="" xmlns:a14="http://schemas.microsoft.com/office/drawing/2010/main" w="9525">
                     <a:solidFill>
                       <a:srgbClr val="000000"/>
                     </a:solidFill>
@@ -9611,7 +9610,7 @@
               </a:ln>
               <a:extLst>
                 <a:ext uri="{91240B29-F687-4f45-9708-019B960494DF}">
-                  <a14:hiddenLine xmlns:a14="http://schemas.microsoft.com/office/drawing/2010/main" xmlns="" w="9525">
+                  <a14:hiddenLine xmlns="" xmlns:a14="http://schemas.microsoft.com/office/drawing/2010/main" w="9525">
                     <a:solidFill>
                       <a:srgbClr val="000000"/>
                     </a:solidFill>
@@ -9701,7 +9700,7 @@
               </a:ln>
               <a:extLst>
                 <a:ext uri="{91240B29-F687-4f45-9708-019B960494DF}">
-                  <a14:hiddenLine xmlns:a14="http://schemas.microsoft.com/office/drawing/2010/main" xmlns="" w="9525">
+                  <a14:hiddenLine xmlns="" xmlns:a14="http://schemas.microsoft.com/office/drawing/2010/main" w="9525">
                     <a:solidFill>
                       <a:srgbClr val="000000"/>
                     </a:solidFill>
@@ -9763,7 +9762,7 @@
               </a:ln>
               <a:extLst>
                 <a:ext uri="{91240B29-F687-4f45-9708-019B960494DF}">
-                  <a14:hiddenLine xmlns:a14="http://schemas.microsoft.com/office/drawing/2010/main" xmlns="" w="9525">
+                  <a14:hiddenLine xmlns="" xmlns:a14="http://schemas.microsoft.com/office/drawing/2010/main" w="9525">
                     <a:solidFill>
                       <a:srgbClr val="000000"/>
                     </a:solidFill>
@@ -9873,7 +9872,7 @@
               </a:ln>
               <a:extLst>
                 <a:ext uri="{91240B29-F687-4f45-9708-019B960494DF}">
-                  <a14:hiddenLine xmlns:a14="http://schemas.microsoft.com/office/drawing/2010/main" xmlns="" w="9525">
+                  <a14:hiddenLine xmlns="" xmlns:a14="http://schemas.microsoft.com/office/drawing/2010/main" w="9525">
                     <a:solidFill>
                       <a:srgbClr val="000000"/>
                     </a:solidFill>
@@ -9957,7 +9956,7 @@
               </a:ln>
               <a:extLst>
                 <a:ext uri="{91240B29-F687-4f45-9708-019B960494DF}">
-                  <a14:hiddenLine xmlns:a14="http://schemas.microsoft.com/office/drawing/2010/main" xmlns="" w="9525">
+                  <a14:hiddenLine xmlns="" xmlns:a14="http://schemas.microsoft.com/office/drawing/2010/main" w="9525">
                     <a:solidFill>
                       <a:srgbClr val="000000"/>
                     </a:solidFill>
@@ -10019,7 +10018,7 @@
               </a:ln>
               <a:extLst>
                 <a:ext uri="{91240B29-F687-4f45-9708-019B960494DF}">
-                  <a14:hiddenLine xmlns:a14="http://schemas.microsoft.com/office/drawing/2010/main" xmlns="" w="9525">
+                  <a14:hiddenLine xmlns="" xmlns:a14="http://schemas.microsoft.com/office/drawing/2010/main" w="9525">
                     <a:solidFill>
                       <a:srgbClr val="000000"/>
                     </a:solidFill>
@@ -10081,7 +10080,7 @@
               </a:ln>
               <a:extLst>
                 <a:ext uri="{91240B29-F687-4f45-9708-019B960494DF}">
-                  <a14:hiddenLine xmlns:a14="http://schemas.microsoft.com/office/drawing/2010/main" xmlns="" w="9525">
+                  <a14:hiddenLine xmlns="" xmlns:a14="http://schemas.microsoft.com/office/drawing/2010/main" w="9525">
                     <a:solidFill>
                       <a:srgbClr val="000000"/>
                     </a:solidFill>
@@ -10171,7 +10170,7 @@
               </a:ln>
               <a:extLst>
                 <a:ext uri="{91240B29-F687-4f45-9708-019B960494DF}">
-                  <a14:hiddenLine xmlns:a14="http://schemas.microsoft.com/office/drawing/2010/main" xmlns="" w="9525">
+                  <a14:hiddenLine xmlns="" xmlns:a14="http://schemas.microsoft.com/office/drawing/2010/main" w="9525">
                     <a:solidFill>
                       <a:srgbClr val="000000"/>
                     </a:solidFill>
@@ -10205,7 +10204,7 @@
               </a:ln>
               <a:extLst>
                 <a:ext uri="{91240B29-F687-4f45-9708-019B960494DF}">
-                  <a14:hiddenLine xmlns:a14="http://schemas.microsoft.com/office/drawing/2010/main" xmlns="" w="9525">
+                  <a14:hiddenLine xmlns="" xmlns:a14="http://schemas.microsoft.com/office/drawing/2010/main" w="9525">
                     <a:solidFill>
                       <a:srgbClr val="000000"/>
                     </a:solidFill>
@@ -10270,7 +10269,7 @@
               </a:ln>
               <a:extLst>
                 <a:ext uri="{91240B29-F687-4f45-9708-019B960494DF}">
-                  <a14:hiddenLine xmlns:a14="http://schemas.microsoft.com/office/drawing/2010/main" xmlns="" w="9525">
+                  <a14:hiddenLine xmlns="" xmlns:a14="http://schemas.microsoft.com/office/drawing/2010/main" w="9525">
                     <a:solidFill>
                       <a:srgbClr val="000000"/>
                     </a:solidFill>
@@ -10360,7 +10359,7 @@
               </a:ln>
               <a:extLst>
                 <a:ext uri="{91240B29-F687-4f45-9708-019B960494DF}">
-                  <a14:hiddenLine xmlns:a14="http://schemas.microsoft.com/office/drawing/2010/main" xmlns="" w="9525">
+                  <a14:hiddenLine xmlns="" xmlns:a14="http://schemas.microsoft.com/office/drawing/2010/main" w="9525">
                     <a:solidFill>
                       <a:srgbClr val="000000"/>
                     </a:solidFill>
@@ -10422,7 +10421,7 @@
               </a:ln>
               <a:extLst>
                 <a:ext uri="{91240B29-F687-4f45-9708-019B960494DF}">
-                  <a14:hiddenLine xmlns:a14="http://schemas.microsoft.com/office/drawing/2010/main" xmlns="" w="9525">
+                  <a14:hiddenLine xmlns="" xmlns:a14="http://schemas.microsoft.com/office/drawing/2010/main" w="9525">
                     <a:solidFill>
                       <a:srgbClr val="000000"/>
                     </a:solidFill>
@@ -10512,7 +10511,7 @@
               </a:ln>
               <a:extLst>
                 <a:ext uri="{91240B29-F687-4f45-9708-019B960494DF}">
-                  <a14:hiddenLine xmlns:a14="http://schemas.microsoft.com/office/drawing/2010/main" xmlns="" w="9525">
+                  <a14:hiddenLine xmlns="" xmlns:a14="http://schemas.microsoft.com/office/drawing/2010/main" w="9525">
                     <a:solidFill>
                       <a:srgbClr val="000000"/>
                     </a:solidFill>
@@ -10577,7 +10576,7 @@
               </a:ln>
               <a:extLst>
                 <a:ext uri="{91240B29-F687-4f45-9708-019B960494DF}">
-                  <a14:hiddenLine xmlns:a14="http://schemas.microsoft.com/office/drawing/2010/main" xmlns="" w="9525">
+                  <a14:hiddenLine xmlns="" xmlns:a14="http://schemas.microsoft.com/office/drawing/2010/main" w="9525">
                     <a:solidFill>
                       <a:srgbClr val="000000"/>
                     </a:solidFill>
@@ -10639,7 +10638,7 @@
               </a:ln>
               <a:extLst>
                 <a:ext uri="{91240B29-F687-4f45-9708-019B960494DF}">
-                  <a14:hiddenLine xmlns:a14="http://schemas.microsoft.com/office/drawing/2010/main" xmlns="" w="9525">
+                  <a14:hiddenLine xmlns="" xmlns:a14="http://schemas.microsoft.com/office/drawing/2010/main" w="9525">
                     <a:solidFill>
                       <a:srgbClr val="000000"/>
                     </a:solidFill>
@@ -10729,7 +10728,7 @@
               </a:ln>
               <a:extLst>
                 <a:ext uri="{91240B29-F687-4f45-9708-019B960494DF}">
-                  <a14:hiddenLine xmlns:a14="http://schemas.microsoft.com/office/drawing/2010/main" xmlns="" w="9525">
+                  <a14:hiddenLine xmlns="" xmlns:a14="http://schemas.microsoft.com/office/drawing/2010/main" w="9525">
                     <a:solidFill>
                       <a:srgbClr val="000000"/>
                     </a:solidFill>
@@ -10819,7 +10818,7 @@
               </a:ln>
               <a:extLst>
                 <a:ext uri="{91240B29-F687-4f45-9708-019B960494DF}">
-                  <a14:hiddenLine xmlns:a14="http://schemas.microsoft.com/office/drawing/2010/main" xmlns="" w="9525">
+                  <a14:hiddenLine xmlns="" xmlns:a14="http://schemas.microsoft.com/office/drawing/2010/main" w="9525">
                     <a:solidFill>
                       <a:srgbClr val="000000"/>
                     </a:solidFill>
@@ -10884,7 +10883,7 @@
               </a:ln>
               <a:extLst>
                 <a:ext uri="{91240B29-F687-4f45-9708-019B960494DF}">
-                  <a14:hiddenLine xmlns:a14="http://schemas.microsoft.com/office/drawing/2010/main" xmlns="" w="9525">
+                  <a14:hiddenLine xmlns="" xmlns:a14="http://schemas.microsoft.com/office/drawing/2010/main" w="9525">
                     <a:solidFill>
                       <a:srgbClr val="000000"/>
                     </a:solidFill>
@@ -11004,7 +11003,7 @@
               </a:ln>
               <a:extLst>
                 <a:ext uri="{91240B29-F687-4f45-9708-019B960494DF}">
-                  <a14:hiddenLine xmlns:a14="http://schemas.microsoft.com/office/drawing/2010/main" xmlns="" w="9525">
+                  <a14:hiddenLine xmlns="" xmlns:a14="http://schemas.microsoft.com/office/drawing/2010/main" w="9525">
                     <a:solidFill>
                       <a:srgbClr val="000000"/>
                     </a:solidFill>
@@ -11085,7 +11084,7 @@
               </a:ln>
               <a:extLst>
                 <a:ext uri="{91240B29-F687-4f45-9708-019B960494DF}">
-                  <a14:hiddenLine xmlns:a14="http://schemas.microsoft.com/office/drawing/2010/main" xmlns="" w="9525">
+                  <a14:hiddenLine xmlns="" xmlns:a14="http://schemas.microsoft.com/office/drawing/2010/main" w="9525">
                     <a:solidFill>
                       <a:srgbClr val="000000"/>
                     </a:solidFill>
@@ -11200,7 +11199,7 @@
               </a:ln>
               <a:extLst>
                 <a:ext uri="{91240B29-F687-4f45-9708-019B960494DF}">
-                  <a14:hiddenLine xmlns:a14="http://schemas.microsoft.com/office/drawing/2010/main" xmlns="" w="9525">
+                  <a14:hiddenLine xmlns="" xmlns:a14="http://schemas.microsoft.com/office/drawing/2010/main" w="9525">
                     <a:solidFill>
                       <a:srgbClr val="000000"/>
                     </a:solidFill>
@@ -11290,7 +11289,7 @@
               </a:ln>
               <a:extLst>
                 <a:ext uri="{91240B29-F687-4f45-9708-019B960494DF}">
-                  <a14:hiddenLine xmlns:a14="http://schemas.microsoft.com/office/drawing/2010/main" xmlns="" w="9525">
+                  <a14:hiddenLine xmlns="" xmlns:a14="http://schemas.microsoft.com/office/drawing/2010/main" w="9525">
                     <a:solidFill>
                       <a:srgbClr val="000000"/>
                     </a:solidFill>
@@ -11355,7 +11354,7 @@
               </a:ln>
               <a:extLst>
                 <a:ext uri="{91240B29-F687-4f45-9708-019B960494DF}">
-                  <a14:hiddenLine xmlns:a14="http://schemas.microsoft.com/office/drawing/2010/main" xmlns="" w="9525">
+                  <a14:hiddenLine xmlns="" xmlns:a14="http://schemas.microsoft.com/office/drawing/2010/main" w="9525">
                     <a:solidFill>
                       <a:srgbClr val="000000"/>
                     </a:solidFill>
@@ -11445,7 +11444,7 @@
               </a:ln>
               <a:extLst>
                 <a:ext uri="{91240B29-F687-4f45-9708-019B960494DF}">
-                  <a14:hiddenLine xmlns:a14="http://schemas.microsoft.com/office/drawing/2010/main" xmlns="" w="9525">
+                  <a14:hiddenLine xmlns="" xmlns:a14="http://schemas.microsoft.com/office/drawing/2010/main" w="9525">
                     <a:solidFill>
                       <a:srgbClr val="000000"/>
                     </a:solidFill>
@@ -11513,7 +11512,7 @@
               </a:ln>
               <a:extLst>
                 <a:ext uri="{91240B29-F687-4f45-9708-019B960494DF}">
-                  <a14:hiddenLine xmlns:a14="http://schemas.microsoft.com/office/drawing/2010/main" xmlns="" w="9525">
+                  <a14:hiddenLine xmlns="" xmlns:a14="http://schemas.microsoft.com/office/drawing/2010/main" w="9525">
                     <a:solidFill>
                       <a:srgbClr val="000000"/>
                     </a:solidFill>
@@ -11603,7 +11602,7 @@
               </a:ln>
               <a:extLst>
                 <a:ext uri="{91240B29-F687-4f45-9708-019B960494DF}">
-                  <a14:hiddenLine xmlns:a14="http://schemas.microsoft.com/office/drawing/2010/main" xmlns="" w="9525">
+                  <a14:hiddenLine xmlns="" xmlns:a14="http://schemas.microsoft.com/office/drawing/2010/main" w="9525">
                     <a:solidFill>
                       <a:srgbClr val="000000"/>
                     </a:solidFill>
@@ -11671,7 +11670,7 @@
               </a:ln>
               <a:extLst>
                 <a:ext uri="{91240B29-F687-4f45-9708-019B960494DF}">
-                  <a14:hiddenLine xmlns:a14="http://schemas.microsoft.com/office/drawing/2010/main" xmlns="" w="9525">
+                  <a14:hiddenLine xmlns="" xmlns:a14="http://schemas.microsoft.com/office/drawing/2010/main" w="9525">
                     <a:solidFill>
                       <a:srgbClr val="000000"/>
                     </a:solidFill>
@@ -11761,7 +11760,7 @@
               </a:ln>
               <a:extLst>
                 <a:ext uri="{91240B29-F687-4f45-9708-019B960494DF}">
-                  <a14:hiddenLine xmlns:a14="http://schemas.microsoft.com/office/drawing/2010/main" xmlns="" w="9525">
+                  <a14:hiddenLine xmlns="" xmlns:a14="http://schemas.microsoft.com/office/drawing/2010/main" w="9525">
                     <a:solidFill>
                       <a:srgbClr val="000000"/>
                     </a:solidFill>
@@ -11795,7 +11794,7 @@
               </a:ln>
               <a:extLst>
                 <a:ext uri="{91240B29-F687-4f45-9708-019B960494DF}">
-                  <a14:hiddenLine xmlns:a14="http://schemas.microsoft.com/office/drawing/2010/main" xmlns="" w="9525">
+                  <a14:hiddenLine xmlns="" xmlns:a14="http://schemas.microsoft.com/office/drawing/2010/main" w="9525">
                     <a:solidFill>
                       <a:srgbClr val="000000"/>
                     </a:solidFill>
@@ -12454,482 +12453,6 @@
 <file path=ppt/slides/slide2.xml><?xml version="1.0" encoding="utf-8"?>
 <p:sld xmlns:a="http://schemas.openxmlformats.org/drawingml/2006/main" xmlns:r="http://schemas.openxmlformats.org/officeDocument/2006/relationships" xmlns:p="http://schemas.openxmlformats.org/presentationml/2006/main">
   <p:cSld>
-    <p:spTree>
-      <p:nvGrpSpPr>
-        <p:cNvPr id="1" name=""/>
-        <p:cNvGrpSpPr/>
-        <p:nvPr/>
-      </p:nvGrpSpPr>
-      <p:grpSpPr>
-        <a:xfrm>
-          <a:off x="0" y="0"/>
-          <a:ext cx="0" cy="0"/>
-          <a:chOff x="0" y="0"/>
-          <a:chExt cx="0" cy="0"/>
-        </a:xfrm>
-      </p:grpSpPr>
-      <p:sp>
-        <p:nvSpPr>
-          <p:cNvPr id="2" name="Title 1"/>
-          <p:cNvSpPr>
-            <a:spLocks noGrp="1"/>
-          </p:cNvSpPr>
-          <p:nvPr>
-            <p:ph type="title"/>
-          </p:nvPr>
-        </p:nvSpPr>
-        <p:spPr/>
-        <p:txBody>
-          <a:bodyPr/>
-          <a:lstStyle/>
-          <a:p>
-            <a:r>
-              <a:rPr lang="en-US" dirty="0"/>
-              <a:t>What is retro paradise?</a:t>
-            </a:r>
-          </a:p>
-        </p:txBody>
-      </p:sp>
-      <p:sp>
-        <p:nvSpPr>
-          <p:cNvPr id="3" name="Content Placeholder 2"/>
-          <p:cNvSpPr>
-            <a:spLocks noGrp="1"/>
-          </p:cNvSpPr>
-          <p:nvPr>
-            <p:ph idx="1"/>
-          </p:nvPr>
-        </p:nvSpPr>
-        <p:spPr/>
-        <p:txBody>
-          <a:bodyPr/>
-          <a:lstStyle/>
-          <a:p>
-            <a:r>
-              <a:rPr lang="en-US" dirty="0"/>
-              <a:t>Retro Paradise is store that buys and sells old video game consoles and games at a fair price all at the click of a button on your smartphone. </a:t>
-            </a:r>
-          </a:p>
-          <a:p>
-            <a:r>
-              <a:rPr lang="en-US" dirty="0"/>
-              <a:t>Have you ever thought “Wow, I would really like to get this game I played when I was younger?” well we got you covered.</a:t>
-            </a:r>
-          </a:p>
-          <a:p>
-            <a:r>
-              <a:rPr lang="en-US" dirty="0"/>
-              <a:t>This app is designed to cater towards retro game fans to help bring back rare/hard to find group of video games.</a:t>
-            </a:r>
-          </a:p>
-        </p:txBody>
-      </p:sp>
-    </p:spTree>
-    <p:extLst>
-      <p:ext uri="{BB962C8B-B14F-4D97-AF65-F5344CB8AC3E}">
-        <p14:creationId xmlns:p14="http://schemas.microsoft.com/office/powerpoint/2010/main" val="3733374344"/>
-      </p:ext>
-    </p:extLst>
-  </p:cSld>
-  <p:clrMapOvr>
-    <a:masterClrMapping/>
-  </p:clrMapOvr>
-</p:sld>
-</file>
-
-<file path=ppt/slides/slide3.xml><?xml version="1.0" encoding="utf-8"?>
-<p:sld xmlns:a="http://schemas.openxmlformats.org/drawingml/2006/main" xmlns:r="http://schemas.openxmlformats.org/officeDocument/2006/relationships" xmlns:p="http://schemas.openxmlformats.org/presentationml/2006/main">
-  <p:cSld>
-    <p:spTree>
-      <p:nvGrpSpPr>
-        <p:cNvPr id="1" name=""/>
-        <p:cNvGrpSpPr/>
-        <p:nvPr/>
-      </p:nvGrpSpPr>
-      <p:grpSpPr>
-        <a:xfrm>
-          <a:off x="0" y="0"/>
-          <a:ext cx="0" cy="0"/>
-          <a:chOff x="0" y="0"/>
-          <a:chExt cx="0" cy="0"/>
-        </a:xfrm>
-      </p:grpSpPr>
-      <p:sp>
-        <p:nvSpPr>
-          <p:cNvPr id="2" name="Title 1"/>
-          <p:cNvSpPr>
-            <a:spLocks noGrp="1"/>
-          </p:cNvSpPr>
-          <p:nvPr>
-            <p:ph type="title"/>
-          </p:nvPr>
-        </p:nvSpPr>
-        <p:spPr/>
-        <p:txBody>
-          <a:bodyPr/>
-          <a:lstStyle/>
-          <a:p>
-            <a:r>
-              <a:rPr lang="en-US" dirty="0"/>
-              <a:t>How do I use it?	</a:t>
-            </a:r>
-          </a:p>
-        </p:txBody>
-      </p:sp>
-      <p:sp>
-        <p:nvSpPr>
-          <p:cNvPr id="3" name="Content Placeholder 2"/>
-          <p:cNvSpPr>
-            <a:spLocks noGrp="1"/>
-          </p:cNvSpPr>
-          <p:nvPr>
-            <p:ph idx="1"/>
-          </p:nvPr>
-        </p:nvSpPr>
-        <p:spPr/>
-        <p:txBody>
-          <a:bodyPr/>
-          <a:lstStyle/>
-          <a:p>
-            <a:pPr marL="0" indent="0">
-              <a:buNone/>
-            </a:pPr>
-            <a:r>
-              <a:rPr lang="en-US" dirty="0"/>
-              <a:t>To use the app for our store you will have to register an account. It’s simple! After providing the information your account will be created and you can login and start shopping.</a:t>
-            </a:r>
-          </a:p>
-        </p:txBody>
-      </p:sp>
-    </p:spTree>
-    <p:extLst>
-      <p:ext uri="{BB962C8B-B14F-4D97-AF65-F5344CB8AC3E}">
-        <p14:creationId xmlns:p14="http://schemas.microsoft.com/office/powerpoint/2010/main" val="682165733"/>
-      </p:ext>
-    </p:extLst>
-  </p:cSld>
-  <p:clrMapOvr>
-    <a:masterClrMapping/>
-  </p:clrMapOvr>
-</p:sld>
-</file>
-
-<file path=ppt/slides/slide4.xml><?xml version="1.0" encoding="utf-8"?>
-<p:sld xmlns:a="http://schemas.openxmlformats.org/drawingml/2006/main" xmlns:r="http://schemas.openxmlformats.org/officeDocument/2006/relationships" xmlns:p="http://schemas.openxmlformats.org/presentationml/2006/main">
-  <p:cSld>
-    <p:spTree>
-      <p:nvGrpSpPr>
-        <p:cNvPr id="1" name=""/>
-        <p:cNvGrpSpPr/>
-        <p:nvPr/>
-      </p:nvGrpSpPr>
-      <p:grpSpPr>
-        <a:xfrm>
-          <a:off x="0" y="0"/>
-          <a:ext cx="0" cy="0"/>
-          <a:chOff x="0" y="0"/>
-          <a:chExt cx="0" cy="0"/>
-        </a:xfrm>
-      </p:grpSpPr>
-      <p:sp>
-        <p:nvSpPr>
-          <p:cNvPr id="2" name="Title 1"/>
-          <p:cNvSpPr>
-            <a:spLocks noGrp="1"/>
-          </p:cNvSpPr>
-          <p:nvPr>
-            <p:ph type="title"/>
-          </p:nvPr>
-        </p:nvSpPr>
-        <p:spPr/>
-        <p:txBody>
-          <a:bodyPr/>
-          <a:lstStyle/>
-          <a:p>
-            <a:r>
-              <a:rPr lang="en-US" dirty="0"/>
-              <a:t>Okay I’m signed in… now what?</a:t>
-            </a:r>
-          </a:p>
-        </p:txBody>
-      </p:sp>
-      <p:sp>
-        <p:nvSpPr>
-          <p:cNvPr id="3" name="Content Placeholder 2"/>
-          <p:cNvSpPr>
-            <a:spLocks noGrp="1"/>
-          </p:cNvSpPr>
-          <p:nvPr>
-            <p:ph idx="1"/>
-          </p:nvPr>
-        </p:nvSpPr>
-        <p:spPr/>
-        <p:txBody>
-          <a:bodyPr/>
-          <a:lstStyle/>
-          <a:p>
-            <a:pPr marL="0" indent="0">
-              <a:buNone/>
-            </a:pPr>
-            <a:r>
-              <a:rPr lang="en-US" dirty="0"/>
-              <a:t>Now that you’ve signed in you can search for anything you want. You can check new additions to the store as well as what’s coming. </a:t>
-            </a:r>
-          </a:p>
-        </p:txBody>
-      </p:sp>
-    </p:spTree>
-    <p:extLst>
-      <p:ext uri="{BB962C8B-B14F-4D97-AF65-F5344CB8AC3E}">
-        <p14:creationId xmlns:p14="http://schemas.microsoft.com/office/powerpoint/2010/main" val="2297594289"/>
-      </p:ext>
-    </p:extLst>
-  </p:cSld>
-  <p:clrMapOvr>
-    <a:masterClrMapping/>
-  </p:clrMapOvr>
-</p:sld>
-</file>
-
-<file path=ppt/slides/slide5.xml><?xml version="1.0" encoding="utf-8"?>
-<p:sld xmlns:a="http://schemas.openxmlformats.org/drawingml/2006/main" xmlns:r="http://schemas.openxmlformats.org/officeDocument/2006/relationships" xmlns:p="http://schemas.openxmlformats.org/presentationml/2006/main">
-  <p:cSld>
-    <p:spTree>
-      <p:nvGrpSpPr>
-        <p:cNvPr id="1" name=""/>
-        <p:cNvGrpSpPr/>
-        <p:nvPr/>
-      </p:nvGrpSpPr>
-      <p:grpSpPr>
-        <a:xfrm>
-          <a:off x="0" y="0"/>
-          <a:ext cx="0" cy="0"/>
-          <a:chOff x="0" y="0"/>
-          <a:chExt cx="0" cy="0"/>
-        </a:xfrm>
-      </p:grpSpPr>
-      <p:sp>
-        <p:nvSpPr>
-          <p:cNvPr id="2" name="Title 1"/>
-          <p:cNvSpPr>
-            <a:spLocks noGrp="1"/>
-          </p:cNvSpPr>
-          <p:nvPr>
-            <p:ph type="title"/>
-          </p:nvPr>
-        </p:nvSpPr>
-        <p:spPr/>
-        <p:txBody>
-          <a:bodyPr/>
-          <a:lstStyle/>
-          <a:p>
-            <a:r>
-              <a:rPr lang="en-US" dirty="0"/>
-              <a:t>Still need help with the app?</a:t>
-            </a:r>
-          </a:p>
-        </p:txBody>
-      </p:sp>
-      <p:sp>
-        <p:nvSpPr>
-          <p:cNvPr id="3" name="Content Placeholder 2"/>
-          <p:cNvSpPr>
-            <a:spLocks noGrp="1"/>
-          </p:cNvSpPr>
-          <p:nvPr>
-            <p:ph idx="1"/>
-          </p:nvPr>
-        </p:nvSpPr>
-        <p:spPr/>
-        <p:txBody>
-          <a:bodyPr/>
-          <a:lstStyle/>
-          <a:p>
-            <a:pPr marL="0" indent="0">
-              <a:buNone/>
-            </a:pPr>
-            <a:r>
-              <a:rPr lang="en-US" dirty="0"/>
-              <a:t>There’s a user manual for anyone that needs further assistance with using and navigating our app!</a:t>
-            </a:r>
-          </a:p>
-        </p:txBody>
-      </p:sp>
-    </p:spTree>
-    <p:extLst>
-      <p:ext uri="{BB962C8B-B14F-4D97-AF65-F5344CB8AC3E}">
-        <p14:creationId xmlns:p14="http://schemas.microsoft.com/office/powerpoint/2010/main" val="4096260686"/>
-      </p:ext>
-    </p:extLst>
-  </p:cSld>
-  <p:clrMapOvr>
-    <a:masterClrMapping/>
-  </p:clrMapOvr>
-</p:sld>
-</file>
-
-<file path=ppt/slides/slide6.xml><?xml version="1.0" encoding="utf-8"?>
-<p:sld xmlns:a="http://schemas.openxmlformats.org/drawingml/2006/main" xmlns:r="http://schemas.openxmlformats.org/officeDocument/2006/relationships" xmlns:p="http://schemas.openxmlformats.org/presentationml/2006/main">
-  <p:cSld>
-    <p:spTree>
-      <p:nvGrpSpPr>
-        <p:cNvPr id="1" name=""/>
-        <p:cNvGrpSpPr/>
-        <p:nvPr/>
-      </p:nvGrpSpPr>
-      <p:grpSpPr>
-        <a:xfrm>
-          <a:off x="0" y="0"/>
-          <a:ext cx="0" cy="0"/>
-          <a:chOff x="0" y="0"/>
-          <a:chExt cx="0" cy="0"/>
-        </a:xfrm>
-      </p:grpSpPr>
-      <p:sp>
-        <p:nvSpPr>
-          <p:cNvPr id="2" name="Title 1"/>
-          <p:cNvSpPr>
-            <a:spLocks noGrp="1"/>
-          </p:cNvSpPr>
-          <p:nvPr>
-            <p:ph type="title"/>
-          </p:nvPr>
-        </p:nvSpPr>
-        <p:spPr/>
-        <p:txBody>
-          <a:bodyPr/>
-          <a:lstStyle/>
-          <a:p>
-            <a:r>
-              <a:rPr lang="en-US" dirty="0"/>
-              <a:t>So now what?</a:t>
-            </a:r>
-          </a:p>
-        </p:txBody>
-      </p:sp>
-      <p:sp>
-        <p:nvSpPr>
-          <p:cNvPr id="3" name="Content Placeholder 2"/>
-          <p:cNvSpPr>
-            <a:spLocks noGrp="1"/>
-          </p:cNvSpPr>
-          <p:nvPr>
-            <p:ph idx="1"/>
-          </p:nvPr>
-        </p:nvSpPr>
-        <p:spPr/>
-        <p:txBody>
-          <a:bodyPr/>
-          <a:lstStyle/>
-          <a:p>
-            <a:pPr marL="0" indent="0">
-              <a:buNone/>
-            </a:pPr>
-            <a:endParaRPr lang="en-US" dirty="0"/>
-          </a:p>
-          <a:p>
-            <a:pPr marL="0" indent="0">
-              <a:buNone/>
-            </a:pPr>
-            <a:r>
-              <a:rPr lang="en-US" dirty="0"/>
-              <a:t>With additional time and effort we will grow this app from it is now to something much greater. Updates, more functionality, and of course anything else we can do to make sure this app grows to be a paradise for the games of old.</a:t>
-            </a:r>
-          </a:p>
-        </p:txBody>
-      </p:sp>
-    </p:spTree>
-    <p:extLst>
-      <p:ext uri="{BB962C8B-B14F-4D97-AF65-F5344CB8AC3E}">
-        <p14:creationId xmlns:p14="http://schemas.microsoft.com/office/powerpoint/2010/main" val="1196682050"/>
-      </p:ext>
-    </p:extLst>
-  </p:cSld>
-  <p:clrMapOvr>
-    <a:masterClrMapping/>
-  </p:clrMapOvr>
-</p:sld>
-</file>
-
-<file path=ppt/slides/slide7.xml><?xml version="1.0" encoding="utf-8"?>
-<p:sld xmlns:a="http://schemas.openxmlformats.org/drawingml/2006/main" xmlns:r="http://schemas.openxmlformats.org/officeDocument/2006/relationships" xmlns:p="http://schemas.openxmlformats.org/presentationml/2006/main">
-  <p:cSld>
-    <p:spTree>
-      <p:nvGrpSpPr>
-        <p:cNvPr id="1" name=""/>
-        <p:cNvGrpSpPr/>
-        <p:nvPr/>
-      </p:nvGrpSpPr>
-      <p:grpSpPr>
-        <a:xfrm>
-          <a:off x="0" y="0"/>
-          <a:ext cx="0" cy="0"/>
-          <a:chOff x="0" y="0"/>
-          <a:chExt cx="0" cy="0"/>
-        </a:xfrm>
-      </p:grpSpPr>
-      <p:sp>
-        <p:nvSpPr>
-          <p:cNvPr id="2" name="Title 1"/>
-          <p:cNvSpPr>
-            <a:spLocks noGrp="1"/>
-          </p:cNvSpPr>
-          <p:nvPr>
-            <p:ph type="title"/>
-          </p:nvPr>
-        </p:nvSpPr>
-        <p:spPr/>
-        <p:txBody>
-          <a:bodyPr/>
-          <a:lstStyle/>
-          <a:p>
-            <a:r>
-              <a:rPr lang="en-US" dirty="0"/>
-              <a:t>Thank you!</a:t>
-            </a:r>
-          </a:p>
-        </p:txBody>
-      </p:sp>
-      <p:sp>
-        <p:nvSpPr>
-          <p:cNvPr id="4" name="Content Placeholder 3"/>
-          <p:cNvSpPr>
-            <a:spLocks noGrp="1"/>
-          </p:cNvSpPr>
-          <p:nvPr>
-            <p:ph idx="1"/>
-          </p:nvPr>
-        </p:nvSpPr>
-        <p:spPr>
-          <a:xfrm>
-            <a:off x="1166579" y="2249487"/>
-            <a:ext cx="9905999" cy="3541714"/>
-          </a:xfrm>
-        </p:spPr>
-        <p:txBody>
-          <a:bodyPr/>
-          <a:lstStyle/>
-          <a:p>
-            <a:endParaRPr lang="en-US"/>
-          </a:p>
-        </p:txBody>
-      </p:sp>
-    </p:spTree>
-    <p:extLst>
-      <p:ext uri="{BB962C8B-B14F-4D97-AF65-F5344CB8AC3E}">
-        <p14:creationId xmlns:p14="http://schemas.microsoft.com/office/powerpoint/2010/main" val="556177165"/>
-      </p:ext>
-    </p:extLst>
-  </p:cSld>
-  <p:clrMapOvr>
-    <a:masterClrMapping/>
-  </p:clrMapOvr>
-</p:sld>
-</file>
-
-<file path=ppt/slides/slide8.xml><?xml version="1.0" encoding="utf-8"?>
-<p:sld xmlns:a="http://schemas.openxmlformats.org/drawingml/2006/main" xmlns:r="http://schemas.openxmlformats.org/officeDocument/2006/relationships" xmlns:p="http://schemas.openxmlformats.org/presentationml/2006/main">
-  <p:cSld>
     <p:bg>
       <p:bgPr>
         <a:blipFill>
@@ -13023,7 +12546,7 @@
           <a:noFill/>
           <a:extLst>
             <a:ext uri="{909E8E84-426E-40dd-AFC4-6F175D3DCCD1}">
-              <a14:hiddenFill xmlns:a14="http://schemas.microsoft.com/office/drawing/2010/main" xmlns:p14="http://schemas.microsoft.com/office/powerpoint/2010/main" xmlns:a16="http://schemas.microsoft.com/office/drawing/2014/main" xmlns="">
+              <a14:hiddenFill xmlns="" xmlns:a16="http://schemas.microsoft.com/office/drawing/2014/main" xmlns:p14="http://schemas.microsoft.com/office/powerpoint/2010/main" xmlns:a14="http://schemas.microsoft.com/office/drawing/2010/main">
                 <a:solidFill>
                   <a:srgbClr val="FFFFFF"/>
                 </a:solidFill>
@@ -13114,7 +12637,7 @@
             </a:ln>
             <a:extLst>
               <a:ext uri="{91240B29-F687-4f45-9708-019B960494DF}">
-                <a14:hiddenLine xmlns:a14="http://schemas.microsoft.com/office/drawing/2010/main" xmlns:p14="http://schemas.microsoft.com/office/powerpoint/2010/main" xmlns:a16="http://schemas.microsoft.com/office/drawing/2014/main" xmlns="" w="9525">
+                <a14:hiddenLine xmlns="" xmlns:a16="http://schemas.microsoft.com/office/drawing/2014/main" xmlns:p14="http://schemas.microsoft.com/office/powerpoint/2010/main" xmlns:a14="http://schemas.microsoft.com/office/drawing/2010/main" w="9525">
                   <a:solidFill>
                     <a:srgbClr val="000000"/>
                   </a:solidFill>
@@ -13219,7 +12742,7 @@
             </a:ln>
             <a:extLst>
               <a:ext uri="{91240B29-F687-4f45-9708-019B960494DF}">
-                <a14:hiddenLine xmlns:a14="http://schemas.microsoft.com/office/drawing/2010/main" xmlns:p14="http://schemas.microsoft.com/office/powerpoint/2010/main" xmlns:a16="http://schemas.microsoft.com/office/drawing/2014/main" xmlns="" w="9525">
+                <a14:hiddenLine xmlns="" xmlns:a16="http://schemas.microsoft.com/office/drawing/2014/main" xmlns:p14="http://schemas.microsoft.com/office/powerpoint/2010/main" xmlns:a14="http://schemas.microsoft.com/office/drawing/2010/main" w="9525">
                   <a:solidFill>
                     <a:srgbClr val="000000"/>
                   </a:solidFill>
@@ -13324,7 +12847,7 @@
             </a:ln>
             <a:extLst>
               <a:ext uri="{91240B29-F687-4f45-9708-019B960494DF}">
-                <a14:hiddenLine xmlns:a14="http://schemas.microsoft.com/office/drawing/2010/main" xmlns:p14="http://schemas.microsoft.com/office/powerpoint/2010/main" xmlns:a16="http://schemas.microsoft.com/office/drawing/2014/main" xmlns="" w="9525">
+                <a14:hiddenLine xmlns="" xmlns:a16="http://schemas.microsoft.com/office/drawing/2014/main" xmlns:p14="http://schemas.microsoft.com/office/powerpoint/2010/main" xmlns:a14="http://schemas.microsoft.com/office/drawing/2010/main" w="9525">
                   <a:solidFill>
                     <a:srgbClr val="000000"/>
                   </a:solidFill>
@@ -13373,7 +12896,7 @@
             </a:ln>
             <a:extLst>
               <a:ext uri="{91240B29-F687-4f45-9708-019B960494DF}">
-                <a14:hiddenLine xmlns:a14="http://schemas.microsoft.com/office/drawing/2010/main" xmlns:p14="http://schemas.microsoft.com/office/powerpoint/2010/main" xmlns:a16="http://schemas.microsoft.com/office/drawing/2014/main" xmlns="" w="9525">
+                <a14:hiddenLine xmlns="" xmlns:a16="http://schemas.microsoft.com/office/drawing/2014/main" xmlns:p14="http://schemas.microsoft.com/office/powerpoint/2010/main" xmlns:a14="http://schemas.microsoft.com/office/drawing/2010/main" w="9525">
                   <a:solidFill>
                     <a:srgbClr val="000000"/>
                   </a:solidFill>
@@ -13478,7 +13001,7 @@
             </a:ln>
             <a:extLst>
               <a:ext uri="{91240B29-F687-4f45-9708-019B960494DF}">
-                <a14:hiddenLine xmlns:a14="http://schemas.microsoft.com/office/drawing/2010/main" xmlns:p14="http://schemas.microsoft.com/office/powerpoint/2010/main" xmlns:a16="http://schemas.microsoft.com/office/drawing/2014/main" xmlns="" w="9525">
+                <a14:hiddenLine xmlns="" xmlns:a16="http://schemas.microsoft.com/office/drawing/2014/main" xmlns:p14="http://schemas.microsoft.com/office/powerpoint/2010/main" xmlns:a14="http://schemas.microsoft.com/office/drawing/2010/main" w="9525">
                   <a:solidFill>
                     <a:srgbClr val="000000"/>
                   </a:solidFill>
@@ -13555,7 +13078,7 @@
             </a:ln>
             <a:extLst>
               <a:ext uri="{91240B29-F687-4f45-9708-019B960494DF}">
-                <a14:hiddenLine xmlns:a14="http://schemas.microsoft.com/office/drawing/2010/main" xmlns:p14="http://schemas.microsoft.com/office/powerpoint/2010/main" xmlns:a16="http://schemas.microsoft.com/office/drawing/2014/main" xmlns="" w="9525">
+                <a14:hiddenLine xmlns="" xmlns:a16="http://schemas.microsoft.com/office/drawing/2014/main" xmlns:p14="http://schemas.microsoft.com/office/powerpoint/2010/main" xmlns:a14="http://schemas.microsoft.com/office/drawing/2010/main" w="9525">
                   <a:solidFill>
                     <a:srgbClr val="000000"/>
                   </a:solidFill>
@@ -13632,7 +13155,7 @@
             </a:ln>
             <a:extLst>
               <a:ext uri="{91240B29-F687-4f45-9708-019B960494DF}">
-                <a14:hiddenLine xmlns:a14="http://schemas.microsoft.com/office/drawing/2010/main" xmlns:p14="http://schemas.microsoft.com/office/powerpoint/2010/main" xmlns:a16="http://schemas.microsoft.com/office/drawing/2014/main" xmlns="" w="9525">
+                <a14:hiddenLine xmlns="" xmlns:a16="http://schemas.microsoft.com/office/drawing/2014/main" xmlns:p14="http://schemas.microsoft.com/office/powerpoint/2010/main" xmlns:a14="http://schemas.microsoft.com/office/drawing/2010/main" w="9525">
                   <a:solidFill>
                     <a:srgbClr val="000000"/>
                   </a:solidFill>
@@ -13737,7 +13260,7 @@
             </a:ln>
             <a:extLst>
               <a:ext uri="{91240B29-F687-4f45-9708-019B960494DF}">
-                <a14:hiddenLine xmlns:a14="http://schemas.microsoft.com/office/drawing/2010/main" xmlns:p14="http://schemas.microsoft.com/office/powerpoint/2010/main" xmlns:a16="http://schemas.microsoft.com/office/drawing/2014/main" xmlns="" w="9525">
+                <a14:hiddenLine xmlns="" xmlns:a16="http://schemas.microsoft.com/office/drawing/2014/main" xmlns:p14="http://schemas.microsoft.com/office/powerpoint/2010/main" xmlns:a14="http://schemas.microsoft.com/office/drawing/2010/main" w="9525">
                   <a:solidFill>
                     <a:srgbClr val="000000"/>
                   </a:solidFill>
@@ -13814,7 +13337,7 @@
             </a:ln>
             <a:extLst>
               <a:ext uri="{91240B29-F687-4f45-9708-019B960494DF}">
-                <a14:hiddenLine xmlns:a14="http://schemas.microsoft.com/office/drawing/2010/main" xmlns:p14="http://schemas.microsoft.com/office/powerpoint/2010/main" xmlns:a16="http://schemas.microsoft.com/office/drawing/2014/main" xmlns="" w="9525">
+                <a14:hiddenLine xmlns="" xmlns:a16="http://schemas.microsoft.com/office/drawing/2014/main" xmlns:p14="http://schemas.microsoft.com/office/powerpoint/2010/main" xmlns:a14="http://schemas.microsoft.com/office/drawing/2010/main" w="9525">
                   <a:solidFill>
                     <a:srgbClr val="000000"/>
                   </a:solidFill>
@@ -13891,7 +13414,7 @@
             </a:ln>
             <a:extLst>
               <a:ext uri="{91240B29-F687-4f45-9708-019B960494DF}">
-                <a14:hiddenLine xmlns:a14="http://schemas.microsoft.com/office/drawing/2010/main" xmlns:p14="http://schemas.microsoft.com/office/powerpoint/2010/main" xmlns:a16="http://schemas.microsoft.com/office/drawing/2014/main" xmlns="" w="9525">
+                <a14:hiddenLine xmlns="" xmlns:a16="http://schemas.microsoft.com/office/drawing/2014/main" xmlns:p14="http://schemas.microsoft.com/office/powerpoint/2010/main" xmlns:a14="http://schemas.microsoft.com/office/drawing/2010/main" w="9525">
                   <a:solidFill>
                     <a:srgbClr val="000000"/>
                   </a:solidFill>
@@ -13996,7 +13519,7 @@
             </a:ln>
             <a:extLst>
               <a:ext uri="{91240B29-F687-4f45-9708-019B960494DF}">
-                <a14:hiddenLine xmlns:a14="http://schemas.microsoft.com/office/drawing/2010/main" xmlns:p14="http://schemas.microsoft.com/office/powerpoint/2010/main" xmlns:a16="http://schemas.microsoft.com/office/drawing/2014/main" xmlns="" w="9525">
+                <a14:hiddenLine xmlns="" xmlns:a16="http://schemas.microsoft.com/office/drawing/2014/main" xmlns:p14="http://schemas.microsoft.com/office/powerpoint/2010/main" xmlns:a14="http://schemas.microsoft.com/office/drawing/2010/main" w="9525">
                   <a:solidFill>
                     <a:srgbClr val="000000"/>
                   </a:solidFill>
@@ -14101,7 +13624,7 @@
             </a:ln>
             <a:extLst>
               <a:ext uri="{91240B29-F687-4f45-9708-019B960494DF}">
-                <a14:hiddenLine xmlns:a14="http://schemas.microsoft.com/office/drawing/2010/main" xmlns:p14="http://schemas.microsoft.com/office/powerpoint/2010/main" xmlns:a16="http://schemas.microsoft.com/office/drawing/2014/main" xmlns="" w="9525">
+                <a14:hiddenLine xmlns="" xmlns:a16="http://schemas.microsoft.com/office/drawing/2014/main" xmlns:p14="http://schemas.microsoft.com/office/powerpoint/2010/main" xmlns:a14="http://schemas.microsoft.com/office/drawing/2010/main" w="9525">
                   <a:solidFill>
                     <a:srgbClr val="000000"/>
                   </a:solidFill>
@@ -14178,7 +13701,7 @@
             </a:ln>
             <a:extLst>
               <a:ext uri="{91240B29-F687-4f45-9708-019B960494DF}">
-                <a14:hiddenLine xmlns:a14="http://schemas.microsoft.com/office/drawing/2010/main" xmlns:p14="http://schemas.microsoft.com/office/powerpoint/2010/main" xmlns:a16="http://schemas.microsoft.com/office/drawing/2014/main" xmlns="" w="9525">
+                <a14:hiddenLine xmlns="" xmlns:a16="http://schemas.microsoft.com/office/drawing/2014/main" xmlns:p14="http://schemas.microsoft.com/office/powerpoint/2010/main" xmlns:a14="http://schemas.microsoft.com/office/drawing/2010/main" w="9525">
                   <a:solidFill>
                     <a:srgbClr val="000000"/>
                   </a:solidFill>
@@ -14303,7 +13826,7 @@
             </a:ln>
             <a:extLst>
               <a:ext uri="{91240B29-F687-4f45-9708-019B960494DF}">
-                <a14:hiddenLine xmlns:a14="http://schemas.microsoft.com/office/drawing/2010/main" xmlns:p14="http://schemas.microsoft.com/office/powerpoint/2010/main" xmlns:a16="http://schemas.microsoft.com/office/drawing/2014/main" xmlns="" w="9525">
+                <a14:hiddenLine xmlns="" xmlns:a16="http://schemas.microsoft.com/office/drawing/2014/main" xmlns:p14="http://schemas.microsoft.com/office/powerpoint/2010/main" xmlns:a14="http://schemas.microsoft.com/office/drawing/2010/main" w="9525">
                   <a:solidFill>
                     <a:srgbClr val="000000"/>
                   </a:solidFill>
@@ -14380,7 +13903,7 @@
             </a:ln>
             <a:extLst>
               <a:ext uri="{91240B29-F687-4f45-9708-019B960494DF}">
-                <a14:hiddenLine xmlns:a14="http://schemas.microsoft.com/office/drawing/2010/main" xmlns:p14="http://schemas.microsoft.com/office/powerpoint/2010/main" xmlns:a16="http://schemas.microsoft.com/office/drawing/2014/main" xmlns="" w="9525">
+                <a14:hiddenLine xmlns="" xmlns:a16="http://schemas.microsoft.com/office/drawing/2014/main" xmlns:p14="http://schemas.microsoft.com/office/powerpoint/2010/main" xmlns:a14="http://schemas.microsoft.com/office/drawing/2010/main" w="9525">
                   <a:solidFill>
                     <a:srgbClr val="000000"/>
                   </a:solidFill>
@@ -14485,7 +14008,7 @@
             </a:ln>
             <a:extLst>
               <a:ext uri="{91240B29-F687-4f45-9708-019B960494DF}">
-                <a14:hiddenLine xmlns:a14="http://schemas.microsoft.com/office/drawing/2010/main" xmlns:p14="http://schemas.microsoft.com/office/powerpoint/2010/main" xmlns:a16="http://schemas.microsoft.com/office/drawing/2014/main" xmlns="" w="9525">
+                <a14:hiddenLine xmlns="" xmlns:a16="http://schemas.microsoft.com/office/drawing/2014/main" xmlns:p14="http://schemas.microsoft.com/office/powerpoint/2010/main" xmlns:a14="http://schemas.microsoft.com/office/drawing/2010/main" w="9525">
                   <a:solidFill>
                     <a:srgbClr val="000000"/>
                   </a:solidFill>
@@ -14590,7 +14113,7 @@
             </a:ln>
             <a:extLst>
               <a:ext uri="{91240B29-F687-4f45-9708-019B960494DF}">
-                <a14:hiddenLine xmlns:a14="http://schemas.microsoft.com/office/drawing/2010/main" xmlns:p14="http://schemas.microsoft.com/office/powerpoint/2010/main" xmlns:a16="http://schemas.microsoft.com/office/drawing/2014/main" xmlns="" w="9525">
+                <a14:hiddenLine xmlns="" xmlns:a16="http://schemas.microsoft.com/office/drawing/2014/main" xmlns:p14="http://schemas.microsoft.com/office/powerpoint/2010/main" xmlns:a14="http://schemas.microsoft.com/office/drawing/2010/main" w="9525">
                   <a:solidFill>
                     <a:srgbClr val="000000"/>
                   </a:solidFill>
@@ -14667,7 +14190,7 @@
             </a:ln>
             <a:extLst>
               <a:ext uri="{91240B29-F687-4f45-9708-019B960494DF}">
-                <a14:hiddenLine xmlns:a14="http://schemas.microsoft.com/office/drawing/2010/main" xmlns:p14="http://schemas.microsoft.com/office/powerpoint/2010/main" xmlns:a16="http://schemas.microsoft.com/office/drawing/2014/main" xmlns="" w="9525">
+                <a14:hiddenLine xmlns="" xmlns:a16="http://schemas.microsoft.com/office/drawing/2014/main" xmlns:p14="http://schemas.microsoft.com/office/powerpoint/2010/main" xmlns:a14="http://schemas.microsoft.com/office/drawing/2010/main" w="9525">
                   <a:solidFill>
                     <a:srgbClr val="000000"/>
                   </a:solidFill>
@@ -14772,7 +14295,7 @@
             </a:ln>
             <a:extLst>
               <a:ext uri="{91240B29-F687-4f45-9708-019B960494DF}">
-                <a14:hiddenLine xmlns:a14="http://schemas.microsoft.com/office/drawing/2010/main" xmlns:p14="http://schemas.microsoft.com/office/powerpoint/2010/main" xmlns:a16="http://schemas.microsoft.com/office/drawing/2014/main" xmlns="" w="9525">
+                <a14:hiddenLine xmlns="" xmlns:a16="http://schemas.microsoft.com/office/drawing/2014/main" xmlns:p14="http://schemas.microsoft.com/office/powerpoint/2010/main" xmlns:a14="http://schemas.microsoft.com/office/drawing/2010/main" w="9525">
                   <a:solidFill>
                     <a:srgbClr val="000000"/>
                   </a:solidFill>
@@ -14877,7 +14400,7 @@
             </a:ln>
             <a:extLst>
               <a:ext uri="{91240B29-F687-4f45-9708-019B960494DF}">
-                <a14:hiddenLine xmlns:a14="http://schemas.microsoft.com/office/drawing/2010/main" xmlns:p14="http://schemas.microsoft.com/office/powerpoint/2010/main" xmlns:a16="http://schemas.microsoft.com/office/drawing/2014/main" xmlns="" w="9525">
+                <a14:hiddenLine xmlns="" xmlns:a16="http://schemas.microsoft.com/office/drawing/2014/main" xmlns:p14="http://schemas.microsoft.com/office/powerpoint/2010/main" xmlns:a14="http://schemas.microsoft.com/office/drawing/2010/main" w="9525">
                   <a:solidFill>
                     <a:srgbClr val="000000"/>
                   </a:solidFill>
@@ -14948,7 +14471,7 @@
             </a:ln>
             <a:extLst>
               <a:ext uri="{91240B29-F687-4f45-9708-019B960494DF}">
-                <a14:hiddenLine xmlns:a14="http://schemas.microsoft.com/office/drawing/2010/main" xmlns:p14="http://schemas.microsoft.com/office/powerpoint/2010/main" xmlns:a16="http://schemas.microsoft.com/office/drawing/2014/main" xmlns="" w="9525">
+                <a14:hiddenLine xmlns="" xmlns:a16="http://schemas.microsoft.com/office/drawing/2014/main" xmlns:p14="http://schemas.microsoft.com/office/powerpoint/2010/main" xmlns:a14="http://schemas.microsoft.com/office/drawing/2010/main" w="9525">
                   <a:solidFill>
                     <a:srgbClr val="000000"/>
                   </a:solidFill>
@@ -15053,7 +14576,7 @@
             </a:ln>
             <a:extLst>
               <a:ext uri="{91240B29-F687-4f45-9708-019B960494DF}">
-                <a14:hiddenLine xmlns:a14="http://schemas.microsoft.com/office/drawing/2010/main" xmlns:p14="http://schemas.microsoft.com/office/powerpoint/2010/main" xmlns:a16="http://schemas.microsoft.com/office/drawing/2014/main" xmlns="" w="9525">
+                <a14:hiddenLine xmlns="" xmlns:a16="http://schemas.microsoft.com/office/drawing/2014/main" xmlns:p14="http://schemas.microsoft.com/office/powerpoint/2010/main" xmlns:a14="http://schemas.microsoft.com/office/drawing/2010/main" w="9525">
                   <a:solidFill>
                     <a:srgbClr val="000000"/>
                   </a:solidFill>
@@ -15124,7 +14647,7 @@
             </a:ln>
             <a:extLst>
               <a:ext uri="{91240B29-F687-4f45-9708-019B960494DF}">
-                <a14:hiddenLine xmlns:a14="http://schemas.microsoft.com/office/drawing/2010/main" xmlns:p14="http://schemas.microsoft.com/office/powerpoint/2010/main" xmlns:a16="http://schemas.microsoft.com/office/drawing/2014/main" xmlns="" w="9525">
+                <a14:hiddenLine xmlns="" xmlns:a16="http://schemas.microsoft.com/office/drawing/2014/main" xmlns:p14="http://schemas.microsoft.com/office/powerpoint/2010/main" xmlns:a14="http://schemas.microsoft.com/office/drawing/2010/main" w="9525">
                   <a:solidFill>
                     <a:srgbClr val="000000"/>
                   </a:solidFill>
@@ -15229,7 +14752,7 @@
             </a:ln>
             <a:extLst>
               <a:ext uri="{91240B29-F687-4f45-9708-019B960494DF}">
-                <a14:hiddenLine xmlns:a14="http://schemas.microsoft.com/office/drawing/2010/main" xmlns:p14="http://schemas.microsoft.com/office/powerpoint/2010/main" xmlns:a16="http://schemas.microsoft.com/office/drawing/2014/main" xmlns="" w="9525">
+                <a14:hiddenLine xmlns="" xmlns:a16="http://schemas.microsoft.com/office/drawing/2014/main" xmlns:p14="http://schemas.microsoft.com/office/powerpoint/2010/main" xmlns:a14="http://schemas.microsoft.com/office/drawing/2010/main" w="9525">
                   <a:solidFill>
                     <a:srgbClr val="000000"/>
                   </a:solidFill>
@@ -15312,7 +14835,7 @@
             </a:ln>
             <a:extLst>
               <a:ext uri="{91240B29-F687-4f45-9708-019B960494DF}">
-                <a14:hiddenLine xmlns:a14="http://schemas.microsoft.com/office/drawing/2010/main" xmlns:p14="http://schemas.microsoft.com/office/powerpoint/2010/main" xmlns:a16="http://schemas.microsoft.com/office/drawing/2014/main" xmlns="" w="9525">
+                <a14:hiddenLine xmlns="" xmlns:a16="http://schemas.microsoft.com/office/drawing/2014/main" xmlns:p14="http://schemas.microsoft.com/office/powerpoint/2010/main" xmlns:a14="http://schemas.microsoft.com/office/drawing/2010/main" w="9525">
                   <a:solidFill>
                     <a:srgbClr val="000000"/>
                   </a:solidFill>
@@ -15417,7 +14940,7 @@
             </a:ln>
             <a:extLst>
               <a:ext uri="{91240B29-F687-4f45-9708-019B960494DF}">
-                <a14:hiddenLine xmlns:a14="http://schemas.microsoft.com/office/drawing/2010/main" xmlns:p14="http://schemas.microsoft.com/office/powerpoint/2010/main" xmlns:a16="http://schemas.microsoft.com/office/drawing/2014/main" xmlns="" w="9525">
+                <a14:hiddenLine xmlns="" xmlns:a16="http://schemas.microsoft.com/office/drawing/2014/main" xmlns:p14="http://schemas.microsoft.com/office/powerpoint/2010/main" xmlns:a14="http://schemas.microsoft.com/office/drawing/2010/main" w="9525">
                   <a:solidFill>
                     <a:srgbClr val="000000"/>
                   </a:solidFill>
@@ -15500,7 +15023,7 @@
             </a:ln>
             <a:extLst>
               <a:ext uri="{91240B29-F687-4f45-9708-019B960494DF}">
-                <a14:hiddenLine xmlns:a14="http://schemas.microsoft.com/office/drawing/2010/main" xmlns:p14="http://schemas.microsoft.com/office/powerpoint/2010/main" xmlns:a16="http://schemas.microsoft.com/office/drawing/2014/main" xmlns="" w="9525">
+                <a14:hiddenLine xmlns="" xmlns:a16="http://schemas.microsoft.com/office/drawing/2014/main" xmlns:p14="http://schemas.microsoft.com/office/powerpoint/2010/main" xmlns:a14="http://schemas.microsoft.com/office/drawing/2010/main" w="9525">
                   <a:solidFill>
                     <a:srgbClr val="000000"/>
                   </a:solidFill>
@@ -15605,7 +15128,7 @@
             </a:ln>
             <a:extLst>
               <a:ext uri="{91240B29-F687-4f45-9708-019B960494DF}">
-                <a14:hiddenLine xmlns:a14="http://schemas.microsoft.com/office/drawing/2010/main" xmlns:p14="http://schemas.microsoft.com/office/powerpoint/2010/main" xmlns:a16="http://schemas.microsoft.com/office/drawing/2014/main" xmlns="" w="9525">
+                <a14:hiddenLine xmlns="" xmlns:a16="http://schemas.microsoft.com/office/drawing/2014/main" xmlns:p14="http://schemas.microsoft.com/office/powerpoint/2010/main" xmlns:a14="http://schemas.microsoft.com/office/drawing/2010/main" w="9525">
                   <a:solidFill>
                     <a:srgbClr val="000000"/>
                   </a:solidFill>
@@ -15654,7 +15177,7 @@
             </a:ln>
             <a:extLst>
               <a:ext uri="{91240B29-F687-4f45-9708-019B960494DF}">
-                <a14:hiddenLine xmlns:a14="http://schemas.microsoft.com/office/drawing/2010/main" xmlns:p14="http://schemas.microsoft.com/office/powerpoint/2010/main" xmlns:a16="http://schemas.microsoft.com/office/drawing/2014/main" xmlns="" w="9525">
+                <a14:hiddenLine xmlns="" xmlns:a16="http://schemas.microsoft.com/office/drawing/2014/main" xmlns:p14="http://schemas.microsoft.com/office/powerpoint/2010/main" xmlns:a14="http://schemas.microsoft.com/office/drawing/2010/main" w="9525">
                   <a:solidFill>
                     <a:srgbClr val="000000"/>
                   </a:solidFill>
@@ -15759,7 +15282,7 @@
             </a:ln>
             <a:extLst>
               <a:ext uri="{91240B29-F687-4f45-9708-019B960494DF}">
-                <a14:hiddenLine xmlns:a14="http://schemas.microsoft.com/office/drawing/2010/main" xmlns:p14="http://schemas.microsoft.com/office/powerpoint/2010/main" xmlns:a16="http://schemas.microsoft.com/office/drawing/2014/main" xmlns="" w="9525">
+                <a14:hiddenLine xmlns="" xmlns:a16="http://schemas.microsoft.com/office/drawing/2014/main" xmlns:p14="http://schemas.microsoft.com/office/powerpoint/2010/main" xmlns:a14="http://schemas.microsoft.com/office/drawing/2010/main" w="9525">
                   <a:solidFill>
                     <a:srgbClr val="000000"/>
                   </a:solidFill>
@@ -15836,7 +15359,7 @@
             </a:ln>
             <a:extLst>
               <a:ext uri="{91240B29-F687-4f45-9708-019B960494DF}">
-                <a14:hiddenLine xmlns:a14="http://schemas.microsoft.com/office/drawing/2010/main" xmlns:p14="http://schemas.microsoft.com/office/powerpoint/2010/main" xmlns:a16="http://schemas.microsoft.com/office/drawing/2014/main" xmlns="" w="9525">
+                <a14:hiddenLine xmlns="" xmlns:a16="http://schemas.microsoft.com/office/drawing/2014/main" xmlns:p14="http://schemas.microsoft.com/office/powerpoint/2010/main" xmlns:a14="http://schemas.microsoft.com/office/drawing/2010/main" w="9525">
                   <a:solidFill>
                     <a:srgbClr val="000000"/>
                   </a:solidFill>
@@ -15913,7 +15436,7 @@
             </a:ln>
             <a:extLst>
               <a:ext uri="{91240B29-F687-4f45-9708-019B960494DF}">
-                <a14:hiddenLine xmlns:a14="http://schemas.microsoft.com/office/drawing/2010/main" xmlns:p14="http://schemas.microsoft.com/office/powerpoint/2010/main" xmlns:a16="http://schemas.microsoft.com/office/drawing/2014/main" xmlns="" w="9525">
+                <a14:hiddenLine xmlns="" xmlns:a16="http://schemas.microsoft.com/office/drawing/2014/main" xmlns:p14="http://schemas.microsoft.com/office/powerpoint/2010/main" xmlns:a14="http://schemas.microsoft.com/office/drawing/2010/main" w="9525">
                   <a:solidFill>
                     <a:srgbClr val="000000"/>
                   </a:solidFill>
@@ -16018,7 +15541,7 @@
             </a:ln>
             <a:extLst>
               <a:ext uri="{91240B29-F687-4f45-9708-019B960494DF}">
-                <a14:hiddenLine xmlns:a14="http://schemas.microsoft.com/office/drawing/2010/main" xmlns:p14="http://schemas.microsoft.com/office/powerpoint/2010/main" xmlns:a16="http://schemas.microsoft.com/office/drawing/2014/main" xmlns="" w="9525">
+                <a14:hiddenLine xmlns="" xmlns:a16="http://schemas.microsoft.com/office/drawing/2014/main" xmlns:p14="http://schemas.microsoft.com/office/powerpoint/2010/main" xmlns:a14="http://schemas.microsoft.com/office/drawing/2010/main" w="9525">
                   <a:solidFill>
                     <a:srgbClr val="000000"/>
                   </a:solidFill>
@@ -16101,7 +15624,7 @@
             </a:ln>
             <a:extLst>
               <a:ext uri="{91240B29-F687-4f45-9708-019B960494DF}">
-                <a14:hiddenLine xmlns:a14="http://schemas.microsoft.com/office/drawing/2010/main" xmlns:p14="http://schemas.microsoft.com/office/powerpoint/2010/main" xmlns:a16="http://schemas.microsoft.com/office/drawing/2014/main" xmlns="" w="9525">
+                <a14:hiddenLine xmlns="" xmlns:a16="http://schemas.microsoft.com/office/drawing/2014/main" xmlns:p14="http://schemas.microsoft.com/office/powerpoint/2010/main" xmlns:a14="http://schemas.microsoft.com/office/drawing/2010/main" w="9525">
                   <a:solidFill>
                     <a:srgbClr val="000000"/>
                   </a:solidFill>
@@ -16178,7 +15701,7 @@
             </a:ln>
             <a:extLst>
               <a:ext uri="{91240B29-F687-4f45-9708-019B960494DF}">
-                <a14:hiddenLine xmlns:a14="http://schemas.microsoft.com/office/drawing/2010/main" xmlns:p14="http://schemas.microsoft.com/office/powerpoint/2010/main" xmlns:a16="http://schemas.microsoft.com/office/drawing/2014/main" xmlns="" w="9525">
+                <a14:hiddenLine xmlns="" xmlns:a16="http://schemas.microsoft.com/office/drawing/2014/main" xmlns:p14="http://schemas.microsoft.com/office/powerpoint/2010/main" xmlns:a14="http://schemas.microsoft.com/office/drawing/2010/main" w="9525">
                   <a:solidFill>
                     <a:srgbClr val="000000"/>
                   </a:solidFill>
@@ -16283,7 +15806,7 @@
             </a:ln>
             <a:extLst>
               <a:ext uri="{91240B29-F687-4f45-9708-019B960494DF}">
-                <a14:hiddenLine xmlns:a14="http://schemas.microsoft.com/office/drawing/2010/main" xmlns:p14="http://schemas.microsoft.com/office/powerpoint/2010/main" xmlns:a16="http://schemas.microsoft.com/office/drawing/2014/main" xmlns="" w="9525">
+                <a14:hiddenLine xmlns="" xmlns:a16="http://schemas.microsoft.com/office/drawing/2014/main" xmlns:p14="http://schemas.microsoft.com/office/powerpoint/2010/main" xmlns:a14="http://schemas.microsoft.com/office/drawing/2010/main" w="9525">
                   <a:solidFill>
                     <a:srgbClr val="000000"/>
                   </a:solidFill>
@@ -16360,7 +15883,7 @@
             </a:ln>
             <a:extLst>
               <a:ext uri="{91240B29-F687-4f45-9708-019B960494DF}">
-                <a14:hiddenLine xmlns:a14="http://schemas.microsoft.com/office/drawing/2010/main" xmlns:p14="http://schemas.microsoft.com/office/powerpoint/2010/main" xmlns:a16="http://schemas.microsoft.com/office/drawing/2014/main" xmlns="" w="9525">
+                <a14:hiddenLine xmlns="" xmlns:a16="http://schemas.microsoft.com/office/drawing/2014/main" xmlns:p14="http://schemas.microsoft.com/office/powerpoint/2010/main" xmlns:a14="http://schemas.microsoft.com/office/drawing/2010/main" w="9525">
                   <a:solidFill>
                     <a:srgbClr val="000000"/>
                   </a:solidFill>
@@ -16465,7 +15988,7 @@
             </a:ln>
             <a:extLst>
               <a:ext uri="{91240B29-F687-4f45-9708-019B960494DF}">
-                <a14:hiddenLine xmlns:a14="http://schemas.microsoft.com/office/drawing/2010/main" xmlns:p14="http://schemas.microsoft.com/office/powerpoint/2010/main" xmlns:a16="http://schemas.microsoft.com/office/drawing/2014/main" xmlns="" w="9525">
+                <a14:hiddenLine xmlns="" xmlns:a16="http://schemas.microsoft.com/office/drawing/2014/main" xmlns:p14="http://schemas.microsoft.com/office/powerpoint/2010/main" xmlns:a14="http://schemas.microsoft.com/office/drawing/2010/main" w="9525">
                   <a:solidFill>
                     <a:srgbClr val="000000"/>
                   </a:solidFill>
@@ -16542,7 +16065,7 @@
             </a:ln>
             <a:extLst>
               <a:ext uri="{91240B29-F687-4f45-9708-019B960494DF}">
-                <a14:hiddenLine xmlns:a14="http://schemas.microsoft.com/office/drawing/2010/main" xmlns:p14="http://schemas.microsoft.com/office/powerpoint/2010/main" xmlns:a16="http://schemas.microsoft.com/office/drawing/2014/main" xmlns="" w="9525">
+                <a14:hiddenLine xmlns="" xmlns:a16="http://schemas.microsoft.com/office/drawing/2014/main" xmlns:p14="http://schemas.microsoft.com/office/powerpoint/2010/main" xmlns:a14="http://schemas.microsoft.com/office/drawing/2010/main" w="9525">
                   <a:solidFill>
                     <a:srgbClr val="000000"/>
                   </a:solidFill>
@@ -16647,7 +16170,7 @@
             </a:ln>
             <a:extLst>
               <a:ext uri="{91240B29-F687-4f45-9708-019B960494DF}">
-                <a14:hiddenLine xmlns:a14="http://schemas.microsoft.com/office/drawing/2010/main" xmlns:p14="http://schemas.microsoft.com/office/powerpoint/2010/main" xmlns:a16="http://schemas.microsoft.com/office/drawing/2014/main" xmlns="" w="9525">
+                <a14:hiddenLine xmlns="" xmlns:a16="http://schemas.microsoft.com/office/drawing/2014/main" xmlns:p14="http://schemas.microsoft.com/office/powerpoint/2010/main" xmlns:a14="http://schemas.microsoft.com/office/drawing/2010/main" w="9525">
                   <a:solidFill>
                     <a:srgbClr val="000000"/>
                   </a:solidFill>
@@ -16696,7 +16219,7 @@
             </a:ln>
             <a:extLst>
               <a:ext uri="{91240B29-F687-4f45-9708-019B960494DF}">
-                <a14:hiddenLine xmlns:a14="http://schemas.microsoft.com/office/drawing/2010/main" xmlns:p14="http://schemas.microsoft.com/office/powerpoint/2010/main" xmlns:a16="http://schemas.microsoft.com/office/drawing/2014/main" xmlns="" w="9525">
+                <a14:hiddenLine xmlns="" xmlns:a16="http://schemas.microsoft.com/office/drawing/2014/main" xmlns:p14="http://schemas.microsoft.com/office/powerpoint/2010/main" xmlns:a14="http://schemas.microsoft.com/office/drawing/2010/main" w="9525">
                   <a:solidFill>
                     <a:srgbClr val="000000"/>
                   </a:solidFill>
@@ -16776,7 +16299,7 @@
             </a:ln>
             <a:extLst>
               <a:ext uri="{91240B29-F687-4f45-9708-019B960494DF}">
-                <a14:hiddenLine xmlns:a14="http://schemas.microsoft.com/office/drawing/2010/main" xmlns:p14="http://schemas.microsoft.com/office/powerpoint/2010/main" xmlns:a16="http://schemas.microsoft.com/office/drawing/2014/main" xmlns="" w="9525">
+                <a14:hiddenLine xmlns="" xmlns:a16="http://schemas.microsoft.com/office/drawing/2014/main" xmlns:p14="http://schemas.microsoft.com/office/powerpoint/2010/main" xmlns:a14="http://schemas.microsoft.com/office/drawing/2010/main" w="9525">
                   <a:solidFill>
                     <a:srgbClr val="000000"/>
                   </a:solidFill>
@@ -16881,7 +16404,7 @@
             </a:ln>
             <a:extLst>
               <a:ext uri="{91240B29-F687-4f45-9708-019B960494DF}">
-                <a14:hiddenLine xmlns:a14="http://schemas.microsoft.com/office/drawing/2010/main" xmlns:p14="http://schemas.microsoft.com/office/powerpoint/2010/main" xmlns:a16="http://schemas.microsoft.com/office/drawing/2014/main" xmlns="" w="9525">
+                <a14:hiddenLine xmlns="" xmlns:a16="http://schemas.microsoft.com/office/drawing/2014/main" xmlns:p14="http://schemas.microsoft.com/office/powerpoint/2010/main" xmlns:a14="http://schemas.microsoft.com/office/drawing/2010/main" w="9525">
                   <a:solidFill>
                     <a:srgbClr val="000000"/>
                   </a:solidFill>
@@ -16958,7 +16481,7 @@
             </a:ln>
             <a:extLst>
               <a:ext uri="{91240B29-F687-4f45-9708-019B960494DF}">
-                <a14:hiddenLine xmlns:a14="http://schemas.microsoft.com/office/drawing/2010/main" xmlns:p14="http://schemas.microsoft.com/office/powerpoint/2010/main" xmlns:a16="http://schemas.microsoft.com/office/drawing/2014/main" xmlns="" w="9525">
+                <a14:hiddenLine xmlns="" xmlns:a16="http://schemas.microsoft.com/office/drawing/2014/main" xmlns:p14="http://schemas.microsoft.com/office/powerpoint/2010/main" xmlns:a14="http://schemas.microsoft.com/office/drawing/2010/main" w="9525">
                   <a:solidFill>
                     <a:srgbClr val="000000"/>
                   </a:solidFill>
@@ -17063,7 +16586,7 @@
             </a:ln>
             <a:extLst>
               <a:ext uri="{91240B29-F687-4f45-9708-019B960494DF}">
-                <a14:hiddenLine xmlns:a14="http://schemas.microsoft.com/office/drawing/2010/main" xmlns:p14="http://schemas.microsoft.com/office/powerpoint/2010/main" xmlns:a16="http://schemas.microsoft.com/office/drawing/2014/main" xmlns="" w="9525">
+                <a14:hiddenLine xmlns="" xmlns:a16="http://schemas.microsoft.com/office/drawing/2014/main" xmlns:p14="http://schemas.microsoft.com/office/powerpoint/2010/main" xmlns:a14="http://schemas.microsoft.com/office/drawing/2010/main" w="9525">
                   <a:solidFill>
                     <a:srgbClr val="000000"/>
                   </a:solidFill>
@@ -17168,7 +16691,7 @@
             </a:ln>
             <a:extLst>
               <a:ext uri="{91240B29-F687-4f45-9708-019B960494DF}">
-                <a14:hiddenLine xmlns:a14="http://schemas.microsoft.com/office/drawing/2010/main" xmlns:p14="http://schemas.microsoft.com/office/powerpoint/2010/main" xmlns:a16="http://schemas.microsoft.com/office/drawing/2014/main" xmlns="" w="9525">
+                <a14:hiddenLine xmlns="" xmlns:a16="http://schemas.microsoft.com/office/drawing/2014/main" xmlns:p14="http://schemas.microsoft.com/office/powerpoint/2010/main" xmlns:a14="http://schemas.microsoft.com/office/drawing/2010/main" w="9525">
                   <a:solidFill>
                     <a:srgbClr val="000000"/>
                   </a:solidFill>
@@ -17248,7 +16771,7 @@
             </a:ln>
             <a:extLst>
               <a:ext uri="{91240B29-F687-4f45-9708-019B960494DF}">
-                <a14:hiddenLine xmlns:a14="http://schemas.microsoft.com/office/drawing/2010/main" xmlns:p14="http://schemas.microsoft.com/office/powerpoint/2010/main" xmlns:a16="http://schemas.microsoft.com/office/drawing/2014/main" xmlns="" w="9525">
+                <a14:hiddenLine xmlns="" xmlns:a16="http://schemas.microsoft.com/office/drawing/2014/main" xmlns:p14="http://schemas.microsoft.com/office/powerpoint/2010/main" xmlns:a14="http://schemas.microsoft.com/office/drawing/2010/main" w="9525">
                   <a:solidFill>
                     <a:srgbClr val="000000"/>
                   </a:solidFill>
@@ -17325,7 +16848,7 @@
             </a:ln>
             <a:extLst>
               <a:ext uri="{91240B29-F687-4f45-9708-019B960494DF}">
-                <a14:hiddenLine xmlns:a14="http://schemas.microsoft.com/office/drawing/2010/main" xmlns:p14="http://schemas.microsoft.com/office/powerpoint/2010/main" xmlns:a16="http://schemas.microsoft.com/office/drawing/2014/main" xmlns="" w="9525">
+                <a14:hiddenLine xmlns="" xmlns:a16="http://schemas.microsoft.com/office/drawing/2014/main" xmlns:p14="http://schemas.microsoft.com/office/powerpoint/2010/main" xmlns:a14="http://schemas.microsoft.com/office/drawing/2010/main" w="9525">
                   <a:solidFill>
                     <a:srgbClr val="000000"/>
                   </a:solidFill>
@@ -17430,7 +16953,7 @@
             </a:ln>
             <a:extLst>
               <a:ext uri="{91240B29-F687-4f45-9708-019B960494DF}">
-                <a14:hiddenLine xmlns:a14="http://schemas.microsoft.com/office/drawing/2010/main" xmlns:p14="http://schemas.microsoft.com/office/powerpoint/2010/main" xmlns:a16="http://schemas.microsoft.com/office/drawing/2014/main" xmlns="" w="9525">
+                <a14:hiddenLine xmlns="" xmlns:a16="http://schemas.microsoft.com/office/drawing/2014/main" xmlns:p14="http://schemas.microsoft.com/office/powerpoint/2010/main" xmlns:a14="http://schemas.microsoft.com/office/drawing/2010/main" w="9525">
                   <a:solidFill>
                     <a:srgbClr val="000000"/>
                   </a:solidFill>
@@ -17535,7 +17058,7 @@
             </a:ln>
             <a:extLst>
               <a:ext uri="{91240B29-F687-4f45-9708-019B960494DF}">
-                <a14:hiddenLine xmlns:a14="http://schemas.microsoft.com/office/drawing/2010/main" xmlns:p14="http://schemas.microsoft.com/office/powerpoint/2010/main" xmlns:a16="http://schemas.microsoft.com/office/drawing/2014/main" xmlns="" w="9525">
+                <a14:hiddenLine xmlns="" xmlns:a16="http://schemas.microsoft.com/office/drawing/2014/main" xmlns:p14="http://schemas.microsoft.com/office/powerpoint/2010/main" xmlns:a14="http://schemas.microsoft.com/office/drawing/2010/main" w="9525">
                   <a:solidFill>
                     <a:srgbClr val="000000"/>
                   </a:solidFill>
@@ -17612,7 +17135,7 @@
             </a:ln>
             <a:extLst>
               <a:ext uri="{91240B29-F687-4f45-9708-019B960494DF}">
-                <a14:hiddenLine xmlns:a14="http://schemas.microsoft.com/office/drawing/2010/main" xmlns:p14="http://schemas.microsoft.com/office/powerpoint/2010/main" xmlns:a16="http://schemas.microsoft.com/office/drawing/2014/main" xmlns="" w="9525">
+                <a14:hiddenLine xmlns="" xmlns:a16="http://schemas.microsoft.com/office/drawing/2014/main" xmlns:p14="http://schemas.microsoft.com/office/powerpoint/2010/main" xmlns:a14="http://schemas.microsoft.com/office/drawing/2010/main" w="9525">
                   <a:solidFill>
                     <a:srgbClr val="000000"/>
                   </a:solidFill>
@@ -17747,7 +17270,7 @@
             </a:ln>
             <a:extLst>
               <a:ext uri="{91240B29-F687-4f45-9708-019B960494DF}">
-                <a14:hiddenLine xmlns:a14="http://schemas.microsoft.com/office/drawing/2010/main" xmlns:p14="http://schemas.microsoft.com/office/powerpoint/2010/main" xmlns:a16="http://schemas.microsoft.com/office/drawing/2014/main" xmlns="" w="9525">
+                <a14:hiddenLine xmlns="" xmlns:a16="http://schemas.microsoft.com/office/drawing/2014/main" xmlns:p14="http://schemas.microsoft.com/office/powerpoint/2010/main" xmlns:a14="http://schemas.microsoft.com/office/drawing/2010/main" w="9525">
                   <a:solidFill>
                     <a:srgbClr val="000000"/>
                   </a:solidFill>
@@ -17830,7 +17353,7 @@
             </a:ln>
             <a:extLst>
               <a:ext uri="{91240B29-F687-4f45-9708-019B960494DF}">
-                <a14:hiddenLine xmlns:a14="http://schemas.microsoft.com/office/drawing/2010/main" xmlns:p14="http://schemas.microsoft.com/office/powerpoint/2010/main" xmlns:a16="http://schemas.microsoft.com/office/drawing/2014/main" xmlns="" w="9525">
+                <a14:hiddenLine xmlns="" xmlns:a16="http://schemas.microsoft.com/office/drawing/2014/main" xmlns:p14="http://schemas.microsoft.com/office/powerpoint/2010/main" xmlns:a14="http://schemas.microsoft.com/office/drawing/2010/main" w="9525">
                   <a:solidFill>
                     <a:srgbClr val="000000"/>
                   </a:solidFill>
@@ -17935,7 +17458,7 @@
             </a:ln>
             <a:extLst>
               <a:ext uri="{91240B29-F687-4f45-9708-019B960494DF}">
-                <a14:hiddenLine xmlns:a14="http://schemas.microsoft.com/office/drawing/2010/main" xmlns:p14="http://schemas.microsoft.com/office/powerpoint/2010/main" xmlns:a16="http://schemas.microsoft.com/office/drawing/2014/main" xmlns="" w="9525">
+                <a14:hiddenLine xmlns="" xmlns:a16="http://schemas.microsoft.com/office/drawing/2014/main" xmlns:p14="http://schemas.microsoft.com/office/powerpoint/2010/main" xmlns:a14="http://schemas.microsoft.com/office/drawing/2010/main" w="9525">
                   <a:solidFill>
                     <a:srgbClr val="000000"/>
                   </a:solidFill>
@@ -18046,7 +17569,7 @@
 </p:sld>
 </file>
 
-<file path=ppt/slides/slide9.xml><?xml version="1.0" encoding="utf-8"?>
+<file path=ppt/slides/slide3.xml><?xml version="1.0" encoding="utf-8"?>
 <p:sld xmlns:a="http://schemas.openxmlformats.org/drawingml/2006/main" xmlns:r="http://schemas.openxmlformats.org/officeDocument/2006/relationships" xmlns:p="http://schemas.openxmlformats.org/presentationml/2006/main">
   <p:cSld>
     <p:spTree>
@@ -18065,13 +17588,7 @@
       </p:grpSpPr>
       <p:sp>
         <p:nvSpPr>
-          <p:cNvPr id="2" name="Title 1">
-            <a:extLst>
-              <a:ext uri="{FF2B5EF4-FFF2-40B4-BE49-F238E27FC236}">
-                <a16:creationId xmlns:a16="http://schemas.microsoft.com/office/drawing/2014/main" id="{40E036FA-A227-4FB5-84B7-010455956C5E}"/>
-              </a:ext>
-            </a:extLst>
-          </p:cNvPr>
+          <p:cNvPr id="2" name="Title 1"/>
           <p:cNvSpPr>
             <a:spLocks noGrp="1"/>
           </p:cNvSpPr>
@@ -18086,28 +17603,427 @@
           <a:p>
             <a:r>
               <a:rPr lang="en-US" dirty="0"/>
-              <a:t>User manual</a:t>
+              <a:t>What is retro paradise?</a:t>
             </a:r>
           </a:p>
         </p:txBody>
       </p:sp>
       <p:sp>
         <p:nvSpPr>
-          <p:cNvPr id="3" name="Text Placeholder 2">
-            <a:extLst>
-              <a:ext uri="{FF2B5EF4-FFF2-40B4-BE49-F238E27FC236}">
-                <a16:creationId xmlns:a16="http://schemas.microsoft.com/office/drawing/2014/main" id="{5CDC82A1-BE67-478B-B499-D9AADCEAB346}"/>
-              </a:ext>
-            </a:extLst>
-          </p:cNvPr>
+          <p:cNvPr id="3" name="Content Placeholder 2"/>
           <p:cNvSpPr>
             <a:spLocks noGrp="1"/>
           </p:cNvSpPr>
           <p:nvPr>
-            <p:ph type="body" idx="1"/>
+            <p:ph idx="1"/>
           </p:nvPr>
         </p:nvSpPr>
         <p:spPr/>
+        <p:txBody>
+          <a:bodyPr/>
+          <a:lstStyle/>
+          <a:p>
+            <a:r>
+              <a:rPr lang="en-US" dirty="0"/>
+              <a:t>Retro Paradise is store that buys and sells old video game consoles and games at a fair price all at the click of a button on your smartphone. </a:t>
+            </a:r>
+          </a:p>
+          <a:p>
+            <a:r>
+              <a:rPr lang="en-US" dirty="0"/>
+              <a:t>Have you ever thought “Wow, I would really like to get this game I played when I was younger?” well we got you covered.</a:t>
+            </a:r>
+          </a:p>
+          <a:p>
+            <a:r>
+              <a:rPr lang="en-US" dirty="0"/>
+              <a:t>This app is designed to cater towards retro game fans to help bring back rare/hard to find group of video games.</a:t>
+            </a:r>
+          </a:p>
+        </p:txBody>
+      </p:sp>
+    </p:spTree>
+    <p:extLst>
+      <p:ext uri="{BB962C8B-B14F-4D97-AF65-F5344CB8AC3E}">
+        <p14:creationId xmlns:p14="http://schemas.microsoft.com/office/powerpoint/2010/main" val="3733374344"/>
+      </p:ext>
+    </p:extLst>
+  </p:cSld>
+  <p:clrMapOvr>
+    <a:masterClrMapping/>
+  </p:clrMapOvr>
+</p:sld>
+</file>
+
+<file path=ppt/slides/slide4.xml><?xml version="1.0" encoding="utf-8"?>
+<p:sld xmlns:a="http://schemas.openxmlformats.org/drawingml/2006/main" xmlns:r="http://schemas.openxmlformats.org/officeDocument/2006/relationships" xmlns:p="http://schemas.openxmlformats.org/presentationml/2006/main">
+  <p:cSld>
+    <p:spTree>
+      <p:nvGrpSpPr>
+        <p:cNvPr id="1" name=""/>
+        <p:cNvGrpSpPr/>
+        <p:nvPr/>
+      </p:nvGrpSpPr>
+      <p:grpSpPr>
+        <a:xfrm>
+          <a:off x="0" y="0"/>
+          <a:ext cx="0" cy="0"/>
+          <a:chOff x="0" y="0"/>
+          <a:chExt cx="0" cy="0"/>
+        </a:xfrm>
+      </p:grpSpPr>
+      <p:sp>
+        <p:nvSpPr>
+          <p:cNvPr id="2" name="Title 1"/>
+          <p:cNvSpPr>
+            <a:spLocks noGrp="1"/>
+          </p:cNvSpPr>
+          <p:nvPr>
+            <p:ph type="title"/>
+          </p:nvPr>
+        </p:nvSpPr>
+        <p:spPr/>
+        <p:txBody>
+          <a:bodyPr/>
+          <a:lstStyle/>
+          <a:p>
+            <a:r>
+              <a:rPr lang="en-US" dirty="0"/>
+              <a:t>How do I use it?	</a:t>
+            </a:r>
+          </a:p>
+        </p:txBody>
+      </p:sp>
+      <p:sp>
+        <p:nvSpPr>
+          <p:cNvPr id="3" name="Content Placeholder 2"/>
+          <p:cNvSpPr>
+            <a:spLocks noGrp="1"/>
+          </p:cNvSpPr>
+          <p:nvPr>
+            <p:ph idx="1"/>
+          </p:nvPr>
+        </p:nvSpPr>
+        <p:spPr/>
+        <p:txBody>
+          <a:bodyPr/>
+          <a:lstStyle/>
+          <a:p>
+            <a:pPr marL="0" indent="0">
+              <a:buNone/>
+            </a:pPr>
+            <a:r>
+              <a:rPr lang="en-US" dirty="0"/>
+              <a:t>To use the app for our store you will have to register an account. It’s simple! After providing the information your account will be created and you can login and start shopping.</a:t>
+            </a:r>
+          </a:p>
+        </p:txBody>
+      </p:sp>
+    </p:spTree>
+    <p:extLst>
+      <p:ext uri="{BB962C8B-B14F-4D97-AF65-F5344CB8AC3E}">
+        <p14:creationId xmlns:p14="http://schemas.microsoft.com/office/powerpoint/2010/main" val="682165733"/>
+      </p:ext>
+    </p:extLst>
+  </p:cSld>
+  <p:clrMapOvr>
+    <a:masterClrMapping/>
+  </p:clrMapOvr>
+</p:sld>
+</file>
+
+<file path=ppt/slides/slide5.xml><?xml version="1.0" encoding="utf-8"?>
+<p:sld xmlns:a="http://schemas.openxmlformats.org/drawingml/2006/main" xmlns:r="http://schemas.openxmlformats.org/officeDocument/2006/relationships" xmlns:p="http://schemas.openxmlformats.org/presentationml/2006/main">
+  <p:cSld>
+    <p:spTree>
+      <p:nvGrpSpPr>
+        <p:cNvPr id="1" name=""/>
+        <p:cNvGrpSpPr/>
+        <p:nvPr/>
+      </p:nvGrpSpPr>
+      <p:grpSpPr>
+        <a:xfrm>
+          <a:off x="0" y="0"/>
+          <a:ext cx="0" cy="0"/>
+          <a:chOff x="0" y="0"/>
+          <a:chExt cx="0" cy="0"/>
+        </a:xfrm>
+      </p:grpSpPr>
+      <p:sp>
+        <p:nvSpPr>
+          <p:cNvPr id="2" name="Title 1"/>
+          <p:cNvSpPr>
+            <a:spLocks noGrp="1"/>
+          </p:cNvSpPr>
+          <p:nvPr>
+            <p:ph type="title"/>
+          </p:nvPr>
+        </p:nvSpPr>
+        <p:spPr/>
+        <p:txBody>
+          <a:bodyPr/>
+          <a:lstStyle/>
+          <a:p>
+            <a:r>
+              <a:rPr lang="en-US" dirty="0"/>
+              <a:t>Okay I’m signed in… now what?</a:t>
+            </a:r>
+          </a:p>
+        </p:txBody>
+      </p:sp>
+      <p:sp>
+        <p:nvSpPr>
+          <p:cNvPr id="3" name="Content Placeholder 2"/>
+          <p:cNvSpPr>
+            <a:spLocks noGrp="1"/>
+          </p:cNvSpPr>
+          <p:nvPr>
+            <p:ph idx="1"/>
+          </p:nvPr>
+        </p:nvSpPr>
+        <p:spPr/>
+        <p:txBody>
+          <a:bodyPr/>
+          <a:lstStyle/>
+          <a:p>
+            <a:pPr marL="0" indent="0">
+              <a:buNone/>
+            </a:pPr>
+            <a:r>
+              <a:rPr lang="en-US" dirty="0"/>
+              <a:t>Now that you’ve signed in you can search for anything you want. You can check new additions to the store as well as what’s coming. </a:t>
+            </a:r>
+          </a:p>
+        </p:txBody>
+      </p:sp>
+    </p:spTree>
+    <p:extLst>
+      <p:ext uri="{BB962C8B-B14F-4D97-AF65-F5344CB8AC3E}">
+        <p14:creationId xmlns:p14="http://schemas.microsoft.com/office/powerpoint/2010/main" val="2297594289"/>
+      </p:ext>
+    </p:extLst>
+  </p:cSld>
+  <p:clrMapOvr>
+    <a:masterClrMapping/>
+  </p:clrMapOvr>
+</p:sld>
+</file>
+
+<file path=ppt/slides/slide6.xml><?xml version="1.0" encoding="utf-8"?>
+<p:sld xmlns:a="http://schemas.openxmlformats.org/drawingml/2006/main" xmlns:r="http://schemas.openxmlformats.org/officeDocument/2006/relationships" xmlns:p="http://schemas.openxmlformats.org/presentationml/2006/main">
+  <p:cSld>
+    <p:spTree>
+      <p:nvGrpSpPr>
+        <p:cNvPr id="1" name=""/>
+        <p:cNvGrpSpPr/>
+        <p:nvPr/>
+      </p:nvGrpSpPr>
+      <p:grpSpPr>
+        <a:xfrm>
+          <a:off x="0" y="0"/>
+          <a:ext cx="0" cy="0"/>
+          <a:chOff x="0" y="0"/>
+          <a:chExt cx="0" cy="0"/>
+        </a:xfrm>
+      </p:grpSpPr>
+      <p:sp>
+        <p:nvSpPr>
+          <p:cNvPr id="2" name="Title 1"/>
+          <p:cNvSpPr>
+            <a:spLocks noGrp="1"/>
+          </p:cNvSpPr>
+          <p:nvPr>
+            <p:ph type="title"/>
+          </p:nvPr>
+        </p:nvSpPr>
+        <p:spPr/>
+        <p:txBody>
+          <a:bodyPr/>
+          <a:lstStyle/>
+          <a:p>
+            <a:r>
+              <a:rPr lang="en-US" dirty="0"/>
+              <a:t>Still need help with the app?</a:t>
+            </a:r>
+          </a:p>
+        </p:txBody>
+      </p:sp>
+      <p:sp>
+        <p:nvSpPr>
+          <p:cNvPr id="3" name="Content Placeholder 2"/>
+          <p:cNvSpPr>
+            <a:spLocks noGrp="1"/>
+          </p:cNvSpPr>
+          <p:nvPr>
+            <p:ph idx="1"/>
+          </p:nvPr>
+        </p:nvSpPr>
+        <p:spPr/>
+        <p:txBody>
+          <a:bodyPr/>
+          <a:lstStyle/>
+          <a:p>
+            <a:pPr marL="0" indent="0">
+              <a:buNone/>
+            </a:pPr>
+            <a:r>
+              <a:rPr lang="en-US" dirty="0"/>
+              <a:t>There’s a user manual for anyone that needs further assistance with using and navigating our app!</a:t>
+            </a:r>
+          </a:p>
+        </p:txBody>
+      </p:sp>
+    </p:spTree>
+    <p:extLst>
+      <p:ext uri="{BB962C8B-B14F-4D97-AF65-F5344CB8AC3E}">
+        <p14:creationId xmlns:p14="http://schemas.microsoft.com/office/powerpoint/2010/main" val="4096260686"/>
+      </p:ext>
+    </p:extLst>
+  </p:cSld>
+  <p:clrMapOvr>
+    <a:masterClrMapping/>
+  </p:clrMapOvr>
+</p:sld>
+</file>
+
+<file path=ppt/slides/slide7.xml><?xml version="1.0" encoding="utf-8"?>
+<p:sld xmlns:a="http://schemas.openxmlformats.org/drawingml/2006/main" xmlns:r="http://schemas.openxmlformats.org/officeDocument/2006/relationships" xmlns:p="http://schemas.openxmlformats.org/presentationml/2006/main">
+  <p:cSld>
+    <p:spTree>
+      <p:nvGrpSpPr>
+        <p:cNvPr id="1" name=""/>
+        <p:cNvGrpSpPr/>
+        <p:nvPr/>
+      </p:nvGrpSpPr>
+      <p:grpSpPr>
+        <a:xfrm>
+          <a:off x="0" y="0"/>
+          <a:ext cx="0" cy="0"/>
+          <a:chOff x="0" y="0"/>
+          <a:chExt cx="0" cy="0"/>
+        </a:xfrm>
+      </p:grpSpPr>
+      <p:sp>
+        <p:nvSpPr>
+          <p:cNvPr id="2" name="Title 1"/>
+          <p:cNvSpPr>
+            <a:spLocks noGrp="1"/>
+          </p:cNvSpPr>
+          <p:nvPr>
+            <p:ph type="title"/>
+          </p:nvPr>
+        </p:nvSpPr>
+        <p:spPr/>
+        <p:txBody>
+          <a:bodyPr/>
+          <a:lstStyle/>
+          <a:p>
+            <a:r>
+              <a:rPr lang="en-US" dirty="0"/>
+              <a:t>So now what?</a:t>
+            </a:r>
+          </a:p>
+        </p:txBody>
+      </p:sp>
+      <p:sp>
+        <p:nvSpPr>
+          <p:cNvPr id="3" name="Content Placeholder 2"/>
+          <p:cNvSpPr>
+            <a:spLocks noGrp="1"/>
+          </p:cNvSpPr>
+          <p:nvPr>
+            <p:ph idx="1"/>
+          </p:nvPr>
+        </p:nvSpPr>
+        <p:spPr/>
+        <p:txBody>
+          <a:bodyPr/>
+          <a:lstStyle/>
+          <a:p>
+            <a:pPr marL="0" indent="0">
+              <a:buNone/>
+            </a:pPr>
+            <a:endParaRPr lang="en-US" dirty="0"/>
+          </a:p>
+          <a:p>
+            <a:pPr marL="0" indent="0">
+              <a:buNone/>
+            </a:pPr>
+            <a:r>
+              <a:rPr lang="en-US" dirty="0"/>
+              <a:t>With additional time and effort we will grow this app from it is now to something much greater. Updates, more functionality, and of course anything else we can do to make sure this app grows to be a paradise for the games of old.</a:t>
+            </a:r>
+          </a:p>
+        </p:txBody>
+      </p:sp>
+    </p:spTree>
+    <p:extLst>
+      <p:ext uri="{BB962C8B-B14F-4D97-AF65-F5344CB8AC3E}">
+        <p14:creationId xmlns:p14="http://schemas.microsoft.com/office/powerpoint/2010/main" val="1196682050"/>
+      </p:ext>
+    </p:extLst>
+  </p:cSld>
+  <p:clrMapOvr>
+    <a:masterClrMapping/>
+  </p:clrMapOvr>
+</p:sld>
+</file>
+
+<file path=ppt/slides/slide8.xml><?xml version="1.0" encoding="utf-8"?>
+<p:sld xmlns:a="http://schemas.openxmlformats.org/drawingml/2006/main" xmlns:r="http://schemas.openxmlformats.org/officeDocument/2006/relationships" xmlns:p="http://schemas.openxmlformats.org/presentationml/2006/main">
+  <p:cSld>
+    <p:spTree>
+      <p:nvGrpSpPr>
+        <p:cNvPr id="1" name=""/>
+        <p:cNvGrpSpPr/>
+        <p:nvPr/>
+      </p:nvGrpSpPr>
+      <p:grpSpPr>
+        <a:xfrm>
+          <a:off x="0" y="0"/>
+          <a:ext cx="0" cy="0"/>
+          <a:chOff x="0" y="0"/>
+          <a:chExt cx="0" cy="0"/>
+        </a:xfrm>
+      </p:grpSpPr>
+      <p:sp>
+        <p:nvSpPr>
+          <p:cNvPr id="2" name="Title 1"/>
+          <p:cNvSpPr>
+            <a:spLocks noGrp="1"/>
+          </p:cNvSpPr>
+          <p:nvPr>
+            <p:ph type="title"/>
+          </p:nvPr>
+        </p:nvSpPr>
+        <p:spPr/>
+        <p:txBody>
+          <a:bodyPr/>
+          <a:lstStyle/>
+          <a:p>
+            <a:r>
+              <a:rPr lang="en-US" dirty="0"/>
+              <a:t>Thank you!</a:t>
+            </a:r>
+          </a:p>
+        </p:txBody>
+      </p:sp>
+      <p:sp>
+        <p:nvSpPr>
+          <p:cNvPr id="4" name="Content Placeholder 3"/>
+          <p:cNvSpPr>
+            <a:spLocks noGrp="1"/>
+          </p:cNvSpPr>
+          <p:nvPr>
+            <p:ph idx="1"/>
+          </p:nvPr>
+        </p:nvSpPr>
+        <p:spPr>
+          <a:xfrm>
+            <a:off x="1166579" y="2249487"/>
+            <a:ext cx="9905999" cy="3541714"/>
+          </a:xfrm>
+        </p:spPr>
         <p:txBody>
           <a:bodyPr/>
           <a:lstStyle/>
@@ -18116,286 +18032,10 @@
           </a:p>
         </p:txBody>
       </p:sp>
-      <p:sp>
-        <p:nvSpPr>
-          <p:cNvPr id="4" name="Text Placeholder 3">
-            <a:extLst>
-              <a:ext uri="{FF2B5EF4-FFF2-40B4-BE49-F238E27FC236}">
-                <a16:creationId xmlns:a16="http://schemas.microsoft.com/office/drawing/2014/main" id="{29619333-BE13-406E-8903-0F8BEBA4350B}"/>
-              </a:ext>
-            </a:extLst>
-          </p:cNvPr>
-          <p:cNvSpPr>
-            <a:spLocks noGrp="1"/>
-          </p:cNvSpPr>
-          <p:nvPr>
-            <p:ph type="body" sz="half" idx="15"/>
-          </p:nvPr>
-        </p:nvSpPr>
-        <p:spPr/>
-        <p:txBody>
-          <a:bodyPr>
-            <a:normAutofit fontScale="70000" lnSpcReduction="20000"/>
-          </a:bodyPr>
-          <a:lstStyle/>
-          <a:p>
-            <a:r>
-              <a:rPr lang="en-US" dirty="0"/>
-              <a:t>How to use:</a:t>
-            </a:r>
-          </a:p>
-          <a:p>
-            <a:r>
-              <a:rPr lang="en-US" dirty="0"/>
-              <a:t>To use the Retro Paradise Store Application you must login in by providing your User Name and Password at the login in screen.</a:t>
-            </a:r>
-          </a:p>
-          <a:p>
-            <a:r>
-              <a:rPr lang="en-US" dirty="0"/>
-              <a:t>If you are a new user, however, you will need to register by choosing “Register Account” instead of choosing to login.</a:t>
-            </a:r>
-          </a:p>
-          <a:p>
-            <a:r>
-              <a:rPr lang="en-US" dirty="0"/>
-              <a:t> </a:t>
-            </a:r>
-          </a:p>
-          <a:p>
-            <a:r>
-              <a:rPr lang="en-US" dirty="0"/>
-              <a:t>(Alternatively you can choose to skip sign in if you would like to browse without using an account and sign in later)</a:t>
-            </a:r>
-          </a:p>
-          <a:p>
-            <a:endParaRPr lang="en-US" dirty="0"/>
-          </a:p>
-        </p:txBody>
-      </p:sp>
-      <p:sp>
-        <p:nvSpPr>
-          <p:cNvPr id="5" name="Text Placeholder 4">
-            <a:extLst>
-              <a:ext uri="{FF2B5EF4-FFF2-40B4-BE49-F238E27FC236}">
-                <a16:creationId xmlns:a16="http://schemas.microsoft.com/office/drawing/2014/main" id="{A1A7BB32-9B24-4DA7-8A76-852526DD12FB}"/>
-              </a:ext>
-            </a:extLst>
-          </p:cNvPr>
-          <p:cNvSpPr>
-            <a:spLocks noGrp="1"/>
-          </p:cNvSpPr>
-          <p:nvPr>
-            <p:ph type="body" sz="quarter" idx="3"/>
-          </p:nvPr>
-        </p:nvSpPr>
-        <p:spPr/>
-        <p:txBody>
-          <a:bodyPr/>
-          <a:lstStyle/>
-          <a:p>
-            <a:endParaRPr lang="en-US"/>
-          </a:p>
-        </p:txBody>
-      </p:sp>
-      <p:sp>
-        <p:nvSpPr>
-          <p:cNvPr id="6" name="Text Placeholder 5">
-            <a:extLst>
-              <a:ext uri="{FF2B5EF4-FFF2-40B4-BE49-F238E27FC236}">
-                <a16:creationId xmlns:a16="http://schemas.microsoft.com/office/drawing/2014/main" id="{4F9EE0B1-DB65-4390-B464-DF13C6E906DC}"/>
-              </a:ext>
-            </a:extLst>
-          </p:cNvPr>
-          <p:cNvSpPr>
-            <a:spLocks noGrp="1"/>
-          </p:cNvSpPr>
-          <p:nvPr>
-            <p:ph type="body" sz="half" idx="16"/>
-          </p:nvPr>
-        </p:nvSpPr>
-        <p:spPr/>
-        <p:txBody>
-          <a:bodyPr>
-            <a:normAutofit fontScale="47500" lnSpcReduction="20000"/>
-          </a:bodyPr>
-          <a:lstStyle/>
-          <a:p>
-            <a:r>
-              <a:rPr lang="en-US" dirty="0"/>
-              <a:t>After successfully signing in to the app you can choose from the many different options below</a:t>
-            </a:r>
-          </a:p>
-          <a:p>
-            <a:r>
-              <a:rPr lang="en-US" dirty="0"/>
-              <a:t> </a:t>
-            </a:r>
-          </a:p>
-          <a:p>
-            <a:pPr lvl="0"/>
-            <a:r>
-              <a:rPr lang="en-US" dirty="0"/>
-              <a:t>1. Browse</a:t>
-            </a:r>
-          </a:p>
-          <a:p>
-            <a:pPr lvl="0"/>
-            <a:r>
-              <a:rPr lang="en-US" dirty="0"/>
-              <a:t>2. Your Orders</a:t>
-            </a:r>
-          </a:p>
-          <a:p>
-            <a:pPr lvl="0"/>
-            <a:r>
-              <a:rPr lang="en-US" dirty="0"/>
-              <a:t>3. Recommendations/Favorites</a:t>
-            </a:r>
-          </a:p>
-          <a:p>
-            <a:pPr lvl="0"/>
-            <a:r>
-              <a:rPr lang="en-US" dirty="0"/>
-              <a:t>4. Cart</a:t>
-            </a:r>
-          </a:p>
-          <a:p>
-            <a:pPr lvl="0"/>
-            <a:r>
-              <a:rPr lang="en-US" dirty="0"/>
-              <a:t>5. Settings</a:t>
-            </a:r>
-          </a:p>
-          <a:p>
-            <a:pPr lvl="0"/>
-            <a:r>
-              <a:rPr lang="en-US" dirty="0"/>
-              <a:t>6. Customer Service</a:t>
-            </a:r>
-          </a:p>
-          <a:p>
-            <a:pPr lvl="0"/>
-            <a:r>
-              <a:rPr lang="en-US" dirty="0"/>
-              <a:t>7. Account Access</a:t>
-            </a:r>
-          </a:p>
-          <a:p>
-            <a:r>
-              <a:rPr lang="en-US" dirty="0"/>
-              <a:t> </a:t>
-            </a:r>
-          </a:p>
-          <a:p>
-            <a:endParaRPr lang="en-US" dirty="0"/>
-          </a:p>
-        </p:txBody>
-      </p:sp>
-      <p:sp>
-        <p:nvSpPr>
-          <p:cNvPr id="7" name="Text Placeholder 6">
-            <a:extLst>
-              <a:ext uri="{FF2B5EF4-FFF2-40B4-BE49-F238E27FC236}">
-                <a16:creationId xmlns:a16="http://schemas.microsoft.com/office/drawing/2014/main" id="{50FB18C1-7B04-442F-8A48-A43148719582}"/>
-              </a:ext>
-            </a:extLst>
-          </p:cNvPr>
-          <p:cNvSpPr>
-            <a:spLocks noGrp="1"/>
-          </p:cNvSpPr>
-          <p:nvPr>
-            <p:ph type="body" sz="quarter" idx="13"/>
-          </p:nvPr>
-        </p:nvSpPr>
-        <p:spPr/>
-        <p:txBody>
-          <a:bodyPr/>
-          <a:lstStyle/>
-          <a:p>
-            <a:endParaRPr lang="en-US"/>
-          </a:p>
-        </p:txBody>
-      </p:sp>
-      <p:sp>
-        <p:nvSpPr>
-          <p:cNvPr id="8" name="Text Placeholder 7">
-            <a:extLst>
-              <a:ext uri="{FF2B5EF4-FFF2-40B4-BE49-F238E27FC236}">
-                <a16:creationId xmlns:a16="http://schemas.microsoft.com/office/drawing/2014/main" id="{BA43AAB8-0372-406D-AFDC-A60BBD07A93D}"/>
-              </a:ext>
-            </a:extLst>
-          </p:cNvPr>
-          <p:cNvSpPr>
-            <a:spLocks noGrp="1"/>
-          </p:cNvSpPr>
-          <p:nvPr>
-            <p:ph type="body" sz="half" idx="17"/>
-          </p:nvPr>
-        </p:nvSpPr>
-        <p:spPr/>
-        <p:txBody>
-          <a:bodyPr>
-            <a:normAutofit fontScale="47500" lnSpcReduction="20000"/>
-          </a:bodyPr>
-          <a:lstStyle/>
-          <a:p>
-            <a:r>
-              <a:rPr lang="en-US" dirty="0"/>
-              <a:t>Please refer to each section for further information.</a:t>
-            </a:r>
-          </a:p>
-          <a:p>
-            <a:r>
-              <a:rPr lang="en-US" dirty="0"/>
-              <a:t>Browsing consist of knowing what platform you are looking for, after that knowing what kind of accessory you need for that platform.</a:t>
-            </a:r>
-          </a:p>
-          <a:p>
-            <a:r>
-              <a:rPr lang="en-US" dirty="0"/>
-              <a:t>Once you have decided what you want, you can place your order, which will appear in the cart and then we will require your name, address, credit card information.</a:t>
-            </a:r>
-          </a:p>
-          <a:p>
-            <a:r>
-              <a:rPr lang="en-US" dirty="0"/>
-              <a:t>If need to change anything pertaining to the app, i.e. what kind of games are suggested to you while you browse, you can go to the settings portion of the app.</a:t>
-            </a:r>
-          </a:p>
-          <a:p>
-            <a:r>
-              <a:rPr lang="en-US" dirty="0"/>
-              <a:t>We also have customer service so If there is something you don’t understand or need help with, we are here to help you.</a:t>
-            </a:r>
-          </a:p>
-          <a:p>
-            <a:r>
-              <a:rPr lang="en-US" dirty="0"/>
-              <a:t>You can also access your account through the app, just incase you need to change or update something.</a:t>
-            </a:r>
-          </a:p>
-          <a:p>
-            <a:r>
-              <a:rPr lang="en-US" dirty="0"/>
-              <a:t> </a:t>
-            </a:r>
-          </a:p>
-          <a:p>
-            <a:r>
-              <a:rPr lang="en-US" dirty="0"/>
-              <a:t> </a:t>
-            </a:r>
-          </a:p>
-          <a:p>
-            <a:endParaRPr lang="en-US" dirty="0"/>
-          </a:p>
-        </p:txBody>
-      </p:sp>
     </p:spTree>
     <p:extLst>
       <p:ext uri="{BB962C8B-B14F-4D97-AF65-F5344CB8AC3E}">
-        <p14:creationId xmlns:p14="http://schemas.microsoft.com/office/powerpoint/2010/main" val="2403433657"/>
+        <p14:creationId xmlns:p14="http://schemas.microsoft.com/office/powerpoint/2010/main" val="556177165"/>
       </p:ext>
     </p:extLst>
   </p:cSld>
